--- a/Presentations/KnowledgeDistillation.pptx
+++ b/Presentations/KnowledgeDistillation.pptx
@@ -2,18 +2,28 @@
 <file path=ppt/presentation.xml><?xml version="1.0" encoding="utf-8"?>
 <p:presentation xmlns:a="http://schemas.openxmlformats.org/drawingml/2006/main" xmlns:r="http://schemas.openxmlformats.org/officeDocument/2006/relationships" xmlns:p="http://schemas.openxmlformats.org/presentationml/2006/main" saveSubsetFonts="1">
   <p:sldMasterIdLst>
-    <p:sldMasterId id="2147483648" r:id="rId1"/>
+    <p:sldMasterId id="2147483660" r:id="rId1"/>
   </p:sldMasterIdLst>
   <p:sldIdLst>
     <p:sldId id="256" r:id="rId2"/>
+    <p:sldId id="257" r:id="rId3"/>
+    <p:sldId id="258" r:id="rId4"/>
+    <p:sldId id="259" r:id="rId5"/>
+    <p:sldId id="260" r:id="rId6"/>
+    <p:sldId id="261" r:id="rId7"/>
+    <p:sldId id="262" r:id="rId8"/>
+    <p:sldId id="264" r:id="rId9"/>
+    <p:sldId id="265" r:id="rId10"/>
+    <p:sldId id="266" r:id="rId11"/>
+    <p:sldId id="263" r:id="rId12"/>
   </p:sldIdLst>
-  <p:sldSz cx="12192000" cy="6858000"/>
+  <p:sldSz cx="9144000" cy="6858000" type="screen4x3"/>
   <p:notesSz cx="6858000" cy="9144000"/>
   <p:defaultTextStyle>
     <a:defPPr>
       <a:defRPr lang="en-US"/>
     </a:defPPr>
-    <a:lvl1pPr marL="0" algn="l" defTabSz="914400" rtl="0" eaLnBrk="1" latinLnBrk="0" hangingPunct="1">
+    <a:lvl1pPr marL="0" algn="l" defTabSz="457200" rtl="0" eaLnBrk="1" latinLnBrk="0" hangingPunct="1">
       <a:defRPr sz="1800" kern="1200">
         <a:solidFill>
           <a:schemeClr val="tx1"/>
@@ -23,7 +33,7 @@
         <a:cs typeface="+mn-cs"/>
       </a:defRPr>
     </a:lvl1pPr>
-    <a:lvl2pPr marL="457200" algn="l" defTabSz="914400" rtl="0" eaLnBrk="1" latinLnBrk="0" hangingPunct="1">
+    <a:lvl2pPr marL="457200" algn="l" defTabSz="457200" rtl="0" eaLnBrk="1" latinLnBrk="0" hangingPunct="1">
       <a:defRPr sz="1800" kern="1200">
         <a:solidFill>
           <a:schemeClr val="tx1"/>
@@ -33,7 +43,7 @@
         <a:cs typeface="+mn-cs"/>
       </a:defRPr>
     </a:lvl2pPr>
-    <a:lvl3pPr marL="914400" algn="l" defTabSz="914400" rtl="0" eaLnBrk="1" latinLnBrk="0" hangingPunct="1">
+    <a:lvl3pPr marL="914400" algn="l" defTabSz="457200" rtl="0" eaLnBrk="1" latinLnBrk="0" hangingPunct="1">
       <a:defRPr sz="1800" kern="1200">
         <a:solidFill>
           <a:schemeClr val="tx1"/>
@@ -43,7 +53,7 @@
         <a:cs typeface="+mn-cs"/>
       </a:defRPr>
     </a:lvl3pPr>
-    <a:lvl4pPr marL="1371600" algn="l" defTabSz="914400" rtl="0" eaLnBrk="1" latinLnBrk="0" hangingPunct="1">
+    <a:lvl4pPr marL="1371600" algn="l" defTabSz="457200" rtl="0" eaLnBrk="1" latinLnBrk="0" hangingPunct="1">
       <a:defRPr sz="1800" kern="1200">
         <a:solidFill>
           <a:schemeClr val="tx1"/>
@@ -53,7 +63,7 @@
         <a:cs typeface="+mn-cs"/>
       </a:defRPr>
     </a:lvl4pPr>
-    <a:lvl5pPr marL="1828800" algn="l" defTabSz="914400" rtl="0" eaLnBrk="1" latinLnBrk="0" hangingPunct="1">
+    <a:lvl5pPr marL="1828800" algn="l" defTabSz="457200" rtl="0" eaLnBrk="1" latinLnBrk="0" hangingPunct="1">
       <a:defRPr sz="1800" kern="1200">
         <a:solidFill>
           <a:schemeClr val="tx1"/>
@@ -63,7 +73,7 @@
         <a:cs typeface="+mn-cs"/>
       </a:defRPr>
     </a:lvl5pPr>
-    <a:lvl6pPr marL="2286000" algn="l" defTabSz="914400" rtl="0" eaLnBrk="1" latinLnBrk="0" hangingPunct="1">
+    <a:lvl6pPr marL="2286000" algn="l" defTabSz="457200" rtl="0" eaLnBrk="1" latinLnBrk="0" hangingPunct="1">
       <a:defRPr sz="1800" kern="1200">
         <a:solidFill>
           <a:schemeClr val="tx1"/>
@@ -73,7 +83,7 @@
         <a:cs typeface="+mn-cs"/>
       </a:defRPr>
     </a:lvl6pPr>
-    <a:lvl7pPr marL="2743200" algn="l" defTabSz="914400" rtl="0" eaLnBrk="1" latinLnBrk="0" hangingPunct="1">
+    <a:lvl7pPr marL="2743200" algn="l" defTabSz="457200" rtl="0" eaLnBrk="1" latinLnBrk="0" hangingPunct="1">
       <a:defRPr sz="1800" kern="1200">
         <a:solidFill>
           <a:schemeClr val="tx1"/>
@@ -83,7 +93,7 @@
         <a:cs typeface="+mn-cs"/>
       </a:defRPr>
     </a:lvl7pPr>
-    <a:lvl8pPr marL="3200400" algn="l" defTabSz="914400" rtl="0" eaLnBrk="1" latinLnBrk="0" hangingPunct="1">
+    <a:lvl8pPr marL="3200400" algn="l" defTabSz="457200" rtl="0" eaLnBrk="1" latinLnBrk="0" hangingPunct="1">
       <a:defRPr sz="1800" kern="1200">
         <a:solidFill>
           <a:schemeClr val="tx1"/>
@@ -93,7 +103,7 @@
         <a:cs typeface="+mn-cs"/>
       </a:defRPr>
     </a:lvl8pPr>
-    <a:lvl9pPr marL="3657600" algn="l" defTabSz="914400" rtl="0" eaLnBrk="1" latinLnBrk="0" hangingPunct="1">
+    <a:lvl9pPr marL="3657600" algn="l" defTabSz="457200" rtl="0" eaLnBrk="1" latinLnBrk="0" hangingPunct="1">
       <a:defRPr sz="1800" kern="1200">
         <a:solidFill>
           <a:schemeClr val="tx1"/>
@@ -104,6 +114,11 @@
       </a:defRPr>
     </a:lvl9pPr>
   </p:defaultTextStyle>
+  <p:extLst>
+    <p:ext uri="{EFAFB233-063F-42B5-8137-9DF3F51BA10A}">
+      <p15:sldGuideLst xmlns:p15="http://schemas.microsoft.com/office/powerpoint/2012/main"/>
+    </p:ext>
+  </p:extLst>
 </p:presentation>
 </file>
 
@@ -126,13 +141,7 @@
       </p:grpSpPr>
       <p:sp>
         <p:nvSpPr>
-          <p:cNvPr id="2" name="Title 1">
-            <a:extLst>
-              <a:ext uri="{FF2B5EF4-FFF2-40B4-BE49-F238E27FC236}">
-                <a16:creationId xmlns:a16="http://schemas.microsoft.com/office/drawing/2014/main" id="{C01D3E9D-2C0F-3A5E-2FAB-CA4F45CC767D}"/>
-              </a:ext>
-            </a:extLst>
-          </p:cNvPr>
+          <p:cNvPr id="2" name="Title 1"/>
           <p:cNvSpPr>
             <a:spLocks noGrp="1"/>
           </p:cNvSpPr>
@@ -142,8 +151,8 @@
         </p:nvSpPr>
         <p:spPr>
           <a:xfrm>
-            <a:off x="1524000" y="1122363"/>
-            <a:ext cx="9144000" cy="2387600"/>
+            <a:off x="685800" y="1122363"/>
+            <a:ext cx="7772400" cy="2387600"/>
           </a:xfrm>
         </p:spPr>
         <p:txBody>
@@ -158,19 +167,13 @@
               <a:rPr lang="en-US"/>
               <a:t>Click to edit Master title style</a:t>
             </a:r>
-            <a:endParaRPr lang="en-IN"/>
-          </a:p>
-        </p:txBody>
-      </p:sp>
-      <p:sp>
-        <p:nvSpPr>
-          <p:cNvPr id="3" name="Subtitle 2">
-            <a:extLst>
-              <a:ext uri="{FF2B5EF4-FFF2-40B4-BE49-F238E27FC236}">
-                <a16:creationId xmlns:a16="http://schemas.microsoft.com/office/drawing/2014/main" id="{D850509A-3F0E-4548-6D2F-E910AC8489FA}"/>
-              </a:ext>
-            </a:extLst>
-          </p:cNvPr>
+            <a:endParaRPr lang="en-US" dirty="0"/>
+          </a:p>
+        </p:txBody>
+      </p:sp>
+      <p:sp>
+        <p:nvSpPr>
+          <p:cNvPr id="3" name="Subtitle 2"/>
           <p:cNvSpPr>
             <a:spLocks noGrp="1"/>
           </p:cNvSpPr>
@@ -180,8 +183,8 @@
         </p:nvSpPr>
         <p:spPr>
           <a:xfrm>
-            <a:off x="1524000" y="3602038"/>
-            <a:ext cx="9144000" cy="1655762"/>
+            <a:off x="1143000" y="3602038"/>
+            <a:ext cx="6858000" cy="1655762"/>
           </a:xfrm>
         </p:spPr>
         <p:txBody>
@@ -229,19 +232,13 @@
               <a:rPr lang="en-US"/>
               <a:t>Click to edit Master subtitle style</a:t>
             </a:r>
-            <a:endParaRPr lang="en-IN"/>
-          </a:p>
-        </p:txBody>
-      </p:sp>
-      <p:sp>
-        <p:nvSpPr>
-          <p:cNvPr id="4" name="Date Placeholder 3">
-            <a:extLst>
-              <a:ext uri="{FF2B5EF4-FFF2-40B4-BE49-F238E27FC236}">
-                <a16:creationId xmlns:a16="http://schemas.microsoft.com/office/drawing/2014/main" id="{6F334BA2-5288-DCF3-C62B-3FD5FCF53BAB}"/>
-              </a:ext>
-            </a:extLst>
-          </p:cNvPr>
+            <a:endParaRPr lang="en-US" dirty="0"/>
+          </a:p>
+        </p:txBody>
+      </p:sp>
+      <p:sp>
+        <p:nvSpPr>
+          <p:cNvPr id="4" name="Date Placeholder 3"/>
           <p:cNvSpPr>
             <a:spLocks noGrp="1"/>
           </p:cNvSpPr>
@@ -264,13 +261,7 @@
       </p:sp>
       <p:sp>
         <p:nvSpPr>
-          <p:cNvPr id="5" name="Footer Placeholder 4">
-            <a:extLst>
-              <a:ext uri="{FF2B5EF4-FFF2-40B4-BE49-F238E27FC236}">
-                <a16:creationId xmlns:a16="http://schemas.microsoft.com/office/drawing/2014/main" id="{62773AF6-236D-B3A6-CF44-CE9967D4B90C}"/>
-              </a:ext>
-            </a:extLst>
-          </p:cNvPr>
+          <p:cNvPr id="5" name="Footer Placeholder 4"/>
           <p:cNvSpPr>
             <a:spLocks noGrp="1"/>
           </p:cNvSpPr>
@@ -289,13 +280,7 @@
       </p:sp>
       <p:sp>
         <p:nvSpPr>
-          <p:cNvPr id="6" name="Slide Number Placeholder 5">
-            <a:extLst>
-              <a:ext uri="{FF2B5EF4-FFF2-40B4-BE49-F238E27FC236}">
-                <a16:creationId xmlns:a16="http://schemas.microsoft.com/office/drawing/2014/main" id="{DF8D5047-1BD4-9F32-D931-4C75592F2E20}"/>
-              </a:ext>
-            </a:extLst>
-          </p:cNvPr>
+          <p:cNvPr id="6" name="Slide Number Placeholder 5"/>
           <p:cNvSpPr>
             <a:spLocks noGrp="1"/>
           </p:cNvSpPr>
@@ -319,7 +304,7 @@
     </p:spTree>
     <p:extLst>
       <p:ext uri="{BB962C8B-B14F-4D97-AF65-F5344CB8AC3E}">
-        <p14:creationId xmlns:p14="http://schemas.microsoft.com/office/powerpoint/2010/main" val="119606658"/>
+        <p14:creationId xmlns:p14="http://schemas.microsoft.com/office/powerpoint/2010/main" val="1659573746"/>
       </p:ext>
     </p:extLst>
   </p:cSld>
@@ -348,13 +333,7 @@
       </p:grpSpPr>
       <p:sp>
         <p:nvSpPr>
-          <p:cNvPr id="2" name="Title 1">
-            <a:extLst>
-              <a:ext uri="{FF2B5EF4-FFF2-40B4-BE49-F238E27FC236}">
-                <a16:creationId xmlns:a16="http://schemas.microsoft.com/office/drawing/2014/main" id="{34322946-D221-2C25-94A8-9D1B86E39923}"/>
-              </a:ext>
-            </a:extLst>
-          </p:cNvPr>
+          <p:cNvPr id="2" name="Title 1"/>
           <p:cNvSpPr>
             <a:spLocks noGrp="1"/>
           </p:cNvSpPr>
@@ -371,19 +350,13 @@
               <a:rPr lang="en-US"/>
               <a:t>Click to edit Master title style</a:t>
             </a:r>
-            <a:endParaRPr lang="en-IN"/>
-          </a:p>
-        </p:txBody>
-      </p:sp>
-      <p:sp>
-        <p:nvSpPr>
-          <p:cNvPr id="3" name="Vertical Text Placeholder 2">
-            <a:extLst>
-              <a:ext uri="{FF2B5EF4-FFF2-40B4-BE49-F238E27FC236}">
-                <a16:creationId xmlns:a16="http://schemas.microsoft.com/office/drawing/2014/main" id="{39BEBD1C-4A56-3F20-981D-0F049C85F288}"/>
-              </a:ext>
-            </a:extLst>
-          </p:cNvPr>
+            <a:endParaRPr lang="en-US" dirty="0"/>
+          </a:p>
+        </p:txBody>
+      </p:sp>
+      <p:sp>
+        <p:nvSpPr>
+          <p:cNvPr id="3" name="Vertical Text Placeholder 2"/>
           <p:cNvSpPr>
             <a:spLocks noGrp="1"/>
           </p:cNvSpPr>
@@ -429,19 +402,13 @@
               <a:rPr lang="en-US"/>
               <a:t>Fifth level</a:t>
             </a:r>
-            <a:endParaRPr lang="en-IN"/>
-          </a:p>
-        </p:txBody>
-      </p:sp>
-      <p:sp>
-        <p:nvSpPr>
-          <p:cNvPr id="4" name="Date Placeholder 3">
-            <a:extLst>
-              <a:ext uri="{FF2B5EF4-FFF2-40B4-BE49-F238E27FC236}">
-                <a16:creationId xmlns:a16="http://schemas.microsoft.com/office/drawing/2014/main" id="{099536A8-CB6C-978D-BB52-64E3C8B04892}"/>
-              </a:ext>
-            </a:extLst>
-          </p:cNvPr>
+            <a:endParaRPr lang="en-US" dirty="0"/>
+          </a:p>
+        </p:txBody>
+      </p:sp>
+      <p:sp>
+        <p:nvSpPr>
+          <p:cNvPr id="4" name="Date Placeholder 3"/>
           <p:cNvSpPr>
             <a:spLocks noGrp="1"/>
           </p:cNvSpPr>
@@ -464,13 +431,7 @@
       </p:sp>
       <p:sp>
         <p:nvSpPr>
-          <p:cNvPr id="5" name="Footer Placeholder 4">
-            <a:extLst>
-              <a:ext uri="{FF2B5EF4-FFF2-40B4-BE49-F238E27FC236}">
-                <a16:creationId xmlns:a16="http://schemas.microsoft.com/office/drawing/2014/main" id="{1FC04A43-E011-CCAD-6714-E52EFB470DD2}"/>
-              </a:ext>
-            </a:extLst>
-          </p:cNvPr>
+          <p:cNvPr id="5" name="Footer Placeholder 4"/>
           <p:cNvSpPr>
             <a:spLocks noGrp="1"/>
           </p:cNvSpPr>
@@ -489,13 +450,7 @@
       </p:sp>
       <p:sp>
         <p:nvSpPr>
-          <p:cNvPr id="6" name="Slide Number Placeholder 5">
-            <a:extLst>
-              <a:ext uri="{FF2B5EF4-FFF2-40B4-BE49-F238E27FC236}">
-                <a16:creationId xmlns:a16="http://schemas.microsoft.com/office/drawing/2014/main" id="{257AF0AA-6E6E-4D9A-F534-EBAED7E9CA76}"/>
-              </a:ext>
-            </a:extLst>
-          </p:cNvPr>
+          <p:cNvPr id="6" name="Slide Number Placeholder 5"/>
           <p:cNvSpPr>
             <a:spLocks noGrp="1"/>
           </p:cNvSpPr>
@@ -519,7 +474,7 @@
     </p:spTree>
     <p:extLst>
       <p:ext uri="{BB962C8B-B14F-4D97-AF65-F5344CB8AC3E}">
-        <p14:creationId xmlns:p14="http://schemas.microsoft.com/office/powerpoint/2010/main" val="3062152940"/>
+        <p14:creationId xmlns:p14="http://schemas.microsoft.com/office/powerpoint/2010/main" val="1301317524"/>
       </p:ext>
     </p:extLst>
   </p:cSld>
@@ -548,13 +503,7 @@
       </p:grpSpPr>
       <p:sp>
         <p:nvSpPr>
-          <p:cNvPr id="2" name="Vertical Title 1">
-            <a:extLst>
-              <a:ext uri="{FF2B5EF4-FFF2-40B4-BE49-F238E27FC236}">
-                <a16:creationId xmlns:a16="http://schemas.microsoft.com/office/drawing/2014/main" id="{3CC7021A-A57A-C14E-67E1-194C166D1C32}"/>
-              </a:ext>
-            </a:extLst>
-          </p:cNvPr>
+          <p:cNvPr id="2" name="Vertical Title 1"/>
           <p:cNvSpPr>
             <a:spLocks noGrp="1"/>
           </p:cNvSpPr>
@@ -564,8 +513,8 @@
         </p:nvSpPr>
         <p:spPr>
           <a:xfrm>
-            <a:off x="8724900" y="365125"/>
-            <a:ext cx="2628900" cy="5811838"/>
+            <a:off x="6543675" y="365125"/>
+            <a:ext cx="1971675" cy="5811838"/>
           </a:xfrm>
         </p:spPr>
         <p:txBody>
@@ -576,19 +525,13 @@
               <a:rPr lang="en-US"/>
               <a:t>Click to edit Master title style</a:t>
             </a:r>
-            <a:endParaRPr lang="en-IN"/>
-          </a:p>
-        </p:txBody>
-      </p:sp>
-      <p:sp>
-        <p:nvSpPr>
-          <p:cNvPr id="3" name="Vertical Text Placeholder 2">
-            <a:extLst>
-              <a:ext uri="{FF2B5EF4-FFF2-40B4-BE49-F238E27FC236}">
-                <a16:creationId xmlns:a16="http://schemas.microsoft.com/office/drawing/2014/main" id="{779A6588-0FB3-9C90-578E-49AC3391619A}"/>
-              </a:ext>
-            </a:extLst>
-          </p:cNvPr>
+            <a:endParaRPr lang="en-US" dirty="0"/>
+          </a:p>
+        </p:txBody>
+      </p:sp>
+      <p:sp>
+        <p:nvSpPr>
+          <p:cNvPr id="3" name="Vertical Text Placeholder 2"/>
           <p:cNvSpPr>
             <a:spLocks noGrp="1"/>
           </p:cNvSpPr>
@@ -598,8 +541,8 @@
         </p:nvSpPr>
         <p:spPr>
           <a:xfrm>
-            <a:off x="838200" y="365125"/>
-            <a:ext cx="7734300" cy="5811838"/>
+            <a:off x="628650" y="365125"/>
+            <a:ext cx="5800725" cy="5811838"/>
           </a:xfrm>
         </p:spPr>
         <p:txBody>
@@ -639,19 +582,13 @@
               <a:rPr lang="en-US"/>
               <a:t>Fifth level</a:t>
             </a:r>
-            <a:endParaRPr lang="en-IN"/>
-          </a:p>
-        </p:txBody>
-      </p:sp>
-      <p:sp>
-        <p:nvSpPr>
-          <p:cNvPr id="4" name="Date Placeholder 3">
-            <a:extLst>
-              <a:ext uri="{FF2B5EF4-FFF2-40B4-BE49-F238E27FC236}">
-                <a16:creationId xmlns:a16="http://schemas.microsoft.com/office/drawing/2014/main" id="{9A6F3169-1570-EE60-B76A-3864A91B6950}"/>
-              </a:ext>
-            </a:extLst>
-          </p:cNvPr>
+            <a:endParaRPr lang="en-US" dirty="0"/>
+          </a:p>
+        </p:txBody>
+      </p:sp>
+      <p:sp>
+        <p:nvSpPr>
+          <p:cNvPr id="4" name="Date Placeholder 3"/>
           <p:cNvSpPr>
             <a:spLocks noGrp="1"/>
           </p:cNvSpPr>
@@ -674,13 +611,7 @@
       </p:sp>
       <p:sp>
         <p:nvSpPr>
-          <p:cNvPr id="5" name="Footer Placeholder 4">
-            <a:extLst>
-              <a:ext uri="{FF2B5EF4-FFF2-40B4-BE49-F238E27FC236}">
-                <a16:creationId xmlns:a16="http://schemas.microsoft.com/office/drawing/2014/main" id="{893B166E-C787-AD03-9E62-260AB849D95A}"/>
-              </a:ext>
-            </a:extLst>
-          </p:cNvPr>
+          <p:cNvPr id="5" name="Footer Placeholder 4"/>
           <p:cNvSpPr>
             <a:spLocks noGrp="1"/>
           </p:cNvSpPr>
@@ -699,13 +630,7 @@
       </p:sp>
       <p:sp>
         <p:nvSpPr>
-          <p:cNvPr id="6" name="Slide Number Placeholder 5">
-            <a:extLst>
-              <a:ext uri="{FF2B5EF4-FFF2-40B4-BE49-F238E27FC236}">
-                <a16:creationId xmlns:a16="http://schemas.microsoft.com/office/drawing/2014/main" id="{0D3B9870-D557-55D7-7352-2A53A77DDEC9}"/>
-              </a:ext>
-            </a:extLst>
-          </p:cNvPr>
+          <p:cNvPr id="6" name="Slide Number Placeholder 5"/>
           <p:cNvSpPr>
             <a:spLocks noGrp="1"/>
           </p:cNvSpPr>
@@ -729,7 +654,7 @@
     </p:spTree>
     <p:extLst>
       <p:ext uri="{BB962C8B-B14F-4D97-AF65-F5344CB8AC3E}">
-        <p14:creationId xmlns:p14="http://schemas.microsoft.com/office/powerpoint/2010/main" val="1393684537"/>
+        <p14:creationId xmlns:p14="http://schemas.microsoft.com/office/powerpoint/2010/main" val="2224709712"/>
       </p:ext>
     </p:extLst>
   </p:cSld>
@@ -758,13 +683,7 @@
       </p:grpSpPr>
       <p:sp>
         <p:nvSpPr>
-          <p:cNvPr id="2" name="Title 1">
-            <a:extLst>
-              <a:ext uri="{FF2B5EF4-FFF2-40B4-BE49-F238E27FC236}">
-                <a16:creationId xmlns:a16="http://schemas.microsoft.com/office/drawing/2014/main" id="{55C7CDD9-A56F-61AC-FD3A-2E19ACD94F9E}"/>
-              </a:ext>
-            </a:extLst>
-          </p:cNvPr>
+          <p:cNvPr id="2" name="Title 1"/>
           <p:cNvSpPr>
             <a:spLocks noGrp="1"/>
           </p:cNvSpPr>
@@ -781,19 +700,13 @@
               <a:rPr lang="en-US"/>
               <a:t>Click to edit Master title style</a:t>
             </a:r>
-            <a:endParaRPr lang="en-IN"/>
-          </a:p>
-        </p:txBody>
-      </p:sp>
-      <p:sp>
-        <p:nvSpPr>
-          <p:cNvPr id="3" name="Content Placeholder 2">
-            <a:extLst>
-              <a:ext uri="{FF2B5EF4-FFF2-40B4-BE49-F238E27FC236}">
-                <a16:creationId xmlns:a16="http://schemas.microsoft.com/office/drawing/2014/main" id="{2A870CD0-9072-295C-EAB9-FDD857344BA9}"/>
-              </a:ext>
-            </a:extLst>
-          </p:cNvPr>
+            <a:endParaRPr lang="en-US" dirty="0"/>
+          </a:p>
+        </p:txBody>
+      </p:sp>
+      <p:sp>
+        <p:nvSpPr>
+          <p:cNvPr id="3" name="Content Placeholder 2"/>
           <p:cNvSpPr>
             <a:spLocks noGrp="1"/>
           </p:cNvSpPr>
@@ -839,19 +752,13 @@
               <a:rPr lang="en-US"/>
               <a:t>Fifth level</a:t>
             </a:r>
-            <a:endParaRPr lang="en-IN"/>
-          </a:p>
-        </p:txBody>
-      </p:sp>
-      <p:sp>
-        <p:nvSpPr>
-          <p:cNvPr id="4" name="Date Placeholder 3">
-            <a:extLst>
-              <a:ext uri="{FF2B5EF4-FFF2-40B4-BE49-F238E27FC236}">
-                <a16:creationId xmlns:a16="http://schemas.microsoft.com/office/drawing/2014/main" id="{66A89334-52B3-992A-DE02-CE790DE8EED0}"/>
-              </a:ext>
-            </a:extLst>
-          </p:cNvPr>
+            <a:endParaRPr lang="en-US" dirty="0"/>
+          </a:p>
+        </p:txBody>
+      </p:sp>
+      <p:sp>
+        <p:nvSpPr>
+          <p:cNvPr id="4" name="Date Placeholder 3"/>
           <p:cNvSpPr>
             <a:spLocks noGrp="1"/>
           </p:cNvSpPr>
@@ -874,13 +781,7 @@
       </p:sp>
       <p:sp>
         <p:nvSpPr>
-          <p:cNvPr id="5" name="Footer Placeholder 4">
-            <a:extLst>
-              <a:ext uri="{FF2B5EF4-FFF2-40B4-BE49-F238E27FC236}">
-                <a16:creationId xmlns:a16="http://schemas.microsoft.com/office/drawing/2014/main" id="{F3111F9B-3DC1-FB24-73D7-8748D1B8FE5F}"/>
-              </a:ext>
-            </a:extLst>
-          </p:cNvPr>
+          <p:cNvPr id="5" name="Footer Placeholder 4"/>
           <p:cNvSpPr>
             <a:spLocks noGrp="1"/>
           </p:cNvSpPr>
@@ -899,13 +800,7 @@
       </p:sp>
       <p:sp>
         <p:nvSpPr>
-          <p:cNvPr id="6" name="Slide Number Placeholder 5">
-            <a:extLst>
-              <a:ext uri="{FF2B5EF4-FFF2-40B4-BE49-F238E27FC236}">
-                <a16:creationId xmlns:a16="http://schemas.microsoft.com/office/drawing/2014/main" id="{777DE767-E953-EE7B-8E53-59478FE3C9D2}"/>
-              </a:ext>
-            </a:extLst>
-          </p:cNvPr>
+          <p:cNvPr id="6" name="Slide Number Placeholder 5"/>
           <p:cNvSpPr>
             <a:spLocks noGrp="1"/>
           </p:cNvSpPr>
@@ -929,7 +824,7 @@
     </p:spTree>
     <p:extLst>
       <p:ext uri="{BB962C8B-B14F-4D97-AF65-F5344CB8AC3E}">
-        <p14:creationId xmlns:p14="http://schemas.microsoft.com/office/powerpoint/2010/main" val="2194469108"/>
+        <p14:creationId xmlns:p14="http://schemas.microsoft.com/office/powerpoint/2010/main" val="3591885821"/>
       </p:ext>
     </p:extLst>
   </p:cSld>
@@ -958,13 +853,7 @@
       </p:grpSpPr>
       <p:sp>
         <p:nvSpPr>
-          <p:cNvPr id="2" name="Title 1">
-            <a:extLst>
-              <a:ext uri="{FF2B5EF4-FFF2-40B4-BE49-F238E27FC236}">
-                <a16:creationId xmlns:a16="http://schemas.microsoft.com/office/drawing/2014/main" id="{D8B83944-57A0-730B-9ADB-092D0EB476D1}"/>
-              </a:ext>
-            </a:extLst>
-          </p:cNvPr>
+          <p:cNvPr id="2" name="Title 1"/>
           <p:cNvSpPr>
             <a:spLocks noGrp="1"/>
           </p:cNvSpPr>
@@ -974,8 +863,8 @@
         </p:nvSpPr>
         <p:spPr>
           <a:xfrm>
-            <a:off x="831850" y="1709738"/>
-            <a:ext cx="10515600" cy="2852737"/>
+            <a:off x="623888" y="1709739"/>
+            <a:ext cx="7886700" cy="2852737"/>
           </a:xfrm>
         </p:spPr>
         <p:txBody>
@@ -990,19 +879,13 @@
               <a:rPr lang="en-US"/>
               <a:t>Click to edit Master title style</a:t>
             </a:r>
-            <a:endParaRPr lang="en-IN"/>
-          </a:p>
-        </p:txBody>
-      </p:sp>
-      <p:sp>
-        <p:nvSpPr>
-          <p:cNvPr id="3" name="Text Placeholder 2">
-            <a:extLst>
-              <a:ext uri="{FF2B5EF4-FFF2-40B4-BE49-F238E27FC236}">
-                <a16:creationId xmlns:a16="http://schemas.microsoft.com/office/drawing/2014/main" id="{2879F602-AA0D-8627-3103-BCBC38184B4E}"/>
-              </a:ext>
-            </a:extLst>
-          </p:cNvPr>
+            <a:endParaRPr lang="en-US" dirty="0"/>
+          </a:p>
+        </p:txBody>
+      </p:sp>
+      <p:sp>
+        <p:nvSpPr>
+          <p:cNvPr id="3" name="Text Placeholder 2"/>
           <p:cNvSpPr>
             <a:spLocks noGrp="1"/>
           </p:cNvSpPr>
@@ -1012,8 +895,8 @@
         </p:nvSpPr>
         <p:spPr>
           <a:xfrm>
-            <a:off x="831850" y="4589463"/>
-            <a:ext cx="10515600" cy="1500187"/>
+            <a:off x="623888" y="4589464"/>
+            <a:ext cx="7886700" cy="1500187"/>
           </a:xfrm>
         </p:spPr>
         <p:txBody>
@@ -1023,9 +906,7 @@
               <a:buNone/>
               <a:defRPr sz="2400">
                 <a:solidFill>
-                  <a:schemeClr val="tx1">
-                    <a:tint val="75000"/>
-                  </a:schemeClr>
+                  <a:schemeClr val="tx1"/>
                 </a:solidFill>
               </a:defRPr>
             </a:lvl1pPr>
@@ -1121,13 +1002,7 @@
       </p:sp>
       <p:sp>
         <p:nvSpPr>
-          <p:cNvPr id="4" name="Date Placeholder 3">
-            <a:extLst>
-              <a:ext uri="{FF2B5EF4-FFF2-40B4-BE49-F238E27FC236}">
-                <a16:creationId xmlns:a16="http://schemas.microsoft.com/office/drawing/2014/main" id="{D742A23F-91F5-E358-3E08-65F3351BF394}"/>
-              </a:ext>
-            </a:extLst>
-          </p:cNvPr>
+          <p:cNvPr id="4" name="Date Placeholder 3"/>
           <p:cNvSpPr>
             <a:spLocks noGrp="1"/>
           </p:cNvSpPr>
@@ -1150,13 +1025,7 @@
       </p:sp>
       <p:sp>
         <p:nvSpPr>
-          <p:cNvPr id="5" name="Footer Placeholder 4">
-            <a:extLst>
-              <a:ext uri="{FF2B5EF4-FFF2-40B4-BE49-F238E27FC236}">
-                <a16:creationId xmlns:a16="http://schemas.microsoft.com/office/drawing/2014/main" id="{AC8E1C3F-1BBB-9E76-1273-61382238FF7C}"/>
-              </a:ext>
-            </a:extLst>
-          </p:cNvPr>
+          <p:cNvPr id="5" name="Footer Placeholder 4"/>
           <p:cNvSpPr>
             <a:spLocks noGrp="1"/>
           </p:cNvSpPr>
@@ -1175,13 +1044,7 @@
       </p:sp>
       <p:sp>
         <p:nvSpPr>
-          <p:cNvPr id="6" name="Slide Number Placeholder 5">
-            <a:extLst>
-              <a:ext uri="{FF2B5EF4-FFF2-40B4-BE49-F238E27FC236}">
-                <a16:creationId xmlns:a16="http://schemas.microsoft.com/office/drawing/2014/main" id="{BEE09BDC-D20B-2625-ED16-DAEA824CE2F5}"/>
-              </a:ext>
-            </a:extLst>
-          </p:cNvPr>
+          <p:cNvPr id="6" name="Slide Number Placeholder 5"/>
           <p:cNvSpPr>
             <a:spLocks noGrp="1"/>
           </p:cNvSpPr>
@@ -1205,7 +1068,7 @@
     </p:spTree>
     <p:extLst>
       <p:ext uri="{BB962C8B-B14F-4D97-AF65-F5344CB8AC3E}">
-        <p14:creationId xmlns:p14="http://schemas.microsoft.com/office/powerpoint/2010/main" val="2959901011"/>
+        <p14:creationId xmlns:p14="http://schemas.microsoft.com/office/powerpoint/2010/main" val="3414824823"/>
       </p:ext>
     </p:extLst>
   </p:cSld>
@@ -1234,13 +1097,7 @@
       </p:grpSpPr>
       <p:sp>
         <p:nvSpPr>
-          <p:cNvPr id="2" name="Title 1">
-            <a:extLst>
-              <a:ext uri="{FF2B5EF4-FFF2-40B4-BE49-F238E27FC236}">
-                <a16:creationId xmlns:a16="http://schemas.microsoft.com/office/drawing/2014/main" id="{BE9A3D17-1546-0DCA-1464-3B9D58F8F5D0}"/>
-              </a:ext>
-            </a:extLst>
-          </p:cNvPr>
+          <p:cNvPr id="2" name="Title 1"/>
           <p:cNvSpPr>
             <a:spLocks noGrp="1"/>
           </p:cNvSpPr>
@@ -1257,19 +1114,13 @@
               <a:rPr lang="en-US"/>
               <a:t>Click to edit Master title style</a:t>
             </a:r>
-            <a:endParaRPr lang="en-IN"/>
-          </a:p>
-        </p:txBody>
-      </p:sp>
-      <p:sp>
-        <p:nvSpPr>
-          <p:cNvPr id="3" name="Content Placeholder 2">
-            <a:extLst>
-              <a:ext uri="{FF2B5EF4-FFF2-40B4-BE49-F238E27FC236}">
-                <a16:creationId xmlns:a16="http://schemas.microsoft.com/office/drawing/2014/main" id="{33445DBF-4DDF-2444-4521-2619F10735C8}"/>
-              </a:ext>
-            </a:extLst>
-          </p:cNvPr>
+            <a:endParaRPr lang="en-US" dirty="0"/>
+          </a:p>
+        </p:txBody>
+      </p:sp>
+      <p:sp>
+        <p:nvSpPr>
+          <p:cNvPr id="3" name="Content Placeholder 2"/>
           <p:cNvSpPr>
             <a:spLocks noGrp="1"/>
           </p:cNvSpPr>
@@ -1279,8 +1130,8 @@
         </p:nvSpPr>
         <p:spPr>
           <a:xfrm>
-            <a:off x="838200" y="1825625"/>
-            <a:ext cx="5181600" cy="4351338"/>
+            <a:off x="628650" y="1825625"/>
+            <a:ext cx="3886200" cy="4351338"/>
           </a:xfrm>
         </p:spPr>
         <p:txBody>
@@ -1320,19 +1171,13 @@
               <a:rPr lang="en-US"/>
               <a:t>Fifth level</a:t>
             </a:r>
-            <a:endParaRPr lang="en-IN"/>
-          </a:p>
-        </p:txBody>
-      </p:sp>
-      <p:sp>
-        <p:nvSpPr>
-          <p:cNvPr id="4" name="Content Placeholder 3">
-            <a:extLst>
-              <a:ext uri="{FF2B5EF4-FFF2-40B4-BE49-F238E27FC236}">
-                <a16:creationId xmlns:a16="http://schemas.microsoft.com/office/drawing/2014/main" id="{700C29F4-CED5-3FD4-3D90-2C3C14B6F0B3}"/>
-              </a:ext>
-            </a:extLst>
-          </p:cNvPr>
+            <a:endParaRPr lang="en-US" dirty="0"/>
+          </a:p>
+        </p:txBody>
+      </p:sp>
+      <p:sp>
+        <p:nvSpPr>
+          <p:cNvPr id="4" name="Content Placeholder 3"/>
           <p:cNvSpPr>
             <a:spLocks noGrp="1"/>
           </p:cNvSpPr>
@@ -1342,8 +1187,8 @@
         </p:nvSpPr>
         <p:spPr>
           <a:xfrm>
-            <a:off x="6172200" y="1825625"/>
-            <a:ext cx="5181600" cy="4351338"/>
+            <a:off x="4629150" y="1825625"/>
+            <a:ext cx="3886200" cy="4351338"/>
           </a:xfrm>
         </p:spPr>
         <p:txBody>
@@ -1383,19 +1228,13 @@
               <a:rPr lang="en-US"/>
               <a:t>Fifth level</a:t>
             </a:r>
-            <a:endParaRPr lang="en-IN"/>
-          </a:p>
-        </p:txBody>
-      </p:sp>
-      <p:sp>
-        <p:nvSpPr>
-          <p:cNvPr id="5" name="Date Placeholder 4">
-            <a:extLst>
-              <a:ext uri="{FF2B5EF4-FFF2-40B4-BE49-F238E27FC236}">
-                <a16:creationId xmlns:a16="http://schemas.microsoft.com/office/drawing/2014/main" id="{D537F6D5-0381-B6DF-70E2-6A4B7771E0A2}"/>
-              </a:ext>
-            </a:extLst>
-          </p:cNvPr>
+            <a:endParaRPr lang="en-US" dirty="0"/>
+          </a:p>
+        </p:txBody>
+      </p:sp>
+      <p:sp>
+        <p:nvSpPr>
+          <p:cNvPr id="5" name="Date Placeholder 4"/>
           <p:cNvSpPr>
             <a:spLocks noGrp="1"/>
           </p:cNvSpPr>
@@ -1418,13 +1257,7 @@
       </p:sp>
       <p:sp>
         <p:nvSpPr>
-          <p:cNvPr id="6" name="Footer Placeholder 5">
-            <a:extLst>
-              <a:ext uri="{FF2B5EF4-FFF2-40B4-BE49-F238E27FC236}">
-                <a16:creationId xmlns:a16="http://schemas.microsoft.com/office/drawing/2014/main" id="{B46460F0-B241-9E5C-9162-7139FA594735}"/>
-              </a:ext>
-            </a:extLst>
-          </p:cNvPr>
+          <p:cNvPr id="6" name="Footer Placeholder 5"/>
           <p:cNvSpPr>
             <a:spLocks noGrp="1"/>
           </p:cNvSpPr>
@@ -1443,13 +1276,7 @@
       </p:sp>
       <p:sp>
         <p:nvSpPr>
-          <p:cNvPr id="7" name="Slide Number Placeholder 6">
-            <a:extLst>
-              <a:ext uri="{FF2B5EF4-FFF2-40B4-BE49-F238E27FC236}">
-                <a16:creationId xmlns:a16="http://schemas.microsoft.com/office/drawing/2014/main" id="{17DCA2B5-AA83-D3EB-15D8-063C0AC238D3}"/>
-              </a:ext>
-            </a:extLst>
-          </p:cNvPr>
+          <p:cNvPr id="7" name="Slide Number Placeholder 6"/>
           <p:cNvSpPr>
             <a:spLocks noGrp="1"/>
           </p:cNvSpPr>
@@ -1473,7 +1300,7 @@
     </p:spTree>
     <p:extLst>
       <p:ext uri="{BB962C8B-B14F-4D97-AF65-F5344CB8AC3E}">
-        <p14:creationId xmlns:p14="http://schemas.microsoft.com/office/powerpoint/2010/main" val="2946948519"/>
+        <p14:creationId xmlns:p14="http://schemas.microsoft.com/office/powerpoint/2010/main" val="396545672"/>
       </p:ext>
     </p:extLst>
   </p:cSld>
@@ -1502,13 +1329,7 @@
       </p:grpSpPr>
       <p:sp>
         <p:nvSpPr>
-          <p:cNvPr id="2" name="Title 1">
-            <a:extLst>
-              <a:ext uri="{FF2B5EF4-FFF2-40B4-BE49-F238E27FC236}">
-                <a16:creationId xmlns:a16="http://schemas.microsoft.com/office/drawing/2014/main" id="{06409EBD-0A17-26EA-3F58-8D764D91A5D5}"/>
-              </a:ext>
-            </a:extLst>
-          </p:cNvPr>
+          <p:cNvPr id="2" name="Title 1"/>
           <p:cNvSpPr>
             <a:spLocks noGrp="1"/>
           </p:cNvSpPr>
@@ -1518,8 +1339,8 @@
         </p:nvSpPr>
         <p:spPr>
           <a:xfrm>
-            <a:off x="839788" y="365125"/>
-            <a:ext cx="10515600" cy="1325563"/>
+            <a:off x="629841" y="365126"/>
+            <a:ext cx="7886700" cy="1325563"/>
           </a:xfrm>
         </p:spPr>
         <p:txBody>
@@ -1530,19 +1351,13 @@
               <a:rPr lang="en-US"/>
               <a:t>Click to edit Master title style</a:t>
             </a:r>
-            <a:endParaRPr lang="en-IN"/>
-          </a:p>
-        </p:txBody>
-      </p:sp>
-      <p:sp>
-        <p:nvSpPr>
-          <p:cNvPr id="3" name="Text Placeholder 2">
-            <a:extLst>
-              <a:ext uri="{FF2B5EF4-FFF2-40B4-BE49-F238E27FC236}">
-                <a16:creationId xmlns:a16="http://schemas.microsoft.com/office/drawing/2014/main" id="{79768707-7F8B-B444-B16B-3D1845A86479}"/>
-              </a:ext>
-            </a:extLst>
-          </p:cNvPr>
+            <a:endParaRPr lang="en-US" dirty="0"/>
+          </a:p>
+        </p:txBody>
+      </p:sp>
+      <p:sp>
+        <p:nvSpPr>
+          <p:cNvPr id="3" name="Text Placeholder 2"/>
           <p:cNvSpPr>
             <a:spLocks noGrp="1"/>
           </p:cNvSpPr>
@@ -1552,8 +1367,8 @@
         </p:nvSpPr>
         <p:spPr>
           <a:xfrm>
-            <a:off x="839788" y="1681163"/>
-            <a:ext cx="5157787" cy="823912"/>
+            <a:off x="629842" y="1681163"/>
+            <a:ext cx="3868340" cy="823912"/>
           </a:xfrm>
         </p:spPr>
         <p:txBody>
@@ -1607,13 +1422,7 @@
       </p:sp>
       <p:sp>
         <p:nvSpPr>
-          <p:cNvPr id="4" name="Content Placeholder 3">
-            <a:extLst>
-              <a:ext uri="{FF2B5EF4-FFF2-40B4-BE49-F238E27FC236}">
-                <a16:creationId xmlns:a16="http://schemas.microsoft.com/office/drawing/2014/main" id="{AC16D07C-A610-0C3F-D6B2-A3E452AF04B7}"/>
-              </a:ext>
-            </a:extLst>
-          </p:cNvPr>
+          <p:cNvPr id="4" name="Content Placeholder 3"/>
           <p:cNvSpPr>
             <a:spLocks noGrp="1"/>
           </p:cNvSpPr>
@@ -1623,8 +1432,8 @@
         </p:nvSpPr>
         <p:spPr>
           <a:xfrm>
-            <a:off x="839788" y="2505075"/>
-            <a:ext cx="5157787" cy="3684588"/>
+            <a:off x="629842" y="2505075"/>
+            <a:ext cx="3868340" cy="3684588"/>
           </a:xfrm>
         </p:spPr>
         <p:txBody>
@@ -1664,19 +1473,13 @@
               <a:rPr lang="en-US"/>
               <a:t>Fifth level</a:t>
             </a:r>
-            <a:endParaRPr lang="en-IN"/>
-          </a:p>
-        </p:txBody>
-      </p:sp>
-      <p:sp>
-        <p:nvSpPr>
-          <p:cNvPr id="5" name="Text Placeholder 4">
-            <a:extLst>
-              <a:ext uri="{FF2B5EF4-FFF2-40B4-BE49-F238E27FC236}">
-                <a16:creationId xmlns:a16="http://schemas.microsoft.com/office/drawing/2014/main" id="{5E52899A-B79B-8BC8-3082-F90BAD749A68}"/>
-              </a:ext>
-            </a:extLst>
-          </p:cNvPr>
+            <a:endParaRPr lang="en-US" dirty="0"/>
+          </a:p>
+        </p:txBody>
+      </p:sp>
+      <p:sp>
+        <p:nvSpPr>
+          <p:cNvPr id="5" name="Text Placeholder 4"/>
           <p:cNvSpPr>
             <a:spLocks noGrp="1"/>
           </p:cNvSpPr>
@@ -1686,8 +1489,8 @@
         </p:nvSpPr>
         <p:spPr>
           <a:xfrm>
-            <a:off x="6172200" y="1681163"/>
-            <a:ext cx="5183188" cy="823912"/>
+            <a:off x="4629150" y="1681163"/>
+            <a:ext cx="3887391" cy="823912"/>
           </a:xfrm>
         </p:spPr>
         <p:txBody>
@@ -1741,13 +1544,7 @@
       </p:sp>
       <p:sp>
         <p:nvSpPr>
-          <p:cNvPr id="6" name="Content Placeholder 5">
-            <a:extLst>
-              <a:ext uri="{FF2B5EF4-FFF2-40B4-BE49-F238E27FC236}">
-                <a16:creationId xmlns:a16="http://schemas.microsoft.com/office/drawing/2014/main" id="{2006D913-9A54-8BA6-55D9-F05718041A74}"/>
-              </a:ext>
-            </a:extLst>
-          </p:cNvPr>
+          <p:cNvPr id="6" name="Content Placeholder 5"/>
           <p:cNvSpPr>
             <a:spLocks noGrp="1"/>
           </p:cNvSpPr>
@@ -1757,8 +1554,8 @@
         </p:nvSpPr>
         <p:spPr>
           <a:xfrm>
-            <a:off x="6172200" y="2505075"/>
-            <a:ext cx="5183188" cy="3684588"/>
+            <a:off x="4629150" y="2505075"/>
+            <a:ext cx="3887391" cy="3684588"/>
           </a:xfrm>
         </p:spPr>
         <p:txBody>
@@ -1798,19 +1595,13 @@
               <a:rPr lang="en-US"/>
               <a:t>Fifth level</a:t>
             </a:r>
-            <a:endParaRPr lang="en-IN"/>
-          </a:p>
-        </p:txBody>
-      </p:sp>
-      <p:sp>
-        <p:nvSpPr>
-          <p:cNvPr id="7" name="Date Placeholder 6">
-            <a:extLst>
-              <a:ext uri="{FF2B5EF4-FFF2-40B4-BE49-F238E27FC236}">
-                <a16:creationId xmlns:a16="http://schemas.microsoft.com/office/drawing/2014/main" id="{E2CF17B5-C3B1-A0C9-7B51-5A5926733B67}"/>
-              </a:ext>
-            </a:extLst>
-          </p:cNvPr>
+            <a:endParaRPr lang="en-US" dirty="0"/>
+          </a:p>
+        </p:txBody>
+      </p:sp>
+      <p:sp>
+        <p:nvSpPr>
+          <p:cNvPr id="7" name="Date Placeholder 6"/>
           <p:cNvSpPr>
             <a:spLocks noGrp="1"/>
           </p:cNvSpPr>
@@ -1833,13 +1624,7 @@
       </p:sp>
       <p:sp>
         <p:nvSpPr>
-          <p:cNvPr id="8" name="Footer Placeholder 7">
-            <a:extLst>
-              <a:ext uri="{FF2B5EF4-FFF2-40B4-BE49-F238E27FC236}">
-                <a16:creationId xmlns:a16="http://schemas.microsoft.com/office/drawing/2014/main" id="{540B5764-762F-C564-BB84-E29F5B64F02F}"/>
-              </a:ext>
-            </a:extLst>
-          </p:cNvPr>
+          <p:cNvPr id="8" name="Footer Placeholder 7"/>
           <p:cNvSpPr>
             <a:spLocks noGrp="1"/>
           </p:cNvSpPr>
@@ -1858,13 +1643,7 @@
       </p:sp>
       <p:sp>
         <p:nvSpPr>
-          <p:cNvPr id="9" name="Slide Number Placeholder 8">
-            <a:extLst>
-              <a:ext uri="{FF2B5EF4-FFF2-40B4-BE49-F238E27FC236}">
-                <a16:creationId xmlns:a16="http://schemas.microsoft.com/office/drawing/2014/main" id="{EF5260ED-A43F-4599-1959-4317E6D9374A}"/>
-              </a:ext>
-            </a:extLst>
-          </p:cNvPr>
+          <p:cNvPr id="9" name="Slide Number Placeholder 8"/>
           <p:cNvSpPr>
             <a:spLocks noGrp="1"/>
           </p:cNvSpPr>
@@ -1888,7 +1667,7 @@
     </p:spTree>
     <p:extLst>
       <p:ext uri="{BB962C8B-B14F-4D97-AF65-F5344CB8AC3E}">
-        <p14:creationId xmlns:p14="http://schemas.microsoft.com/office/powerpoint/2010/main" val="894308982"/>
+        <p14:creationId xmlns:p14="http://schemas.microsoft.com/office/powerpoint/2010/main" val="119048238"/>
       </p:ext>
     </p:extLst>
   </p:cSld>
@@ -1917,13 +1696,7 @@
       </p:grpSpPr>
       <p:sp>
         <p:nvSpPr>
-          <p:cNvPr id="2" name="Title 1">
-            <a:extLst>
-              <a:ext uri="{FF2B5EF4-FFF2-40B4-BE49-F238E27FC236}">
-                <a16:creationId xmlns:a16="http://schemas.microsoft.com/office/drawing/2014/main" id="{70B47416-487D-EBB8-7854-094E6471A2ED}"/>
-              </a:ext>
-            </a:extLst>
-          </p:cNvPr>
+          <p:cNvPr id="2" name="Title 1"/>
           <p:cNvSpPr>
             <a:spLocks noGrp="1"/>
           </p:cNvSpPr>
@@ -1940,19 +1713,13 @@
               <a:rPr lang="en-US"/>
               <a:t>Click to edit Master title style</a:t>
             </a:r>
-            <a:endParaRPr lang="en-IN"/>
-          </a:p>
-        </p:txBody>
-      </p:sp>
-      <p:sp>
-        <p:nvSpPr>
-          <p:cNvPr id="3" name="Date Placeholder 2">
-            <a:extLst>
-              <a:ext uri="{FF2B5EF4-FFF2-40B4-BE49-F238E27FC236}">
-                <a16:creationId xmlns:a16="http://schemas.microsoft.com/office/drawing/2014/main" id="{0EE0E60C-588C-6EAC-0D8E-F69AFDD6A437}"/>
-              </a:ext>
-            </a:extLst>
-          </p:cNvPr>
+            <a:endParaRPr lang="en-US" dirty="0"/>
+          </a:p>
+        </p:txBody>
+      </p:sp>
+      <p:sp>
+        <p:nvSpPr>
+          <p:cNvPr id="3" name="Date Placeholder 2"/>
           <p:cNvSpPr>
             <a:spLocks noGrp="1"/>
           </p:cNvSpPr>
@@ -1975,13 +1742,7 @@
       </p:sp>
       <p:sp>
         <p:nvSpPr>
-          <p:cNvPr id="4" name="Footer Placeholder 3">
-            <a:extLst>
-              <a:ext uri="{FF2B5EF4-FFF2-40B4-BE49-F238E27FC236}">
-                <a16:creationId xmlns:a16="http://schemas.microsoft.com/office/drawing/2014/main" id="{67B7EECE-0C28-24F7-C13A-F357A2B80A57}"/>
-              </a:ext>
-            </a:extLst>
-          </p:cNvPr>
+          <p:cNvPr id="4" name="Footer Placeholder 3"/>
           <p:cNvSpPr>
             <a:spLocks noGrp="1"/>
           </p:cNvSpPr>
@@ -2000,13 +1761,7 @@
       </p:sp>
       <p:sp>
         <p:nvSpPr>
-          <p:cNvPr id="5" name="Slide Number Placeholder 4">
-            <a:extLst>
-              <a:ext uri="{FF2B5EF4-FFF2-40B4-BE49-F238E27FC236}">
-                <a16:creationId xmlns:a16="http://schemas.microsoft.com/office/drawing/2014/main" id="{7EBE816B-AC3F-740F-7462-45023C0F4578}"/>
-              </a:ext>
-            </a:extLst>
-          </p:cNvPr>
+          <p:cNvPr id="5" name="Slide Number Placeholder 4"/>
           <p:cNvSpPr>
             <a:spLocks noGrp="1"/>
           </p:cNvSpPr>
@@ -2030,7 +1785,7 @@
     </p:spTree>
     <p:extLst>
       <p:ext uri="{BB962C8B-B14F-4D97-AF65-F5344CB8AC3E}">
-        <p14:creationId xmlns:p14="http://schemas.microsoft.com/office/powerpoint/2010/main" val="4005638343"/>
+        <p14:creationId xmlns:p14="http://schemas.microsoft.com/office/powerpoint/2010/main" val="3618162943"/>
       </p:ext>
     </p:extLst>
   </p:cSld>
@@ -2059,13 +1814,7 @@
       </p:grpSpPr>
       <p:sp>
         <p:nvSpPr>
-          <p:cNvPr id="2" name="Date Placeholder 1">
-            <a:extLst>
-              <a:ext uri="{FF2B5EF4-FFF2-40B4-BE49-F238E27FC236}">
-                <a16:creationId xmlns:a16="http://schemas.microsoft.com/office/drawing/2014/main" id="{6A6C9E02-41BE-9918-AA12-816506C0D8FE}"/>
-              </a:ext>
-            </a:extLst>
-          </p:cNvPr>
+          <p:cNvPr id="2" name="Date Placeholder 1"/>
           <p:cNvSpPr>
             <a:spLocks noGrp="1"/>
           </p:cNvSpPr>
@@ -2088,13 +1837,7 @@
       </p:sp>
       <p:sp>
         <p:nvSpPr>
-          <p:cNvPr id="3" name="Footer Placeholder 2">
-            <a:extLst>
-              <a:ext uri="{FF2B5EF4-FFF2-40B4-BE49-F238E27FC236}">
-                <a16:creationId xmlns:a16="http://schemas.microsoft.com/office/drawing/2014/main" id="{E55BA76F-E27F-6140-BCC4-8196BFB698B0}"/>
-              </a:ext>
-            </a:extLst>
-          </p:cNvPr>
+          <p:cNvPr id="3" name="Footer Placeholder 2"/>
           <p:cNvSpPr>
             <a:spLocks noGrp="1"/>
           </p:cNvSpPr>
@@ -2113,13 +1856,7 @@
       </p:sp>
       <p:sp>
         <p:nvSpPr>
-          <p:cNvPr id="4" name="Slide Number Placeholder 3">
-            <a:extLst>
-              <a:ext uri="{FF2B5EF4-FFF2-40B4-BE49-F238E27FC236}">
-                <a16:creationId xmlns:a16="http://schemas.microsoft.com/office/drawing/2014/main" id="{80DFFBC6-35E6-9115-97A1-C48CDD55B5FF}"/>
-              </a:ext>
-            </a:extLst>
-          </p:cNvPr>
+          <p:cNvPr id="4" name="Slide Number Placeholder 3"/>
           <p:cNvSpPr>
             <a:spLocks noGrp="1"/>
           </p:cNvSpPr>
@@ -2143,7 +1880,7 @@
     </p:spTree>
     <p:extLst>
       <p:ext uri="{BB962C8B-B14F-4D97-AF65-F5344CB8AC3E}">
-        <p14:creationId xmlns:p14="http://schemas.microsoft.com/office/powerpoint/2010/main" val="2431976003"/>
+        <p14:creationId xmlns:p14="http://schemas.microsoft.com/office/powerpoint/2010/main" val="1414247525"/>
       </p:ext>
     </p:extLst>
   </p:cSld>
@@ -2172,13 +1909,7 @@
       </p:grpSpPr>
       <p:sp>
         <p:nvSpPr>
-          <p:cNvPr id="2" name="Title 1">
-            <a:extLst>
-              <a:ext uri="{FF2B5EF4-FFF2-40B4-BE49-F238E27FC236}">
-                <a16:creationId xmlns:a16="http://schemas.microsoft.com/office/drawing/2014/main" id="{52F9B70B-6870-EDE0-C7B7-91C317316041}"/>
-              </a:ext>
-            </a:extLst>
-          </p:cNvPr>
+          <p:cNvPr id="2" name="Title 1"/>
           <p:cNvSpPr>
             <a:spLocks noGrp="1"/>
           </p:cNvSpPr>
@@ -2188,8 +1919,8 @@
         </p:nvSpPr>
         <p:spPr>
           <a:xfrm>
-            <a:off x="839788" y="457200"/>
-            <a:ext cx="3932237" cy="1600200"/>
+            <a:off x="629841" y="457200"/>
+            <a:ext cx="2949178" cy="1600200"/>
           </a:xfrm>
         </p:spPr>
         <p:txBody>
@@ -2204,19 +1935,13 @@
               <a:rPr lang="en-US"/>
               <a:t>Click to edit Master title style</a:t>
             </a:r>
-            <a:endParaRPr lang="en-IN"/>
-          </a:p>
-        </p:txBody>
-      </p:sp>
-      <p:sp>
-        <p:nvSpPr>
-          <p:cNvPr id="3" name="Content Placeholder 2">
-            <a:extLst>
-              <a:ext uri="{FF2B5EF4-FFF2-40B4-BE49-F238E27FC236}">
-                <a16:creationId xmlns:a16="http://schemas.microsoft.com/office/drawing/2014/main" id="{873CD72D-BE74-7EAD-511D-A6FA05ED94CA}"/>
-              </a:ext>
-            </a:extLst>
-          </p:cNvPr>
+            <a:endParaRPr lang="en-US" dirty="0"/>
+          </a:p>
+        </p:txBody>
+      </p:sp>
+      <p:sp>
+        <p:nvSpPr>
+          <p:cNvPr id="3" name="Content Placeholder 2"/>
           <p:cNvSpPr>
             <a:spLocks noGrp="1"/>
           </p:cNvSpPr>
@@ -2226,8 +1951,8 @@
         </p:nvSpPr>
         <p:spPr>
           <a:xfrm>
-            <a:off x="5183188" y="987425"/>
-            <a:ext cx="6172200" cy="4873625"/>
+            <a:off x="3887391" y="987426"/>
+            <a:ext cx="4629150" cy="4873625"/>
           </a:xfrm>
         </p:spPr>
         <p:txBody>
@@ -2295,19 +2020,13 @@
               <a:rPr lang="en-US"/>
               <a:t>Fifth level</a:t>
             </a:r>
-            <a:endParaRPr lang="en-IN"/>
-          </a:p>
-        </p:txBody>
-      </p:sp>
-      <p:sp>
-        <p:nvSpPr>
-          <p:cNvPr id="4" name="Text Placeholder 3">
-            <a:extLst>
-              <a:ext uri="{FF2B5EF4-FFF2-40B4-BE49-F238E27FC236}">
-                <a16:creationId xmlns:a16="http://schemas.microsoft.com/office/drawing/2014/main" id="{F0DA7D6D-FBAB-C767-7FC0-37DA1EFDABF0}"/>
-              </a:ext>
-            </a:extLst>
-          </p:cNvPr>
+            <a:endParaRPr lang="en-US" dirty="0"/>
+          </a:p>
+        </p:txBody>
+      </p:sp>
+      <p:sp>
+        <p:nvSpPr>
+          <p:cNvPr id="4" name="Text Placeholder 3"/>
           <p:cNvSpPr>
             <a:spLocks noGrp="1"/>
           </p:cNvSpPr>
@@ -2317,8 +2036,8 @@
         </p:nvSpPr>
         <p:spPr>
           <a:xfrm>
-            <a:off x="839788" y="2057400"/>
-            <a:ext cx="3932237" cy="3811588"/>
+            <a:off x="629841" y="2057400"/>
+            <a:ext cx="2949178" cy="3811588"/>
           </a:xfrm>
         </p:spPr>
         <p:txBody>
@@ -2372,13 +2091,7 @@
       </p:sp>
       <p:sp>
         <p:nvSpPr>
-          <p:cNvPr id="5" name="Date Placeholder 4">
-            <a:extLst>
-              <a:ext uri="{FF2B5EF4-FFF2-40B4-BE49-F238E27FC236}">
-                <a16:creationId xmlns:a16="http://schemas.microsoft.com/office/drawing/2014/main" id="{DA664761-3C5F-713F-A530-7AF5280D9A5E}"/>
-              </a:ext>
-            </a:extLst>
-          </p:cNvPr>
+          <p:cNvPr id="5" name="Date Placeholder 4"/>
           <p:cNvSpPr>
             <a:spLocks noGrp="1"/>
           </p:cNvSpPr>
@@ -2401,13 +2114,7 @@
       </p:sp>
       <p:sp>
         <p:nvSpPr>
-          <p:cNvPr id="6" name="Footer Placeholder 5">
-            <a:extLst>
-              <a:ext uri="{FF2B5EF4-FFF2-40B4-BE49-F238E27FC236}">
-                <a16:creationId xmlns:a16="http://schemas.microsoft.com/office/drawing/2014/main" id="{B6A2735D-26B0-8D04-D352-2776027EE2E1}"/>
-              </a:ext>
-            </a:extLst>
-          </p:cNvPr>
+          <p:cNvPr id="6" name="Footer Placeholder 5"/>
           <p:cNvSpPr>
             <a:spLocks noGrp="1"/>
           </p:cNvSpPr>
@@ -2426,13 +2133,7 @@
       </p:sp>
       <p:sp>
         <p:nvSpPr>
-          <p:cNvPr id="7" name="Slide Number Placeholder 6">
-            <a:extLst>
-              <a:ext uri="{FF2B5EF4-FFF2-40B4-BE49-F238E27FC236}">
-                <a16:creationId xmlns:a16="http://schemas.microsoft.com/office/drawing/2014/main" id="{05FBD82F-55EB-EA1A-8918-07886F944E92}"/>
-              </a:ext>
-            </a:extLst>
-          </p:cNvPr>
+          <p:cNvPr id="7" name="Slide Number Placeholder 6"/>
           <p:cNvSpPr>
             <a:spLocks noGrp="1"/>
           </p:cNvSpPr>
@@ -2456,7 +2157,7 @@
     </p:spTree>
     <p:extLst>
       <p:ext uri="{BB962C8B-B14F-4D97-AF65-F5344CB8AC3E}">
-        <p14:creationId xmlns:p14="http://schemas.microsoft.com/office/powerpoint/2010/main" val="515057770"/>
+        <p14:creationId xmlns:p14="http://schemas.microsoft.com/office/powerpoint/2010/main" val="2819524032"/>
       </p:ext>
     </p:extLst>
   </p:cSld>
@@ -2485,13 +2186,7 @@
       </p:grpSpPr>
       <p:sp>
         <p:nvSpPr>
-          <p:cNvPr id="2" name="Title 1">
-            <a:extLst>
-              <a:ext uri="{FF2B5EF4-FFF2-40B4-BE49-F238E27FC236}">
-                <a16:creationId xmlns:a16="http://schemas.microsoft.com/office/drawing/2014/main" id="{5E86B8C1-5E2A-9597-9082-93F931FCB104}"/>
-              </a:ext>
-            </a:extLst>
-          </p:cNvPr>
+          <p:cNvPr id="2" name="Title 1"/>
           <p:cNvSpPr>
             <a:spLocks noGrp="1"/>
           </p:cNvSpPr>
@@ -2501,8 +2196,8 @@
         </p:nvSpPr>
         <p:spPr>
           <a:xfrm>
-            <a:off x="839788" y="457200"/>
-            <a:ext cx="3932237" cy="1600200"/>
+            <a:off x="629841" y="457200"/>
+            <a:ext cx="2949178" cy="1600200"/>
           </a:xfrm>
         </p:spPr>
         <p:txBody>
@@ -2517,21 +2212,15 @@
               <a:rPr lang="en-US"/>
               <a:t>Click to edit Master title style</a:t>
             </a:r>
-            <a:endParaRPr lang="en-IN"/>
-          </a:p>
-        </p:txBody>
-      </p:sp>
-      <p:sp>
-        <p:nvSpPr>
-          <p:cNvPr id="3" name="Picture Placeholder 2">
-            <a:extLst>
-              <a:ext uri="{FF2B5EF4-FFF2-40B4-BE49-F238E27FC236}">
-                <a16:creationId xmlns:a16="http://schemas.microsoft.com/office/drawing/2014/main" id="{96E1FA86-094F-39C9-42EA-CABEDE59D021}"/>
-              </a:ext>
-            </a:extLst>
-          </p:cNvPr>
-          <p:cNvSpPr>
-            <a:spLocks noGrp="1"/>
+            <a:endParaRPr lang="en-US" dirty="0"/>
+          </a:p>
+        </p:txBody>
+      </p:sp>
+      <p:sp>
+        <p:nvSpPr>
+          <p:cNvPr id="3" name="Picture Placeholder 2"/>
+          <p:cNvSpPr>
+            <a:spLocks noGrp="1" noChangeAspect="1"/>
           </p:cNvSpPr>
           <p:nvPr>
             <p:ph type="pic" idx="1"/>
@@ -2539,12 +2228,12 @@
         </p:nvSpPr>
         <p:spPr>
           <a:xfrm>
-            <a:off x="5183188" y="987425"/>
-            <a:ext cx="6172200" cy="4873625"/>
+            <a:off x="3887391" y="987426"/>
+            <a:ext cx="4629150" cy="4873625"/>
           </a:xfrm>
         </p:spPr>
         <p:txBody>
-          <a:bodyPr/>
+          <a:bodyPr anchor="t"/>
           <a:lstStyle>
             <a:lvl1pPr marL="0" indent="0">
               <a:buNone/>
@@ -2584,19 +2273,17 @@
             </a:lvl9pPr>
           </a:lstStyle>
           <a:p>
-            <a:endParaRPr lang="en-IN"/>
-          </a:p>
-        </p:txBody>
-      </p:sp>
-      <p:sp>
-        <p:nvSpPr>
-          <p:cNvPr id="4" name="Text Placeholder 3">
-            <a:extLst>
-              <a:ext uri="{FF2B5EF4-FFF2-40B4-BE49-F238E27FC236}">
-                <a16:creationId xmlns:a16="http://schemas.microsoft.com/office/drawing/2014/main" id="{DF9A245F-268F-C2C6-55D2-382014C5D93C}"/>
-              </a:ext>
-            </a:extLst>
-          </p:cNvPr>
+            <a:r>
+              <a:rPr lang="en-US"/>
+              <a:t>Click icon to add picture</a:t>
+            </a:r>
+            <a:endParaRPr lang="en-US" dirty="0"/>
+          </a:p>
+        </p:txBody>
+      </p:sp>
+      <p:sp>
+        <p:nvSpPr>
+          <p:cNvPr id="4" name="Text Placeholder 3"/>
           <p:cNvSpPr>
             <a:spLocks noGrp="1"/>
           </p:cNvSpPr>
@@ -2606,8 +2293,8 @@
         </p:nvSpPr>
         <p:spPr>
           <a:xfrm>
-            <a:off x="839788" y="2057400"/>
-            <a:ext cx="3932237" cy="3811588"/>
+            <a:off x="629841" y="2057400"/>
+            <a:ext cx="2949178" cy="3811588"/>
           </a:xfrm>
         </p:spPr>
         <p:txBody>
@@ -2661,13 +2348,7 @@
       </p:sp>
       <p:sp>
         <p:nvSpPr>
-          <p:cNvPr id="5" name="Date Placeholder 4">
-            <a:extLst>
-              <a:ext uri="{FF2B5EF4-FFF2-40B4-BE49-F238E27FC236}">
-                <a16:creationId xmlns:a16="http://schemas.microsoft.com/office/drawing/2014/main" id="{BEE341E8-9538-AFC8-A518-53C4204323A0}"/>
-              </a:ext>
-            </a:extLst>
-          </p:cNvPr>
+          <p:cNvPr id="5" name="Date Placeholder 4"/>
           <p:cNvSpPr>
             <a:spLocks noGrp="1"/>
           </p:cNvSpPr>
@@ -2690,13 +2371,7 @@
       </p:sp>
       <p:sp>
         <p:nvSpPr>
-          <p:cNvPr id="6" name="Footer Placeholder 5">
-            <a:extLst>
-              <a:ext uri="{FF2B5EF4-FFF2-40B4-BE49-F238E27FC236}">
-                <a16:creationId xmlns:a16="http://schemas.microsoft.com/office/drawing/2014/main" id="{733BEE85-EA0C-567F-520E-AE4431C56E3A}"/>
-              </a:ext>
-            </a:extLst>
-          </p:cNvPr>
+          <p:cNvPr id="6" name="Footer Placeholder 5"/>
           <p:cNvSpPr>
             <a:spLocks noGrp="1"/>
           </p:cNvSpPr>
@@ -2715,13 +2390,7 @@
       </p:sp>
       <p:sp>
         <p:nvSpPr>
-          <p:cNvPr id="7" name="Slide Number Placeholder 6">
-            <a:extLst>
-              <a:ext uri="{FF2B5EF4-FFF2-40B4-BE49-F238E27FC236}">
-                <a16:creationId xmlns:a16="http://schemas.microsoft.com/office/drawing/2014/main" id="{852AE8E2-EAB1-D63E-9A5F-E59BB397D394}"/>
-              </a:ext>
-            </a:extLst>
-          </p:cNvPr>
+          <p:cNvPr id="7" name="Slide Number Placeholder 6"/>
           <p:cNvSpPr>
             <a:spLocks noGrp="1"/>
           </p:cNvSpPr>
@@ -2745,7 +2414,7 @@
     </p:spTree>
     <p:extLst>
       <p:ext uri="{BB962C8B-B14F-4D97-AF65-F5344CB8AC3E}">
-        <p14:creationId xmlns:p14="http://schemas.microsoft.com/office/powerpoint/2010/main" val="2595147267"/>
+        <p14:creationId xmlns:p14="http://schemas.microsoft.com/office/powerpoint/2010/main" val="2958557090"/>
       </p:ext>
     </p:extLst>
   </p:cSld>
@@ -2779,13 +2448,7 @@
       </p:grpSpPr>
       <p:sp>
         <p:nvSpPr>
-          <p:cNvPr id="2" name="Title Placeholder 1">
-            <a:extLst>
-              <a:ext uri="{FF2B5EF4-FFF2-40B4-BE49-F238E27FC236}">
-                <a16:creationId xmlns:a16="http://schemas.microsoft.com/office/drawing/2014/main" id="{3FA94865-2E96-9A8D-3F43-6913B3C3DB21}"/>
-              </a:ext>
-            </a:extLst>
-          </p:cNvPr>
+          <p:cNvPr id="2" name="Title Placeholder 1"/>
           <p:cNvSpPr>
             <a:spLocks noGrp="1"/>
           </p:cNvSpPr>
@@ -2795,8 +2458,8 @@
         </p:nvSpPr>
         <p:spPr>
           <a:xfrm>
-            <a:off x="838200" y="365125"/>
-            <a:ext cx="10515600" cy="1325563"/>
+            <a:off x="628650" y="365126"/>
+            <a:ext cx="7886700" cy="1325563"/>
           </a:xfrm>
           <a:prstGeom prst="rect">
             <a:avLst/>
@@ -2812,19 +2475,13 @@
               <a:rPr lang="en-US"/>
               <a:t>Click to edit Master title style</a:t>
             </a:r>
-            <a:endParaRPr lang="en-IN"/>
-          </a:p>
-        </p:txBody>
-      </p:sp>
-      <p:sp>
-        <p:nvSpPr>
-          <p:cNvPr id="3" name="Text Placeholder 2">
-            <a:extLst>
-              <a:ext uri="{FF2B5EF4-FFF2-40B4-BE49-F238E27FC236}">
-                <a16:creationId xmlns:a16="http://schemas.microsoft.com/office/drawing/2014/main" id="{EAEAF71A-3DDB-28CD-E687-A02EF11E6FA2}"/>
-              </a:ext>
-            </a:extLst>
-          </p:cNvPr>
+            <a:endParaRPr lang="en-US" dirty="0"/>
+          </a:p>
+        </p:txBody>
+      </p:sp>
+      <p:sp>
+        <p:nvSpPr>
+          <p:cNvPr id="3" name="Text Placeholder 2"/>
           <p:cNvSpPr>
             <a:spLocks noGrp="1"/>
           </p:cNvSpPr>
@@ -2834,8 +2491,8 @@
         </p:nvSpPr>
         <p:spPr>
           <a:xfrm>
-            <a:off x="838200" y="1825625"/>
-            <a:ext cx="10515600" cy="4351338"/>
+            <a:off x="628650" y="1825625"/>
+            <a:ext cx="7886700" cy="4351338"/>
           </a:xfrm>
           <a:prstGeom prst="rect">
             <a:avLst/>
@@ -2880,19 +2537,13 @@
               <a:rPr lang="en-US"/>
               <a:t>Fifth level</a:t>
             </a:r>
-            <a:endParaRPr lang="en-IN"/>
-          </a:p>
-        </p:txBody>
-      </p:sp>
-      <p:sp>
-        <p:nvSpPr>
-          <p:cNvPr id="4" name="Date Placeholder 3">
-            <a:extLst>
-              <a:ext uri="{FF2B5EF4-FFF2-40B4-BE49-F238E27FC236}">
-                <a16:creationId xmlns:a16="http://schemas.microsoft.com/office/drawing/2014/main" id="{04248AB3-569F-583D-F5CF-26049BCADDE8}"/>
-              </a:ext>
-            </a:extLst>
-          </p:cNvPr>
+            <a:endParaRPr lang="en-US" dirty="0"/>
+          </a:p>
+        </p:txBody>
+      </p:sp>
+      <p:sp>
+        <p:nvSpPr>
+          <p:cNvPr id="4" name="Date Placeholder 3"/>
           <p:cNvSpPr>
             <a:spLocks noGrp="1"/>
           </p:cNvSpPr>
@@ -2902,8 +2553,8 @@
         </p:nvSpPr>
         <p:spPr>
           <a:xfrm>
-            <a:off x="838200" y="6356350"/>
-            <a:ext cx="2743200" cy="365125"/>
+            <a:off x="628650" y="6356351"/>
+            <a:ext cx="2057400" cy="365125"/>
           </a:xfrm>
           <a:prstGeom prst="rect">
             <a:avLst/>
@@ -2933,13 +2584,7 @@
       </p:sp>
       <p:sp>
         <p:nvSpPr>
-          <p:cNvPr id="5" name="Footer Placeholder 4">
-            <a:extLst>
-              <a:ext uri="{FF2B5EF4-FFF2-40B4-BE49-F238E27FC236}">
-                <a16:creationId xmlns:a16="http://schemas.microsoft.com/office/drawing/2014/main" id="{D1862D98-819D-A66A-01AC-61C28A268002}"/>
-              </a:ext>
-            </a:extLst>
-          </p:cNvPr>
+          <p:cNvPr id="5" name="Footer Placeholder 4"/>
           <p:cNvSpPr>
             <a:spLocks noGrp="1"/>
           </p:cNvSpPr>
@@ -2949,8 +2594,8 @@
         </p:nvSpPr>
         <p:spPr>
           <a:xfrm>
-            <a:off x="4038600" y="6356350"/>
-            <a:ext cx="4114800" cy="365125"/>
+            <a:off x="3028950" y="6356351"/>
+            <a:ext cx="3086100" cy="365125"/>
           </a:xfrm>
           <a:prstGeom prst="rect">
             <a:avLst/>
@@ -2976,13 +2621,7 @@
       </p:sp>
       <p:sp>
         <p:nvSpPr>
-          <p:cNvPr id="6" name="Slide Number Placeholder 5">
-            <a:extLst>
-              <a:ext uri="{FF2B5EF4-FFF2-40B4-BE49-F238E27FC236}">
-                <a16:creationId xmlns:a16="http://schemas.microsoft.com/office/drawing/2014/main" id="{7C11A49A-962C-C1FA-462D-23E18D7D554A}"/>
-              </a:ext>
-            </a:extLst>
-          </p:cNvPr>
+          <p:cNvPr id="6" name="Slide Number Placeholder 5"/>
           <p:cNvSpPr>
             <a:spLocks noGrp="1"/>
           </p:cNvSpPr>
@@ -2992,8 +2631,8 @@
         </p:nvSpPr>
         <p:spPr>
           <a:xfrm>
-            <a:off x="8610600" y="6356350"/>
-            <a:ext cx="2743200" cy="365125"/>
+            <a:off x="6457950" y="6356351"/>
+            <a:ext cx="2057400" cy="365125"/>
           </a:xfrm>
           <a:prstGeom prst="rect">
             <a:avLst/>
@@ -3024,23 +2663,23 @@
     </p:spTree>
     <p:extLst>
       <p:ext uri="{BB962C8B-B14F-4D97-AF65-F5344CB8AC3E}">
-        <p14:creationId xmlns:p14="http://schemas.microsoft.com/office/powerpoint/2010/main" val="676024872"/>
+        <p14:creationId xmlns:p14="http://schemas.microsoft.com/office/powerpoint/2010/main" val="2549626403"/>
       </p:ext>
     </p:extLst>
   </p:cSld>
   <p:clrMap bg1="lt1" tx1="dk1" bg2="lt2" tx2="dk2" accent1="accent1" accent2="accent2" accent3="accent3" accent4="accent4" accent5="accent5" accent6="accent6" hlink="hlink" folHlink="folHlink"/>
   <p:sldLayoutIdLst>
-    <p:sldLayoutId id="2147483649" r:id="rId1"/>
-    <p:sldLayoutId id="2147483650" r:id="rId2"/>
-    <p:sldLayoutId id="2147483651" r:id="rId3"/>
-    <p:sldLayoutId id="2147483652" r:id="rId4"/>
-    <p:sldLayoutId id="2147483653" r:id="rId5"/>
-    <p:sldLayoutId id="2147483654" r:id="rId6"/>
-    <p:sldLayoutId id="2147483655" r:id="rId7"/>
-    <p:sldLayoutId id="2147483656" r:id="rId8"/>
-    <p:sldLayoutId id="2147483657" r:id="rId9"/>
-    <p:sldLayoutId id="2147483658" r:id="rId10"/>
-    <p:sldLayoutId id="2147483659" r:id="rId11"/>
+    <p:sldLayoutId id="2147483661" r:id="rId1"/>
+    <p:sldLayoutId id="2147483662" r:id="rId2"/>
+    <p:sldLayoutId id="2147483663" r:id="rId3"/>
+    <p:sldLayoutId id="2147483664" r:id="rId4"/>
+    <p:sldLayoutId id="2147483665" r:id="rId5"/>
+    <p:sldLayoutId id="2147483666" r:id="rId6"/>
+    <p:sldLayoutId id="2147483667" r:id="rId7"/>
+    <p:sldLayoutId id="2147483668" r:id="rId8"/>
+    <p:sldLayoutId id="2147483669" r:id="rId9"/>
+    <p:sldLayoutId id="2147483670" r:id="rId10"/>
+    <p:sldLayoutId id="2147483671" r:id="rId11"/>
   </p:sldLayoutIdLst>
   <p:txStyles>
     <p:titleStyle>
@@ -3391,7 +3030,25 @@
           <a:bodyPr/>
           <a:lstStyle/>
           <a:p>
-            <a:endParaRPr lang="en-IN"/>
+            <a:r>
+              <a:rPr lang="en-US" dirty="0"/>
+              <a:t>Pritam Prakash Shete</a:t>
+            </a:r>
+          </a:p>
+          <a:p>
+            <a:r>
+              <a:rPr lang="en-US" dirty="0"/>
+              <a:t>Computer Division, BARC </a:t>
+            </a:r>
+          </a:p>
+          <a:p>
+            <a:r>
+              <a:rPr lang="en-US" dirty="0"/>
+              <a:t>Centre for Excellence in Basic Sciences</a:t>
+            </a:r>
+          </a:p>
+          <a:p>
+            <a:endParaRPr lang="en-IN" dirty="0"/>
           </a:p>
         </p:txBody>
       </p:sp>
@@ -3408,10 +3065,1008 @@
 </p:sld>
 </file>
 
+<file path=ppt/slides/slide10.xml><?xml version="1.0" encoding="utf-8"?>
+<p:sld xmlns:a="http://schemas.openxmlformats.org/drawingml/2006/main" xmlns:r="http://schemas.openxmlformats.org/officeDocument/2006/relationships" xmlns:p="http://schemas.openxmlformats.org/presentationml/2006/main">
+  <p:cSld>
+    <p:spTree>
+      <p:nvGrpSpPr>
+        <p:cNvPr id="1" name="">
+          <a:extLst>
+            <a:ext uri="{FF2B5EF4-FFF2-40B4-BE49-F238E27FC236}">
+              <a16:creationId xmlns:a16="http://schemas.microsoft.com/office/drawing/2014/main" id="{908B4868-C3B8-A53D-7B6A-A08A2DE41220}"/>
+            </a:ext>
+          </a:extLst>
+        </p:cNvPr>
+        <p:cNvGrpSpPr/>
+        <p:nvPr/>
+      </p:nvGrpSpPr>
+      <p:grpSpPr>
+        <a:xfrm>
+          <a:off x="0" y="0"/>
+          <a:ext cx="0" cy="0"/>
+          <a:chOff x="0" y="0"/>
+          <a:chExt cx="0" cy="0"/>
+        </a:xfrm>
+      </p:grpSpPr>
+      <p:sp>
+        <p:nvSpPr>
+          <p:cNvPr id="2" name="Title 1">
+            <a:extLst>
+              <a:ext uri="{FF2B5EF4-FFF2-40B4-BE49-F238E27FC236}">
+                <a16:creationId xmlns:a16="http://schemas.microsoft.com/office/drawing/2014/main" id="{3551BCFE-FAB7-72AA-1ABE-11EB4B80F7A0}"/>
+              </a:ext>
+            </a:extLst>
+          </p:cNvPr>
+          <p:cNvSpPr>
+            <a:spLocks noGrp="1"/>
+          </p:cNvSpPr>
+          <p:nvPr>
+            <p:ph type="title"/>
+          </p:nvPr>
+        </p:nvSpPr>
+        <p:spPr/>
+        <p:txBody>
+          <a:bodyPr/>
+          <a:lstStyle/>
+          <a:p>
+            <a:pPr algn="ctr"/>
+            <a:r>
+              <a:rPr lang="en-US" dirty="0"/>
+              <a:t>Response Based Knowledge</a:t>
+            </a:r>
+            <a:endParaRPr lang="en-IN" dirty="0"/>
+          </a:p>
+        </p:txBody>
+      </p:sp>
+      <p:sp>
+        <p:nvSpPr>
+          <p:cNvPr id="3" name="Content Placeholder 2">
+            <a:extLst>
+              <a:ext uri="{FF2B5EF4-FFF2-40B4-BE49-F238E27FC236}">
+                <a16:creationId xmlns:a16="http://schemas.microsoft.com/office/drawing/2014/main" id="{86AA29E7-433F-4977-3498-8E5A51D926B8}"/>
+              </a:ext>
+            </a:extLst>
+          </p:cNvPr>
+          <p:cNvSpPr>
+            <a:spLocks noGrp="1"/>
+          </p:cNvSpPr>
+          <p:nvPr>
+            <p:ph idx="1"/>
+          </p:nvPr>
+        </p:nvSpPr>
+        <p:spPr/>
+        <p:txBody>
+          <a:bodyPr/>
+          <a:lstStyle/>
+          <a:p>
+            <a:r>
+              <a:rPr lang="en-IN" dirty="0"/>
+              <a:t>Distillation loss</a:t>
+            </a:r>
+          </a:p>
+        </p:txBody>
+      </p:sp>
+    </p:spTree>
+    <p:extLst>
+      <p:ext uri="{BB962C8B-B14F-4D97-AF65-F5344CB8AC3E}">
+        <p14:creationId xmlns:p14="http://schemas.microsoft.com/office/powerpoint/2010/main" val="3204246657"/>
+      </p:ext>
+    </p:extLst>
+  </p:cSld>
+  <p:clrMapOvr>
+    <a:masterClrMapping/>
+  </p:clrMapOvr>
+</p:sld>
+</file>
+
+<file path=ppt/slides/slide11.xml><?xml version="1.0" encoding="utf-8"?>
+<p:sld xmlns:a="http://schemas.openxmlformats.org/drawingml/2006/main" xmlns:r="http://schemas.openxmlformats.org/officeDocument/2006/relationships" xmlns:p="http://schemas.openxmlformats.org/presentationml/2006/main">
+  <p:cSld>
+    <p:spTree>
+      <p:nvGrpSpPr>
+        <p:cNvPr id="1" name="">
+          <a:extLst>
+            <a:ext uri="{FF2B5EF4-FFF2-40B4-BE49-F238E27FC236}">
+              <a16:creationId xmlns:a16="http://schemas.microsoft.com/office/drawing/2014/main" id="{1C8AEA77-34B6-2B92-3032-E7DC917A66A5}"/>
+            </a:ext>
+          </a:extLst>
+        </p:cNvPr>
+        <p:cNvGrpSpPr/>
+        <p:nvPr/>
+      </p:nvGrpSpPr>
+      <p:grpSpPr>
+        <a:xfrm>
+          <a:off x="0" y="0"/>
+          <a:ext cx="0" cy="0"/>
+          <a:chOff x="0" y="0"/>
+          <a:chExt cx="0" cy="0"/>
+        </a:xfrm>
+      </p:grpSpPr>
+      <p:sp>
+        <p:nvSpPr>
+          <p:cNvPr id="2" name="Title 1">
+            <a:extLst>
+              <a:ext uri="{FF2B5EF4-FFF2-40B4-BE49-F238E27FC236}">
+                <a16:creationId xmlns:a16="http://schemas.microsoft.com/office/drawing/2014/main" id="{CD98F5DA-863D-D365-0F24-39A0C31B06D7}"/>
+              </a:ext>
+            </a:extLst>
+          </p:cNvPr>
+          <p:cNvSpPr>
+            <a:spLocks noGrp="1"/>
+          </p:cNvSpPr>
+          <p:nvPr>
+            <p:ph type="ctrTitle"/>
+          </p:nvPr>
+        </p:nvSpPr>
+        <p:spPr/>
+        <p:txBody>
+          <a:bodyPr/>
+          <a:lstStyle/>
+          <a:p>
+            <a:r>
+              <a:rPr lang="en-IN" dirty="0"/>
+              <a:t>Questions?</a:t>
+            </a:r>
+          </a:p>
+        </p:txBody>
+      </p:sp>
+      <p:sp>
+        <p:nvSpPr>
+          <p:cNvPr id="3" name="Subtitle 2">
+            <a:extLst>
+              <a:ext uri="{FF2B5EF4-FFF2-40B4-BE49-F238E27FC236}">
+                <a16:creationId xmlns:a16="http://schemas.microsoft.com/office/drawing/2014/main" id="{24AD7672-D577-74F5-F08E-C14B57789DE5}"/>
+              </a:ext>
+            </a:extLst>
+          </p:cNvPr>
+          <p:cNvSpPr>
+            <a:spLocks noGrp="1"/>
+          </p:cNvSpPr>
+          <p:nvPr>
+            <p:ph type="subTitle" idx="1"/>
+          </p:nvPr>
+        </p:nvSpPr>
+        <p:spPr/>
+        <p:txBody>
+          <a:bodyPr/>
+          <a:lstStyle/>
+          <a:p>
+            <a:r>
+              <a:rPr lang="en-US" dirty="0"/>
+              <a:t>Thank you</a:t>
+            </a:r>
+          </a:p>
+          <a:p>
+            <a:endParaRPr lang="en-IN" dirty="0"/>
+          </a:p>
+        </p:txBody>
+      </p:sp>
+    </p:spTree>
+    <p:extLst>
+      <p:ext uri="{BB962C8B-B14F-4D97-AF65-F5344CB8AC3E}">
+        <p14:creationId xmlns:p14="http://schemas.microsoft.com/office/powerpoint/2010/main" val="2420884258"/>
+      </p:ext>
+    </p:extLst>
+  </p:cSld>
+  <p:clrMapOvr>
+    <a:masterClrMapping/>
+  </p:clrMapOvr>
+</p:sld>
+</file>
+
+<file path=ppt/slides/slide2.xml><?xml version="1.0" encoding="utf-8"?>
+<p:sld xmlns:a="http://schemas.openxmlformats.org/drawingml/2006/main" xmlns:r="http://schemas.openxmlformats.org/officeDocument/2006/relationships" xmlns:p="http://schemas.openxmlformats.org/presentationml/2006/main">
+  <p:cSld>
+    <p:spTree>
+      <p:nvGrpSpPr>
+        <p:cNvPr id="1" name=""/>
+        <p:cNvGrpSpPr/>
+        <p:nvPr/>
+      </p:nvGrpSpPr>
+      <p:grpSpPr>
+        <a:xfrm>
+          <a:off x="0" y="0"/>
+          <a:ext cx="0" cy="0"/>
+          <a:chOff x="0" y="0"/>
+          <a:chExt cx="0" cy="0"/>
+        </a:xfrm>
+      </p:grpSpPr>
+      <p:sp>
+        <p:nvSpPr>
+          <p:cNvPr id="2" name="Title 1">
+            <a:extLst>
+              <a:ext uri="{FF2B5EF4-FFF2-40B4-BE49-F238E27FC236}">
+                <a16:creationId xmlns:a16="http://schemas.microsoft.com/office/drawing/2014/main" id="{C3158373-896C-5377-CDAF-BEA76F5EFCE2}"/>
+              </a:ext>
+            </a:extLst>
+          </p:cNvPr>
+          <p:cNvSpPr>
+            <a:spLocks noGrp="1"/>
+          </p:cNvSpPr>
+          <p:nvPr>
+            <p:ph type="title"/>
+          </p:nvPr>
+        </p:nvSpPr>
+        <p:spPr/>
+        <p:txBody>
+          <a:bodyPr/>
+          <a:lstStyle/>
+          <a:p>
+            <a:pPr algn="ctr"/>
+            <a:r>
+              <a:rPr lang="en-US" dirty="0"/>
+              <a:t>Topics</a:t>
+            </a:r>
+            <a:endParaRPr lang="en-IN" dirty="0"/>
+          </a:p>
+        </p:txBody>
+      </p:sp>
+      <p:sp>
+        <p:nvSpPr>
+          <p:cNvPr id="3" name="Content Placeholder 2">
+            <a:extLst>
+              <a:ext uri="{FF2B5EF4-FFF2-40B4-BE49-F238E27FC236}">
+                <a16:creationId xmlns:a16="http://schemas.microsoft.com/office/drawing/2014/main" id="{03331634-9F3E-2272-A76A-C5BE6DCCEB25}"/>
+              </a:ext>
+            </a:extLst>
+          </p:cNvPr>
+          <p:cNvSpPr>
+            <a:spLocks noGrp="1"/>
+          </p:cNvSpPr>
+          <p:nvPr>
+            <p:ph idx="1"/>
+          </p:nvPr>
+        </p:nvSpPr>
+        <p:spPr/>
+        <p:txBody>
+          <a:bodyPr/>
+          <a:lstStyle/>
+          <a:p>
+            <a:r>
+              <a:rPr lang="en-IN" dirty="0"/>
+              <a:t>Knowledge Distillation</a:t>
+            </a:r>
+          </a:p>
+          <a:p>
+            <a:r>
+              <a:rPr lang="en-IN" dirty="0"/>
+              <a:t>Teacher Model</a:t>
+            </a:r>
+          </a:p>
+          <a:p>
+            <a:r>
+              <a:rPr lang="en-IN" dirty="0"/>
+              <a:t>Student Model</a:t>
+            </a:r>
+          </a:p>
+          <a:p>
+            <a:r>
+              <a:rPr lang="en-IN" dirty="0"/>
+              <a:t>Model Compression</a:t>
+            </a:r>
+          </a:p>
+          <a:p>
+            <a:endParaRPr lang="en-IN" dirty="0"/>
+          </a:p>
+          <a:p>
+            <a:endParaRPr lang="en-IN" dirty="0"/>
+          </a:p>
+        </p:txBody>
+      </p:sp>
+    </p:spTree>
+    <p:extLst>
+      <p:ext uri="{BB962C8B-B14F-4D97-AF65-F5344CB8AC3E}">
+        <p14:creationId xmlns:p14="http://schemas.microsoft.com/office/powerpoint/2010/main" val="1020801246"/>
+      </p:ext>
+    </p:extLst>
+  </p:cSld>
+  <p:clrMapOvr>
+    <a:masterClrMapping/>
+  </p:clrMapOvr>
+</p:sld>
+</file>
+
+<file path=ppt/slides/slide3.xml><?xml version="1.0" encoding="utf-8"?>
+<p:sld xmlns:a="http://schemas.openxmlformats.org/drawingml/2006/main" xmlns:r="http://schemas.openxmlformats.org/officeDocument/2006/relationships" xmlns:p="http://schemas.openxmlformats.org/presentationml/2006/main">
+  <p:cSld>
+    <p:spTree>
+      <p:nvGrpSpPr>
+        <p:cNvPr id="1" name=""/>
+        <p:cNvGrpSpPr/>
+        <p:nvPr/>
+      </p:nvGrpSpPr>
+      <p:grpSpPr>
+        <a:xfrm>
+          <a:off x="0" y="0"/>
+          <a:ext cx="0" cy="0"/>
+          <a:chOff x="0" y="0"/>
+          <a:chExt cx="0" cy="0"/>
+        </a:xfrm>
+      </p:grpSpPr>
+      <p:sp>
+        <p:nvSpPr>
+          <p:cNvPr id="2" name="Title 1">
+            <a:extLst>
+              <a:ext uri="{FF2B5EF4-FFF2-40B4-BE49-F238E27FC236}">
+                <a16:creationId xmlns:a16="http://schemas.microsoft.com/office/drawing/2014/main" id="{6C39F5E1-01E7-B881-000D-A2B60A0DACBE}"/>
+              </a:ext>
+            </a:extLst>
+          </p:cNvPr>
+          <p:cNvSpPr>
+            <a:spLocks noGrp="1"/>
+          </p:cNvSpPr>
+          <p:nvPr>
+            <p:ph type="title"/>
+          </p:nvPr>
+        </p:nvSpPr>
+        <p:spPr/>
+        <p:txBody>
+          <a:bodyPr/>
+          <a:lstStyle/>
+          <a:p>
+            <a:pPr algn="ctr"/>
+            <a:r>
+              <a:rPr lang="en-IN" dirty="0"/>
+              <a:t>Knowledge Distillation</a:t>
+            </a:r>
+          </a:p>
+        </p:txBody>
+      </p:sp>
+      <p:sp>
+        <p:nvSpPr>
+          <p:cNvPr id="3" name="Content Placeholder 2">
+            <a:extLst>
+              <a:ext uri="{FF2B5EF4-FFF2-40B4-BE49-F238E27FC236}">
+                <a16:creationId xmlns:a16="http://schemas.microsoft.com/office/drawing/2014/main" id="{DE589BE7-3B0A-8A3B-6BDB-30D4B151B188}"/>
+              </a:ext>
+            </a:extLst>
+          </p:cNvPr>
+          <p:cNvSpPr>
+            <a:spLocks noGrp="1"/>
+          </p:cNvSpPr>
+          <p:nvPr>
+            <p:ph idx="1"/>
+          </p:nvPr>
+        </p:nvSpPr>
+        <p:spPr/>
+        <p:txBody>
+          <a:bodyPr/>
+          <a:lstStyle/>
+          <a:p>
+            <a:r>
+              <a:rPr lang="en-US" dirty="0"/>
+              <a:t>Knowledge transfer </a:t>
+            </a:r>
+          </a:p>
+          <a:p>
+            <a:r>
+              <a:rPr lang="en-US" dirty="0"/>
+              <a:t>Large model or set of models</a:t>
+            </a:r>
+          </a:p>
+          <a:p>
+            <a:r>
+              <a:rPr lang="en-US" dirty="0"/>
+              <a:t>Single smaller model</a:t>
+            </a:r>
+          </a:p>
+          <a:p>
+            <a:r>
+              <a:rPr lang="en-US" dirty="0"/>
+              <a:t>Edge AI deployment</a:t>
+            </a:r>
+          </a:p>
+          <a:p>
+            <a:pPr lvl="1"/>
+            <a:r>
+              <a:rPr lang="en-US" dirty="0"/>
+              <a:t>Limited memory </a:t>
+            </a:r>
+          </a:p>
+          <a:p>
+            <a:pPr lvl="1"/>
+            <a:r>
+              <a:rPr lang="en-US" dirty="0"/>
+              <a:t>Limited computational capacity</a:t>
+            </a:r>
+          </a:p>
+          <a:p>
+            <a:r>
+              <a:rPr lang="en-US" dirty="0"/>
+              <a:t>Model compression</a:t>
+            </a:r>
+          </a:p>
+          <a:p>
+            <a:endParaRPr lang="en-US" dirty="0"/>
+          </a:p>
+          <a:p>
+            <a:endParaRPr lang="en-IN" dirty="0"/>
+          </a:p>
+        </p:txBody>
+      </p:sp>
+    </p:spTree>
+    <p:extLst>
+      <p:ext uri="{BB962C8B-B14F-4D97-AF65-F5344CB8AC3E}">
+        <p14:creationId xmlns:p14="http://schemas.microsoft.com/office/powerpoint/2010/main" val="2137293043"/>
+      </p:ext>
+    </p:extLst>
+  </p:cSld>
+  <p:clrMapOvr>
+    <a:masterClrMapping/>
+  </p:clrMapOvr>
+</p:sld>
+</file>
+
+<file path=ppt/slides/slide4.xml><?xml version="1.0" encoding="utf-8"?>
+<p:sld xmlns:a="http://schemas.openxmlformats.org/drawingml/2006/main" xmlns:r="http://schemas.openxmlformats.org/officeDocument/2006/relationships" xmlns:p="http://schemas.openxmlformats.org/presentationml/2006/main">
+  <p:cSld>
+    <p:spTree>
+      <p:nvGrpSpPr>
+        <p:cNvPr id="1" name="">
+          <a:extLst>
+            <a:ext uri="{FF2B5EF4-FFF2-40B4-BE49-F238E27FC236}">
+              <a16:creationId xmlns:a16="http://schemas.microsoft.com/office/drawing/2014/main" id="{5B4448C5-6997-FDAA-99C8-33115CAAEDA2}"/>
+            </a:ext>
+          </a:extLst>
+        </p:cNvPr>
+        <p:cNvGrpSpPr/>
+        <p:nvPr/>
+      </p:nvGrpSpPr>
+      <p:grpSpPr>
+        <a:xfrm>
+          <a:off x="0" y="0"/>
+          <a:ext cx="0" cy="0"/>
+          <a:chOff x="0" y="0"/>
+          <a:chExt cx="0" cy="0"/>
+        </a:xfrm>
+      </p:grpSpPr>
+      <p:sp>
+        <p:nvSpPr>
+          <p:cNvPr id="2" name="Title 1">
+            <a:extLst>
+              <a:ext uri="{FF2B5EF4-FFF2-40B4-BE49-F238E27FC236}">
+                <a16:creationId xmlns:a16="http://schemas.microsoft.com/office/drawing/2014/main" id="{CD1C9C3E-C8CB-1B05-F744-F9A05B3B3125}"/>
+              </a:ext>
+            </a:extLst>
+          </p:cNvPr>
+          <p:cNvSpPr>
+            <a:spLocks noGrp="1"/>
+          </p:cNvSpPr>
+          <p:nvPr>
+            <p:ph type="title"/>
+          </p:nvPr>
+        </p:nvSpPr>
+        <p:spPr/>
+        <p:txBody>
+          <a:bodyPr/>
+          <a:lstStyle/>
+          <a:p>
+            <a:pPr algn="ctr"/>
+            <a:r>
+              <a:rPr lang="en-IN" dirty="0"/>
+              <a:t>Knowledge Distillation</a:t>
+            </a:r>
+          </a:p>
+        </p:txBody>
+      </p:sp>
+      <p:sp>
+        <p:nvSpPr>
+          <p:cNvPr id="3" name="Content Placeholder 2">
+            <a:extLst>
+              <a:ext uri="{FF2B5EF4-FFF2-40B4-BE49-F238E27FC236}">
+                <a16:creationId xmlns:a16="http://schemas.microsoft.com/office/drawing/2014/main" id="{6DB6B392-A810-76BE-F88F-65A01F11DE84}"/>
+              </a:ext>
+            </a:extLst>
+          </p:cNvPr>
+          <p:cNvSpPr>
+            <a:spLocks noGrp="1"/>
+          </p:cNvSpPr>
+          <p:nvPr>
+            <p:ph idx="1"/>
+          </p:nvPr>
+        </p:nvSpPr>
+        <p:spPr/>
+        <p:txBody>
+          <a:bodyPr/>
+          <a:lstStyle/>
+          <a:p>
+            <a:r>
+              <a:rPr lang="en-US" dirty="0"/>
+              <a:t>A small student model learns to mimic </a:t>
+            </a:r>
+          </a:p>
+          <a:p>
+            <a:r>
+              <a:rPr lang="en-US" dirty="0"/>
+              <a:t>A large teacher model </a:t>
+            </a:r>
+          </a:p>
+          <a:p>
+            <a:r>
+              <a:rPr lang="en-US" dirty="0"/>
+              <a:t>Leverage the knowledge of the teacher model </a:t>
+            </a:r>
+          </a:p>
+          <a:p>
+            <a:r>
+              <a:rPr lang="en-US" dirty="0"/>
+              <a:t>Obtain similar or higher accuracy</a:t>
+            </a:r>
+          </a:p>
+          <a:p>
+            <a:endParaRPr lang="en-IN" dirty="0"/>
+          </a:p>
+        </p:txBody>
+      </p:sp>
+    </p:spTree>
+    <p:extLst>
+      <p:ext uri="{BB962C8B-B14F-4D97-AF65-F5344CB8AC3E}">
+        <p14:creationId xmlns:p14="http://schemas.microsoft.com/office/powerpoint/2010/main" val="2218562517"/>
+      </p:ext>
+    </p:extLst>
+  </p:cSld>
+  <p:clrMapOvr>
+    <a:masterClrMapping/>
+  </p:clrMapOvr>
+</p:sld>
+</file>
+
+<file path=ppt/slides/slide5.xml><?xml version="1.0" encoding="utf-8"?>
+<p:sld xmlns:a="http://schemas.openxmlformats.org/drawingml/2006/main" xmlns:r="http://schemas.openxmlformats.org/officeDocument/2006/relationships" xmlns:p="http://schemas.openxmlformats.org/presentationml/2006/main">
+  <p:cSld>
+    <p:spTree>
+      <p:nvGrpSpPr>
+        <p:cNvPr id="1" name=""/>
+        <p:cNvGrpSpPr/>
+        <p:nvPr/>
+      </p:nvGrpSpPr>
+      <p:grpSpPr>
+        <a:xfrm>
+          <a:off x="0" y="0"/>
+          <a:ext cx="0" cy="0"/>
+          <a:chOff x="0" y="0"/>
+          <a:chExt cx="0" cy="0"/>
+        </a:xfrm>
+      </p:grpSpPr>
+      <p:sp>
+        <p:nvSpPr>
+          <p:cNvPr id="2" name="Title 1">
+            <a:extLst>
+              <a:ext uri="{FF2B5EF4-FFF2-40B4-BE49-F238E27FC236}">
+                <a16:creationId xmlns:a16="http://schemas.microsoft.com/office/drawing/2014/main" id="{111FA1AA-E339-5A51-764E-4566E5AAE9E9}"/>
+              </a:ext>
+            </a:extLst>
+          </p:cNvPr>
+          <p:cNvSpPr>
+            <a:spLocks noGrp="1"/>
+          </p:cNvSpPr>
+          <p:nvPr>
+            <p:ph type="title"/>
+          </p:nvPr>
+        </p:nvSpPr>
+        <p:spPr/>
+        <p:txBody>
+          <a:bodyPr/>
+          <a:lstStyle/>
+          <a:p>
+            <a:pPr algn="ctr"/>
+            <a:r>
+              <a:rPr lang="en-IN" dirty="0"/>
+              <a:t>Knowledge Distillation Process</a:t>
+            </a:r>
+          </a:p>
+        </p:txBody>
+      </p:sp>
+      <p:pic>
+        <p:nvPicPr>
+          <p:cNvPr id="5" name="Picture 4">
+            <a:extLst>
+              <a:ext uri="{FF2B5EF4-FFF2-40B4-BE49-F238E27FC236}">
+                <a16:creationId xmlns:a16="http://schemas.microsoft.com/office/drawing/2014/main" id="{C0FA23D2-7DB2-9CE4-E522-400E283648AF}"/>
+              </a:ext>
+            </a:extLst>
+          </p:cNvPr>
+          <p:cNvPicPr>
+            <a:picLocks noChangeAspect="1"/>
+          </p:cNvPicPr>
+          <p:nvPr/>
+        </p:nvPicPr>
+        <p:blipFill>
+          <a:blip r:embed="rId2">
+            <a:extLst>
+              <a:ext uri="{28A0092B-C50C-407E-A947-70E740481C1C}">
+                <a14:useLocalDpi xmlns:a14="http://schemas.microsoft.com/office/drawing/2010/main" val="0"/>
+              </a:ext>
+            </a:extLst>
+          </a:blip>
+          <a:stretch>
+            <a:fillRect/>
+          </a:stretch>
+        </p:blipFill>
+        <p:spPr>
+          <a:xfrm>
+            <a:off x="485421" y="1943750"/>
+            <a:ext cx="8150578" cy="3382808"/>
+          </a:xfrm>
+          <a:prstGeom prst="rect">
+            <a:avLst/>
+          </a:prstGeom>
+        </p:spPr>
+      </p:pic>
+    </p:spTree>
+    <p:extLst>
+      <p:ext uri="{BB962C8B-B14F-4D97-AF65-F5344CB8AC3E}">
+        <p14:creationId xmlns:p14="http://schemas.microsoft.com/office/powerpoint/2010/main" val="742502634"/>
+      </p:ext>
+    </p:extLst>
+  </p:cSld>
+  <p:clrMapOvr>
+    <a:masterClrMapping/>
+  </p:clrMapOvr>
+</p:sld>
+</file>
+
+<file path=ppt/slides/slide6.xml><?xml version="1.0" encoding="utf-8"?>
+<p:sld xmlns:a="http://schemas.openxmlformats.org/drawingml/2006/main" xmlns:r="http://schemas.openxmlformats.org/officeDocument/2006/relationships" xmlns:p="http://schemas.openxmlformats.org/presentationml/2006/main">
+  <p:cSld>
+    <p:spTree>
+      <p:nvGrpSpPr>
+        <p:cNvPr id="1" name="">
+          <a:extLst>
+            <a:ext uri="{FF2B5EF4-FFF2-40B4-BE49-F238E27FC236}">
+              <a16:creationId xmlns:a16="http://schemas.microsoft.com/office/drawing/2014/main" id="{8B5FD8C1-F511-9780-328A-C3D7D085C8C8}"/>
+            </a:ext>
+          </a:extLst>
+        </p:cNvPr>
+        <p:cNvGrpSpPr/>
+        <p:nvPr/>
+      </p:nvGrpSpPr>
+      <p:grpSpPr>
+        <a:xfrm>
+          <a:off x="0" y="0"/>
+          <a:ext cx="0" cy="0"/>
+          <a:chOff x="0" y="0"/>
+          <a:chExt cx="0" cy="0"/>
+        </a:xfrm>
+      </p:grpSpPr>
+      <p:sp>
+        <p:nvSpPr>
+          <p:cNvPr id="2" name="Title 1">
+            <a:extLst>
+              <a:ext uri="{FF2B5EF4-FFF2-40B4-BE49-F238E27FC236}">
+                <a16:creationId xmlns:a16="http://schemas.microsoft.com/office/drawing/2014/main" id="{726FDD25-D38D-A207-A680-BDFEDD74607F}"/>
+              </a:ext>
+            </a:extLst>
+          </p:cNvPr>
+          <p:cNvSpPr>
+            <a:spLocks noGrp="1"/>
+          </p:cNvSpPr>
+          <p:nvPr>
+            <p:ph type="title"/>
+          </p:nvPr>
+        </p:nvSpPr>
+        <p:spPr/>
+        <p:txBody>
+          <a:bodyPr/>
+          <a:lstStyle/>
+          <a:p>
+            <a:pPr algn="ctr"/>
+            <a:r>
+              <a:rPr lang="en-IN" dirty="0"/>
+              <a:t>Knowledge Distillation Process</a:t>
+            </a:r>
+          </a:p>
+        </p:txBody>
+      </p:sp>
+      <p:sp>
+        <p:nvSpPr>
+          <p:cNvPr id="3" name="Content Placeholder 2">
+            <a:extLst>
+              <a:ext uri="{FF2B5EF4-FFF2-40B4-BE49-F238E27FC236}">
+                <a16:creationId xmlns:a16="http://schemas.microsoft.com/office/drawing/2014/main" id="{79001645-A088-4EF0-D175-9C96E2A21FB2}"/>
+              </a:ext>
+            </a:extLst>
+          </p:cNvPr>
+          <p:cNvSpPr>
+            <a:spLocks noGrp="1"/>
+          </p:cNvSpPr>
+          <p:nvPr>
+            <p:ph idx="1"/>
+          </p:nvPr>
+        </p:nvSpPr>
+        <p:spPr/>
+        <p:txBody>
+          <a:bodyPr/>
+          <a:lstStyle/>
+          <a:p>
+            <a:r>
+              <a:rPr lang="en-IN" dirty="0"/>
+              <a:t>Knowledge </a:t>
+            </a:r>
+          </a:p>
+          <a:p>
+            <a:endParaRPr lang="en-IN" dirty="0"/>
+          </a:p>
+        </p:txBody>
+      </p:sp>
+    </p:spTree>
+    <p:extLst>
+      <p:ext uri="{BB962C8B-B14F-4D97-AF65-F5344CB8AC3E}">
+        <p14:creationId xmlns:p14="http://schemas.microsoft.com/office/powerpoint/2010/main" val="3927940818"/>
+      </p:ext>
+    </p:extLst>
+  </p:cSld>
+  <p:clrMapOvr>
+    <a:masterClrMapping/>
+  </p:clrMapOvr>
+</p:sld>
+</file>
+
+<file path=ppt/slides/slide7.xml><?xml version="1.0" encoding="utf-8"?>
+<p:sld xmlns:a="http://schemas.openxmlformats.org/drawingml/2006/main" xmlns:r="http://schemas.openxmlformats.org/officeDocument/2006/relationships" xmlns:p="http://schemas.openxmlformats.org/presentationml/2006/main">
+  <p:cSld>
+    <p:spTree>
+      <p:nvGrpSpPr>
+        <p:cNvPr id="1" name=""/>
+        <p:cNvGrpSpPr/>
+        <p:nvPr/>
+      </p:nvGrpSpPr>
+      <p:grpSpPr>
+        <a:xfrm>
+          <a:off x="0" y="0"/>
+          <a:ext cx="0" cy="0"/>
+          <a:chOff x="0" y="0"/>
+          <a:chExt cx="0" cy="0"/>
+        </a:xfrm>
+      </p:grpSpPr>
+      <p:sp>
+        <p:nvSpPr>
+          <p:cNvPr id="2" name="Title 1">
+            <a:extLst>
+              <a:ext uri="{FF2B5EF4-FFF2-40B4-BE49-F238E27FC236}">
+                <a16:creationId xmlns:a16="http://schemas.microsoft.com/office/drawing/2014/main" id="{BD808606-8C45-5055-19F0-4F494751BB8A}"/>
+              </a:ext>
+            </a:extLst>
+          </p:cNvPr>
+          <p:cNvSpPr>
+            <a:spLocks noGrp="1"/>
+          </p:cNvSpPr>
+          <p:nvPr>
+            <p:ph type="title"/>
+          </p:nvPr>
+        </p:nvSpPr>
+        <p:spPr/>
+        <p:txBody>
+          <a:bodyPr/>
+          <a:lstStyle/>
+          <a:p>
+            <a:pPr algn="ctr"/>
+            <a:r>
+              <a:rPr lang="en-IN" dirty="0"/>
+              <a:t>Knowledge</a:t>
+            </a:r>
+          </a:p>
+        </p:txBody>
+      </p:sp>
+      <p:sp>
+        <p:nvSpPr>
+          <p:cNvPr id="3" name="Content Placeholder 2">
+            <a:extLst>
+              <a:ext uri="{FF2B5EF4-FFF2-40B4-BE49-F238E27FC236}">
+                <a16:creationId xmlns:a16="http://schemas.microsoft.com/office/drawing/2014/main" id="{DBF18395-FD3F-BA18-E411-A8C45B60A9F7}"/>
+              </a:ext>
+            </a:extLst>
+          </p:cNvPr>
+          <p:cNvSpPr>
+            <a:spLocks noGrp="1"/>
+          </p:cNvSpPr>
+          <p:nvPr>
+            <p:ph idx="1"/>
+          </p:nvPr>
+        </p:nvSpPr>
+        <p:spPr/>
+        <p:txBody>
+          <a:bodyPr/>
+          <a:lstStyle/>
+          <a:p>
+            <a:r>
+              <a:rPr lang="en-US" dirty="0"/>
+              <a:t>Response based knowledge</a:t>
+            </a:r>
+          </a:p>
+          <a:p>
+            <a:r>
+              <a:rPr lang="en-US" dirty="0"/>
+              <a:t>Feature based knowledge</a:t>
+            </a:r>
+          </a:p>
+          <a:p>
+            <a:r>
+              <a:rPr lang="en-US" dirty="0"/>
+              <a:t>Relation based knowledge</a:t>
+            </a:r>
+            <a:endParaRPr lang="en-IN" dirty="0"/>
+          </a:p>
+        </p:txBody>
+      </p:sp>
+    </p:spTree>
+    <p:extLst>
+      <p:ext uri="{BB962C8B-B14F-4D97-AF65-F5344CB8AC3E}">
+        <p14:creationId xmlns:p14="http://schemas.microsoft.com/office/powerpoint/2010/main" val="1266520286"/>
+      </p:ext>
+    </p:extLst>
+  </p:cSld>
+  <p:clrMapOvr>
+    <a:masterClrMapping/>
+  </p:clrMapOvr>
+</p:sld>
+</file>
+
+<file path=ppt/slides/slide8.xml><?xml version="1.0" encoding="utf-8"?>
+<p:sld xmlns:a="http://schemas.openxmlformats.org/drawingml/2006/main" xmlns:r="http://schemas.openxmlformats.org/officeDocument/2006/relationships" xmlns:p="http://schemas.openxmlformats.org/presentationml/2006/main">
+  <p:cSld>
+    <p:spTree>
+      <p:nvGrpSpPr>
+        <p:cNvPr id="1" name="">
+          <a:extLst>
+            <a:ext uri="{FF2B5EF4-FFF2-40B4-BE49-F238E27FC236}">
+              <a16:creationId xmlns:a16="http://schemas.microsoft.com/office/drawing/2014/main" id="{7115C6B0-1580-8B3B-B007-865A0001ACB3}"/>
+            </a:ext>
+          </a:extLst>
+        </p:cNvPr>
+        <p:cNvGrpSpPr/>
+        <p:nvPr/>
+      </p:nvGrpSpPr>
+      <p:grpSpPr>
+        <a:xfrm>
+          <a:off x="0" y="0"/>
+          <a:ext cx="0" cy="0"/>
+          <a:chOff x="0" y="0"/>
+          <a:chExt cx="0" cy="0"/>
+        </a:xfrm>
+      </p:grpSpPr>
+      <p:sp>
+        <p:nvSpPr>
+          <p:cNvPr id="2" name="Title 1">
+            <a:extLst>
+              <a:ext uri="{FF2B5EF4-FFF2-40B4-BE49-F238E27FC236}">
+                <a16:creationId xmlns:a16="http://schemas.microsoft.com/office/drawing/2014/main" id="{1B322C7E-F769-EB2C-D8D0-66A3716DF2E6}"/>
+              </a:ext>
+            </a:extLst>
+          </p:cNvPr>
+          <p:cNvSpPr>
+            <a:spLocks noGrp="1"/>
+          </p:cNvSpPr>
+          <p:nvPr>
+            <p:ph type="title"/>
+          </p:nvPr>
+        </p:nvSpPr>
+        <p:spPr/>
+        <p:txBody>
+          <a:bodyPr/>
+          <a:lstStyle/>
+          <a:p>
+            <a:pPr algn="ctr"/>
+            <a:r>
+              <a:rPr lang="en-IN" dirty="0"/>
+              <a:t>Knowledge</a:t>
+            </a:r>
+          </a:p>
+        </p:txBody>
+      </p:sp>
+      <p:pic>
+        <p:nvPicPr>
+          <p:cNvPr id="7" name="Picture 6">
+            <a:extLst>
+              <a:ext uri="{FF2B5EF4-FFF2-40B4-BE49-F238E27FC236}">
+                <a16:creationId xmlns:a16="http://schemas.microsoft.com/office/drawing/2014/main" id="{1E02C501-6AC6-9987-EEB6-656E67CEC2F8}"/>
+              </a:ext>
+            </a:extLst>
+          </p:cNvPr>
+          <p:cNvPicPr>
+            <a:picLocks noChangeAspect="1"/>
+          </p:cNvPicPr>
+          <p:nvPr/>
+        </p:nvPicPr>
+        <p:blipFill>
+          <a:blip r:embed="rId2">
+            <a:extLst>
+              <a:ext uri="{28A0092B-C50C-407E-A947-70E740481C1C}">
+                <a14:useLocalDpi xmlns:a14="http://schemas.microsoft.com/office/drawing/2010/main" val="0"/>
+              </a:ext>
+            </a:extLst>
+          </a:blip>
+          <a:stretch>
+            <a:fillRect/>
+          </a:stretch>
+        </p:blipFill>
+        <p:spPr>
+          <a:xfrm>
+            <a:off x="891820" y="1686249"/>
+            <a:ext cx="7466747" cy="4897831"/>
+          </a:xfrm>
+          <a:prstGeom prst="rect">
+            <a:avLst/>
+          </a:prstGeom>
+        </p:spPr>
+      </p:pic>
+    </p:spTree>
+    <p:extLst>
+      <p:ext uri="{BB962C8B-B14F-4D97-AF65-F5344CB8AC3E}">
+        <p14:creationId xmlns:p14="http://schemas.microsoft.com/office/powerpoint/2010/main" val="3562357184"/>
+      </p:ext>
+    </p:extLst>
+  </p:cSld>
+  <p:clrMapOvr>
+    <a:masterClrMapping/>
+  </p:clrMapOvr>
+</p:sld>
+</file>
+
+<file path=ppt/slides/slide9.xml><?xml version="1.0" encoding="utf-8"?>
+<p:sld xmlns:a="http://schemas.openxmlformats.org/drawingml/2006/main" xmlns:r="http://schemas.openxmlformats.org/officeDocument/2006/relationships" xmlns:p="http://schemas.openxmlformats.org/presentationml/2006/main">
+  <p:cSld>
+    <p:spTree>
+      <p:nvGrpSpPr>
+        <p:cNvPr id="1" name=""/>
+        <p:cNvGrpSpPr/>
+        <p:nvPr/>
+      </p:nvGrpSpPr>
+      <p:grpSpPr>
+        <a:xfrm>
+          <a:off x="0" y="0"/>
+          <a:ext cx="0" cy="0"/>
+          <a:chOff x="0" y="0"/>
+          <a:chExt cx="0" cy="0"/>
+        </a:xfrm>
+      </p:grpSpPr>
+      <p:sp>
+        <p:nvSpPr>
+          <p:cNvPr id="2" name="Title 1">
+            <a:extLst>
+              <a:ext uri="{FF2B5EF4-FFF2-40B4-BE49-F238E27FC236}">
+                <a16:creationId xmlns:a16="http://schemas.microsoft.com/office/drawing/2014/main" id="{99413878-B608-D61A-9B50-8C9C883F96F3}"/>
+              </a:ext>
+            </a:extLst>
+          </p:cNvPr>
+          <p:cNvSpPr>
+            <a:spLocks noGrp="1"/>
+          </p:cNvSpPr>
+          <p:nvPr>
+            <p:ph type="title"/>
+          </p:nvPr>
+        </p:nvSpPr>
+        <p:spPr/>
+        <p:txBody>
+          <a:bodyPr/>
+          <a:lstStyle/>
+          <a:p>
+            <a:pPr algn="ctr"/>
+            <a:r>
+              <a:rPr lang="en-US" dirty="0"/>
+              <a:t>Response Based Knowledge</a:t>
+            </a:r>
+            <a:endParaRPr lang="en-IN" dirty="0"/>
+          </a:p>
+        </p:txBody>
+      </p:sp>
+    </p:spTree>
+    <p:extLst>
+      <p:ext uri="{BB962C8B-B14F-4D97-AF65-F5344CB8AC3E}">
+        <p14:creationId xmlns:p14="http://schemas.microsoft.com/office/powerpoint/2010/main" val="2760578558"/>
+      </p:ext>
+    </p:extLst>
+  </p:cSld>
+  <p:clrMapOvr>
+    <a:masterClrMapping/>
+  </p:clrMapOvr>
+</p:sld>
+</file>
+
 <file path=ppt/theme/theme1.xml><?xml version="1.0" encoding="utf-8"?>
 <a:theme xmlns:a="http://schemas.openxmlformats.org/drawingml/2006/main" name="Office Theme">
   <a:themeElements>
-    <a:clrScheme name="Office">
+    <a:clrScheme name="Office Theme">
       <a:dk1>
         <a:sysClr val="windowText" lastClr="000000"/>
       </a:dk1>
@@ -3449,7 +4104,7 @@
         <a:srgbClr val="954F72"/>
       </a:folHlink>
     </a:clrScheme>
-    <a:fontScheme name="Office">
+    <a:fontScheme name="Office Theme">
       <a:majorFont>
         <a:latin typeface="Calibri Light" panose="020F0302020204030204"/>
         <a:ea typeface=""/>
@@ -3484,23 +4139,6 @@
         <a:font script="Viet" typeface="Times New Roman"/>
         <a:font script="Uigh" typeface="Microsoft Uighur"/>
         <a:font script="Geor" typeface="Sylfaen"/>
-        <a:font script="Armn" typeface="Arial"/>
-        <a:font script="Bugi" typeface="Leelawadee UI"/>
-        <a:font script="Bopo" typeface="Microsoft JhengHei"/>
-        <a:font script="Java" typeface="Javanese Text"/>
-        <a:font script="Lisu" typeface="Segoe UI"/>
-        <a:font script="Mymr" typeface="Myanmar Text"/>
-        <a:font script="Nkoo" typeface="Ebrima"/>
-        <a:font script="Olck" typeface="Nirmala UI"/>
-        <a:font script="Osma" typeface="Ebrima"/>
-        <a:font script="Phag" typeface="Phagspa"/>
-        <a:font script="Syrn" typeface="Estrangelo Edessa"/>
-        <a:font script="Syrj" typeface="Estrangelo Edessa"/>
-        <a:font script="Syre" typeface="Estrangelo Edessa"/>
-        <a:font script="Sora" typeface="Nirmala UI"/>
-        <a:font script="Tale" typeface="Microsoft Tai Le"/>
-        <a:font script="Talu" typeface="Microsoft New Tai Lue"/>
-        <a:font script="Tfng" typeface="Ebrima"/>
       </a:majorFont>
       <a:minorFont>
         <a:latin typeface="Calibri" panose="020F0502020204030204"/>
@@ -3536,26 +4174,9 @@
         <a:font script="Viet" typeface="Arial"/>
         <a:font script="Uigh" typeface="Microsoft Uighur"/>
         <a:font script="Geor" typeface="Sylfaen"/>
-        <a:font script="Armn" typeface="Arial"/>
-        <a:font script="Bugi" typeface="Leelawadee UI"/>
-        <a:font script="Bopo" typeface="Microsoft JhengHei"/>
-        <a:font script="Java" typeface="Javanese Text"/>
-        <a:font script="Lisu" typeface="Segoe UI"/>
-        <a:font script="Mymr" typeface="Myanmar Text"/>
-        <a:font script="Nkoo" typeface="Ebrima"/>
-        <a:font script="Olck" typeface="Nirmala UI"/>
-        <a:font script="Osma" typeface="Ebrima"/>
-        <a:font script="Phag" typeface="Phagspa"/>
-        <a:font script="Syrn" typeface="Estrangelo Edessa"/>
-        <a:font script="Syrj" typeface="Estrangelo Edessa"/>
-        <a:font script="Syre" typeface="Estrangelo Edessa"/>
-        <a:font script="Sora" typeface="Nirmala UI"/>
-        <a:font script="Tale" typeface="Microsoft Tai Le"/>
-        <a:font script="Talu" typeface="Microsoft New Tai Lue"/>
-        <a:font script="Tfng" typeface="Ebrima"/>
       </a:minorFont>
     </a:fontScheme>
-    <a:fmtScheme name="Office">
+    <a:fmtScheme name="Office Theme">
       <a:fillStyleLst>
         <a:solidFill>
           <a:schemeClr val="phClr"/>
@@ -3697,7 +4318,7 @@
   <a:extraClrSchemeLst/>
   <a:extLst>
     <a:ext uri="{05A4C25C-085E-4340-85A3-A5531E510DB2}">
-      <thm15:themeFamily xmlns:thm15="http://schemas.microsoft.com/office/thememl/2012/main" name="Office Theme" id="{62F939B6-93AF-4DB8-9C6B-D6C7DFDC589F}" vid="{4A3C46E8-61CC-4603-A589-7422A47A8E4A}"/>
+      <thm15:themeFamily xmlns:thm15="http://schemas.microsoft.com/office/thememl/2012/main" name="Office 2013 - 2022 Theme" id="{62F939B6-93AF-4DB8-9C6B-D6C7DFDC589F}" vid="{4A3C46E8-61CC-4603-A589-7422A47A8E4A}"/>
     </a:ext>
   </a:extLst>
 </a:theme>

--- a/Presentations/KnowledgeDistillation.pptx
+++ b/Presentations/KnowledgeDistillation.pptx
@@ -15,7 +15,18 @@
     <p:sldId id="264" r:id="rId9"/>
     <p:sldId id="265" r:id="rId10"/>
     <p:sldId id="266" r:id="rId11"/>
-    <p:sldId id="263" r:id="rId12"/>
+    <p:sldId id="267" r:id="rId12"/>
+    <p:sldId id="268" r:id="rId13"/>
+    <p:sldId id="269" r:id="rId14"/>
+    <p:sldId id="270" r:id="rId15"/>
+    <p:sldId id="271" r:id="rId16"/>
+    <p:sldId id="272" r:id="rId17"/>
+    <p:sldId id="273" r:id="rId18"/>
+    <p:sldId id="274" r:id="rId19"/>
+    <p:sldId id="275" r:id="rId20"/>
+    <p:sldId id="276" r:id="rId21"/>
+    <p:sldId id="277" r:id="rId22"/>
+    <p:sldId id="263" r:id="rId23"/>
   </p:sldIdLst>
   <p:sldSz cx="9144000" cy="6858000" type="screen4x3"/>
   <p:notesSz cx="6858000" cy="9144000"/>
@@ -3164,10 +3175,70 @@
   <p:cSld>
     <p:spTree>
       <p:nvGrpSpPr>
+        <p:cNvPr id="1" name=""/>
+        <p:cNvGrpSpPr/>
+        <p:nvPr/>
+      </p:nvGrpSpPr>
+      <p:grpSpPr>
+        <a:xfrm>
+          <a:off x="0" y="0"/>
+          <a:ext cx="0" cy="0"/>
+          <a:chOff x="0" y="0"/>
+          <a:chExt cx="0" cy="0"/>
+        </a:xfrm>
+      </p:grpSpPr>
+      <p:sp>
+        <p:nvSpPr>
+          <p:cNvPr id="2" name="Title 1">
+            <a:extLst>
+              <a:ext uri="{FF2B5EF4-FFF2-40B4-BE49-F238E27FC236}">
+                <a16:creationId xmlns:a16="http://schemas.microsoft.com/office/drawing/2014/main" id="{57258406-9468-FDD7-B1D9-F23F0F8F6226}"/>
+              </a:ext>
+            </a:extLst>
+          </p:cNvPr>
+          <p:cNvSpPr>
+            <a:spLocks noGrp="1"/>
+          </p:cNvSpPr>
+          <p:nvPr>
+            <p:ph type="title"/>
+          </p:nvPr>
+        </p:nvSpPr>
+        <p:spPr/>
+        <p:txBody>
+          <a:bodyPr/>
+          <a:lstStyle/>
+          <a:p>
+            <a:pPr algn="ctr"/>
+            <a:r>
+              <a:rPr lang="en-US" dirty="0"/>
+              <a:t>Feature Based Knowledge</a:t>
+            </a:r>
+            <a:endParaRPr lang="en-IN" dirty="0"/>
+          </a:p>
+        </p:txBody>
+      </p:sp>
+    </p:spTree>
+    <p:extLst>
+      <p:ext uri="{BB962C8B-B14F-4D97-AF65-F5344CB8AC3E}">
+        <p14:creationId xmlns:p14="http://schemas.microsoft.com/office/powerpoint/2010/main" val="3087374087"/>
+      </p:ext>
+    </p:extLst>
+  </p:cSld>
+  <p:clrMapOvr>
+    <a:masterClrMapping/>
+  </p:clrMapOvr>
+</p:sld>
+</file>
+
+<file path=ppt/slides/slide12.xml><?xml version="1.0" encoding="utf-8"?>
+<p:sld xmlns:a="http://schemas.openxmlformats.org/drawingml/2006/main" xmlns:r="http://schemas.openxmlformats.org/officeDocument/2006/relationships" xmlns:p="http://schemas.openxmlformats.org/presentationml/2006/main">
+  <p:cSld>
+    <p:spTree>
+      <p:nvGrpSpPr>
         <p:cNvPr id="1" name="">
           <a:extLst>
             <a:ext uri="{FF2B5EF4-FFF2-40B4-BE49-F238E27FC236}">
-              <a16:creationId xmlns:a16="http://schemas.microsoft.com/office/drawing/2014/main" id="{1C8AEA77-34B6-2B92-3032-E7DC917A66A5}"/>
+              <a16:creationId xmlns:a16="http://schemas.microsoft.com/office/drawing/2014/main" id="{FEA98F7D-CF1A-631A-B3D8-6FB2120F721A}"/>
             </a:ext>
           </a:extLst>
         </p:cNvPr>
@@ -3187,7 +3258,7 @@
           <p:cNvPr id="2" name="Title 1">
             <a:extLst>
               <a:ext uri="{FF2B5EF4-FFF2-40B4-BE49-F238E27FC236}">
-                <a16:creationId xmlns:a16="http://schemas.microsoft.com/office/drawing/2014/main" id="{CD98F5DA-863D-D365-0F24-39A0C31B06D7}"/>
+                <a16:creationId xmlns:a16="http://schemas.microsoft.com/office/drawing/2014/main" id="{3830649E-9646-AD01-E8F6-1ECF852ADAA9}"/>
               </a:ext>
             </a:extLst>
           </p:cNvPr>
@@ -3195,27 +3266,29 @@
             <a:spLocks noGrp="1"/>
           </p:cNvSpPr>
           <p:nvPr>
-            <p:ph type="ctrTitle"/>
-          </p:nvPr>
-        </p:nvSpPr>
-        <p:spPr/>
-        <p:txBody>
-          <a:bodyPr/>
-          <a:lstStyle/>
-          <a:p>
-            <a:r>
-              <a:rPr lang="en-IN" dirty="0"/>
-              <a:t>Questions?</a:t>
-            </a:r>
-          </a:p>
-        </p:txBody>
-      </p:sp>
-      <p:sp>
-        <p:nvSpPr>
-          <p:cNvPr id="3" name="Subtitle 2">
+            <p:ph type="title"/>
+          </p:nvPr>
+        </p:nvSpPr>
+        <p:spPr/>
+        <p:txBody>
+          <a:bodyPr/>
+          <a:lstStyle/>
+          <a:p>
+            <a:pPr algn="ctr"/>
+            <a:r>
+              <a:rPr lang="en-US" dirty="0"/>
+              <a:t>Feature Based Knowledge</a:t>
+            </a:r>
+            <a:endParaRPr lang="en-IN" dirty="0"/>
+          </a:p>
+        </p:txBody>
+      </p:sp>
+      <p:sp>
+        <p:nvSpPr>
+          <p:cNvPr id="3" name="Content Placeholder 2">
             <a:extLst>
               <a:ext uri="{FF2B5EF4-FFF2-40B4-BE49-F238E27FC236}">
-                <a16:creationId xmlns:a16="http://schemas.microsoft.com/office/drawing/2014/main" id="{24AD7672-D577-74F5-F08E-C14B57789DE5}"/>
+                <a16:creationId xmlns:a16="http://schemas.microsoft.com/office/drawing/2014/main" id="{77936743-9DCA-A26B-2DEC-224035234699}"/>
               </a:ext>
             </a:extLst>
           </p:cNvPr>
@@ -3223,28 +3296,662 @@
             <a:spLocks noGrp="1"/>
           </p:cNvSpPr>
           <p:nvPr>
-            <p:ph type="subTitle" idx="1"/>
-          </p:nvPr>
-        </p:nvSpPr>
-        <p:spPr/>
-        <p:txBody>
-          <a:bodyPr/>
-          <a:lstStyle/>
-          <a:p>
-            <a:r>
-              <a:rPr lang="en-US" dirty="0"/>
-              <a:t>Thank you</a:t>
-            </a:r>
-          </a:p>
-          <a:p>
-            <a:endParaRPr lang="en-IN" dirty="0"/>
+            <p:ph idx="1"/>
+          </p:nvPr>
+        </p:nvSpPr>
+        <p:spPr/>
+        <p:txBody>
+          <a:bodyPr/>
+          <a:lstStyle/>
+          <a:p>
+            <a:endParaRPr lang="en-IN"/>
           </a:p>
         </p:txBody>
       </p:sp>
     </p:spTree>
     <p:extLst>
       <p:ext uri="{BB962C8B-B14F-4D97-AF65-F5344CB8AC3E}">
-        <p14:creationId xmlns:p14="http://schemas.microsoft.com/office/powerpoint/2010/main" val="2420884258"/>
+        <p14:creationId xmlns:p14="http://schemas.microsoft.com/office/powerpoint/2010/main" val="1247641944"/>
+      </p:ext>
+    </p:extLst>
+  </p:cSld>
+  <p:clrMapOvr>
+    <a:masterClrMapping/>
+  </p:clrMapOvr>
+</p:sld>
+</file>
+
+<file path=ppt/slides/slide13.xml><?xml version="1.0" encoding="utf-8"?>
+<p:sld xmlns:a="http://schemas.openxmlformats.org/drawingml/2006/main" xmlns:r="http://schemas.openxmlformats.org/officeDocument/2006/relationships" xmlns:p="http://schemas.openxmlformats.org/presentationml/2006/main">
+  <p:cSld>
+    <p:spTree>
+      <p:nvGrpSpPr>
+        <p:cNvPr id="1" name=""/>
+        <p:cNvGrpSpPr/>
+        <p:nvPr/>
+      </p:nvGrpSpPr>
+      <p:grpSpPr>
+        <a:xfrm>
+          <a:off x="0" y="0"/>
+          <a:ext cx="0" cy="0"/>
+          <a:chOff x="0" y="0"/>
+          <a:chExt cx="0" cy="0"/>
+        </a:xfrm>
+      </p:grpSpPr>
+      <p:sp>
+        <p:nvSpPr>
+          <p:cNvPr id="2" name="Title 1">
+            <a:extLst>
+              <a:ext uri="{FF2B5EF4-FFF2-40B4-BE49-F238E27FC236}">
+                <a16:creationId xmlns:a16="http://schemas.microsoft.com/office/drawing/2014/main" id="{C849E512-F5CB-198E-13AF-8BAD7D534644}"/>
+              </a:ext>
+            </a:extLst>
+          </p:cNvPr>
+          <p:cNvSpPr>
+            <a:spLocks noGrp="1"/>
+          </p:cNvSpPr>
+          <p:nvPr>
+            <p:ph type="title"/>
+          </p:nvPr>
+        </p:nvSpPr>
+        <p:spPr/>
+        <p:txBody>
+          <a:bodyPr/>
+          <a:lstStyle/>
+          <a:p>
+            <a:pPr algn="ctr"/>
+            <a:r>
+              <a:rPr lang="en-US" dirty="0"/>
+              <a:t>Relation Based Knowledge</a:t>
+            </a:r>
+            <a:endParaRPr lang="en-IN" dirty="0"/>
+          </a:p>
+        </p:txBody>
+      </p:sp>
+    </p:spTree>
+    <p:extLst>
+      <p:ext uri="{BB962C8B-B14F-4D97-AF65-F5344CB8AC3E}">
+        <p14:creationId xmlns:p14="http://schemas.microsoft.com/office/powerpoint/2010/main" val="800851471"/>
+      </p:ext>
+    </p:extLst>
+  </p:cSld>
+  <p:clrMapOvr>
+    <a:masterClrMapping/>
+  </p:clrMapOvr>
+</p:sld>
+</file>
+
+<file path=ppt/slides/slide14.xml><?xml version="1.0" encoding="utf-8"?>
+<p:sld xmlns:a="http://schemas.openxmlformats.org/drawingml/2006/main" xmlns:r="http://schemas.openxmlformats.org/officeDocument/2006/relationships" xmlns:p="http://schemas.openxmlformats.org/presentationml/2006/main">
+  <p:cSld>
+    <p:spTree>
+      <p:nvGrpSpPr>
+        <p:cNvPr id="1" name="">
+          <a:extLst>
+            <a:ext uri="{FF2B5EF4-FFF2-40B4-BE49-F238E27FC236}">
+              <a16:creationId xmlns:a16="http://schemas.microsoft.com/office/drawing/2014/main" id="{C24512F0-26F6-BE0C-6E75-2BCA3ECDEF53}"/>
+            </a:ext>
+          </a:extLst>
+        </p:cNvPr>
+        <p:cNvGrpSpPr/>
+        <p:nvPr/>
+      </p:nvGrpSpPr>
+      <p:grpSpPr>
+        <a:xfrm>
+          <a:off x="0" y="0"/>
+          <a:ext cx="0" cy="0"/>
+          <a:chOff x="0" y="0"/>
+          <a:chExt cx="0" cy="0"/>
+        </a:xfrm>
+      </p:grpSpPr>
+      <p:sp>
+        <p:nvSpPr>
+          <p:cNvPr id="2" name="Title 1">
+            <a:extLst>
+              <a:ext uri="{FF2B5EF4-FFF2-40B4-BE49-F238E27FC236}">
+                <a16:creationId xmlns:a16="http://schemas.microsoft.com/office/drawing/2014/main" id="{419892A4-C0F4-F0D8-8D58-406573946C5F}"/>
+              </a:ext>
+            </a:extLst>
+          </p:cNvPr>
+          <p:cNvSpPr>
+            <a:spLocks noGrp="1"/>
+          </p:cNvSpPr>
+          <p:nvPr>
+            <p:ph type="title"/>
+          </p:nvPr>
+        </p:nvSpPr>
+        <p:spPr/>
+        <p:txBody>
+          <a:bodyPr/>
+          <a:lstStyle/>
+          <a:p>
+            <a:pPr algn="ctr"/>
+            <a:r>
+              <a:rPr lang="en-US" dirty="0"/>
+              <a:t>Relation Based Knowledge</a:t>
+            </a:r>
+            <a:endParaRPr lang="en-IN" dirty="0"/>
+          </a:p>
+        </p:txBody>
+      </p:sp>
+      <p:sp>
+        <p:nvSpPr>
+          <p:cNvPr id="3" name="Content Placeholder 2">
+            <a:extLst>
+              <a:ext uri="{FF2B5EF4-FFF2-40B4-BE49-F238E27FC236}">
+                <a16:creationId xmlns:a16="http://schemas.microsoft.com/office/drawing/2014/main" id="{4DF96ADD-EE0B-11D9-7EB6-4DD45571AF45}"/>
+              </a:ext>
+            </a:extLst>
+          </p:cNvPr>
+          <p:cNvSpPr>
+            <a:spLocks noGrp="1"/>
+          </p:cNvSpPr>
+          <p:nvPr>
+            <p:ph idx="1"/>
+          </p:nvPr>
+        </p:nvSpPr>
+        <p:spPr/>
+        <p:txBody>
+          <a:bodyPr/>
+          <a:lstStyle/>
+          <a:p>
+            <a:endParaRPr lang="en-IN"/>
+          </a:p>
+        </p:txBody>
+      </p:sp>
+    </p:spTree>
+    <p:extLst>
+      <p:ext uri="{BB962C8B-B14F-4D97-AF65-F5344CB8AC3E}">
+        <p14:creationId xmlns:p14="http://schemas.microsoft.com/office/powerpoint/2010/main" val="1031877470"/>
+      </p:ext>
+    </p:extLst>
+  </p:cSld>
+  <p:clrMapOvr>
+    <a:masterClrMapping/>
+  </p:clrMapOvr>
+</p:sld>
+</file>
+
+<file path=ppt/slides/slide15.xml><?xml version="1.0" encoding="utf-8"?>
+<p:sld xmlns:a="http://schemas.openxmlformats.org/drawingml/2006/main" xmlns:r="http://schemas.openxmlformats.org/officeDocument/2006/relationships" xmlns:p="http://schemas.openxmlformats.org/presentationml/2006/main">
+  <p:cSld>
+    <p:spTree>
+      <p:nvGrpSpPr>
+        <p:cNvPr id="1" name=""/>
+        <p:cNvGrpSpPr/>
+        <p:nvPr/>
+      </p:nvGrpSpPr>
+      <p:grpSpPr>
+        <a:xfrm>
+          <a:off x="0" y="0"/>
+          <a:ext cx="0" cy="0"/>
+          <a:chOff x="0" y="0"/>
+          <a:chExt cx="0" cy="0"/>
+        </a:xfrm>
+      </p:grpSpPr>
+      <p:sp>
+        <p:nvSpPr>
+          <p:cNvPr id="2" name="Title 1">
+            <a:extLst>
+              <a:ext uri="{FF2B5EF4-FFF2-40B4-BE49-F238E27FC236}">
+                <a16:creationId xmlns:a16="http://schemas.microsoft.com/office/drawing/2014/main" id="{140D793D-533F-CAD5-76C1-F1F2C666B1A1}"/>
+              </a:ext>
+            </a:extLst>
+          </p:cNvPr>
+          <p:cNvSpPr>
+            <a:spLocks noGrp="1"/>
+          </p:cNvSpPr>
+          <p:nvPr>
+            <p:ph type="title"/>
+          </p:nvPr>
+        </p:nvSpPr>
+        <p:spPr/>
+        <p:txBody>
+          <a:bodyPr/>
+          <a:lstStyle/>
+          <a:p>
+            <a:pPr algn="ctr"/>
+            <a:r>
+              <a:rPr lang="en-IN" dirty="0"/>
+              <a:t>Knowledge Distillation </a:t>
+            </a:r>
+            <a:r>
+              <a:rPr lang="en-US" dirty="0"/>
+              <a:t>Training</a:t>
+            </a:r>
+            <a:endParaRPr lang="en-IN" dirty="0"/>
+          </a:p>
+        </p:txBody>
+      </p:sp>
+      <p:sp>
+        <p:nvSpPr>
+          <p:cNvPr id="3" name="Content Placeholder 2">
+            <a:extLst>
+              <a:ext uri="{FF2B5EF4-FFF2-40B4-BE49-F238E27FC236}">
+                <a16:creationId xmlns:a16="http://schemas.microsoft.com/office/drawing/2014/main" id="{A82AF691-F2CD-58AF-3224-768071E11216}"/>
+              </a:ext>
+            </a:extLst>
+          </p:cNvPr>
+          <p:cNvSpPr>
+            <a:spLocks noGrp="1"/>
+          </p:cNvSpPr>
+          <p:nvPr>
+            <p:ph idx="1"/>
+          </p:nvPr>
+        </p:nvSpPr>
+        <p:spPr/>
+        <p:txBody>
+          <a:bodyPr/>
+          <a:lstStyle/>
+          <a:p>
+            <a:r>
+              <a:rPr lang="en-US" dirty="0"/>
+              <a:t>Offline distillation</a:t>
+            </a:r>
+          </a:p>
+          <a:p>
+            <a:pPr lvl="1"/>
+            <a:r>
+              <a:rPr lang="en-US" dirty="0"/>
+              <a:t>Teacher – Pre-trained </a:t>
+            </a:r>
+          </a:p>
+          <a:p>
+            <a:pPr lvl="1"/>
+            <a:r>
+              <a:rPr lang="en-US" dirty="0"/>
+              <a:t>Student – Trained </a:t>
+            </a:r>
+          </a:p>
+          <a:p>
+            <a:r>
+              <a:rPr lang="en-US" dirty="0"/>
+              <a:t>Online distillation</a:t>
+            </a:r>
+          </a:p>
+          <a:p>
+            <a:pPr lvl="1"/>
+            <a:r>
+              <a:rPr lang="en-US" dirty="0"/>
+              <a:t>Teacher – Trained </a:t>
+            </a:r>
+          </a:p>
+          <a:p>
+            <a:pPr lvl="1"/>
+            <a:r>
+              <a:rPr lang="en-US" dirty="0"/>
+              <a:t>Student – Trained</a:t>
+            </a:r>
+          </a:p>
+          <a:p>
+            <a:r>
+              <a:rPr lang="en-US" dirty="0"/>
+              <a:t>Self distillation</a:t>
+            </a:r>
+          </a:p>
+          <a:p>
+            <a:endParaRPr lang="en-IN" dirty="0"/>
+          </a:p>
+        </p:txBody>
+      </p:sp>
+    </p:spTree>
+    <p:extLst>
+      <p:ext uri="{BB962C8B-B14F-4D97-AF65-F5344CB8AC3E}">
+        <p14:creationId xmlns:p14="http://schemas.microsoft.com/office/powerpoint/2010/main" val="2053574753"/>
+      </p:ext>
+    </p:extLst>
+  </p:cSld>
+  <p:clrMapOvr>
+    <a:masterClrMapping/>
+  </p:clrMapOvr>
+</p:sld>
+</file>
+
+<file path=ppt/slides/slide16.xml><?xml version="1.0" encoding="utf-8"?>
+<p:sld xmlns:a="http://schemas.openxmlformats.org/drawingml/2006/main" xmlns:r="http://schemas.openxmlformats.org/officeDocument/2006/relationships" xmlns:p="http://schemas.openxmlformats.org/presentationml/2006/main">
+  <p:cSld>
+    <p:spTree>
+      <p:nvGrpSpPr>
+        <p:cNvPr id="1" name=""/>
+        <p:cNvGrpSpPr/>
+        <p:nvPr/>
+      </p:nvGrpSpPr>
+      <p:grpSpPr>
+        <a:xfrm>
+          <a:off x="0" y="0"/>
+          <a:ext cx="0" cy="0"/>
+          <a:chOff x="0" y="0"/>
+          <a:chExt cx="0" cy="0"/>
+        </a:xfrm>
+      </p:grpSpPr>
+      <p:sp>
+        <p:nvSpPr>
+          <p:cNvPr id="2" name="Title 1">
+            <a:extLst>
+              <a:ext uri="{FF2B5EF4-FFF2-40B4-BE49-F238E27FC236}">
+                <a16:creationId xmlns:a16="http://schemas.microsoft.com/office/drawing/2014/main" id="{5CAE2E78-2B56-C134-E59E-4E04122F58CE}"/>
+              </a:ext>
+            </a:extLst>
+          </p:cNvPr>
+          <p:cNvSpPr>
+            <a:spLocks noGrp="1"/>
+          </p:cNvSpPr>
+          <p:nvPr>
+            <p:ph type="title"/>
+          </p:nvPr>
+        </p:nvSpPr>
+        <p:spPr/>
+        <p:txBody>
+          <a:bodyPr/>
+          <a:lstStyle/>
+          <a:p>
+            <a:pPr algn="ctr"/>
+            <a:r>
+              <a:rPr lang="en-US" dirty="0"/>
+              <a:t>Offline Distillation</a:t>
+            </a:r>
+            <a:endParaRPr lang="en-IN" dirty="0"/>
+          </a:p>
+        </p:txBody>
+      </p:sp>
+      <p:sp>
+        <p:nvSpPr>
+          <p:cNvPr id="3" name="Content Placeholder 2">
+            <a:extLst>
+              <a:ext uri="{FF2B5EF4-FFF2-40B4-BE49-F238E27FC236}">
+                <a16:creationId xmlns:a16="http://schemas.microsoft.com/office/drawing/2014/main" id="{386D5C55-8D21-474F-0FCB-2CF564A4BAB4}"/>
+              </a:ext>
+            </a:extLst>
+          </p:cNvPr>
+          <p:cNvSpPr>
+            <a:spLocks noGrp="1"/>
+          </p:cNvSpPr>
+          <p:nvPr>
+            <p:ph idx="1"/>
+          </p:nvPr>
+        </p:nvSpPr>
+        <p:spPr/>
+        <p:txBody>
+          <a:bodyPr/>
+          <a:lstStyle/>
+          <a:p>
+            <a:endParaRPr lang="en-IN"/>
+          </a:p>
+        </p:txBody>
+      </p:sp>
+    </p:spTree>
+    <p:extLst>
+      <p:ext uri="{BB962C8B-B14F-4D97-AF65-F5344CB8AC3E}">
+        <p14:creationId xmlns:p14="http://schemas.microsoft.com/office/powerpoint/2010/main" val="1554377448"/>
+      </p:ext>
+    </p:extLst>
+  </p:cSld>
+  <p:clrMapOvr>
+    <a:masterClrMapping/>
+  </p:clrMapOvr>
+</p:sld>
+</file>
+
+<file path=ppt/slides/slide17.xml><?xml version="1.0" encoding="utf-8"?>
+<p:sld xmlns:a="http://schemas.openxmlformats.org/drawingml/2006/main" xmlns:r="http://schemas.openxmlformats.org/officeDocument/2006/relationships" xmlns:p="http://schemas.openxmlformats.org/presentationml/2006/main">
+  <p:cSld>
+    <p:spTree>
+      <p:nvGrpSpPr>
+        <p:cNvPr id="1" name=""/>
+        <p:cNvGrpSpPr/>
+        <p:nvPr/>
+      </p:nvGrpSpPr>
+      <p:grpSpPr>
+        <a:xfrm>
+          <a:off x="0" y="0"/>
+          <a:ext cx="0" cy="0"/>
+          <a:chOff x="0" y="0"/>
+          <a:chExt cx="0" cy="0"/>
+        </a:xfrm>
+      </p:grpSpPr>
+      <p:sp>
+        <p:nvSpPr>
+          <p:cNvPr id="2" name="Title 1">
+            <a:extLst>
+              <a:ext uri="{FF2B5EF4-FFF2-40B4-BE49-F238E27FC236}">
+                <a16:creationId xmlns:a16="http://schemas.microsoft.com/office/drawing/2014/main" id="{3119D74E-AFC9-4606-7F94-E357D97F1780}"/>
+              </a:ext>
+            </a:extLst>
+          </p:cNvPr>
+          <p:cNvSpPr>
+            <a:spLocks noGrp="1"/>
+          </p:cNvSpPr>
+          <p:nvPr>
+            <p:ph type="title"/>
+          </p:nvPr>
+        </p:nvSpPr>
+        <p:spPr/>
+        <p:txBody>
+          <a:bodyPr/>
+          <a:lstStyle/>
+          <a:p>
+            <a:pPr algn="ctr"/>
+            <a:r>
+              <a:rPr lang="en-US" dirty="0"/>
+              <a:t>Online Distillation</a:t>
+            </a:r>
+            <a:endParaRPr lang="en-IN" dirty="0"/>
+          </a:p>
+        </p:txBody>
+      </p:sp>
+      <p:sp>
+        <p:nvSpPr>
+          <p:cNvPr id="3" name="Content Placeholder 2">
+            <a:extLst>
+              <a:ext uri="{FF2B5EF4-FFF2-40B4-BE49-F238E27FC236}">
+                <a16:creationId xmlns:a16="http://schemas.microsoft.com/office/drawing/2014/main" id="{7B576182-376C-5301-38D9-E60C5254C248}"/>
+              </a:ext>
+            </a:extLst>
+          </p:cNvPr>
+          <p:cNvSpPr>
+            <a:spLocks noGrp="1"/>
+          </p:cNvSpPr>
+          <p:nvPr>
+            <p:ph idx="1"/>
+          </p:nvPr>
+        </p:nvSpPr>
+        <p:spPr/>
+        <p:txBody>
+          <a:bodyPr/>
+          <a:lstStyle/>
+          <a:p>
+            <a:endParaRPr lang="en-IN"/>
+          </a:p>
+        </p:txBody>
+      </p:sp>
+    </p:spTree>
+    <p:extLst>
+      <p:ext uri="{BB962C8B-B14F-4D97-AF65-F5344CB8AC3E}">
+        <p14:creationId xmlns:p14="http://schemas.microsoft.com/office/powerpoint/2010/main" val="2954922783"/>
+      </p:ext>
+    </p:extLst>
+  </p:cSld>
+  <p:clrMapOvr>
+    <a:masterClrMapping/>
+  </p:clrMapOvr>
+</p:sld>
+</file>
+
+<file path=ppt/slides/slide18.xml><?xml version="1.0" encoding="utf-8"?>
+<p:sld xmlns:a="http://schemas.openxmlformats.org/drawingml/2006/main" xmlns:r="http://schemas.openxmlformats.org/officeDocument/2006/relationships" xmlns:p="http://schemas.openxmlformats.org/presentationml/2006/main">
+  <p:cSld>
+    <p:spTree>
+      <p:nvGrpSpPr>
+        <p:cNvPr id="1" name=""/>
+        <p:cNvGrpSpPr/>
+        <p:nvPr/>
+      </p:nvGrpSpPr>
+      <p:grpSpPr>
+        <a:xfrm>
+          <a:off x="0" y="0"/>
+          <a:ext cx="0" cy="0"/>
+          <a:chOff x="0" y="0"/>
+          <a:chExt cx="0" cy="0"/>
+        </a:xfrm>
+      </p:grpSpPr>
+      <p:sp>
+        <p:nvSpPr>
+          <p:cNvPr id="2" name="Title 1">
+            <a:extLst>
+              <a:ext uri="{FF2B5EF4-FFF2-40B4-BE49-F238E27FC236}">
+                <a16:creationId xmlns:a16="http://schemas.microsoft.com/office/drawing/2014/main" id="{87AC97D6-E9BA-F34E-DF28-1BB8B0C2C60A}"/>
+              </a:ext>
+            </a:extLst>
+          </p:cNvPr>
+          <p:cNvSpPr>
+            <a:spLocks noGrp="1"/>
+          </p:cNvSpPr>
+          <p:nvPr>
+            <p:ph type="title"/>
+          </p:nvPr>
+        </p:nvSpPr>
+        <p:spPr/>
+        <p:txBody>
+          <a:bodyPr/>
+          <a:lstStyle/>
+          <a:p>
+            <a:pPr algn="ctr"/>
+            <a:r>
+              <a:rPr lang="en-US" dirty="0"/>
+              <a:t>Self Distillation</a:t>
+            </a:r>
+            <a:endParaRPr lang="en-IN" dirty="0"/>
+          </a:p>
+        </p:txBody>
+      </p:sp>
+      <p:sp>
+        <p:nvSpPr>
+          <p:cNvPr id="3" name="Content Placeholder 2">
+            <a:extLst>
+              <a:ext uri="{FF2B5EF4-FFF2-40B4-BE49-F238E27FC236}">
+                <a16:creationId xmlns:a16="http://schemas.microsoft.com/office/drawing/2014/main" id="{6ACD6BB1-0DAF-92C2-8E87-13125B56448E}"/>
+              </a:ext>
+            </a:extLst>
+          </p:cNvPr>
+          <p:cNvSpPr>
+            <a:spLocks noGrp="1"/>
+          </p:cNvSpPr>
+          <p:nvPr>
+            <p:ph idx="1"/>
+          </p:nvPr>
+        </p:nvSpPr>
+        <p:spPr/>
+        <p:txBody>
+          <a:bodyPr/>
+          <a:lstStyle/>
+          <a:p>
+            <a:endParaRPr lang="en-IN"/>
+          </a:p>
+        </p:txBody>
+      </p:sp>
+    </p:spTree>
+    <p:extLst>
+      <p:ext uri="{BB962C8B-B14F-4D97-AF65-F5344CB8AC3E}">
+        <p14:creationId xmlns:p14="http://schemas.microsoft.com/office/powerpoint/2010/main" val="3622426742"/>
+      </p:ext>
+    </p:extLst>
+  </p:cSld>
+  <p:clrMapOvr>
+    <a:masterClrMapping/>
+  </p:clrMapOvr>
+</p:sld>
+</file>
+
+<file path=ppt/slides/slide19.xml><?xml version="1.0" encoding="utf-8"?>
+<p:sld xmlns:a="http://schemas.openxmlformats.org/drawingml/2006/main" xmlns:r="http://schemas.openxmlformats.org/officeDocument/2006/relationships" xmlns:p="http://schemas.openxmlformats.org/presentationml/2006/main">
+  <p:cSld>
+    <p:spTree>
+      <p:nvGrpSpPr>
+        <p:cNvPr id="1" name=""/>
+        <p:cNvGrpSpPr/>
+        <p:nvPr/>
+      </p:nvGrpSpPr>
+      <p:grpSpPr>
+        <a:xfrm>
+          <a:off x="0" y="0"/>
+          <a:ext cx="0" cy="0"/>
+          <a:chOff x="0" y="0"/>
+          <a:chExt cx="0" cy="0"/>
+        </a:xfrm>
+      </p:grpSpPr>
+      <p:sp>
+        <p:nvSpPr>
+          <p:cNvPr id="2" name="Title 1">
+            <a:extLst>
+              <a:ext uri="{FF2B5EF4-FFF2-40B4-BE49-F238E27FC236}">
+                <a16:creationId xmlns:a16="http://schemas.microsoft.com/office/drawing/2014/main" id="{972B8482-E953-43A8-3DB9-CE0CBA6FD280}"/>
+              </a:ext>
+            </a:extLst>
+          </p:cNvPr>
+          <p:cNvSpPr>
+            <a:spLocks noGrp="1"/>
+          </p:cNvSpPr>
+          <p:nvPr>
+            <p:ph type="title"/>
+          </p:nvPr>
+        </p:nvSpPr>
+        <p:spPr/>
+        <p:txBody>
+          <a:bodyPr/>
+          <a:lstStyle/>
+          <a:p>
+            <a:pPr algn="ctr"/>
+            <a:r>
+              <a:rPr lang="en-IN" dirty="0"/>
+              <a:t>Knowledge Distillation Algorithms</a:t>
+            </a:r>
+          </a:p>
+        </p:txBody>
+      </p:sp>
+      <p:sp>
+        <p:nvSpPr>
+          <p:cNvPr id="3" name="Content Placeholder 2">
+            <a:extLst>
+              <a:ext uri="{FF2B5EF4-FFF2-40B4-BE49-F238E27FC236}">
+                <a16:creationId xmlns:a16="http://schemas.microsoft.com/office/drawing/2014/main" id="{AA85E12E-717F-5476-D8D0-73C90F3AEDF3}"/>
+              </a:ext>
+            </a:extLst>
+          </p:cNvPr>
+          <p:cNvSpPr>
+            <a:spLocks noGrp="1"/>
+          </p:cNvSpPr>
+          <p:nvPr>
+            <p:ph idx="1"/>
+          </p:nvPr>
+        </p:nvSpPr>
+        <p:spPr/>
+        <p:txBody>
+          <a:bodyPr/>
+          <a:lstStyle/>
+          <a:p>
+            <a:r>
+              <a:rPr lang="en-IN" dirty="0"/>
+              <a:t>Adversarial Distillation</a:t>
+            </a:r>
+          </a:p>
+          <a:p>
+            <a:r>
+              <a:rPr lang="en-IN" dirty="0"/>
+              <a:t>Multi-Teacher Distillation</a:t>
+            </a:r>
+          </a:p>
+          <a:p>
+            <a:r>
+              <a:rPr lang="en-IN" dirty="0"/>
+              <a:t>Cross-modal Distillation</a:t>
+            </a:r>
+          </a:p>
+        </p:txBody>
+      </p:sp>
+    </p:spTree>
+    <p:extLst>
+      <p:ext uri="{BB962C8B-B14F-4D97-AF65-F5344CB8AC3E}">
+        <p14:creationId xmlns:p14="http://schemas.microsoft.com/office/powerpoint/2010/main" val="1423970000"/>
       </p:ext>
     </p:extLst>
   </p:cSld>
@@ -3330,20 +4037,33 @@
           <a:p>
             <a:r>
               <a:rPr lang="en-IN" dirty="0"/>
-              <a:t>Teacher Model</a:t>
-            </a:r>
-          </a:p>
-          <a:p>
-            <a:r>
-              <a:rPr lang="en-IN" dirty="0"/>
-              <a:t>Student Model</a:t>
-            </a:r>
-          </a:p>
-          <a:p>
-            <a:r>
-              <a:rPr lang="en-IN" dirty="0"/>
-              <a:t>Model Compression</a:t>
-            </a:r>
+              <a:t>Process</a:t>
+            </a:r>
+          </a:p>
+          <a:p>
+            <a:r>
+              <a:rPr lang="en-US" dirty="0"/>
+              <a:t>Training</a:t>
+            </a:r>
+          </a:p>
+          <a:p>
+            <a:r>
+              <a:rPr lang="en-US" dirty="0"/>
+              <a:t>Algorithms</a:t>
+            </a:r>
+          </a:p>
+          <a:p>
+            <a:r>
+              <a:rPr lang="en-US" dirty="0"/>
+              <a:t>Applications</a:t>
+            </a:r>
+          </a:p>
+          <a:p>
+            <a:r>
+              <a:rPr lang="en-US" dirty="0"/>
+              <a:t>Conclusions</a:t>
+            </a:r>
+            <a:endParaRPr lang="en-IN" dirty="0"/>
           </a:p>
           <a:p>
             <a:endParaRPr lang="en-IN" dirty="0"/>
@@ -3357,6 +4077,271 @@
     <p:extLst>
       <p:ext uri="{BB962C8B-B14F-4D97-AF65-F5344CB8AC3E}">
         <p14:creationId xmlns:p14="http://schemas.microsoft.com/office/powerpoint/2010/main" val="1020801246"/>
+      </p:ext>
+    </p:extLst>
+  </p:cSld>
+  <p:clrMapOvr>
+    <a:masterClrMapping/>
+  </p:clrMapOvr>
+</p:sld>
+</file>
+
+<file path=ppt/slides/slide20.xml><?xml version="1.0" encoding="utf-8"?>
+<p:sld xmlns:a="http://schemas.openxmlformats.org/drawingml/2006/main" xmlns:r="http://schemas.openxmlformats.org/officeDocument/2006/relationships" xmlns:p="http://schemas.openxmlformats.org/presentationml/2006/main">
+  <p:cSld>
+    <p:spTree>
+      <p:nvGrpSpPr>
+        <p:cNvPr id="1" name=""/>
+        <p:cNvGrpSpPr/>
+        <p:nvPr/>
+      </p:nvGrpSpPr>
+      <p:grpSpPr>
+        <a:xfrm>
+          <a:off x="0" y="0"/>
+          <a:ext cx="0" cy="0"/>
+          <a:chOff x="0" y="0"/>
+          <a:chExt cx="0" cy="0"/>
+        </a:xfrm>
+      </p:grpSpPr>
+      <p:sp>
+        <p:nvSpPr>
+          <p:cNvPr id="2" name="Title 1">
+            <a:extLst>
+              <a:ext uri="{FF2B5EF4-FFF2-40B4-BE49-F238E27FC236}">
+                <a16:creationId xmlns:a16="http://schemas.microsoft.com/office/drawing/2014/main" id="{49307CA3-D7F1-C65A-D158-B0049203C65E}"/>
+              </a:ext>
+            </a:extLst>
+          </p:cNvPr>
+          <p:cNvSpPr>
+            <a:spLocks noGrp="1"/>
+          </p:cNvSpPr>
+          <p:nvPr>
+            <p:ph type="title"/>
+          </p:nvPr>
+        </p:nvSpPr>
+        <p:spPr/>
+        <p:txBody>
+          <a:bodyPr/>
+          <a:lstStyle/>
+          <a:p>
+            <a:pPr algn="ctr"/>
+            <a:r>
+              <a:rPr lang="en-US" dirty="0"/>
+              <a:t>Applications</a:t>
+            </a:r>
+            <a:endParaRPr lang="en-IN" dirty="0"/>
+          </a:p>
+        </p:txBody>
+      </p:sp>
+      <p:sp>
+        <p:nvSpPr>
+          <p:cNvPr id="3" name="Content Placeholder 2">
+            <a:extLst>
+              <a:ext uri="{FF2B5EF4-FFF2-40B4-BE49-F238E27FC236}">
+                <a16:creationId xmlns:a16="http://schemas.microsoft.com/office/drawing/2014/main" id="{370418D3-FFCC-9690-B262-C1FBDD1D7650}"/>
+              </a:ext>
+            </a:extLst>
+          </p:cNvPr>
+          <p:cNvSpPr>
+            <a:spLocks noGrp="1"/>
+          </p:cNvSpPr>
+          <p:nvPr>
+            <p:ph idx="1"/>
+          </p:nvPr>
+        </p:nvSpPr>
+        <p:spPr/>
+        <p:txBody>
+          <a:bodyPr/>
+          <a:lstStyle/>
+          <a:p>
+            <a:endParaRPr lang="en-IN"/>
+          </a:p>
+        </p:txBody>
+      </p:sp>
+    </p:spTree>
+    <p:extLst>
+      <p:ext uri="{BB962C8B-B14F-4D97-AF65-F5344CB8AC3E}">
+        <p14:creationId xmlns:p14="http://schemas.microsoft.com/office/powerpoint/2010/main" val="3012294191"/>
+      </p:ext>
+    </p:extLst>
+  </p:cSld>
+  <p:clrMapOvr>
+    <a:masterClrMapping/>
+  </p:clrMapOvr>
+</p:sld>
+</file>
+
+<file path=ppt/slides/slide21.xml><?xml version="1.0" encoding="utf-8"?>
+<p:sld xmlns:a="http://schemas.openxmlformats.org/drawingml/2006/main" xmlns:r="http://schemas.openxmlformats.org/officeDocument/2006/relationships" xmlns:p="http://schemas.openxmlformats.org/presentationml/2006/main">
+  <p:cSld>
+    <p:spTree>
+      <p:nvGrpSpPr>
+        <p:cNvPr id="1" name=""/>
+        <p:cNvGrpSpPr/>
+        <p:nvPr/>
+      </p:nvGrpSpPr>
+      <p:grpSpPr>
+        <a:xfrm>
+          <a:off x="0" y="0"/>
+          <a:ext cx="0" cy="0"/>
+          <a:chOff x="0" y="0"/>
+          <a:chExt cx="0" cy="0"/>
+        </a:xfrm>
+      </p:grpSpPr>
+      <p:sp>
+        <p:nvSpPr>
+          <p:cNvPr id="2" name="Title 1">
+            <a:extLst>
+              <a:ext uri="{FF2B5EF4-FFF2-40B4-BE49-F238E27FC236}">
+                <a16:creationId xmlns:a16="http://schemas.microsoft.com/office/drawing/2014/main" id="{B440959B-5257-9D91-3B61-5C46F1F96D6B}"/>
+              </a:ext>
+            </a:extLst>
+          </p:cNvPr>
+          <p:cNvSpPr>
+            <a:spLocks noGrp="1"/>
+          </p:cNvSpPr>
+          <p:nvPr>
+            <p:ph type="title"/>
+          </p:nvPr>
+        </p:nvSpPr>
+        <p:spPr/>
+        <p:txBody>
+          <a:bodyPr/>
+          <a:lstStyle/>
+          <a:p>
+            <a:pPr algn="ctr"/>
+            <a:r>
+              <a:rPr lang="en-US" dirty="0"/>
+              <a:t>Conclusions</a:t>
+            </a:r>
+            <a:endParaRPr lang="en-IN" dirty="0"/>
+          </a:p>
+        </p:txBody>
+      </p:sp>
+      <p:sp>
+        <p:nvSpPr>
+          <p:cNvPr id="3" name="Content Placeholder 2">
+            <a:extLst>
+              <a:ext uri="{FF2B5EF4-FFF2-40B4-BE49-F238E27FC236}">
+                <a16:creationId xmlns:a16="http://schemas.microsoft.com/office/drawing/2014/main" id="{83AE5D9F-CE13-09AA-2234-6FF43C2EBB41}"/>
+              </a:ext>
+            </a:extLst>
+          </p:cNvPr>
+          <p:cNvSpPr>
+            <a:spLocks noGrp="1"/>
+          </p:cNvSpPr>
+          <p:nvPr>
+            <p:ph idx="1"/>
+          </p:nvPr>
+        </p:nvSpPr>
+        <p:spPr/>
+        <p:txBody>
+          <a:bodyPr/>
+          <a:lstStyle/>
+          <a:p>
+            <a:endParaRPr lang="en-IN"/>
+          </a:p>
+        </p:txBody>
+      </p:sp>
+    </p:spTree>
+    <p:extLst>
+      <p:ext uri="{BB962C8B-B14F-4D97-AF65-F5344CB8AC3E}">
+        <p14:creationId xmlns:p14="http://schemas.microsoft.com/office/powerpoint/2010/main" val="3691160634"/>
+      </p:ext>
+    </p:extLst>
+  </p:cSld>
+  <p:clrMapOvr>
+    <a:masterClrMapping/>
+  </p:clrMapOvr>
+</p:sld>
+</file>
+
+<file path=ppt/slides/slide22.xml><?xml version="1.0" encoding="utf-8"?>
+<p:sld xmlns:a="http://schemas.openxmlformats.org/drawingml/2006/main" xmlns:r="http://schemas.openxmlformats.org/officeDocument/2006/relationships" xmlns:p="http://schemas.openxmlformats.org/presentationml/2006/main">
+  <p:cSld>
+    <p:spTree>
+      <p:nvGrpSpPr>
+        <p:cNvPr id="1" name="">
+          <a:extLst>
+            <a:ext uri="{FF2B5EF4-FFF2-40B4-BE49-F238E27FC236}">
+              <a16:creationId xmlns:a16="http://schemas.microsoft.com/office/drawing/2014/main" id="{1C8AEA77-34B6-2B92-3032-E7DC917A66A5}"/>
+            </a:ext>
+          </a:extLst>
+        </p:cNvPr>
+        <p:cNvGrpSpPr/>
+        <p:nvPr/>
+      </p:nvGrpSpPr>
+      <p:grpSpPr>
+        <a:xfrm>
+          <a:off x="0" y="0"/>
+          <a:ext cx="0" cy="0"/>
+          <a:chOff x="0" y="0"/>
+          <a:chExt cx="0" cy="0"/>
+        </a:xfrm>
+      </p:grpSpPr>
+      <p:sp>
+        <p:nvSpPr>
+          <p:cNvPr id="2" name="Title 1">
+            <a:extLst>
+              <a:ext uri="{FF2B5EF4-FFF2-40B4-BE49-F238E27FC236}">
+                <a16:creationId xmlns:a16="http://schemas.microsoft.com/office/drawing/2014/main" id="{CD98F5DA-863D-D365-0F24-39A0C31B06D7}"/>
+              </a:ext>
+            </a:extLst>
+          </p:cNvPr>
+          <p:cNvSpPr>
+            <a:spLocks noGrp="1"/>
+          </p:cNvSpPr>
+          <p:nvPr>
+            <p:ph type="ctrTitle"/>
+          </p:nvPr>
+        </p:nvSpPr>
+        <p:spPr/>
+        <p:txBody>
+          <a:bodyPr/>
+          <a:lstStyle/>
+          <a:p>
+            <a:r>
+              <a:rPr lang="en-IN" dirty="0"/>
+              <a:t>Questions?</a:t>
+            </a:r>
+          </a:p>
+        </p:txBody>
+      </p:sp>
+      <p:sp>
+        <p:nvSpPr>
+          <p:cNvPr id="3" name="Subtitle 2">
+            <a:extLst>
+              <a:ext uri="{FF2B5EF4-FFF2-40B4-BE49-F238E27FC236}">
+                <a16:creationId xmlns:a16="http://schemas.microsoft.com/office/drawing/2014/main" id="{24AD7672-D577-74F5-F08E-C14B57789DE5}"/>
+              </a:ext>
+            </a:extLst>
+          </p:cNvPr>
+          <p:cNvSpPr>
+            <a:spLocks noGrp="1"/>
+          </p:cNvSpPr>
+          <p:nvPr>
+            <p:ph type="subTitle" idx="1"/>
+          </p:nvPr>
+        </p:nvSpPr>
+        <p:spPr/>
+        <p:txBody>
+          <a:bodyPr/>
+          <a:lstStyle/>
+          <a:p>
+            <a:r>
+              <a:rPr lang="en-US" dirty="0"/>
+              <a:t>Thank you</a:t>
+            </a:r>
+          </a:p>
+          <a:p>
+            <a:endParaRPr lang="en-IN" dirty="0"/>
+          </a:p>
+        </p:txBody>
+      </p:sp>
+    </p:spTree>
+    <p:extLst>
+      <p:ext uri="{BB962C8B-B14F-4D97-AF65-F5344CB8AC3E}">
+        <p14:creationId xmlns:p14="http://schemas.microsoft.com/office/powerpoint/2010/main" val="2420884258"/>
       </p:ext>
     </p:extLst>
   </p:cSld>

--- a/Presentations/KnowledgeDistillation.pptx
+++ b/Presentations/KnowledgeDistillation.pptx
@@ -2,31 +2,36 @@
 <file path=ppt/presentation.xml><?xml version="1.0" encoding="utf-8"?>
 <p:presentation xmlns:a="http://schemas.openxmlformats.org/drawingml/2006/main" xmlns:r="http://schemas.openxmlformats.org/officeDocument/2006/relationships" xmlns:p="http://schemas.openxmlformats.org/presentationml/2006/main" saveSubsetFonts="1">
   <p:sldMasterIdLst>
-    <p:sldMasterId id="2147483660" r:id="rId1"/>
+    <p:sldMasterId id="2147483648" r:id="rId1"/>
   </p:sldMasterIdLst>
   <p:sldIdLst>
-    <p:sldId id="256" r:id="rId2"/>
-    <p:sldId id="257" r:id="rId3"/>
-    <p:sldId id="258" r:id="rId4"/>
-    <p:sldId id="259" r:id="rId5"/>
-    <p:sldId id="260" r:id="rId6"/>
-    <p:sldId id="261" r:id="rId7"/>
-    <p:sldId id="262" r:id="rId8"/>
-    <p:sldId id="264" r:id="rId9"/>
-    <p:sldId id="265" r:id="rId10"/>
-    <p:sldId id="266" r:id="rId11"/>
-    <p:sldId id="267" r:id="rId12"/>
-    <p:sldId id="268" r:id="rId13"/>
-    <p:sldId id="269" r:id="rId14"/>
-    <p:sldId id="270" r:id="rId15"/>
-    <p:sldId id="271" r:id="rId16"/>
-    <p:sldId id="272" r:id="rId17"/>
-    <p:sldId id="273" r:id="rId18"/>
-    <p:sldId id="274" r:id="rId19"/>
-    <p:sldId id="275" r:id="rId20"/>
-    <p:sldId id="276" r:id="rId21"/>
-    <p:sldId id="277" r:id="rId22"/>
-    <p:sldId id="263" r:id="rId23"/>
+    <p:sldId id="257" r:id="rId2"/>
+    <p:sldId id="258" r:id="rId3"/>
+    <p:sldId id="290" r:id="rId4"/>
+    <p:sldId id="323" r:id="rId5"/>
+    <p:sldId id="322" r:id="rId6"/>
+    <p:sldId id="305" r:id="rId7"/>
+    <p:sldId id="306" r:id="rId8"/>
+    <p:sldId id="324" r:id="rId9"/>
+    <p:sldId id="325" r:id="rId10"/>
+    <p:sldId id="326" r:id="rId11"/>
+    <p:sldId id="307" r:id="rId12"/>
+    <p:sldId id="308" r:id="rId13"/>
+    <p:sldId id="327" r:id="rId14"/>
+    <p:sldId id="328" r:id="rId15"/>
+    <p:sldId id="310" r:id="rId16"/>
+    <p:sldId id="320" r:id="rId17"/>
+    <p:sldId id="311" r:id="rId18"/>
+    <p:sldId id="321" r:id="rId19"/>
+    <p:sldId id="313" r:id="rId20"/>
+    <p:sldId id="329" r:id="rId21"/>
+    <p:sldId id="314" r:id="rId22"/>
+    <p:sldId id="315" r:id="rId23"/>
+    <p:sldId id="316" r:id="rId24"/>
+    <p:sldId id="317" r:id="rId25"/>
+    <p:sldId id="318" r:id="rId26"/>
+    <p:sldId id="319" r:id="rId27"/>
+    <p:sldId id="287" r:id="rId28"/>
   </p:sldIdLst>
   <p:sldSz cx="9144000" cy="6858000" type="screen4x3"/>
   <p:notesSz cx="6858000" cy="9144000"/>
@@ -34,7 +39,7 @@
     <a:defPPr>
       <a:defRPr lang="en-US"/>
     </a:defPPr>
-    <a:lvl1pPr marL="0" algn="l" defTabSz="457200" rtl="0" eaLnBrk="1" latinLnBrk="0" hangingPunct="1">
+    <a:lvl1pPr marL="0" algn="l" defTabSz="914400" rtl="0" eaLnBrk="1" latinLnBrk="0" hangingPunct="1">
       <a:defRPr sz="1800" kern="1200">
         <a:solidFill>
           <a:schemeClr val="tx1"/>
@@ -44,7 +49,7 @@
         <a:cs typeface="+mn-cs"/>
       </a:defRPr>
     </a:lvl1pPr>
-    <a:lvl2pPr marL="457200" algn="l" defTabSz="457200" rtl="0" eaLnBrk="1" latinLnBrk="0" hangingPunct="1">
+    <a:lvl2pPr marL="457200" algn="l" defTabSz="914400" rtl="0" eaLnBrk="1" latinLnBrk="0" hangingPunct="1">
       <a:defRPr sz="1800" kern="1200">
         <a:solidFill>
           <a:schemeClr val="tx1"/>
@@ -54,7 +59,7 @@
         <a:cs typeface="+mn-cs"/>
       </a:defRPr>
     </a:lvl2pPr>
-    <a:lvl3pPr marL="914400" algn="l" defTabSz="457200" rtl="0" eaLnBrk="1" latinLnBrk="0" hangingPunct="1">
+    <a:lvl3pPr marL="914400" algn="l" defTabSz="914400" rtl="0" eaLnBrk="1" latinLnBrk="0" hangingPunct="1">
       <a:defRPr sz="1800" kern="1200">
         <a:solidFill>
           <a:schemeClr val="tx1"/>
@@ -64,7 +69,7 @@
         <a:cs typeface="+mn-cs"/>
       </a:defRPr>
     </a:lvl3pPr>
-    <a:lvl4pPr marL="1371600" algn="l" defTabSz="457200" rtl="0" eaLnBrk="1" latinLnBrk="0" hangingPunct="1">
+    <a:lvl4pPr marL="1371600" algn="l" defTabSz="914400" rtl="0" eaLnBrk="1" latinLnBrk="0" hangingPunct="1">
       <a:defRPr sz="1800" kern="1200">
         <a:solidFill>
           <a:schemeClr val="tx1"/>
@@ -74,7 +79,7 @@
         <a:cs typeface="+mn-cs"/>
       </a:defRPr>
     </a:lvl4pPr>
-    <a:lvl5pPr marL="1828800" algn="l" defTabSz="457200" rtl="0" eaLnBrk="1" latinLnBrk="0" hangingPunct="1">
+    <a:lvl5pPr marL="1828800" algn="l" defTabSz="914400" rtl="0" eaLnBrk="1" latinLnBrk="0" hangingPunct="1">
       <a:defRPr sz="1800" kern="1200">
         <a:solidFill>
           <a:schemeClr val="tx1"/>
@@ -84,7 +89,7 @@
         <a:cs typeface="+mn-cs"/>
       </a:defRPr>
     </a:lvl5pPr>
-    <a:lvl6pPr marL="2286000" algn="l" defTabSz="457200" rtl="0" eaLnBrk="1" latinLnBrk="0" hangingPunct="1">
+    <a:lvl6pPr marL="2286000" algn="l" defTabSz="914400" rtl="0" eaLnBrk="1" latinLnBrk="0" hangingPunct="1">
       <a:defRPr sz="1800" kern="1200">
         <a:solidFill>
           <a:schemeClr val="tx1"/>
@@ -94,7 +99,7 @@
         <a:cs typeface="+mn-cs"/>
       </a:defRPr>
     </a:lvl6pPr>
-    <a:lvl7pPr marL="2743200" algn="l" defTabSz="457200" rtl="0" eaLnBrk="1" latinLnBrk="0" hangingPunct="1">
+    <a:lvl7pPr marL="2743200" algn="l" defTabSz="914400" rtl="0" eaLnBrk="1" latinLnBrk="0" hangingPunct="1">
       <a:defRPr sz="1800" kern="1200">
         <a:solidFill>
           <a:schemeClr val="tx1"/>
@@ -104,7 +109,7 @@
         <a:cs typeface="+mn-cs"/>
       </a:defRPr>
     </a:lvl7pPr>
-    <a:lvl8pPr marL="3200400" algn="l" defTabSz="457200" rtl="0" eaLnBrk="1" latinLnBrk="0" hangingPunct="1">
+    <a:lvl8pPr marL="3200400" algn="l" defTabSz="914400" rtl="0" eaLnBrk="1" latinLnBrk="0" hangingPunct="1">
       <a:defRPr sz="1800" kern="1200">
         <a:solidFill>
           <a:schemeClr val="tx1"/>
@@ -114,7 +119,7 @@
         <a:cs typeface="+mn-cs"/>
       </a:defRPr>
     </a:lvl8pPr>
-    <a:lvl9pPr marL="3657600" algn="l" defTabSz="457200" rtl="0" eaLnBrk="1" latinLnBrk="0" hangingPunct="1">
+    <a:lvl9pPr marL="3657600" algn="l" defTabSz="914400" rtl="0" eaLnBrk="1" latinLnBrk="0" hangingPunct="1">
       <a:defRPr sz="1800" kern="1200">
         <a:solidFill>
           <a:schemeClr val="tx1"/>
@@ -127,7 +132,18 @@
   </p:defaultTextStyle>
   <p:extLst>
     <p:ext uri="{EFAFB233-063F-42B5-8137-9DF3F51BA10A}">
-      <p15:sldGuideLst xmlns:p15="http://schemas.microsoft.com/office/powerpoint/2012/main"/>
+      <p15:sldGuideLst xmlns="" xmlns:p15="http://schemas.microsoft.com/office/powerpoint/2012/main">
+        <p15:guide id="1" orient="horz" pos="2160">
+          <p15:clr>
+            <a:srgbClr val="A4A3A4"/>
+          </p15:clr>
+        </p15:guide>
+        <p15:guide id="2" pos="2880">
+          <p15:clr>
+            <a:srgbClr val="A4A3A4"/>
+          </p15:clr>
+        </p15:guide>
+      </p15:sldGuideLst>
     </p:ext>
   </p:extLst>
 </p:presentation>
@@ -162,23 +178,18 @@
         </p:nvSpPr>
         <p:spPr>
           <a:xfrm>
-            <a:off x="685800" y="1122363"/>
-            <a:ext cx="7772400" cy="2387600"/>
+            <a:off x="685800" y="2130425"/>
+            <a:ext cx="7772400" cy="1470025"/>
           </a:xfrm>
         </p:spPr>
         <p:txBody>
-          <a:bodyPr anchor="b"/>
-          <a:lstStyle>
-            <a:lvl1pPr algn="ctr">
-              <a:defRPr sz="6000"/>
-            </a:lvl1pPr>
-          </a:lstStyle>
+          <a:bodyPr/>
+          <a:lstStyle/>
           <a:p>
             <a:r>
               <a:rPr lang="en-US"/>
               <a:t>Click to edit Master title style</a:t>
             </a:r>
-            <a:endParaRPr lang="en-US" dirty="0"/>
           </a:p>
         </p:txBody>
       </p:sp>
@@ -194,8 +205,8 @@
         </p:nvSpPr>
         <p:spPr>
           <a:xfrm>
-            <a:off x="1143000" y="3602038"/>
-            <a:ext cx="6858000" cy="1655762"/>
+            <a:off x="1371600" y="3886200"/>
+            <a:ext cx="6400800" cy="1752600"/>
           </a:xfrm>
         </p:spPr>
         <p:txBody>
@@ -203,39 +214,93 @@
           <a:lstStyle>
             <a:lvl1pPr marL="0" indent="0" algn="ctr">
               <a:buNone/>
-              <a:defRPr sz="2400"/>
+              <a:defRPr>
+                <a:solidFill>
+                  <a:schemeClr val="tx1">
+                    <a:tint val="75000"/>
+                  </a:schemeClr>
+                </a:solidFill>
+              </a:defRPr>
             </a:lvl1pPr>
             <a:lvl2pPr marL="457200" indent="0" algn="ctr">
               <a:buNone/>
-              <a:defRPr sz="2000"/>
+              <a:defRPr>
+                <a:solidFill>
+                  <a:schemeClr val="tx1">
+                    <a:tint val="75000"/>
+                  </a:schemeClr>
+                </a:solidFill>
+              </a:defRPr>
             </a:lvl2pPr>
             <a:lvl3pPr marL="914400" indent="0" algn="ctr">
               <a:buNone/>
-              <a:defRPr sz="1800"/>
+              <a:defRPr>
+                <a:solidFill>
+                  <a:schemeClr val="tx1">
+                    <a:tint val="75000"/>
+                  </a:schemeClr>
+                </a:solidFill>
+              </a:defRPr>
             </a:lvl3pPr>
             <a:lvl4pPr marL="1371600" indent="0" algn="ctr">
               <a:buNone/>
-              <a:defRPr sz="1600"/>
+              <a:defRPr>
+                <a:solidFill>
+                  <a:schemeClr val="tx1">
+                    <a:tint val="75000"/>
+                  </a:schemeClr>
+                </a:solidFill>
+              </a:defRPr>
             </a:lvl4pPr>
             <a:lvl5pPr marL="1828800" indent="0" algn="ctr">
               <a:buNone/>
-              <a:defRPr sz="1600"/>
+              <a:defRPr>
+                <a:solidFill>
+                  <a:schemeClr val="tx1">
+                    <a:tint val="75000"/>
+                  </a:schemeClr>
+                </a:solidFill>
+              </a:defRPr>
             </a:lvl5pPr>
             <a:lvl6pPr marL="2286000" indent="0" algn="ctr">
               <a:buNone/>
-              <a:defRPr sz="1600"/>
+              <a:defRPr>
+                <a:solidFill>
+                  <a:schemeClr val="tx1">
+                    <a:tint val="75000"/>
+                  </a:schemeClr>
+                </a:solidFill>
+              </a:defRPr>
             </a:lvl6pPr>
             <a:lvl7pPr marL="2743200" indent="0" algn="ctr">
               <a:buNone/>
-              <a:defRPr sz="1600"/>
+              <a:defRPr>
+                <a:solidFill>
+                  <a:schemeClr val="tx1">
+                    <a:tint val="75000"/>
+                  </a:schemeClr>
+                </a:solidFill>
+              </a:defRPr>
             </a:lvl7pPr>
             <a:lvl8pPr marL="3200400" indent="0" algn="ctr">
               <a:buNone/>
-              <a:defRPr sz="1600"/>
+              <a:defRPr>
+                <a:solidFill>
+                  <a:schemeClr val="tx1">
+                    <a:tint val="75000"/>
+                  </a:schemeClr>
+                </a:solidFill>
+              </a:defRPr>
             </a:lvl8pPr>
             <a:lvl9pPr marL="3657600" indent="0" algn="ctr">
               <a:buNone/>
-              <a:defRPr sz="1600"/>
+              <a:defRPr>
+                <a:solidFill>
+                  <a:schemeClr val="tx1">
+                    <a:tint val="75000"/>
+                  </a:schemeClr>
+                </a:solidFill>
+              </a:defRPr>
             </a:lvl9pPr>
           </a:lstStyle>
           <a:p>
@@ -243,7 +308,6 @@
               <a:rPr lang="en-US"/>
               <a:t>Click to edit Master subtitle style</a:t>
             </a:r>
-            <a:endParaRPr lang="en-US" dirty="0"/>
           </a:p>
         </p:txBody>
       </p:sp>
@@ -262,11 +326,12 @@
           <a:bodyPr/>
           <a:lstStyle/>
           <a:p>
-            <a:fld id="{851C0E05-CD83-4F50-8310-1B8E117BF8A7}" type="datetimeFigureOut">
-              <a:rPr lang="en-IN" smtClean="0"/>
-              <a:t>03-03-2024</a:t>
+            <a:fld id="{1D8BD707-D9CF-40AE-B4C6-C98DA3205C09}" type="datetimeFigureOut">
+              <a:rPr lang="en-US" smtClean="0"/>
+              <a:pPr/>
+              <a:t>6/18/2024</a:t>
             </a:fld>
-            <a:endParaRPr lang="en-IN"/>
+            <a:endParaRPr lang="en-US"/>
           </a:p>
         </p:txBody>
       </p:sp>
@@ -285,7 +350,7 @@
           <a:bodyPr/>
           <a:lstStyle/>
           <a:p>
-            <a:endParaRPr lang="en-IN"/>
+            <a:endParaRPr lang="en-US"/>
           </a:p>
         </p:txBody>
       </p:sp>
@@ -304,20 +369,16 @@
           <a:bodyPr/>
           <a:lstStyle/>
           <a:p>
-            <a:fld id="{EC4BB412-C92D-4F1C-8CD6-6F4F4237663E}" type="slidenum">
-              <a:rPr lang="en-IN" smtClean="0"/>
+            <a:fld id="{B6F15528-21DE-4FAA-801E-634DDDAF4B2B}" type="slidenum">
+              <a:rPr lang="en-US" smtClean="0"/>
+              <a:pPr/>
               <a:t>‹#›</a:t>
             </a:fld>
-            <a:endParaRPr lang="en-IN"/>
+            <a:endParaRPr lang="en-US"/>
           </a:p>
         </p:txBody>
       </p:sp>
     </p:spTree>
-    <p:extLst>
-      <p:ext uri="{BB962C8B-B14F-4D97-AF65-F5344CB8AC3E}">
-        <p14:creationId xmlns:p14="http://schemas.microsoft.com/office/powerpoint/2010/main" val="1659573746"/>
-      </p:ext>
-    </p:extLst>
   </p:cSld>
   <p:clrMapOvr>
     <a:masterClrMapping/>
@@ -361,7 +422,6 @@
               <a:rPr lang="en-US"/>
               <a:t>Click to edit Master title style</a:t>
             </a:r>
-            <a:endParaRPr lang="en-US" dirty="0"/>
           </a:p>
         </p:txBody>
       </p:sp>
@@ -413,7 +473,6 @@
               <a:rPr lang="en-US"/>
               <a:t>Fifth level</a:t>
             </a:r>
-            <a:endParaRPr lang="en-US" dirty="0"/>
           </a:p>
         </p:txBody>
       </p:sp>
@@ -432,11 +491,12 @@
           <a:bodyPr/>
           <a:lstStyle/>
           <a:p>
-            <a:fld id="{851C0E05-CD83-4F50-8310-1B8E117BF8A7}" type="datetimeFigureOut">
-              <a:rPr lang="en-IN" smtClean="0"/>
-              <a:t>03-03-2024</a:t>
+            <a:fld id="{1D8BD707-D9CF-40AE-B4C6-C98DA3205C09}" type="datetimeFigureOut">
+              <a:rPr lang="en-US" smtClean="0"/>
+              <a:pPr/>
+              <a:t>6/18/2024</a:t>
             </a:fld>
-            <a:endParaRPr lang="en-IN"/>
+            <a:endParaRPr lang="en-US"/>
           </a:p>
         </p:txBody>
       </p:sp>
@@ -455,7 +515,7 @@
           <a:bodyPr/>
           <a:lstStyle/>
           <a:p>
-            <a:endParaRPr lang="en-IN"/>
+            <a:endParaRPr lang="en-US"/>
           </a:p>
         </p:txBody>
       </p:sp>
@@ -474,20 +534,16 @@
           <a:bodyPr/>
           <a:lstStyle/>
           <a:p>
-            <a:fld id="{EC4BB412-C92D-4F1C-8CD6-6F4F4237663E}" type="slidenum">
-              <a:rPr lang="en-IN" smtClean="0"/>
+            <a:fld id="{B6F15528-21DE-4FAA-801E-634DDDAF4B2B}" type="slidenum">
+              <a:rPr lang="en-US" smtClean="0"/>
+              <a:pPr/>
               <a:t>‹#›</a:t>
             </a:fld>
-            <a:endParaRPr lang="en-IN"/>
+            <a:endParaRPr lang="en-US"/>
           </a:p>
         </p:txBody>
       </p:sp>
     </p:spTree>
-    <p:extLst>
-      <p:ext uri="{BB962C8B-B14F-4D97-AF65-F5344CB8AC3E}">
-        <p14:creationId xmlns:p14="http://schemas.microsoft.com/office/powerpoint/2010/main" val="1301317524"/>
-      </p:ext>
-    </p:extLst>
   </p:cSld>
   <p:clrMapOvr>
     <a:masterClrMapping/>
@@ -524,8 +580,8 @@
         </p:nvSpPr>
         <p:spPr>
           <a:xfrm>
-            <a:off x="6543675" y="365125"/>
-            <a:ext cx="1971675" cy="5811838"/>
+            <a:off x="6629400" y="274638"/>
+            <a:ext cx="2057400" cy="5851525"/>
           </a:xfrm>
         </p:spPr>
         <p:txBody>
@@ -536,7 +592,6 @@
               <a:rPr lang="en-US"/>
               <a:t>Click to edit Master title style</a:t>
             </a:r>
-            <a:endParaRPr lang="en-US" dirty="0"/>
           </a:p>
         </p:txBody>
       </p:sp>
@@ -552,8 +607,8 @@
         </p:nvSpPr>
         <p:spPr>
           <a:xfrm>
-            <a:off x="628650" y="365125"/>
-            <a:ext cx="5800725" cy="5811838"/>
+            <a:off x="457200" y="274638"/>
+            <a:ext cx="6019800" cy="5851525"/>
           </a:xfrm>
         </p:spPr>
         <p:txBody>
@@ -593,7 +648,6 @@
               <a:rPr lang="en-US"/>
               <a:t>Fifth level</a:t>
             </a:r>
-            <a:endParaRPr lang="en-US" dirty="0"/>
           </a:p>
         </p:txBody>
       </p:sp>
@@ -612,11 +666,12 @@
           <a:bodyPr/>
           <a:lstStyle/>
           <a:p>
-            <a:fld id="{851C0E05-CD83-4F50-8310-1B8E117BF8A7}" type="datetimeFigureOut">
-              <a:rPr lang="en-IN" smtClean="0"/>
-              <a:t>03-03-2024</a:t>
+            <a:fld id="{1D8BD707-D9CF-40AE-B4C6-C98DA3205C09}" type="datetimeFigureOut">
+              <a:rPr lang="en-US" smtClean="0"/>
+              <a:pPr/>
+              <a:t>6/18/2024</a:t>
             </a:fld>
-            <a:endParaRPr lang="en-IN"/>
+            <a:endParaRPr lang="en-US"/>
           </a:p>
         </p:txBody>
       </p:sp>
@@ -635,7 +690,7 @@
           <a:bodyPr/>
           <a:lstStyle/>
           <a:p>
-            <a:endParaRPr lang="en-IN"/>
+            <a:endParaRPr lang="en-US"/>
           </a:p>
         </p:txBody>
       </p:sp>
@@ -654,20 +709,16 @@
           <a:bodyPr/>
           <a:lstStyle/>
           <a:p>
-            <a:fld id="{EC4BB412-C92D-4F1C-8CD6-6F4F4237663E}" type="slidenum">
-              <a:rPr lang="en-IN" smtClean="0"/>
+            <a:fld id="{B6F15528-21DE-4FAA-801E-634DDDAF4B2B}" type="slidenum">
+              <a:rPr lang="en-US" smtClean="0"/>
+              <a:pPr/>
               <a:t>‹#›</a:t>
             </a:fld>
-            <a:endParaRPr lang="en-IN"/>
+            <a:endParaRPr lang="en-US"/>
           </a:p>
         </p:txBody>
       </p:sp>
     </p:spTree>
-    <p:extLst>
-      <p:ext uri="{BB962C8B-B14F-4D97-AF65-F5344CB8AC3E}">
-        <p14:creationId xmlns:p14="http://schemas.microsoft.com/office/powerpoint/2010/main" val="2224709712"/>
-      </p:ext>
-    </p:extLst>
   </p:cSld>
   <p:clrMapOvr>
     <a:masterClrMapping/>
@@ -711,7 +762,6 @@
               <a:rPr lang="en-US"/>
               <a:t>Click to edit Master title style</a:t>
             </a:r>
-            <a:endParaRPr lang="en-US" dirty="0"/>
           </a:p>
         </p:txBody>
       </p:sp>
@@ -763,7 +813,6 @@
               <a:rPr lang="en-US"/>
               <a:t>Fifth level</a:t>
             </a:r>
-            <a:endParaRPr lang="en-US" dirty="0"/>
           </a:p>
         </p:txBody>
       </p:sp>
@@ -782,11 +831,12 @@
           <a:bodyPr/>
           <a:lstStyle/>
           <a:p>
-            <a:fld id="{851C0E05-CD83-4F50-8310-1B8E117BF8A7}" type="datetimeFigureOut">
-              <a:rPr lang="en-IN" smtClean="0"/>
-              <a:t>03-03-2024</a:t>
+            <a:fld id="{1D8BD707-D9CF-40AE-B4C6-C98DA3205C09}" type="datetimeFigureOut">
+              <a:rPr lang="en-US" smtClean="0"/>
+              <a:pPr/>
+              <a:t>6/18/2024</a:t>
             </a:fld>
-            <a:endParaRPr lang="en-IN"/>
+            <a:endParaRPr lang="en-US"/>
           </a:p>
         </p:txBody>
       </p:sp>
@@ -805,7 +855,7 @@
           <a:bodyPr/>
           <a:lstStyle/>
           <a:p>
-            <a:endParaRPr lang="en-IN"/>
+            <a:endParaRPr lang="en-US"/>
           </a:p>
         </p:txBody>
       </p:sp>
@@ -824,20 +874,16 @@
           <a:bodyPr/>
           <a:lstStyle/>
           <a:p>
-            <a:fld id="{EC4BB412-C92D-4F1C-8CD6-6F4F4237663E}" type="slidenum">
-              <a:rPr lang="en-IN" smtClean="0"/>
+            <a:fld id="{B6F15528-21DE-4FAA-801E-634DDDAF4B2B}" type="slidenum">
+              <a:rPr lang="en-US" smtClean="0"/>
+              <a:pPr/>
               <a:t>‹#›</a:t>
             </a:fld>
-            <a:endParaRPr lang="en-IN"/>
+            <a:endParaRPr lang="en-US"/>
           </a:p>
         </p:txBody>
       </p:sp>
     </p:spTree>
-    <p:extLst>
-      <p:ext uri="{BB962C8B-B14F-4D97-AF65-F5344CB8AC3E}">
-        <p14:creationId xmlns:p14="http://schemas.microsoft.com/office/powerpoint/2010/main" val="3591885821"/>
-      </p:ext>
-    </p:extLst>
   </p:cSld>
   <p:clrMapOvr>
     <a:masterClrMapping/>
@@ -874,15 +920,15 @@
         </p:nvSpPr>
         <p:spPr>
           <a:xfrm>
-            <a:off x="623888" y="1709739"/>
-            <a:ext cx="7886700" cy="2852737"/>
+            <a:off x="722313" y="4406900"/>
+            <a:ext cx="7772400" cy="1362075"/>
           </a:xfrm>
         </p:spPr>
         <p:txBody>
-          <a:bodyPr anchor="b"/>
+          <a:bodyPr anchor="t"/>
           <a:lstStyle>
-            <a:lvl1pPr>
-              <a:defRPr sz="6000"/>
+            <a:lvl1pPr algn="l">
+              <a:defRPr sz="4000" b="1" cap="all"/>
             </a:lvl1pPr>
           </a:lstStyle>
           <a:p>
@@ -890,7 +936,6 @@
               <a:rPr lang="en-US"/>
               <a:t>Click to edit Master title style</a:t>
             </a:r>
-            <a:endParaRPr lang="en-US" dirty="0"/>
           </a:p>
         </p:txBody>
       </p:sp>
@@ -906,24 +951,26 @@
         </p:nvSpPr>
         <p:spPr>
           <a:xfrm>
-            <a:off x="623888" y="4589464"/>
-            <a:ext cx="7886700" cy="1500187"/>
+            <a:off x="722313" y="2906713"/>
+            <a:ext cx="7772400" cy="1500187"/>
           </a:xfrm>
         </p:spPr>
         <p:txBody>
-          <a:bodyPr/>
+          <a:bodyPr anchor="b"/>
           <a:lstStyle>
             <a:lvl1pPr marL="0" indent="0">
               <a:buNone/>
-              <a:defRPr sz="2400">
+              <a:defRPr sz="2000">
                 <a:solidFill>
-                  <a:schemeClr val="tx1"/>
+                  <a:schemeClr val="tx1">
+                    <a:tint val="75000"/>
+                  </a:schemeClr>
                 </a:solidFill>
               </a:defRPr>
             </a:lvl1pPr>
             <a:lvl2pPr marL="457200" indent="0">
               <a:buNone/>
-              <a:defRPr sz="2000">
+              <a:defRPr sz="1800">
                 <a:solidFill>
                   <a:schemeClr val="tx1">
                     <a:tint val="75000"/>
@@ -933,7 +980,7 @@
             </a:lvl2pPr>
             <a:lvl3pPr marL="914400" indent="0">
               <a:buNone/>
-              <a:defRPr sz="1800">
+              <a:defRPr sz="1600">
                 <a:solidFill>
                   <a:schemeClr val="tx1">
                     <a:tint val="75000"/>
@@ -943,7 +990,7 @@
             </a:lvl3pPr>
             <a:lvl4pPr marL="1371600" indent="0">
               <a:buNone/>
-              <a:defRPr sz="1600">
+              <a:defRPr sz="1400">
                 <a:solidFill>
                   <a:schemeClr val="tx1">
                     <a:tint val="75000"/>
@@ -953,7 +1000,7 @@
             </a:lvl4pPr>
             <a:lvl5pPr marL="1828800" indent="0">
               <a:buNone/>
-              <a:defRPr sz="1600">
+              <a:defRPr sz="1400">
                 <a:solidFill>
                   <a:schemeClr val="tx1">
                     <a:tint val="75000"/>
@@ -963,7 +1010,7 @@
             </a:lvl5pPr>
             <a:lvl6pPr marL="2286000" indent="0">
               <a:buNone/>
-              <a:defRPr sz="1600">
+              <a:defRPr sz="1400">
                 <a:solidFill>
                   <a:schemeClr val="tx1">
                     <a:tint val="75000"/>
@@ -973,7 +1020,7 @@
             </a:lvl6pPr>
             <a:lvl7pPr marL="2743200" indent="0">
               <a:buNone/>
-              <a:defRPr sz="1600">
+              <a:defRPr sz="1400">
                 <a:solidFill>
                   <a:schemeClr val="tx1">
                     <a:tint val="75000"/>
@@ -983,7 +1030,7 @@
             </a:lvl7pPr>
             <a:lvl8pPr marL="3200400" indent="0">
               <a:buNone/>
-              <a:defRPr sz="1600">
+              <a:defRPr sz="1400">
                 <a:solidFill>
                   <a:schemeClr val="tx1">
                     <a:tint val="75000"/>
@@ -993,7 +1040,7 @@
             </a:lvl8pPr>
             <a:lvl9pPr marL="3657600" indent="0">
               <a:buNone/>
-              <a:defRPr sz="1600">
+              <a:defRPr sz="1400">
                 <a:solidFill>
                   <a:schemeClr val="tx1">
                     <a:tint val="75000"/>
@@ -1026,11 +1073,12 @@
           <a:bodyPr/>
           <a:lstStyle/>
           <a:p>
-            <a:fld id="{851C0E05-CD83-4F50-8310-1B8E117BF8A7}" type="datetimeFigureOut">
-              <a:rPr lang="en-IN" smtClean="0"/>
-              <a:t>03-03-2024</a:t>
+            <a:fld id="{1D8BD707-D9CF-40AE-B4C6-C98DA3205C09}" type="datetimeFigureOut">
+              <a:rPr lang="en-US" smtClean="0"/>
+              <a:pPr/>
+              <a:t>6/18/2024</a:t>
             </a:fld>
-            <a:endParaRPr lang="en-IN"/>
+            <a:endParaRPr lang="en-US"/>
           </a:p>
         </p:txBody>
       </p:sp>
@@ -1049,7 +1097,7 @@
           <a:bodyPr/>
           <a:lstStyle/>
           <a:p>
-            <a:endParaRPr lang="en-IN"/>
+            <a:endParaRPr lang="en-US"/>
           </a:p>
         </p:txBody>
       </p:sp>
@@ -1068,20 +1116,16 @@
           <a:bodyPr/>
           <a:lstStyle/>
           <a:p>
-            <a:fld id="{EC4BB412-C92D-4F1C-8CD6-6F4F4237663E}" type="slidenum">
-              <a:rPr lang="en-IN" smtClean="0"/>
+            <a:fld id="{B6F15528-21DE-4FAA-801E-634DDDAF4B2B}" type="slidenum">
+              <a:rPr lang="en-US" smtClean="0"/>
+              <a:pPr/>
               <a:t>‹#›</a:t>
             </a:fld>
-            <a:endParaRPr lang="en-IN"/>
+            <a:endParaRPr lang="en-US"/>
           </a:p>
         </p:txBody>
       </p:sp>
     </p:spTree>
-    <p:extLst>
-      <p:ext uri="{BB962C8B-B14F-4D97-AF65-F5344CB8AC3E}">
-        <p14:creationId xmlns:p14="http://schemas.microsoft.com/office/powerpoint/2010/main" val="3414824823"/>
-      </p:ext>
-    </p:extLst>
   </p:cSld>
   <p:clrMapOvr>
     <a:masterClrMapping/>
@@ -1125,7 +1169,6 @@
               <a:rPr lang="en-US"/>
               <a:t>Click to edit Master title style</a:t>
             </a:r>
-            <a:endParaRPr lang="en-US" dirty="0"/>
           </a:p>
         </p:txBody>
       </p:sp>
@@ -1141,13 +1184,41 @@
         </p:nvSpPr>
         <p:spPr>
           <a:xfrm>
-            <a:off x="628650" y="1825625"/>
-            <a:ext cx="3886200" cy="4351338"/>
+            <a:off x="457200" y="1600200"/>
+            <a:ext cx="4038600" cy="4525963"/>
           </a:xfrm>
         </p:spPr>
         <p:txBody>
           <a:bodyPr/>
-          <a:lstStyle/>
+          <a:lstStyle>
+            <a:lvl1pPr>
+              <a:defRPr sz="2800"/>
+            </a:lvl1pPr>
+            <a:lvl2pPr>
+              <a:defRPr sz="2400"/>
+            </a:lvl2pPr>
+            <a:lvl3pPr>
+              <a:defRPr sz="2000"/>
+            </a:lvl3pPr>
+            <a:lvl4pPr>
+              <a:defRPr sz="1800"/>
+            </a:lvl4pPr>
+            <a:lvl5pPr>
+              <a:defRPr sz="1800"/>
+            </a:lvl5pPr>
+            <a:lvl6pPr>
+              <a:defRPr sz="1800"/>
+            </a:lvl6pPr>
+            <a:lvl7pPr>
+              <a:defRPr sz="1800"/>
+            </a:lvl7pPr>
+            <a:lvl8pPr>
+              <a:defRPr sz="1800"/>
+            </a:lvl8pPr>
+            <a:lvl9pPr>
+              <a:defRPr sz="1800"/>
+            </a:lvl9pPr>
+          </a:lstStyle>
           <a:p>
             <a:pPr lvl="0"/>
             <a:r>
@@ -1182,7 +1253,6 @@
               <a:rPr lang="en-US"/>
               <a:t>Fifth level</a:t>
             </a:r>
-            <a:endParaRPr lang="en-US" dirty="0"/>
           </a:p>
         </p:txBody>
       </p:sp>
@@ -1198,13 +1268,41 @@
         </p:nvSpPr>
         <p:spPr>
           <a:xfrm>
-            <a:off x="4629150" y="1825625"/>
-            <a:ext cx="3886200" cy="4351338"/>
+            <a:off x="4648200" y="1600200"/>
+            <a:ext cx="4038600" cy="4525963"/>
           </a:xfrm>
         </p:spPr>
         <p:txBody>
           <a:bodyPr/>
-          <a:lstStyle/>
+          <a:lstStyle>
+            <a:lvl1pPr>
+              <a:defRPr sz="2800"/>
+            </a:lvl1pPr>
+            <a:lvl2pPr>
+              <a:defRPr sz="2400"/>
+            </a:lvl2pPr>
+            <a:lvl3pPr>
+              <a:defRPr sz="2000"/>
+            </a:lvl3pPr>
+            <a:lvl4pPr>
+              <a:defRPr sz="1800"/>
+            </a:lvl4pPr>
+            <a:lvl5pPr>
+              <a:defRPr sz="1800"/>
+            </a:lvl5pPr>
+            <a:lvl6pPr>
+              <a:defRPr sz="1800"/>
+            </a:lvl6pPr>
+            <a:lvl7pPr>
+              <a:defRPr sz="1800"/>
+            </a:lvl7pPr>
+            <a:lvl8pPr>
+              <a:defRPr sz="1800"/>
+            </a:lvl8pPr>
+            <a:lvl9pPr>
+              <a:defRPr sz="1800"/>
+            </a:lvl9pPr>
+          </a:lstStyle>
           <a:p>
             <a:pPr lvl="0"/>
             <a:r>
@@ -1239,7 +1337,6 @@
               <a:rPr lang="en-US"/>
               <a:t>Fifth level</a:t>
             </a:r>
-            <a:endParaRPr lang="en-US" dirty="0"/>
           </a:p>
         </p:txBody>
       </p:sp>
@@ -1258,11 +1355,12 @@
           <a:bodyPr/>
           <a:lstStyle/>
           <a:p>
-            <a:fld id="{851C0E05-CD83-4F50-8310-1B8E117BF8A7}" type="datetimeFigureOut">
-              <a:rPr lang="en-IN" smtClean="0"/>
-              <a:t>03-03-2024</a:t>
+            <a:fld id="{1D8BD707-D9CF-40AE-B4C6-C98DA3205C09}" type="datetimeFigureOut">
+              <a:rPr lang="en-US" smtClean="0"/>
+              <a:pPr/>
+              <a:t>6/18/2024</a:t>
             </a:fld>
-            <a:endParaRPr lang="en-IN"/>
+            <a:endParaRPr lang="en-US"/>
           </a:p>
         </p:txBody>
       </p:sp>
@@ -1281,7 +1379,7 @@
           <a:bodyPr/>
           <a:lstStyle/>
           <a:p>
-            <a:endParaRPr lang="en-IN"/>
+            <a:endParaRPr lang="en-US"/>
           </a:p>
         </p:txBody>
       </p:sp>
@@ -1300,20 +1398,16 @@
           <a:bodyPr/>
           <a:lstStyle/>
           <a:p>
-            <a:fld id="{EC4BB412-C92D-4F1C-8CD6-6F4F4237663E}" type="slidenum">
-              <a:rPr lang="en-IN" smtClean="0"/>
+            <a:fld id="{B6F15528-21DE-4FAA-801E-634DDDAF4B2B}" type="slidenum">
+              <a:rPr lang="en-US" smtClean="0"/>
+              <a:pPr/>
               <a:t>‹#›</a:t>
             </a:fld>
-            <a:endParaRPr lang="en-IN"/>
+            <a:endParaRPr lang="en-US"/>
           </a:p>
         </p:txBody>
       </p:sp>
     </p:spTree>
-    <p:extLst>
-      <p:ext uri="{BB962C8B-B14F-4D97-AF65-F5344CB8AC3E}">
-        <p14:creationId xmlns:p14="http://schemas.microsoft.com/office/powerpoint/2010/main" val="396545672"/>
-      </p:ext>
-    </p:extLst>
   </p:cSld>
   <p:clrMapOvr>
     <a:masterClrMapping/>
@@ -1348,38 +1442,36 @@
             <p:ph type="title"/>
           </p:nvPr>
         </p:nvSpPr>
+        <p:spPr/>
+        <p:txBody>
+          <a:bodyPr/>
+          <a:lstStyle>
+            <a:lvl1pPr>
+              <a:defRPr/>
+            </a:lvl1pPr>
+          </a:lstStyle>
+          <a:p>
+            <a:r>
+              <a:rPr lang="en-US"/>
+              <a:t>Click to edit Master title style</a:t>
+            </a:r>
+          </a:p>
+        </p:txBody>
+      </p:sp>
+      <p:sp>
+        <p:nvSpPr>
+          <p:cNvPr id="3" name="Text Placeholder 2"/>
+          <p:cNvSpPr>
+            <a:spLocks noGrp="1"/>
+          </p:cNvSpPr>
+          <p:nvPr>
+            <p:ph type="body" idx="1"/>
+          </p:nvPr>
+        </p:nvSpPr>
         <p:spPr>
           <a:xfrm>
-            <a:off x="629841" y="365126"/>
-            <a:ext cx="7886700" cy="1325563"/>
-          </a:xfrm>
-        </p:spPr>
-        <p:txBody>
-          <a:bodyPr/>
-          <a:lstStyle/>
-          <a:p>
-            <a:r>
-              <a:rPr lang="en-US"/>
-              <a:t>Click to edit Master title style</a:t>
-            </a:r>
-            <a:endParaRPr lang="en-US" dirty="0"/>
-          </a:p>
-        </p:txBody>
-      </p:sp>
-      <p:sp>
-        <p:nvSpPr>
-          <p:cNvPr id="3" name="Text Placeholder 2"/>
-          <p:cNvSpPr>
-            <a:spLocks noGrp="1"/>
-          </p:cNvSpPr>
-          <p:nvPr>
-            <p:ph type="body" idx="1"/>
-          </p:nvPr>
-        </p:nvSpPr>
-        <p:spPr>
-          <a:xfrm>
-            <a:off x="629842" y="1681163"/>
-            <a:ext cx="3868340" cy="823912"/>
+            <a:off x="457200" y="1535113"/>
+            <a:ext cx="4040188" cy="639762"/>
           </a:xfrm>
         </p:spPr>
         <p:txBody>
@@ -1443,13 +1535,41 @@
         </p:nvSpPr>
         <p:spPr>
           <a:xfrm>
-            <a:off x="629842" y="2505075"/>
-            <a:ext cx="3868340" cy="3684588"/>
+            <a:off x="457200" y="2174875"/>
+            <a:ext cx="4040188" cy="3951288"/>
           </a:xfrm>
         </p:spPr>
         <p:txBody>
           <a:bodyPr/>
-          <a:lstStyle/>
+          <a:lstStyle>
+            <a:lvl1pPr>
+              <a:defRPr sz="2400"/>
+            </a:lvl1pPr>
+            <a:lvl2pPr>
+              <a:defRPr sz="2000"/>
+            </a:lvl2pPr>
+            <a:lvl3pPr>
+              <a:defRPr sz="1800"/>
+            </a:lvl3pPr>
+            <a:lvl4pPr>
+              <a:defRPr sz="1600"/>
+            </a:lvl4pPr>
+            <a:lvl5pPr>
+              <a:defRPr sz="1600"/>
+            </a:lvl5pPr>
+            <a:lvl6pPr>
+              <a:defRPr sz="1600"/>
+            </a:lvl6pPr>
+            <a:lvl7pPr>
+              <a:defRPr sz="1600"/>
+            </a:lvl7pPr>
+            <a:lvl8pPr>
+              <a:defRPr sz="1600"/>
+            </a:lvl8pPr>
+            <a:lvl9pPr>
+              <a:defRPr sz="1600"/>
+            </a:lvl9pPr>
+          </a:lstStyle>
           <a:p>
             <a:pPr lvl="0"/>
             <a:r>
@@ -1484,7 +1604,6 @@
               <a:rPr lang="en-US"/>
               <a:t>Fifth level</a:t>
             </a:r>
-            <a:endParaRPr lang="en-US" dirty="0"/>
           </a:p>
         </p:txBody>
       </p:sp>
@@ -1500,8 +1619,8 @@
         </p:nvSpPr>
         <p:spPr>
           <a:xfrm>
-            <a:off x="4629150" y="1681163"/>
-            <a:ext cx="3887391" cy="823912"/>
+            <a:off x="4645025" y="1535113"/>
+            <a:ext cx="4041775" cy="639762"/>
           </a:xfrm>
         </p:spPr>
         <p:txBody>
@@ -1565,13 +1684,41 @@
         </p:nvSpPr>
         <p:spPr>
           <a:xfrm>
-            <a:off x="4629150" y="2505075"/>
-            <a:ext cx="3887391" cy="3684588"/>
+            <a:off x="4645025" y="2174875"/>
+            <a:ext cx="4041775" cy="3951288"/>
           </a:xfrm>
         </p:spPr>
         <p:txBody>
           <a:bodyPr/>
-          <a:lstStyle/>
+          <a:lstStyle>
+            <a:lvl1pPr>
+              <a:defRPr sz="2400"/>
+            </a:lvl1pPr>
+            <a:lvl2pPr>
+              <a:defRPr sz="2000"/>
+            </a:lvl2pPr>
+            <a:lvl3pPr>
+              <a:defRPr sz="1800"/>
+            </a:lvl3pPr>
+            <a:lvl4pPr>
+              <a:defRPr sz="1600"/>
+            </a:lvl4pPr>
+            <a:lvl5pPr>
+              <a:defRPr sz="1600"/>
+            </a:lvl5pPr>
+            <a:lvl6pPr>
+              <a:defRPr sz="1600"/>
+            </a:lvl6pPr>
+            <a:lvl7pPr>
+              <a:defRPr sz="1600"/>
+            </a:lvl7pPr>
+            <a:lvl8pPr>
+              <a:defRPr sz="1600"/>
+            </a:lvl8pPr>
+            <a:lvl9pPr>
+              <a:defRPr sz="1600"/>
+            </a:lvl9pPr>
+          </a:lstStyle>
           <a:p>
             <a:pPr lvl="0"/>
             <a:r>
@@ -1606,7 +1753,6 @@
               <a:rPr lang="en-US"/>
               <a:t>Fifth level</a:t>
             </a:r>
-            <a:endParaRPr lang="en-US" dirty="0"/>
           </a:p>
         </p:txBody>
       </p:sp>
@@ -1625,11 +1771,12 @@
           <a:bodyPr/>
           <a:lstStyle/>
           <a:p>
-            <a:fld id="{851C0E05-CD83-4F50-8310-1B8E117BF8A7}" type="datetimeFigureOut">
-              <a:rPr lang="en-IN" smtClean="0"/>
-              <a:t>03-03-2024</a:t>
+            <a:fld id="{1D8BD707-D9CF-40AE-B4C6-C98DA3205C09}" type="datetimeFigureOut">
+              <a:rPr lang="en-US" smtClean="0"/>
+              <a:pPr/>
+              <a:t>6/18/2024</a:t>
             </a:fld>
-            <a:endParaRPr lang="en-IN"/>
+            <a:endParaRPr lang="en-US"/>
           </a:p>
         </p:txBody>
       </p:sp>
@@ -1648,7 +1795,7 @@
           <a:bodyPr/>
           <a:lstStyle/>
           <a:p>
-            <a:endParaRPr lang="en-IN"/>
+            <a:endParaRPr lang="en-US"/>
           </a:p>
         </p:txBody>
       </p:sp>
@@ -1667,20 +1814,16 @@
           <a:bodyPr/>
           <a:lstStyle/>
           <a:p>
-            <a:fld id="{EC4BB412-C92D-4F1C-8CD6-6F4F4237663E}" type="slidenum">
-              <a:rPr lang="en-IN" smtClean="0"/>
+            <a:fld id="{B6F15528-21DE-4FAA-801E-634DDDAF4B2B}" type="slidenum">
+              <a:rPr lang="en-US" smtClean="0"/>
+              <a:pPr/>
               <a:t>‹#›</a:t>
             </a:fld>
-            <a:endParaRPr lang="en-IN"/>
+            <a:endParaRPr lang="en-US"/>
           </a:p>
         </p:txBody>
       </p:sp>
     </p:spTree>
-    <p:extLst>
-      <p:ext uri="{BB962C8B-B14F-4D97-AF65-F5344CB8AC3E}">
-        <p14:creationId xmlns:p14="http://schemas.microsoft.com/office/powerpoint/2010/main" val="119048238"/>
-      </p:ext>
-    </p:extLst>
   </p:cSld>
   <p:clrMapOvr>
     <a:masterClrMapping/>
@@ -1724,7 +1867,6 @@
               <a:rPr lang="en-US"/>
               <a:t>Click to edit Master title style</a:t>
             </a:r>
-            <a:endParaRPr lang="en-US" dirty="0"/>
           </a:p>
         </p:txBody>
       </p:sp>
@@ -1743,11 +1885,12 @@
           <a:bodyPr/>
           <a:lstStyle/>
           <a:p>
-            <a:fld id="{851C0E05-CD83-4F50-8310-1B8E117BF8A7}" type="datetimeFigureOut">
-              <a:rPr lang="en-IN" smtClean="0"/>
-              <a:t>03-03-2024</a:t>
+            <a:fld id="{1D8BD707-D9CF-40AE-B4C6-C98DA3205C09}" type="datetimeFigureOut">
+              <a:rPr lang="en-US" smtClean="0"/>
+              <a:pPr/>
+              <a:t>6/18/2024</a:t>
             </a:fld>
-            <a:endParaRPr lang="en-IN"/>
+            <a:endParaRPr lang="en-US"/>
           </a:p>
         </p:txBody>
       </p:sp>
@@ -1766,7 +1909,7 @@
           <a:bodyPr/>
           <a:lstStyle/>
           <a:p>
-            <a:endParaRPr lang="en-IN"/>
+            <a:endParaRPr lang="en-US"/>
           </a:p>
         </p:txBody>
       </p:sp>
@@ -1785,20 +1928,16 @@
           <a:bodyPr/>
           <a:lstStyle/>
           <a:p>
-            <a:fld id="{EC4BB412-C92D-4F1C-8CD6-6F4F4237663E}" type="slidenum">
-              <a:rPr lang="en-IN" smtClean="0"/>
+            <a:fld id="{B6F15528-21DE-4FAA-801E-634DDDAF4B2B}" type="slidenum">
+              <a:rPr lang="en-US" smtClean="0"/>
+              <a:pPr/>
               <a:t>‹#›</a:t>
             </a:fld>
-            <a:endParaRPr lang="en-IN"/>
+            <a:endParaRPr lang="en-US"/>
           </a:p>
         </p:txBody>
       </p:sp>
     </p:spTree>
-    <p:extLst>
-      <p:ext uri="{BB962C8B-B14F-4D97-AF65-F5344CB8AC3E}">
-        <p14:creationId xmlns:p14="http://schemas.microsoft.com/office/powerpoint/2010/main" val="3618162943"/>
-      </p:ext>
-    </p:extLst>
   </p:cSld>
   <p:clrMapOvr>
     <a:masterClrMapping/>
@@ -1838,11 +1977,12 @@
           <a:bodyPr/>
           <a:lstStyle/>
           <a:p>
-            <a:fld id="{851C0E05-CD83-4F50-8310-1B8E117BF8A7}" type="datetimeFigureOut">
-              <a:rPr lang="en-IN" smtClean="0"/>
-              <a:t>03-03-2024</a:t>
+            <a:fld id="{1D8BD707-D9CF-40AE-B4C6-C98DA3205C09}" type="datetimeFigureOut">
+              <a:rPr lang="en-US" smtClean="0"/>
+              <a:pPr/>
+              <a:t>6/18/2024</a:t>
             </a:fld>
-            <a:endParaRPr lang="en-IN"/>
+            <a:endParaRPr lang="en-US"/>
           </a:p>
         </p:txBody>
       </p:sp>
@@ -1861,7 +2001,7 @@
           <a:bodyPr/>
           <a:lstStyle/>
           <a:p>
-            <a:endParaRPr lang="en-IN"/>
+            <a:endParaRPr lang="en-US"/>
           </a:p>
         </p:txBody>
       </p:sp>
@@ -1880,20 +2020,16 @@
           <a:bodyPr/>
           <a:lstStyle/>
           <a:p>
-            <a:fld id="{EC4BB412-C92D-4F1C-8CD6-6F4F4237663E}" type="slidenum">
-              <a:rPr lang="en-IN" smtClean="0"/>
+            <a:fld id="{B6F15528-21DE-4FAA-801E-634DDDAF4B2B}" type="slidenum">
+              <a:rPr lang="en-US" smtClean="0"/>
+              <a:pPr/>
               <a:t>‹#›</a:t>
             </a:fld>
-            <a:endParaRPr lang="en-IN"/>
+            <a:endParaRPr lang="en-US"/>
           </a:p>
         </p:txBody>
       </p:sp>
     </p:spTree>
-    <p:extLst>
-      <p:ext uri="{BB962C8B-B14F-4D97-AF65-F5344CB8AC3E}">
-        <p14:creationId xmlns:p14="http://schemas.microsoft.com/office/powerpoint/2010/main" val="1414247525"/>
-      </p:ext>
-    </p:extLst>
   </p:cSld>
   <p:clrMapOvr>
     <a:masterClrMapping/>
@@ -1930,15 +2066,15 @@
         </p:nvSpPr>
         <p:spPr>
           <a:xfrm>
-            <a:off x="629841" y="457200"/>
-            <a:ext cx="2949178" cy="1600200"/>
+            <a:off x="457200" y="273050"/>
+            <a:ext cx="3008313" cy="1162050"/>
           </a:xfrm>
         </p:spPr>
         <p:txBody>
           <a:bodyPr anchor="b"/>
           <a:lstStyle>
-            <a:lvl1pPr>
-              <a:defRPr sz="3200"/>
+            <a:lvl1pPr algn="l">
+              <a:defRPr sz="2000" b="1"/>
             </a:lvl1pPr>
           </a:lstStyle>
           <a:p>
@@ -1946,7 +2082,6 @@
               <a:rPr lang="en-US"/>
               <a:t>Click to edit Master title style</a:t>
             </a:r>
-            <a:endParaRPr lang="en-US" dirty="0"/>
           </a:p>
         </p:txBody>
       </p:sp>
@@ -1962,8 +2097,8 @@
         </p:nvSpPr>
         <p:spPr>
           <a:xfrm>
-            <a:off x="3887391" y="987426"/>
-            <a:ext cx="4629150" cy="4873625"/>
+            <a:off x="3575050" y="273050"/>
+            <a:ext cx="5111750" cy="5853113"/>
           </a:xfrm>
         </p:spPr>
         <p:txBody>
@@ -2031,7 +2166,6 @@
               <a:rPr lang="en-US"/>
               <a:t>Fifth level</a:t>
             </a:r>
-            <a:endParaRPr lang="en-US" dirty="0"/>
           </a:p>
         </p:txBody>
       </p:sp>
@@ -2047,8 +2181,8 @@
         </p:nvSpPr>
         <p:spPr>
           <a:xfrm>
-            <a:off x="629841" y="2057400"/>
-            <a:ext cx="2949178" cy="3811588"/>
+            <a:off x="457200" y="1435100"/>
+            <a:ext cx="3008313" cy="4691063"/>
           </a:xfrm>
         </p:spPr>
         <p:txBody>
@@ -2056,39 +2190,39 @@
           <a:lstStyle>
             <a:lvl1pPr marL="0" indent="0">
               <a:buNone/>
-              <a:defRPr sz="1600"/>
+              <a:defRPr sz="1400"/>
             </a:lvl1pPr>
             <a:lvl2pPr marL="457200" indent="0">
               <a:buNone/>
-              <a:defRPr sz="1400"/>
+              <a:defRPr sz="1200"/>
             </a:lvl2pPr>
             <a:lvl3pPr marL="914400" indent="0">
               <a:buNone/>
-              <a:defRPr sz="1200"/>
+              <a:defRPr sz="1000"/>
             </a:lvl3pPr>
             <a:lvl4pPr marL="1371600" indent="0">
               <a:buNone/>
-              <a:defRPr sz="1000"/>
+              <a:defRPr sz="900"/>
             </a:lvl4pPr>
             <a:lvl5pPr marL="1828800" indent="0">
               <a:buNone/>
-              <a:defRPr sz="1000"/>
+              <a:defRPr sz="900"/>
             </a:lvl5pPr>
             <a:lvl6pPr marL="2286000" indent="0">
               <a:buNone/>
-              <a:defRPr sz="1000"/>
+              <a:defRPr sz="900"/>
             </a:lvl6pPr>
             <a:lvl7pPr marL="2743200" indent="0">
               <a:buNone/>
-              <a:defRPr sz="1000"/>
+              <a:defRPr sz="900"/>
             </a:lvl7pPr>
             <a:lvl8pPr marL="3200400" indent="0">
               <a:buNone/>
-              <a:defRPr sz="1000"/>
+              <a:defRPr sz="900"/>
             </a:lvl8pPr>
             <a:lvl9pPr marL="3657600" indent="0">
               <a:buNone/>
-              <a:defRPr sz="1000"/>
+              <a:defRPr sz="900"/>
             </a:lvl9pPr>
           </a:lstStyle>
           <a:p>
@@ -2115,11 +2249,12 @@
           <a:bodyPr/>
           <a:lstStyle/>
           <a:p>
-            <a:fld id="{851C0E05-CD83-4F50-8310-1B8E117BF8A7}" type="datetimeFigureOut">
-              <a:rPr lang="en-IN" smtClean="0"/>
-              <a:t>03-03-2024</a:t>
+            <a:fld id="{1D8BD707-D9CF-40AE-B4C6-C98DA3205C09}" type="datetimeFigureOut">
+              <a:rPr lang="en-US" smtClean="0"/>
+              <a:pPr/>
+              <a:t>6/18/2024</a:t>
             </a:fld>
-            <a:endParaRPr lang="en-IN"/>
+            <a:endParaRPr lang="en-US"/>
           </a:p>
         </p:txBody>
       </p:sp>
@@ -2138,7 +2273,7 @@
           <a:bodyPr/>
           <a:lstStyle/>
           <a:p>
-            <a:endParaRPr lang="en-IN"/>
+            <a:endParaRPr lang="en-US"/>
           </a:p>
         </p:txBody>
       </p:sp>
@@ -2157,20 +2292,16 @@
           <a:bodyPr/>
           <a:lstStyle/>
           <a:p>
-            <a:fld id="{EC4BB412-C92D-4F1C-8CD6-6F4F4237663E}" type="slidenum">
-              <a:rPr lang="en-IN" smtClean="0"/>
+            <a:fld id="{B6F15528-21DE-4FAA-801E-634DDDAF4B2B}" type="slidenum">
+              <a:rPr lang="en-US" smtClean="0"/>
+              <a:pPr/>
               <a:t>‹#›</a:t>
             </a:fld>
-            <a:endParaRPr lang="en-IN"/>
+            <a:endParaRPr lang="en-US"/>
           </a:p>
         </p:txBody>
       </p:sp>
     </p:spTree>
-    <p:extLst>
-      <p:ext uri="{BB962C8B-B14F-4D97-AF65-F5344CB8AC3E}">
-        <p14:creationId xmlns:p14="http://schemas.microsoft.com/office/powerpoint/2010/main" val="2819524032"/>
-      </p:ext>
-    </p:extLst>
   </p:cSld>
   <p:clrMapOvr>
     <a:masterClrMapping/>
@@ -2207,15 +2338,15 @@
         </p:nvSpPr>
         <p:spPr>
           <a:xfrm>
-            <a:off x="629841" y="457200"/>
-            <a:ext cx="2949178" cy="1600200"/>
+            <a:off x="1792288" y="4800600"/>
+            <a:ext cx="5486400" cy="566738"/>
           </a:xfrm>
         </p:spPr>
         <p:txBody>
           <a:bodyPr anchor="b"/>
           <a:lstStyle>
-            <a:lvl1pPr>
-              <a:defRPr sz="3200"/>
+            <a:lvl1pPr algn="l">
+              <a:defRPr sz="2000" b="1"/>
             </a:lvl1pPr>
           </a:lstStyle>
           <a:p>
@@ -2223,7 +2354,6 @@
               <a:rPr lang="en-US"/>
               <a:t>Click to edit Master title style</a:t>
             </a:r>
-            <a:endParaRPr lang="en-US" dirty="0"/>
           </a:p>
         </p:txBody>
       </p:sp>
@@ -2231,7 +2361,7 @@
         <p:nvSpPr>
           <p:cNvPr id="3" name="Picture Placeholder 2"/>
           <p:cNvSpPr>
-            <a:spLocks noGrp="1" noChangeAspect="1"/>
+            <a:spLocks noGrp="1"/>
           </p:cNvSpPr>
           <p:nvPr>
             <p:ph type="pic" idx="1"/>
@@ -2239,12 +2369,12 @@
         </p:nvSpPr>
         <p:spPr>
           <a:xfrm>
-            <a:off x="3887391" y="987426"/>
-            <a:ext cx="4629150" cy="4873625"/>
+            <a:off x="1792288" y="612775"/>
+            <a:ext cx="5486400" cy="4114800"/>
           </a:xfrm>
         </p:spPr>
         <p:txBody>
-          <a:bodyPr anchor="t"/>
+          <a:bodyPr/>
           <a:lstStyle>
             <a:lvl1pPr marL="0" indent="0">
               <a:buNone/>
@@ -2284,11 +2414,7 @@
             </a:lvl9pPr>
           </a:lstStyle>
           <a:p>
-            <a:r>
-              <a:rPr lang="en-US"/>
-              <a:t>Click icon to add picture</a:t>
-            </a:r>
-            <a:endParaRPr lang="en-US" dirty="0"/>
+            <a:endParaRPr lang="en-US"/>
           </a:p>
         </p:txBody>
       </p:sp>
@@ -2304,8 +2430,8 @@
         </p:nvSpPr>
         <p:spPr>
           <a:xfrm>
-            <a:off x="629841" y="2057400"/>
-            <a:ext cx="2949178" cy="3811588"/>
+            <a:off x="1792288" y="5367338"/>
+            <a:ext cx="5486400" cy="804862"/>
           </a:xfrm>
         </p:spPr>
         <p:txBody>
@@ -2313,39 +2439,39 @@
           <a:lstStyle>
             <a:lvl1pPr marL="0" indent="0">
               <a:buNone/>
-              <a:defRPr sz="1600"/>
+              <a:defRPr sz="1400"/>
             </a:lvl1pPr>
             <a:lvl2pPr marL="457200" indent="0">
               <a:buNone/>
-              <a:defRPr sz="1400"/>
+              <a:defRPr sz="1200"/>
             </a:lvl2pPr>
             <a:lvl3pPr marL="914400" indent="0">
               <a:buNone/>
-              <a:defRPr sz="1200"/>
+              <a:defRPr sz="1000"/>
             </a:lvl3pPr>
             <a:lvl4pPr marL="1371600" indent="0">
               <a:buNone/>
-              <a:defRPr sz="1000"/>
+              <a:defRPr sz="900"/>
             </a:lvl4pPr>
             <a:lvl5pPr marL="1828800" indent="0">
               <a:buNone/>
-              <a:defRPr sz="1000"/>
+              <a:defRPr sz="900"/>
             </a:lvl5pPr>
             <a:lvl6pPr marL="2286000" indent="0">
               <a:buNone/>
-              <a:defRPr sz="1000"/>
+              <a:defRPr sz="900"/>
             </a:lvl6pPr>
             <a:lvl7pPr marL="2743200" indent="0">
               <a:buNone/>
-              <a:defRPr sz="1000"/>
+              <a:defRPr sz="900"/>
             </a:lvl7pPr>
             <a:lvl8pPr marL="3200400" indent="0">
               <a:buNone/>
-              <a:defRPr sz="1000"/>
+              <a:defRPr sz="900"/>
             </a:lvl8pPr>
             <a:lvl9pPr marL="3657600" indent="0">
               <a:buNone/>
-              <a:defRPr sz="1000"/>
+              <a:defRPr sz="900"/>
             </a:lvl9pPr>
           </a:lstStyle>
           <a:p>
@@ -2372,11 +2498,12 @@
           <a:bodyPr/>
           <a:lstStyle/>
           <a:p>
-            <a:fld id="{851C0E05-CD83-4F50-8310-1B8E117BF8A7}" type="datetimeFigureOut">
-              <a:rPr lang="en-IN" smtClean="0"/>
-              <a:t>03-03-2024</a:t>
+            <a:fld id="{1D8BD707-D9CF-40AE-B4C6-C98DA3205C09}" type="datetimeFigureOut">
+              <a:rPr lang="en-US" smtClean="0"/>
+              <a:pPr/>
+              <a:t>6/18/2024</a:t>
             </a:fld>
-            <a:endParaRPr lang="en-IN"/>
+            <a:endParaRPr lang="en-US"/>
           </a:p>
         </p:txBody>
       </p:sp>
@@ -2395,7 +2522,7 @@
           <a:bodyPr/>
           <a:lstStyle/>
           <a:p>
-            <a:endParaRPr lang="en-IN"/>
+            <a:endParaRPr lang="en-US"/>
           </a:p>
         </p:txBody>
       </p:sp>
@@ -2414,20 +2541,16 @@
           <a:bodyPr/>
           <a:lstStyle/>
           <a:p>
-            <a:fld id="{EC4BB412-C92D-4F1C-8CD6-6F4F4237663E}" type="slidenum">
-              <a:rPr lang="en-IN" smtClean="0"/>
+            <a:fld id="{B6F15528-21DE-4FAA-801E-634DDDAF4B2B}" type="slidenum">
+              <a:rPr lang="en-US" smtClean="0"/>
+              <a:pPr/>
               <a:t>‹#›</a:t>
             </a:fld>
-            <a:endParaRPr lang="en-IN"/>
+            <a:endParaRPr lang="en-US"/>
           </a:p>
         </p:txBody>
       </p:sp>
     </p:spTree>
-    <p:extLst>
-      <p:ext uri="{BB962C8B-B14F-4D97-AF65-F5344CB8AC3E}">
-        <p14:creationId xmlns:p14="http://schemas.microsoft.com/office/powerpoint/2010/main" val="2958557090"/>
-      </p:ext>
-    </p:extLst>
   </p:cSld>
   <p:clrMapOvr>
     <a:masterClrMapping/>
@@ -2469,8 +2592,8 @@
         </p:nvSpPr>
         <p:spPr>
           <a:xfrm>
-            <a:off x="628650" y="365126"/>
-            <a:ext cx="7886700" cy="1325563"/>
+            <a:off x="457200" y="274638"/>
+            <a:ext cx="8229600" cy="1143000"/>
           </a:xfrm>
           <a:prstGeom prst="rect">
             <a:avLst/>
@@ -2486,7 +2609,6 @@
               <a:rPr lang="en-US"/>
               <a:t>Click to edit Master title style</a:t>
             </a:r>
-            <a:endParaRPr lang="en-US" dirty="0"/>
           </a:p>
         </p:txBody>
       </p:sp>
@@ -2502,8 +2624,8 @@
         </p:nvSpPr>
         <p:spPr>
           <a:xfrm>
-            <a:off x="628650" y="1825625"/>
-            <a:ext cx="7886700" cy="4351338"/>
+            <a:off x="457200" y="1600200"/>
+            <a:ext cx="8229600" cy="4525963"/>
           </a:xfrm>
           <a:prstGeom prst="rect">
             <a:avLst/>
@@ -2548,7 +2670,6 @@
               <a:rPr lang="en-US"/>
               <a:t>Fifth level</a:t>
             </a:r>
-            <a:endParaRPr lang="en-US" dirty="0"/>
           </a:p>
         </p:txBody>
       </p:sp>
@@ -2564,8 +2685,8 @@
         </p:nvSpPr>
         <p:spPr>
           <a:xfrm>
-            <a:off x="628650" y="6356351"/>
-            <a:ext cx="2057400" cy="365125"/>
+            <a:off x="457200" y="6356350"/>
+            <a:ext cx="2133600" cy="365125"/>
           </a:xfrm>
           <a:prstGeom prst="rect">
             <a:avLst/>
@@ -2585,11 +2706,12 @@
             </a:lvl1pPr>
           </a:lstStyle>
           <a:p>
-            <a:fld id="{851C0E05-CD83-4F50-8310-1B8E117BF8A7}" type="datetimeFigureOut">
-              <a:rPr lang="en-IN" smtClean="0"/>
-              <a:t>03-03-2024</a:t>
+            <a:fld id="{1D8BD707-D9CF-40AE-B4C6-C98DA3205C09}" type="datetimeFigureOut">
+              <a:rPr lang="en-US" smtClean="0"/>
+              <a:pPr/>
+              <a:t>6/18/2024</a:t>
             </a:fld>
-            <a:endParaRPr lang="en-IN"/>
+            <a:endParaRPr lang="en-US"/>
           </a:p>
         </p:txBody>
       </p:sp>
@@ -2605,8 +2727,8 @@
         </p:nvSpPr>
         <p:spPr>
           <a:xfrm>
-            <a:off x="3028950" y="6356351"/>
-            <a:ext cx="3086100" cy="365125"/>
+            <a:off x="3124200" y="6356350"/>
+            <a:ext cx="2895600" cy="365125"/>
           </a:xfrm>
           <a:prstGeom prst="rect">
             <a:avLst/>
@@ -2626,7 +2748,7 @@
             </a:lvl1pPr>
           </a:lstStyle>
           <a:p>
-            <a:endParaRPr lang="en-IN"/>
+            <a:endParaRPr lang="en-US"/>
           </a:p>
         </p:txBody>
       </p:sp>
@@ -2642,8 +2764,8 @@
         </p:nvSpPr>
         <p:spPr>
           <a:xfrm>
-            <a:off x="6457950" y="6356351"/>
-            <a:ext cx="2057400" cy="365125"/>
+            <a:off x="6553200" y="6356350"/>
+            <a:ext cx="2133600" cy="365125"/>
           </a:xfrm>
           <a:prstGeom prst="rect">
             <a:avLst/>
@@ -2663,41 +2785,34 @@
             </a:lvl1pPr>
           </a:lstStyle>
           <a:p>
-            <a:fld id="{EC4BB412-C92D-4F1C-8CD6-6F4F4237663E}" type="slidenum">
-              <a:rPr lang="en-IN" smtClean="0"/>
+            <a:fld id="{B6F15528-21DE-4FAA-801E-634DDDAF4B2B}" type="slidenum">
+              <a:rPr lang="en-US" smtClean="0"/>
+              <a:pPr/>
               <a:t>‹#›</a:t>
             </a:fld>
-            <a:endParaRPr lang="en-IN"/>
+            <a:endParaRPr lang="en-US"/>
           </a:p>
         </p:txBody>
       </p:sp>
     </p:spTree>
-    <p:extLst>
-      <p:ext uri="{BB962C8B-B14F-4D97-AF65-F5344CB8AC3E}">
-        <p14:creationId xmlns:p14="http://schemas.microsoft.com/office/powerpoint/2010/main" val="2549626403"/>
-      </p:ext>
-    </p:extLst>
   </p:cSld>
   <p:clrMap bg1="lt1" tx1="dk1" bg2="lt2" tx2="dk2" accent1="accent1" accent2="accent2" accent3="accent3" accent4="accent4" accent5="accent5" accent6="accent6" hlink="hlink" folHlink="folHlink"/>
   <p:sldLayoutIdLst>
-    <p:sldLayoutId id="2147483661" r:id="rId1"/>
-    <p:sldLayoutId id="2147483662" r:id="rId2"/>
-    <p:sldLayoutId id="2147483663" r:id="rId3"/>
-    <p:sldLayoutId id="2147483664" r:id="rId4"/>
-    <p:sldLayoutId id="2147483665" r:id="rId5"/>
-    <p:sldLayoutId id="2147483666" r:id="rId6"/>
-    <p:sldLayoutId id="2147483667" r:id="rId7"/>
-    <p:sldLayoutId id="2147483668" r:id="rId8"/>
-    <p:sldLayoutId id="2147483669" r:id="rId9"/>
-    <p:sldLayoutId id="2147483670" r:id="rId10"/>
-    <p:sldLayoutId id="2147483671" r:id="rId11"/>
+    <p:sldLayoutId id="2147483649" r:id="rId1"/>
+    <p:sldLayoutId id="2147483650" r:id="rId2"/>
+    <p:sldLayoutId id="2147483651" r:id="rId3"/>
+    <p:sldLayoutId id="2147483652" r:id="rId4"/>
+    <p:sldLayoutId id="2147483653" r:id="rId5"/>
+    <p:sldLayoutId id="2147483654" r:id="rId6"/>
+    <p:sldLayoutId id="2147483655" r:id="rId7"/>
+    <p:sldLayoutId id="2147483656" r:id="rId8"/>
+    <p:sldLayoutId id="2147483657" r:id="rId9"/>
+    <p:sldLayoutId id="2147483658" r:id="rId10"/>
+    <p:sldLayoutId id="2147483659" r:id="rId11"/>
   </p:sldLayoutIdLst>
   <p:txStyles>
     <p:titleStyle>
-      <a:lvl1pPr algn="l" defTabSz="914400" rtl="0" eaLnBrk="1" latinLnBrk="0" hangingPunct="1">
-        <a:lnSpc>
-          <a:spcPct val="90000"/>
-        </a:lnSpc>
+      <a:lvl1pPr algn="ctr" defTabSz="914400" rtl="0" eaLnBrk="1" latinLnBrk="0" hangingPunct="1">
         <a:spcBef>
           <a:spcPct val="0"/>
         </a:spcBef>
@@ -2713,15 +2828,27 @@
       </a:lvl1pPr>
     </p:titleStyle>
     <p:bodyStyle>
-      <a:lvl1pPr marL="228600" indent="-228600" algn="l" defTabSz="914400" rtl="0" eaLnBrk="1" latinLnBrk="0" hangingPunct="1">
-        <a:lnSpc>
-          <a:spcPct val="90000"/>
-        </a:lnSpc>
+      <a:lvl1pPr marL="342900" indent="-342900" algn="l" defTabSz="914400" rtl="0" eaLnBrk="1" latinLnBrk="0" hangingPunct="1">
         <a:spcBef>
-          <a:spcPts val="1000"/>
+          <a:spcPct val="20000"/>
         </a:spcBef>
-        <a:buFont typeface="Arial" panose="020B0604020202020204" pitchFamily="34" charset="0"/>
+        <a:buFont typeface="Arial" pitchFamily="34" charset="0"/>
         <a:buChar char="•"/>
+        <a:defRPr sz="3200" kern="1200">
+          <a:solidFill>
+            <a:schemeClr val="tx1"/>
+          </a:solidFill>
+          <a:latin typeface="+mn-lt"/>
+          <a:ea typeface="+mn-ea"/>
+          <a:cs typeface="+mn-cs"/>
+        </a:defRPr>
+      </a:lvl1pPr>
+      <a:lvl2pPr marL="742950" indent="-285750" algn="l" defTabSz="914400" rtl="0" eaLnBrk="1" latinLnBrk="0" hangingPunct="1">
+        <a:spcBef>
+          <a:spcPct val="20000"/>
+        </a:spcBef>
+        <a:buFont typeface="Arial" pitchFamily="34" charset="0"/>
+        <a:buChar char="–"/>
         <a:defRPr sz="2800" kern="1200">
           <a:solidFill>
             <a:schemeClr val="tx1"/>
@@ -2730,15 +2857,12 @@
           <a:ea typeface="+mn-ea"/>
           <a:cs typeface="+mn-cs"/>
         </a:defRPr>
-      </a:lvl1pPr>
-      <a:lvl2pPr marL="685800" indent="-228600" algn="l" defTabSz="914400" rtl="0" eaLnBrk="1" latinLnBrk="0" hangingPunct="1">
-        <a:lnSpc>
-          <a:spcPct val="90000"/>
-        </a:lnSpc>
+      </a:lvl2pPr>
+      <a:lvl3pPr marL="1143000" indent="-228600" algn="l" defTabSz="914400" rtl="0" eaLnBrk="1" latinLnBrk="0" hangingPunct="1">
         <a:spcBef>
-          <a:spcPts val="500"/>
+          <a:spcPct val="20000"/>
         </a:spcBef>
-        <a:buFont typeface="Arial" panose="020B0604020202020204" pitchFamily="34" charset="0"/>
+        <a:buFont typeface="Arial" pitchFamily="34" charset="0"/>
         <a:buChar char="•"/>
         <a:defRPr sz="2400" kern="1200">
           <a:solidFill>
@@ -2748,15 +2872,42 @@
           <a:ea typeface="+mn-ea"/>
           <a:cs typeface="+mn-cs"/>
         </a:defRPr>
-      </a:lvl2pPr>
-      <a:lvl3pPr marL="1143000" indent="-228600" algn="l" defTabSz="914400" rtl="0" eaLnBrk="1" latinLnBrk="0" hangingPunct="1">
-        <a:lnSpc>
-          <a:spcPct val="90000"/>
-        </a:lnSpc>
+      </a:lvl3pPr>
+      <a:lvl4pPr marL="1600200" indent="-228600" algn="l" defTabSz="914400" rtl="0" eaLnBrk="1" latinLnBrk="0" hangingPunct="1">
         <a:spcBef>
-          <a:spcPts val="500"/>
+          <a:spcPct val="20000"/>
         </a:spcBef>
-        <a:buFont typeface="Arial" panose="020B0604020202020204" pitchFamily="34" charset="0"/>
+        <a:buFont typeface="Arial" pitchFamily="34" charset="0"/>
+        <a:buChar char="–"/>
+        <a:defRPr sz="2000" kern="1200">
+          <a:solidFill>
+            <a:schemeClr val="tx1"/>
+          </a:solidFill>
+          <a:latin typeface="+mn-lt"/>
+          <a:ea typeface="+mn-ea"/>
+          <a:cs typeface="+mn-cs"/>
+        </a:defRPr>
+      </a:lvl4pPr>
+      <a:lvl5pPr marL="2057400" indent="-228600" algn="l" defTabSz="914400" rtl="0" eaLnBrk="1" latinLnBrk="0" hangingPunct="1">
+        <a:spcBef>
+          <a:spcPct val="20000"/>
+        </a:spcBef>
+        <a:buFont typeface="Arial" pitchFamily="34" charset="0"/>
+        <a:buChar char="»"/>
+        <a:defRPr sz="2000" kern="1200">
+          <a:solidFill>
+            <a:schemeClr val="tx1"/>
+          </a:solidFill>
+          <a:latin typeface="+mn-lt"/>
+          <a:ea typeface="+mn-ea"/>
+          <a:cs typeface="+mn-cs"/>
+        </a:defRPr>
+      </a:lvl5pPr>
+      <a:lvl6pPr marL="2514600" indent="-228600" algn="l" defTabSz="914400" rtl="0" eaLnBrk="1" latinLnBrk="0" hangingPunct="1">
+        <a:spcBef>
+          <a:spcPct val="20000"/>
+        </a:spcBef>
+        <a:buFont typeface="Arial" pitchFamily="34" charset="0"/>
         <a:buChar char="•"/>
         <a:defRPr sz="2000" kern="1200">
           <a:solidFill>
@@ -2766,71 +2917,14 @@
           <a:ea typeface="+mn-ea"/>
           <a:cs typeface="+mn-cs"/>
         </a:defRPr>
-      </a:lvl3pPr>
-      <a:lvl4pPr marL="1600200" indent="-228600" algn="l" defTabSz="914400" rtl="0" eaLnBrk="1" latinLnBrk="0" hangingPunct="1">
-        <a:lnSpc>
-          <a:spcPct val="90000"/>
-        </a:lnSpc>
-        <a:spcBef>
-          <a:spcPts val="500"/>
-        </a:spcBef>
-        <a:buFont typeface="Arial" panose="020B0604020202020204" pitchFamily="34" charset="0"/>
-        <a:buChar char="•"/>
-        <a:defRPr sz="1800" kern="1200">
-          <a:solidFill>
-            <a:schemeClr val="tx1"/>
-          </a:solidFill>
-          <a:latin typeface="+mn-lt"/>
-          <a:ea typeface="+mn-ea"/>
-          <a:cs typeface="+mn-cs"/>
-        </a:defRPr>
-      </a:lvl4pPr>
-      <a:lvl5pPr marL="2057400" indent="-228600" algn="l" defTabSz="914400" rtl="0" eaLnBrk="1" latinLnBrk="0" hangingPunct="1">
-        <a:lnSpc>
-          <a:spcPct val="90000"/>
-        </a:lnSpc>
-        <a:spcBef>
-          <a:spcPts val="500"/>
-        </a:spcBef>
-        <a:buFont typeface="Arial" panose="020B0604020202020204" pitchFamily="34" charset="0"/>
-        <a:buChar char="•"/>
-        <a:defRPr sz="1800" kern="1200">
-          <a:solidFill>
-            <a:schemeClr val="tx1"/>
-          </a:solidFill>
-          <a:latin typeface="+mn-lt"/>
-          <a:ea typeface="+mn-ea"/>
-          <a:cs typeface="+mn-cs"/>
-        </a:defRPr>
-      </a:lvl5pPr>
-      <a:lvl6pPr marL="2514600" indent="-228600" algn="l" defTabSz="914400" rtl="0" eaLnBrk="1" latinLnBrk="0" hangingPunct="1">
-        <a:lnSpc>
-          <a:spcPct val="90000"/>
-        </a:lnSpc>
-        <a:spcBef>
-          <a:spcPts val="500"/>
-        </a:spcBef>
-        <a:buFont typeface="Arial" panose="020B0604020202020204" pitchFamily="34" charset="0"/>
-        <a:buChar char="•"/>
-        <a:defRPr sz="1800" kern="1200">
-          <a:solidFill>
-            <a:schemeClr val="tx1"/>
-          </a:solidFill>
-          <a:latin typeface="+mn-lt"/>
-          <a:ea typeface="+mn-ea"/>
-          <a:cs typeface="+mn-cs"/>
-        </a:defRPr>
       </a:lvl6pPr>
       <a:lvl7pPr marL="2971800" indent="-228600" algn="l" defTabSz="914400" rtl="0" eaLnBrk="1" latinLnBrk="0" hangingPunct="1">
-        <a:lnSpc>
-          <a:spcPct val="90000"/>
-        </a:lnSpc>
         <a:spcBef>
-          <a:spcPts val="500"/>
+          <a:spcPct val="20000"/>
         </a:spcBef>
-        <a:buFont typeface="Arial" panose="020B0604020202020204" pitchFamily="34" charset="0"/>
+        <a:buFont typeface="Arial" pitchFamily="34" charset="0"/>
         <a:buChar char="•"/>
-        <a:defRPr sz="1800" kern="1200">
+        <a:defRPr sz="2000" kern="1200">
           <a:solidFill>
             <a:schemeClr val="tx1"/>
           </a:solidFill>
@@ -2840,15 +2934,12 @@
         </a:defRPr>
       </a:lvl7pPr>
       <a:lvl8pPr marL="3429000" indent="-228600" algn="l" defTabSz="914400" rtl="0" eaLnBrk="1" latinLnBrk="0" hangingPunct="1">
-        <a:lnSpc>
-          <a:spcPct val="90000"/>
-        </a:lnSpc>
         <a:spcBef>
-          <a:spcPts val="500"/>
+          <a:spcPct val="20000"/>
         </a:spcBef>
-        <a:buFont typeface="Arial" panose="020B0604020202020204" pitchFamily="34" charset="0"/>
+        <a:buFont typeface="Arial" pitchFamily="34" charset="0"/>
         <a:buChar char="•"/>
-        <a:defRPr sz="1800" kern="1200">
+        <a:defRPr sz="2000" kern="1200">
           <a:solidFill>
             <a:schemeClr val="tx1"/>
           </a:solidFill>
@@ -2858,15 +2949,12 @@
         </a:defRPr>
       </a:lvl8pPr>
       <a:lvl9pPr marL="3886200" indent="-228600" algn="l" defTabSz="914400" rtl="0" eaLnBrk="1" latinLnBrk="0" hangingPunct="1">
-        <a:lnSpc>
-          <a:spcPct val="90000"/>
-        </a:lnSpc>
         <a:spcBef>
-          <a:spcPts val="500"/>
+          <a:spcPct val="20000"/>
         </a:spcBef>
-        <a:buFont typeface="Arial" panose="020B0604020202020204" pitchFamily="34" charset="0"/>
+        <a:buFont typeface="Arial" pitchFamily="34" charset="0"/>
         <a:buChar char="•"/>
-        <a:defRPr sz="1800" kern="1200">
+        <a:defRPr sz="2000" kern="1200">
           <a:solidFill>
             <a:schemeClr val="tx1"/>
           </a:solidFill>
@@ -2994,13 +3082,7 @@
       </p:grpSpPr>
       <p:sp>
         <p:nvSpPr>
-          <p:cNvPr id="2" name="Title 1">
-            <a:extLst>
-              <a:ext uri="{FF2B5EF4-FFF2-40B4-BE49-F238E27FC236}">
-                <a16:creationId xmlns:a16="http://schemas.microsoft.com/office/drawing/2014/main" id="{9A024662-010E-0BAE-C10A-DF6170686D61}"/>
-              </a:ext>
-            </a:extLst>
-          </p:cNvPr>
+          <p:cNvPr id="2" name="Title 1"/>
           <p:cNvSpPr>
             <a:spLocks noGrp="1"/>
           </p:cNvSpPr>
@@ -3008,71 +3090,77 @@
             <p:ph type="ctrTitle"/>
           </p:nvPr>
         </p:nvSpPr>
-        <p:spPr/>
-        <p:txBody>
-          <a:bodyPr/>
-          <a:lstStyle/>
+        <p:spPr>
+          <a:xfrm>
+            <a:off x="533400" y="2130425"/>
+            <a:ext cx="8077200" cy="1470025"/>
+          </a:xfrm>
+        </p:spPr>
+        <p:txBody>
+          <a:bodyPr/>
+          <a:lstStyle/>
+          <a:p>
+            <a:r>
+              <a:rPr lang="en-US" dirty="0" smtClean="0"/>
+              <a:t>Knowledge Distillation</a:t>
+            </a:r>
+            <a:endParaRPr lang="en-US" dirty="0"/>
+          </a:p>
+        </p:txBody>
+      </p:sp>
+      <p:sp>
+        <p:nvSpPr>
+          <p:cNvPr id="3" name="Subtitle 2"/>
+          <p:cNvSpPr>
+            <a:spLocks noGrp="1"/>
+          </p:cNvSpPr>
+          <p:nvPr>
+            <p:ph type="subTitle" idx="1"/>
+          </p:nvPr>
+        </p:nvSpPr>
+        <p:spPr/>
+        <p:txBody>
+          <a:bodyPr>
+            <a:normAutofit fontScale="92500"/>
+          </a:bodyPr>
+          <a:lstStyle/>
+          <a:p>
+            <a:r>
+              <a:rPr lang="en-US" smtClean="0"/>
+              <a:t>Pritam </a:t>
+            </a:r>
+            <a:r>
+              <a:rPr lang="en-US" dirty="0"/>
+              <a:t>Prakash Shete</a:t>
+            </a:r>
+          </a:p>
+          <a:p>
+            <a:r>
+              <a:rPr lang="en-US" dirty="0"/>
+              <a:t>Bhabha Atomic Research Centre &amp; </a:t>
+            </a:r>
+          </a:p>
           <a:p>
             <a:r>
               <a:rPr lang="en-IN" dirty="0"/>
-              <a:t>Knowledge Distillation</a:t>
-            </a:r>
-          </a:p>
-        </p:txBody>
-      </p:sp>
-      <p:sp>
-        <p:nvSpPr>
-          <p:cNvPr id="3" name="Subtitle 2">
-            <a:extLst>
-              <a:ext uri="{FF2B5EF4-FFF2-40B4-BE49-F238E27FC236}">
-                <a16:creationId xmlns:a16="http://schemas.microsoft.com/office/drawing/2014/main" id="{398BC08E-1DBB-9B25-9411-51433F52F888}"/>
-              </a:ext>
-            </a:extLst>
-          </p:cNvPr>
-          <p:cNvSpPr>
-            <a:spLocks noGrp="1"/>
-          </p:cNvSpPr>
-          <p:nvPr>
-            <p:ph type="subTitle" idx="1"/>
-          </p:nvPr>
-        </p:nvSpPr>
-        <p:spPr/>
-        <p:txBody>
-          <a:bodyPr/>
-          <a:lstStyle/>
-          <a:p>
-            <a:r>
-              <a:rPr lang="en-US" dirty="0"/>
-              <a:t>Pritam Prakash Shete</a:t>
-            </a:r>
-          </a:p>
-          <a:p>
-            <a:r>
-              <a:rPr lang="en-US" dirty="0"/>
-              <a:t>Computer Division, BARC </a:t>
-            </a:r>
-          </a:p>
-          <a:p>
-            <a:r>
-              <a:rPr lang="en-US" dirty="0"/>
               <a:t>Centre for Excellence in Basic Sciences</a:t>
             </a:r>
-          </a:p>
-          <a:p>
-            <a:endParaRPr lang="en-IN" dirty="0"/>
+            <a:endParaRPr lang="en-US" dirty="0"/>
           </a:p>
         </p:txBody>
       </p:sp>
     </p:spTree>
-    <p:extLst>
-      <p:ext uri="{BB962C8B-B14F-4D97-AF65-F5344CB8AC3E}">
-        <p14:creationId xmlns:p14="http://schemas.microsoft.com/office/powerpoint/2010/main" val="3681568088"/>
-      </p:ext>
-    </p:extLst>
   </p:cSld>
   <p:clrMapOvr>
     <a:masterClrMapping/>
   </p:clrMapOvr>
+  <p:timing>
+    <p:tnLst>
+      <p:par>
+        <p:cTn id="1" dur="indefinite" restart="never" nodeType="tmRoot"/>
+      </p:par>
+    </p:tnLst>
+  </p:timing>
 </p:sld>
 </file>
 
@@ -3081,13 +3169,7 @@
   <p:cSld>
     <p:spTree>
       <p:nvGrpSpPr>
-        <p:cNvPr id="1" name="">
-          <a:extLst>
-            <a:ext uri="{FF2B5EF4-FFF2-40B4-BE49-F238E27FC236}">
-              <a16:creationId xmlns:a16="http://schemas.microsoft.com/office/drawing/2014/main" id="{908B4868-C3B8-A53D-7B6A-A08A2DE41220}"/>
-            </a:ext>
-          </a:extLst>
-        </p:cNvPr>
+        <p:cNvPr id="1" name=""/>
         <p:cNvGrpSpPr/>
         <p:nvPr/>
       </p:nvGrpSpPr>
@@ -3101,13 +3183,7 @@
       </p:grpSpPr>
       <p:sp>
         <p:nvSpPr>
-          <p:cNvPr id="2" name="Title 1">
-            <a:extLst>
-              <a:ext uri="{FF2B5EF4-FFF2-40B4-BE49-F238E27FC236}">
-                <a16:creationId xmlns:a16="http://schemas.microsoft.com/office/drawing/2014/main" id="{3551BCFE-FAB7-72AA-1ABE-11EB4B80F7A0}"/>
-              </a:ext>
-            </a:extLst>
-          </p:cNvPr>
+          <p:cNvPr id="2" name="Title 1"/>
           <p:cNvSpPr>
             <a:spLocks noGrp="1"/>
           </p:cNvSpPr>
@@ -3120,10 +3196,9 @@
           <a:bodyPr/>
           <a:lstStyle/>
           <a:p>
-            <a:pPr algn="ctr"/>
-            <a:r>
-              <a:rPr lang="en-US" dirty="0"/>
-              <a:t>Response Based Knowledge</a:t>
+            <a:r>
+              <a:rPr lang="en-IN" dirty="0" smtClean="0"/>
+              <a:t>Knowledge Distillation – How ?</a:t>
             </a:r>
             <a:endParaRPr lang="en-IN" dirty="0"/>
           </a:p>
@@ -3131,13 +3206,7 @@
       </p:sp>
       <p:sp>
         <p:nvSpPr>
-          <p:cNvPr id="3" name="Content Placeholder 2">
-            <a:extLst>
-              <a:ext uri="{FF2B5EF4-FFF2-40B4-BE49-F238E27FC236}">
-                <a16:creationId xmlns:a16="http://schemas.microsoft.com/office/drawing/2014/main" id="{86AA29E7-433F-4977-3498-8E5A51D926B8}"/>
-              </a:ext>
-            </a:extLst>
-          </p:cNvPr>
+          <p:cNvPr id="3" name="Content Placeholder 2"/>
           <p:cNvSpPr>
             <a:spLocks noGrp="1"/>
           </p:cNvSpPr>
@@ -3147,22 +3216,89 @@
         </p:nvSpPr>
         <p:spPr/>
         <p:txBody>
-          <a:bodyPr/>
-          <a:lstStyle/>
-          <a:p>
-            <a:r>
-              <a:rPr lang="en-IN" dirty="0"/>
-              <a:t>Distillation loss</a:t>
-            </a:r>
+          <a:bodyPr>
+            <a:normAutofit/>
+          </a:bodyPr>
+          <a:lstStyle/>
+          <a:p>
+            <a:r>
+              <a:rPr lang="en-IN" dirty="0" smtClean="0"/>
+              <a:t>Training example </a:t>
+            </a:r>
+            <a:endParaRPr lang="en-IN" dirty="0" smtClean="0"/>
+          </a:p>
+          <a:p>
+            <a:pPr lvl="1"/>
+            <a:r>
+              <a:rPr lang="en-IN" dirty="0" smtClean="0"/>
+              <a:t>Multiple </a:t>
+            </a:r>
+            <a:r>
+              <a:rPr lang="en-IN" dirty="0" smtClean="0"/>
+              <a:t>soft targets </a:t>
+            </a:r>
+          </a:p>
+          <a:p>
+            <a:r>
+              <a:rPr lang="en-IN" dirty="0" smtClean="0"/>
+              <a:t>Distillation loss </a:t>
+            </a:r>
+            <a:endParaRPr lang="en-IN" dirty="0" smtClean="0"/>
+          </a:p>
+          <a:p>
+            <a:pPr lvl="1"/>
+            <a:r>
+              <a:rPr lang="en-IN" dirty="0" smtClean="0"/>
+              <a:t>Difference </a:t>
+            </a:r>
+            <a:r>
+              <a:rPr lang="en-IN" dirty="0" smtClean="0"/>
+              <a:t>between</a:t>
+            </a:r>
+          </a:p>
+          <a:p>
+            <a:pPr lvl="1"/>
+            <a:r>
+              <a:rPr lang="en-IN" dirty="0" smtClean="0"/>
+              <a:t>Probability distribution of teacher’s soft targets </a:t>
+            </a:r>
+          </a:p>
+          <a:p>
+            <a:pPr lvl="1"/>
+            <a:r>
+              <a:rPr lang="en-IN" dirty="0" smtClean="0"/>
+              <a:t>Probability distribution of student’s predictions</a:t>
+            </a:r>
+          </a:p>
+          <a:p>
+            <a:pPr lvl="1"/>
+            <a:r>
+              <a:rPr lang="en-IN" dirty="0" err="1" smtClean="0"/>
+              <a:t>Kullback</a:t>
+            </a:r>
+            <a:r>
+              <a:rPr lang="en-IN" dirty="0" smtClean="0"/>
+              <a:t> – </a:t>
+            </a:r>
+            <a:r>
+              <a:rPr lang="en-IN" dirty="0" err="1" smtClean="0"/>
+              <a:t>Leibler</a:t>
+            </a:r>
+            <a:r>
+              <a:rPr lang="en-IN" dirty="0" smtClean="0"/>
+              <a:t> divergence – KL divergence</a:t>
+            </a:r>
+          </a:p>
+          <a:p>
+            <a:pPr lvl="1"/>
+            <a:endParaRPr lang="en-IN" dirty="0" smtClean="0"/>
+          </a:p>
+          <a:p>
+            <a:endParaRPr lang="en-IN" dirty="0"/>
           </a:p>
         </p:txBody>
       </p:sp>
     </p:spTree>
-    <p:extLst>
-      <p:ext uri="{BB962C8B-B14F-4D97-AF65-F5344CB8AC3E}">
-        <p14:creationId xmlns:p14="http://schemas.microsoft.com/office/powerpoint/2010/main" val="3204246657"/>
-      </p:ext>
-    </p:extLst>
   </p:cSld>
   <p:clrMapOvr>
     <a:masterClrMapping/>
@@ -3189,13 +3325,7 @@
       </p:grpSpPr>
       <p:sp>
         <p:nvSpPr>
-          <p:cNvPr id="2" name="Title 1">
-            <a:extLst>
-              <a:ext uri="{FF2B5EF4-FFF2-40B4-BE49-F238E27FC236}">
-                <a16:creationId xmlns:a16="http://schemas.microsoft.com/office/drawing/2014/main" id="{57258406-9468-FDD7-B1D9-F23F0F8F6226}"/>
-              </a:ext>
-            </a:extLst>
-          </p:cNvPr>
+          <p:cNvPr id="2" name="Title 1"/>
           <p:cNvSpPr>
             <a:spLocks noGrp="1"/>
           </p:cNvSpPr>
@@ -3208,21 +3338,50 @@
           <a:bodyPr/>
           <a:lstStyle/>
           <a:p>
-            <a:pPr algn="ctr"/>
-            <a:r>
-              <a:rPr lang="en-US" dirty="0"/>
-              <a:t>Feature Based Knowledge</a:t>
+            <a:r>
+              <a:rPr lang="en-IN" dirty="0" smtClean="0"/>
+              <a:t>Knowledge Distillation – Types</a:t>
             </a:r>
             <a:endParaRPr lang="en-IN" dirty="0"/>
           </a:p>
         </p:txBody>
       </p:sp>
+      <p:sp>
+        <p:nvSpPr>
+          <p:cNvPr id="3" name="Content Placeholder 2"/>
+          <p:cNvSpPr>
+            <a:spLocks noGrp="1"/>
+          </p:cNvSpPr>
+          <p:nvPr>
+            <p:ph idx="1"/>
+          </p:nvPr>
+        </p:nvSpPr>
+        <p:spPr/>
+        <p:txBody>
+          <a:bodyPr/>
+          <a:lstStyle/>
+          <a:p>
+            <a:r>
+              <a:rPr lang="en-IN" dirty="0" smtClean="0"/>
+              <a:t>Response based knowledge distillation </a:t>
+            </a:r>
+          </a:p>
+          <a:p>
+            <a:r>
+              <a:rPr lang="en-IN" dirty="0" smtClean="0"/>
+              <a:t>Feature based knowledge distillation </a:t>
+            </a:r>
+          </a:p>
+          <a:p>
+            <a:r>
+              <a:rPr lang="en-IN" dirty="0" smtClean="0"/>
+              <a:t>Relation based knowledge distillation </a:t>
+            </a:r>
+            <a:endParaRPr lang="en-IN" dirty="0"/>
+          </a:p>
+        </p:txBody>
+      </p:sp>
     </p:spTree>
-    <p:extLst>
-      <p:ext uri="{BB962C8B-B14F-4D97-AF65-F5344CB8AC3E}">
-        <p14:creationId xmlns:p14="http://schemas.microsoft.com/office/powerpoint/2010/main" val="3087374087"/>
-      </p:ext>
-    </p:extLst>
   </p:cSld>
   <p:clrMapOvr>
     <a:masterClrMapping/>
@@ -3235,13 +3394,7 @@
   <p:cSld>
     <p:spTree>
       <p:nvGrpSpPr>
-        <p:cNvPr id="1" name="">
-          <a:extLst>
-            <a:ext uri="{FF2B5EF4-FFF2-40B4-BE49-F238E27FC236}">
-              <a16:creationId xmlns:a16="http://schemas.microsoft.com/office/drawing/2014/main" id="{FEA98F7D-CF1A-631A-B3D8-6FB2120F721A}"/>
-            </a:ext>
-          </a:extLst>
-        </p:cNvPr>
+        <p:cNvPr id="1" name=""/>
         <p:cNvGrpSpPr/>
         <p:nvPr/>
       </p:nvGrpSpPr>
@@ -3255,65 +3408,127 @@
       </p:grpSpPr>
       <p:sp>
         <p:nvSpPr>
-          <p:cNvPr id="2" name="Title 1">
+          <p:cNvPr id="2" name="Title 1"/>
+          <p:cNvSpPr>
+            <a:spLocks noGrp="1"/>
+          </p:cNvSpPr>
+          <p:nvPr>
+            <p:ph type="title"/>
+          </p:nvPr>
+        </p:nvSpPr>
+        <p:spPr/>
+        <p:txBody>
+          <a:bodyPr/>
+          <a:lstStyle/>
+          <a:p>
+            <a:r>
+              <a:rPr lang="en-IN" dirty="0" smtClean="0"/>
+              <a:t>Knowledge Distillation – Types</a:t>
+            </a:r>
+            <a:endParaRPr lang="en-IN" dirty="0"/>
+          </a:p>
+        </p:txBody>
+      </p:sp>
+      <p:pic>
+        <p:nvPicPr>
+          <p:cNvPr id="4" name="Picture 3">
             <a:extLst>
               <a:ext uri="{FF2B5EF4-FFF2-40B4-BE49-F238E27FC236}">
-                <a16:creationId xmlns:a16="http://schemas.microsoft.com/office/drawing/2014/main" id="{3830649E-9646-AD01-E8F6-1ECF852ADAA9}"/>
+                <a16:creationId xmlns="" xmlns:a16="http://schemas.microsoft.com/office/drawing/2014/main" id="{1E02C501-6AC6-9987-EEB6-656E67CEC2F8}"/>
               </a:ext>
             </a:extLst>
           </p:cNvPr>
-          <p:cNvSpPr>
-            <a:spLocks noGrp="1"/>
-          </p:cNvSpPr>
-          <p:nvPr>
-            <p:ph type="title"/>
-          </p:nvPr>
-        </p:nvSpPr>
-        <p:spPr/>
-        <p:txBody>
-          <a:bodyPr/>
-          <a:lstStyle/>
-          <a:p>
-            <a:pPr algn="ctr"/>
-            <a:r>
-              <a:rPr lang="en-US" dirty="0"/>
-              <a:t>Feature Based Knowledge</a:t>
-            </a:r>
-            <a:endParaRPr lang="en-IN" dirty="0"/>
-          </a:p>
-        </p:txBody>
-      </p:sp>
-      <p:sp>
-        <p:nvSpPr>
-          <p:cNvPr id="3" name="Content Placeholder 2">
+          <p:cNvPicPr>
+            <a:picLocks noChangeAspect="1"/>
+          </p:cNvPicPr>
+          <p:nvPr/>
+        </p:nvPicPr>
+        <p:blipFill>
+          <a:blip r:embed="rId2">
             <a:extLst>
-              <a:ext uri="{FF2B5EF4-FFF2-40B4-BE49-F238E27FC236}">
-                <a16:creationId xmlns:a16="http://schemas.microsoft.com/office/drawing/2014/main" id="{77936743-9DCA-A26B-2DEC-224035234699}"/>
+              <a:ext uri="{28A0092B-C50C-407E-A947-70E740481C1C}">
+                <a14:useLocalDpi xmlns="" xmlns:a14="http://schemas.microsoft.com/office/drawing/2010/main" val="0"/>
               </a:ext>
             </a:extLst>
-          </p:cNvPr>
-          <p:cNvSpPr>
-            <a:spLocks noGrp="1"/>
-          </p:cNvSpPr>
-          <p:nvPr>
-            <p:ph idx="1"/>
-          </p:nvPr>
-        </p:nvSpPr>
-        <p:spPr/>
-        <p:txBody>
-          <a:bodyPr/>
-          <a:lstStyle/>
-          <a:p>
-            <a:endParaRPr lang="en-IN"/>
+          </a:blip>
+          <a:stretch>
+            <a:fillRect/>
+          </a:stretch>
+        </p:blipFill>
+        <p:spPr>
+          <a:xfrm>
+            <a:off x="891820" y="1686249"/>
+            <a:ext cx="7466747" cy="4897831"/>
+          </a:xfrm>
+          <a:prstGeom prst="rect">
+            <a:avLst/>
+          </a:prstGeom>
+        </p:spPr>
+      </p:pic>
+      <p:sp>
+        <p:nvSpPr>
+          <p:cNvPr id="5" name="Text Box 10"/>
+          <p:cNvSpPr txBox="1">
+            <a:spLocks noChangeArrowheads="1"/>
+          </p:cNvSpPr>
+          <p:nvPr/>
+        </p:nvSpPr>
+        <p:spPr bwMode="auto">
+          <a:xfrm rot="10800000" flipV="1">
+            <a:off x="0" y="6519446"/>
+            <a:ext cx="1828800" cy="338554"/>
+          </a:xfrm>
+          <a:prstGeom prst="rect">
+            <a:avLst/>
+          </a:prstGeom>
+          <a:noFill/>
+          <a:ln w="9525">
+            <a:noFill/>
+            <a:miter lim="800000"/>
+            <a:headEnd/>
+            <a:tailEnd/>
+          </a:ln>
+          <a:effectLst/>
+        </p:spPr>
+        <p:txBody>
+          <a:bodyPr wrap="square">
+            <a:spAutoFit/>
+          </a:bodyPr>
+          <a:lstStyle/>
+          <a:p>
+            <a:pPr>
+              <a:spcBef>
+                <a:spcPct val="50000"/>
+              </a:spcBef>
+            </a:pPr>
+            <a:r>
+              <a:rPr lang="en-US" sz="1600" b="1" dirty="0">
+                <a:solidFill>
+                  <a:srgbClr val="FF0000"/>
+                </a:solidFill>
+              </a:rPr>
+              <a:t>Image </a:t>
+            </a:r>
+            <a:r>
+              <a:rPr lang="en-US" sz="1600" b="1" dirty="0" err="1">
+                <a:solidFill>
+                  <a:srgbClr val="FF0000"/>
+                </a:solidFill>
+              </a:rPr>
+              <a:t>ack</a:t>
+            </a:r>
+            <a:r>
+              <a:rPr lang="en-US" sz="1600" b="1" dirty="0">
+                <a:solidFill>
+                  <a:srgbClr val="FF0000"/>
+                </a:solidFill>
+              </a:rPr>
+              <a:t> – Google</a:t>
+            </a:r>
           </a:p>
         </p:txBody>
       </p:sp>
     </p:spTree>
-    <p:extLst>
-      <p:ext uri="{BB962C8B-B14F-4D97-AF65-F5344CB8AC3E}">
-        <p14:creationId xmlns:p14="http://schemas.microsoft.com/office/powerpoint/2010/main" val="1247641944"/>
-      </p:ext>
-    </p:extLst>
   </p:cSld>
   <p:clrMapOvr>
     <a:masterClrMapping/>
@@ -3340,13 +3555,7 @@
       </p:grpSpPr>
       <p:sp>
         <p:nvSpPr>
-          <p:cNvPr id="2" name="Title 1">
-            <a:extLst>
-              <a:ext uri="{FF2B5EF4-FFF2-40B4-BE49-F238E27FC236}">
-                <a16:creationId xmlns:a16="http://schemas.microsoft.com/office/drawing/2014/main" id="{C849E512-F5CB-198E-13AF-8BAD7D534644}"/>
-              </a:ext>
-            </a:extLst>
-          </p:cNvPr>
+          <p:cNvPr id="2" name="Title 1"/>
           <p:cNvSpPr>
             <a:spLocks noGrp="1"/>
           </p:cNvSpPr>
@@ -3356,24 +3565,106 @@
         </p:nvSpPr>
         <p:spPr/>
         <p:txBody>
-          <a:bodyPr/>
-          <a:lstStyle/>
-          <a:p>
-            <a:pPr algn="ctr"/>
-            <a:r>
-              <a:rPr lang="en-US" dirty="0"/>
-              <a:t>Relation Based Knowledge</a:t>
+          <a:bodyPr>
+            <a:normAutofit fontScale="90000"/>
+          </a:bodyPr>
+          <a:lstStyle/>
+          <a:p>
+            <a:r>
+              <a:rPr lang="en-IN" dirty="0" smtClean="0"/>
+              <a:t>Response Based Knowledge Distillation </a:t>
             </a:r>
             <a:endParaRPr lang="en-IN" dirty="0"/>
           </a:p>
         </p:txBody>
       </p:sp>
+      <p:sp>
+        <p:nvSpPr>
+          <p:cNvPr id="3" name="Content Placeholder 2"/>
+          <p:cNvSpPr>
+            <a:spLocks noGrp="1"/>
+          </p:cNvSpPr>
+          <p:nvPr>
+            <p:ph idx="1"/>
+          </p:nvPr>
+        </p:nvSpPr>
+        <p:spPr/>
+        <p:txBody>
+          <a:bodyPr>
+            <a:normAutofit lnSpcReduction="10000"/>
+          </a:bodyPr>
+          <a:lstStyle/>
+          <a:p>
+            <a:r>
+              <a:rPr lang="en-IN" dirty="0" smtClean="0"/>
+              <a:t>Teacher model predictions – Soft targets</a:t>
+            </a:r>
+          </a:p>
+          <a:p>
+            <a:r>
+              <a:rPr lang="en-IN" dirty="0" smtClean="0"/>
+              <a:t>Student model predictions</a:t>
+            </a:r>
+          </a:p>
+          <a:p>
+            <a:r>
+              <a:rPr lang="en-IN" dirty="0" smtClean="0"/>
+              <a:t>Soft targets with low entropy</a:t>
+            </a:r>
+          </a:p>
+          <a:p>
+            <a:pPr lvl="1"/>
+            <a:r>
+              <a:rPr lang="en-IN" dirty="0" smtClean="0"/>
+              <a:t>Extremely confident predictions </a:t>
+            </a:r>
+          </a:p>
+          <a:p>
+            <a:pPr lvl="1"/>
+            <a:r>
+              <a:rPr lang="en-IN" dirty="0" smtClean="0"/>
+              <a:t>Solution </a:t>
+            </a:r>
+            <a:endParaRPr lang="en-IN" dirty="0" smtClean="0"/>
+          </a:p>
+          <a:p>
+            <a:pPr lvl="2"/>
+            <a:r>
+              <a:rPr lang="en-IN" dirty="0" smtClean="0"/>
+              <a:t>Use </a:t>
+            </a:r>
+            <a:r>
+              <a:rPr lang="en-IN" dirty="0" smtClean="0"/>
+              <a:t>high temperature value</a:t>
+            </a:r>
+          </a:p>
+          <a:p>
+            <a:pPr lvl="2"/>
+            <a:r>
+              <a:rPr lang="en-IN" dirty="0" smtClean="0"/>
+              <a:t>Increase entropy of model predictions</a:t>
+            </a:r>
+          </a:p>
+          <a:p>
+            <a:pPr lvl="2"/>
+            <a:r>
+              <a:rPr lang="en-IN" dirty="0" smtClean="0"/>
+              <a:t>More variable probability distribution</a:t>
+            </a:r>
+          </a:p>
+          <a:p>
+            <a:pPr lvl="2"/>
+            <a:r>
+              <a:rPr lang="en-IN" dirty="0" smtClean="0"/>
+              <a:t>More quantity of information</a:t>
+            </a:r>
+          </a:p>
+          <a:p>
+            <a:endParaRPr lang="en-IN" dirty="0"/>
+          </a:p>
+        </p:txBody>
+      </p:sp>
     </p:spTree>
-    <p:extLst>
-      <p:ext uri="{BB962C8B-B14F-4D97-AF65-F5344CB8AC3E}">
-        <p14:creationId xmlns:p14="http://schemas.microsoft.com/office/powerpoint/2010/main" val="800851471"/>
-      </p:ext>
-    </p:extLst>
   </p:cSld>
   <p:clrMapOvr>
     <a:masterClrMapping/>
@@ -3386,13 +3677,7 @@
   <p:cSld>
     <p:spTree>
       <p:nvGrpSpPr>
-        <p:cNvPr id="1" name="">
-          <a:extLst>
-            <a:ext uri="{FF2B5EF4-FFF2-40B4-BE49-F238E27FC236}">
-              <a16:creationId xmlns:a16="http://schemas.microsoft.com/office/drawing/2014/main" id="{C24512F0-26F6-BE0C-6E75-2BCA3ECDEF53}"/>
-            </a:ext>
-          </a:extLst>
-        </p:cNvPr>
+        <p:cNvPr id="1" name=""/>
         <p:cNvGrpSpPr/>
         <p:nvPr/>
       </p:nvGrpSpPr>
@@ -3406,13 +3691,7 @@
       </p:grpSpPr>
       <p:sp>
         <p:nvSpPr>
-          <p:cNvPr id="2" name="Title 1">
-            <a:extLst>
-              <a:ext uri="{FF2B5EF4-FFF2-40B4-BE49-F238E27FC236}">
-                <a16:creationId xmlns:a16="http://schemas.microsoft.com/office/drawing/2014/main" id="{419892A4-C0F4-F0D8-8D58-406573946C5F}"/>
-              </a:ext>
-            </a:extLst>
-          </p:cNvPr>
+          <p:cNvPr id="2" name="Title 1"/>
           <p:cNvSpPr>
             <a:spLocks noGrp="1"/>
           </p:cNvSpPr>
@@ -3422,49 +3701,48 @@
         </p:nvSpPr>
         <p:spPr/>
         <p:txBody>
-          <a:bodyPr/>
-          <a:lstStyle/>
-          <a:p>
-            <a:pPr algn="ctr"/>
-            <a:r>
-              <a:rPr lang="en-US" dirty="0"/>
-              <a:t>Relation Based Knowledge</a:t>
+          <a:bodyPr>
+            <a:normAutofit fontScale="90000"/>
+          </a:bodyPr>
+          <a:lstStyle/>
+          <a:p>
+            <a:r>
+              <a:rPr lang="en-IN" dirty="0" smtClean="0"/>
+              <a:t>Response Based Knowledge </a:t>
+            </a:r>
+            <a:r>
+              <a:rPr lang="en-IN" dirty="0" smtClean="0"/>
+              <a:t>Distillation</a:t>
             </a:r>
             <a:endParaRPr lang="en-IN" dirty="0"/>
           </a:p>
         </p:txBody>
       </p:sp>
-      <p:sp>
-        <p:nvSpPr>
-          <p:cNvPr id="3" name="Content Placeholder 2">
-            <a:extLst>
-              <a:ext uri="{FF2B5EF4-FFF2-40B4-BE49-F238E27FC236}">
-                <a16:creationId xmlns:a16="http://schemas.microsoft.com/office/drawing/2014/main" id="{4DF96ADD-EE0B-11D9-7EB6-4DD45571AF45}"/>
-              </a:ext>
-            </a:extLst>
-          </p:cNvPr>
-          <p:cNvSpPr>
-            <a:spLocks noGrp="1"/>
-          </p:cNvSpPr>
-          <p:nvPr>
-            <p:ph idx="1"/>
-          </p:nvPr>
-        </p:nvSpPr>
-        <p:spPr/>
-        <p:txBody>
-          <a:bodyPr/>
-          <a:lstStyle/>
-          <a:p>
-            <a:endParaRPr lang="en-IN"/>
-          </a:p>
-        </p:txBody>
-      </p:sp>
+      <p:pic>
+        <p:nvPicPr>
+          <p:cNvPr id="4" name="Picture 3" descr="ResponseBasedKnowledgeDistillation.png"/>
+          <p:cNvPicPr>
+            <a:picLocks noChangeAspect="1"/>
+          </p:cNvPicPr>
+          <p:nvPr/>
+        </p:nvPicPr>
+        <p:blipFill>
+          <a:blip r:embed="rId2"/>
+          <a:stretch>
+            <a:fillRect/>
+          </a:stretch>
+        </p:blipFill>
+        <p:spPr>
+          <a:xfrm>
+            <a:off x="426854" y="2116449"/>
+            <a:ext cx="8288550" cy="3027063"/>
+          </a:xfrm>
+          <a:prstGeom prst="rect">
+            <a:avLst/>
+          </a:prstGeom>
+        </p:spPr>
+      </p:pic>
     </p:spTree>
-    <p:extLst>
-      <p:ext uri="{BB962C8B-B14F-4D97-AF65-F5344CB8AC3E}">
-        <p14:creationId xmlns:p14="http://schemas.microsoft.com/office/powerpoint/2010/main" val="1031877470"/>
-      </p:ext>
-    </p:extLst>
   </p:cSld>
   <p:clrMapOvr>
     <a:masterClrMapping/>
@@ -3491,13 +3769,7 @@
       </p:grpSpPr>
       <p:sp>
         <p:nvSpPr>
-          <p:cNvPr id="2" name="Title 1">
-            <a:extLst>
-              <a:ext uri="{FF2B5EF4-FFF2-40B4-BE49-F238E27FC236}">
-                <a16:creationId xmlns:a16="http://schemas.microsoft.com/office/drawing/2014/main" id="{140D793D-533F-CAD5-76C1-F1F2C666B1A1}"/>
-              </a:ext>
-            </a:extLst>
-          </p:cNvPr>
+          <p:cNvPr id="2" name="Title 1"/>
           <p:cNvSpPr>
             <a:spLocks noGrp="1"/>
           </p:cNvSpPr>
@@ -3507,17 +3779,18 @@
         </p:nvSpPr>
         <p:spPr/>
         <p:txBody>
-          <a:bodyPr/>
-          <a:lstStyle/>
-          <a:p>
-            <a:pPr algn="ctr"/>
-            <a:r>
-              <a:rPr lang="en-IN" dirty="0"/>
-              <a:t>Knowledge Distillation </a:t>
-            </a:r>
-            <a:r>
-              <a:rPr lang="en-US" dirty="0"/>
-              <a:t>Training</a:t>
+          <a:bodyPr>
+            <a:normAutofit fontScale="90000"/>
+          </a:bodyPr>
+          <a:lstStyle/>
+          <a:p>
+            <a:r>
+              <a:rPr lang="en-IN" dirty="0" smtClean="0"/>
+              <a:t>Feature Based Knowledge </a:t>
+            </a:r>
+            <a:r>
+              <a:rPr lang="en-IN" dirty="0" smtClean="0"/>
+              <a:t>Distillation</a:t>
             </a:r>
             <a:endParaRPr lang="en-IN" dirty="0"/>
           </a:p>
@@ -3525,13 +3798,7 @@
       </p:sp>
       <p:sp>
         <p:nvSpPr>
-          <p:cNvPr id="3" name="Content Placeholder 2">
-            <a:extLst>
-              <a:ext uri="{FF2B5EF4-FFF2-40B4-BE49-F238E27FC236}">
-                <a16:creationId xmlns:a16="http://schemas.microsoft.com/office/drawing/2014/main" id="{A82AF691-F2CD-58AF-3224-768071E11216}"/>
-              </a:ext>
-            </a:extLst>
-          </p:cNvPr>
+          <p:cNvPr id="3" name="Content Placeholder 2"/>
           <p:cNvSpPr>
             <a:spLocks noGrp="1"/>
           </p:cNvSpPr>
@@ -3545,61 +3812,91 @@
           <a:lstStyle/>
           <a:p>
             <a:r>
-              <a:rPr lang="en-US" dirty="0"/>
-              <a:t>Offline distillation</a:t>
-            </a:r>
-          </a:p>
-          <a:p>
-            <a:pPr lvl="1"/>
-            <a:r>
-              <a:rPr lang="en-US" dirty="0"/>
-              <a:t>Teacher – Pre-trained </a:t>
-            </a:r>
-          </a:p>
-          <a:p>
-            <a:pPr lvl="1"/>
-            <a:r>
-              <a:rPr lang="en-US" dirty="0"/>
-              <a:t>Student – Trained </a:t>
-            </a:r>
-          </a:p>
-          <a:p>
-            <a:r>
-              <a:rPr lang="en-US" dirty="0"/>
-              <a:t>Online distillation</a:t>
-            </a:r>
-          </a:p>
-          <a:p>
-            <a:pPr lvl="1"/>
-            <a:r>
-              <a:rPr lang="en-US" dirty="0"/>
-              <a:t>Teacher – Trained </a:t>
-            </a:r>
-          </a:p>
-          <a:p>
-            <a:pPr lvl="1"/>
-            <a:r>
-              <a:rPr lang="en-US" dirty="0"/>
-              <a:t>Student – Trained</a:t>
-            </a:r>
-          </a:p>
-          <a:p>
-            <a:r>
-              <a:rPr lang="en-US" dirty="0"/>
-              <a:t>Self distillation</a:t>
-            </a:r>
-          </a:p>
-          <a:p>
+              <a:rPr lang="en-IN" dirty="0" smtClean="0"/>
+              <a:t>Intermediate layers </a:t>
+            </a:r>
+            <a:r>
+              <a:rPr lang="en-IN" dirty="0" smtClean="0"/>
+              <a:t>– Patterns of </a:t>
+            </a:r>
+            <a:r>
+              <a:rPr lang="en-IN" dirty="0" smtClean="0"/>
+              <a:t>input data</a:t>
+            </a:r>
+          </a:p>
+          <a:p>
+            <a:r>
+              <a:rPr lang="en-IN" dirty="0" smtClean="0"/>
+              <a:t>Feature extraction</a:t>
+            </a:r>
+          </a:p>
+          <a:p>
+            <a:r>
+              <a:rPr lang="en-IN" dirty="0" smtClean="0"/>
+              <a:t>Discriminate </a:t>
+            </a:r>
+            <a:r>
+              <a:rPr lang="en-IN" dirty="0" smtClean="0"/>
+              <a:t>specific features</a:t>
+            </a:r>
+          </a:p>
+          <a:p>
+            <a:r>
+              <a:rPr lang="en-IN" dirty="0" smtClean="0"/>
+              <a:t>Capture </a:t>
+            </a:r>
+            <a:r>
+              <a:rPr lang="en-IN" dirty="0" smtClean="0"/>
+              <a:t>knowledge </a:t>
+            </a:r>
+            <a:r>
+              <a:rPr lang="en-IN" dirty="0" smtClean="0"/>
+              <a:t>– </a:t>
+            </a:r>
+            <a:r>
+              <a:rPr lang="en-IN" dirty="0" smtClean="0"/>
+              <a:t>Intermediate </a:t>
+            </a:r>
+            <a:r>
+              <a:rPr lang="en-IN" dirty="0" smtClean="0"/>
+              <a:t>layers</a:t>
+            </a:r>
+          </a:p>
+          <a:p>
+            <a:r>
+              <a:rPr lang="en-IN" dirty="0" smtClean="0"/>
+              <a:t>Teacher model – Student model</a:t>
+            </a:r>
+            <a:endParaRPr lang="en-IN" dirty="0" smtClean="0"/>
+          </a:p>
+          <a:p>
+            <a:r>
+              <a:rPr lang="en-IN" dirty="0" smtClean="0"/>
+              <a:t>Learn feature </a:t>
+            </a:r>
+            <a:r>
+              <a:rPr lang="en-IN" dirty="0" smtClean="0"/>
+              <a:t>activations</a:t>
+            </a:r>
+          </a:p>
+          <a:p>
+            <a:r>
+              <a:rPr lang="en-IN" dirty="0" smtClean="0"/>
+              <a:t>Minimize difference </a:t>
+            </a:r>
+            <a:r>
+              <a:rPr lang="en-IN" dirty="0" smtClean="0"/>
+              <a:t>– Feature  </a:t>
+            </a:r>
+            <a:r>
+              <a:rPr lang="en-IN" dirty="0" smtClean="0"/>
+              <a:t>activations</a:t>
+            </a:r>
             <a:endParaRPr lang="en-IN" dirty="0"/>
           </a:p>
         </p:txBody>
       </p:sp>
     </p:spTree>
-    <p:extLst>
-      <p:ext uri="{BB962C8B-B14F-4D97-AF65-F5344CB8AC3E}">
-        <p14:creationId xmlns:p14="http://schemas.microsoft.com/office/powerpoint/2010/main" val="2053574753"/>
-      </p:ext>
-    </p:extLst>
   </p:cSld>
   <p:clrMapOvr>
     <a:masterClrMapping/>
@@ -3626,13 +3923,7 @@
       </p:grpSpPr>
       <p:sp>
         <p:nvSpPr>
-          <p:cNvPr id="2" name="Title 1">
-            <a:extLst>
-              <a:ext uri="{FF2B5EF4-FFF2-40B4-BE49-F238E27FC236}">
-                <a16:creationId xmlns:a16="http://schemas.microsoft.com/office/drawing/2014/main" id="{5CAE2E78-2B56-C134-E59E-4E04122F58CE}"/>
-              </a:ext>
-            </a:extLst>
-          </p:cNvPr>
+          <p:cNvPr id="2" name="Title 1"/>
           <p:cNvSpPr>
             <a:spLocks noGrp="1"/>
           </p:cNvSpPr>
@@ -3642,49 +3933,44 @@
         </p:nvSpPr>
         <p:spPr/>
         <p:txBody>
-          <a:bodyPr/>
-          <a:lstStyle/>
-          <a:p>
-            <a:pPr algn="ctr"/>
-            <a:r>
-              <a:rPr lang="en-US" dirty="0"/>
-              <a:t>Offline Distillation</a:t>
+          <a:bodyPr>
+            <a:normAutofit fontScale="90000"/>
+          </a:bodyPr>
+          <a:lstStyle/>
+          <a:p>
+            <a:r>
+              <a:rPr lang="en-IN" dirty="0" smtClean="0"/>
+              <a:t>Feature Based Knowledge Distillation </a:t>
             </a:r>
             <a:endParaRPr lang="en-IN" dirty="0"/>
           </a:p>
         </p:txBody>
       </p:sp>
-      <p:sp>
-        <p:nvSpPr>
-          <p:cNvPr id="3" name="Content Placeholder 2">
-            <a:extLst>
-              <a:ext uri="{FF2B5EF4-FFF2-40B4-BE49-F238E27FC236}">
-                <a16:creationId xmlns:a16="http://schemas.microsoft.com/office/drawing/2014/main" id="{386D5C55-8D21-474F-0FCB-2CF564A4BAB4}"/>
-              </a:ext>
-            </a:extLst>
-          </p:cNvPr>
-          <p:cNvSpPr>
-            <a:spLocks noGrp="1"/>
-          </p:cNvSpPr>
-          <p:nvPr>
-            <p:ph idx="1"/>
-          </p:nvPr>
-        </p:nvSpPr>
-        <p:spPr/>
-        <p:txBody>
-          <a:bodyPr/>
-          <a:lstStyle/>
-          <a:p>
-            <a:endParaRPr lang="en-IN"/>
-          </a:p>
-        </p:txBody>
-      </p:sp>
+      <p:pic>
+        <p:nvPicPr>
+          <p:cNvPr id="4" name="Picture 3" descr="FeatureBasedKnowledgeDistillation.png"/>
+          <p:cNvPicPr>
+            <a:picLocks noChangeAspect="1"/>
+          </p:cNvPicPr>
+          <p:nvPr/>
+        </p:nvPicPr>
+        <p:blipFill>
+          <a:blip r:embed="rId2"/>
+          <a:stretch>
+            <a:fillRect/>
+          </a:stretch>
+        </p:blipFill>
+        <p:spPr>
+          <a:xfrm>
+            <a:off x="285750" y="2038364"/>
+            <a:ext cx="8572500" cy="3390900"/>
+          </a:xfrm>
+          <a:prstGeom prst="rect">
+            <a:avLst/>
+          </a:prstGeom>
+        </p:spPr>
+      </p:pic>
     </p:spTree>
-    <p:extLst>
-      <p:ext uri="{BB962C8B-B14F-4D97-AF65-F5344CB8AC3E}">
-        <p14:creationId xmlns:p14="http://schemas.microsoft.com/office/powerpoint/2010/main" val="1554377448"/>
-      </p:ext>
-    </p:extLst>
   </p:cSld>
   <p:clrMapOvr>
     <a:masterClrMapping/>
@@ -3711,13 +3997,7 @@
       </p:grpSpPr>
       <p:sp>
         <p:nvSpPr>
-          <p:cNvPr id="2" name="Title 1">
-            <a:extLst>
-              <a:ext uri="{FF2B5EF4-FFF2-40B4-BE49-F238E27FC236}">
-                <a16:creationId xmlns:a16="http://schemas.microsoft.com/office/drawing/2014/main" id="{3119D74E-AFC9-4606-7F94-E357D97F1780}"/>
-              </a:ext>
-            </a:extLst>
-          </p:cNvPr>
+          <p:cNvPr id="2" name="Title 1"/>
           <p:cNvSpPr>
             <a:spLocks noGrp="1"/>
           </p:cNvSpPr>
@@ -3727,13 +4007,18 @@
         </p:nvSpPr>
         <p:spPr/>
         <p:txBody>
-          <a:bodyPr/>
-          <a:lstStyle/>
-          <a:p>
-            <a:pPr algn="ctr"/>
-            <a:r>
-              <a:rPr lang="en-US" dirty="0"/>
-              <a:t>Online Distillation</a:t>
+          <a:bodyPr>
+            <a:normAutofit fontScale="90000"/>
+          </a:bodyPr>
+          <a:lstStyle/>
+          <a:p>
+            <a:r>
+              <a:rPr lang="en-IN" dirty="0" smtClean="0"/>
+              <a:t>Relation Based Knowledge </a:t>
+            </a:r>
+            <a:r>
+              <a:rPr lang="en-IN" dirty="0" smtClean="0"/>
+              <a:t>Distillation</a:t>
             </a:r>
             <a:endParaRPr lang="en-IN" dirty="0"/>
           </a:p>
@@ -3741,13 +4026,7 @@
       </p:sp>
       <p:sp>
         <p:nvSpPr>
-          <p:cNvPr id="3" name="Content Placeholder 2">
-            <a:extLst>
-              <a:ext uri="{FF2B5EF4-FFF2-40B4-BE49-F238E27FC236}">
-                <a16:creationId xmlns:a16="http://schemas.microsoft.com/office/drawing/2014/main" id="{7B576182-376C-5301-38D9-E60C5254C248}"/>
-              </a:ext>
-            </a:extLst>
-          </p:cNvPr>
+          <p:cNvPr id="3" name="Content Placeholder 2"/>
           <p:cNvSpPr>
             <a:spLocks noGrp="1"/>
           </p:cNvSpPr>
@@ -3760,16 +4039,84 @@
           <a:bodyPr/>
           <a:lstStyle/>
           <a:p>
-            <a:endParaRPr lang="en-IN"/>
+            <a:r>
+              <a:rPr lang="en-IN" dirty="0" smtClean="0"/>
+              <a:t>Relationships </a:t>
+            </a:r>
+            <a:r>
+              <a:rPr lang="en-IN" dirty="0" smtClean="0"/>
+              <a:t>between </a:t>
+            </a:r>
+            <a:endParaRPr lang="en-IN" dirty="0" smtClean="0"/>
+          </a:p>
+          <a:p>
+            <a:pPr lvl="1"/>
+            <a:r>
+              <a:rPr lang="en-IN" dirty="0" smtClean="0"/>
+              <a:t>Different </a:t>
+            </a:r>
+            <a:r>
+              <a:rPr lang="en-IN" dirty="0" smtClean="0"/>
+              <a:t>layers </a:t>
+            </a:r>
+            <a:endParaRPr lang="en-IN" dirty="0" smtClean="0"/>
+          </a:p>
+          <a:p>
+            <a:pPr lvl="1"/>
+            <a:r>
+              <a:rPr lang="en-IN" dirty="0" smtClean="0"/>
+              <a:t>Feature </a:t>
+            </a:r>
+            <a:r>
+              <a:rPr lang="en-IN" dirty="0" smtClean="0"/>
+              <a:t>maps</a:t>
+            </a:r>
+          </a:p>
+          <a:p>
+            <a:r>
+              <a:rPr lang="en-IN" dirty="0" smtClean="0"/>
+              <a:t>Model relationship as</a:t>
+            </a:r>
+          </a:p>
+          <a:p>
+            <a:pPr lvl="1"/>
+            <a:r>
+              <a:rPr lang="en-IN" dirty="0" smtClean="0"/>
+              <a:t>Correlation</a:t>
+            </a:r>
+          </a:p>
+          <a:p>
+            <a:pPr lvl="1"/>
+            <a:r>
+              <a:rPr lang="en-IN" dirty="0" smtClean="0"/>
+              <a:t>Similarity matrix</a:t>
+            </a:r>
+          </a:p>
+          <a:p>
+            <a:pPr lvl="1"/>
+            <a:r>
+              <a:rPr lang="en-IN" dirty="0" smtClean="0"/>
+              <a:t>Probability distribution</a:t>
+            </a:r>
+          </a:p>
+          <a:p>
+            <a:r>
+              <a:rPr lang="en-IN" dirty="0" smtClean="0">
+                <a:solidFill>
+                  <a:srgbClr val="00B050"/>
+                </a:solidFill>
+              </a:rPr>
+              <a:t>Emulate thought process</a:t>
+            </a:r>
+            <a:endParaRPr lang="en-IN" dirty="0">
+              <a:solidFill>
+                <a:srgbClr val="00B050"/>
+              </a:solidFill>
+            </a:endParaRPr>
           </a:p>
         </p:txBody>
       </p:sp>
     </p:spTree>
-    <p:extLst>
-      <p:ext uri="{BB962C8B-B14F-4D97-AF65-F5344CB8AC3E}">
-        <p14:creationId xmlns:p14="http://schemas.microsoft.com/office/powerpoint/2010/main" val="2954922783"/>
-      </p:ext>
-    </p:extLst>
   </p:cSld>
   <p:clrMapOvr>
     <a:masterClrMapping/>
@@ -3796,13 +4143,7 @@
       </p:grpSpPr>
       <p:sp>
         <p:nvSpPr>
-          <p:cNvPr id="2" name="Title 1">
-            <a:extLst>
-              <a:ext uri="{FF2B5EF4-FFF2-40B4-BE49-F238E27FC236}">
-                <a16:creationId xmlns:a16="http://schemas.microsoft.com/office/drawing/2014/main" id="{87AC97D6-E9BA-F34E-DF28-1BB8B0C2C60A}"/>
-              </a:ext>
-            </a:extLst>
-          </p:cNvPr>
+          <p:cNvPr id="2" name="Title 1"/>
           <p:cNvSpPr>
             <a:spLocks noGrp="1"/>
           </p:cNvSpPr>
@@ -3812,49 +4153,44 @@
         </p:nvSpPr>
         <p:spPr/>
         <p:txBody>
-          <a:bodyPr/>
-          <a:lstStyle/>
-          <a:p>
-            <a:pPr algn="ctr"/>
-            <a:r>
-              <a:rPr lang="en-US" dirty="0"/>
-              <a:t>Self Distillation</a:t>
+          <a:bodyPr>
+            <a:normAutofit fontScale="90000"/>
+          </a:bodyPr>
+          <a:lstStyle/>
+          <a:p>
+            <a:r>
+              <a:rPr lang="en-IN" dirty="0" smtClean="0"/>
+              <a:t>Relation Based Knowledge Distillation </a:t>
             </a:r>
             <a:endParaRPr lang="en-IN" dirty="0"/>
           </a:p>
         </p:txBody>
       </p:sp>
-      <p:sp>
-        <p:nvSpPr>
-          <p:cNvPr id="3" name="Content Placeholder 2">
-            <a:extLst>
-              <a:ext uri="{FF2B5EF4-FFF2-40B4-BE49-F238E27FC236}">
-                <a16:creationId xmlns:a16="http://schemas.microsoft.com/office/drawing/2014/main" id="{6ACD6BB1-0DAF-92C2-8E87-13125B56448E}"/>
-              </a:ext>
-            </a:extLst>
-          </p:cNvPr>
-          <p:cNvSpPr>
-            <a:spLocks noGrp="1"/>
-          </p:cNvSpPr>
-          <p:nvPr>
-            <p:ph idx="1"/>
-          </p:nvPr>
-        </p:nvSpPr>
-        <p:spPr/>
-        <p:txBody>
-          <a:bodyPr/>
-          <a:lstStyle/>
-          <a:p>
-            <a:endParaRPr lang="en-IN"/>
-          </a:p>
-        </p:txBody>
-      </p:sp>
+      <p:pic>
+        <p:nvPicPr>
+          <p:cNvPr id="4" name="Picture 3" descr="RelationBasedKnowledgeDistillation.png"/>
+          <p:cNvPicPr>
+            <a:picLocks noChangeAspect="1"/>
+          </p:cNvPicPr>
+          <p:nvPr/>
+        </p:nvPicPr>
+        <p:blipFill>
+          <a:blip r:embed="rId2"/>
+          <a:stretch>
+            <a:fillRect/>
+          </a:stretch>
+        </p:blipFill>
+        <p:spPr>
+          <a:xfrm>
+            <a:off x="214282" y="1738912"/>
+            <a:ext cx="8719936" cy="3904666"/>
+          </a:xfrm>
+          <a:prstGeom prst="rect">
+            <a:avLst/>
+          </a:prstGeom>
+        </p:spPr>
+      </p:pic>
     </p:spTree>
-    <p:extLst>
-      <p:ext uri="{BB962C8B-B14F-4D97-AF65-F5344CB8AC3E}">
-        <p14:creationId xmlns:p14="http://schemas.microsoft.com/office/powerpoint/2010/main" val="3622426742"/>
-      </p:ext>
-    </p:extLst>
   </p:cSld>
   <p:clrMapOvr>
     <a:masterClrMapping/>
@@ -3881,13 +4217,7 @@
       </p:grpSpPr>
       <p:sp>
         <p:nvSpPr>
-          <p:cNvPr id="2" name="Title 1">
-            <a:extLst>
-              <a:ext uri="{FF2B5EF4-FFF2-40B4-BE49-F238E27FC236}">
-                <a16:creationId xmlns:a16="http://schemas.microsoft.com/office/drawing/2014/main" id="{972B8482-E953-43A8-3DB9-CE0CBA6FD280}"/>
-              </a:ext>
-            </a:extLst>
-          </p:cNvPr>
+          <p:cNvPr id="2" name="Title 1"/>
           <p:cNvSpPr>
             <a:spLocks noGrp="1"/>
           </p:cNvSpPr>
@@ -3900,23 +4230,17 @@
           <a:bodyPr/>
           <a:lstStyle/>
           <a:p>
-            <a:pPr algn="ctr"/>
-            <a:r>
-              <a:rPr lang="en-IN" dirty="0"/>
-              <a:t>Knowledge Distillation Algorithms</a:t>
-            </a:r>
-          </a:p>
-        </p:txBody>
-      </p:sp>
-      <p:sp>
-        <p:nvSpPr>
-          <p:cNvPr id="3" name="Content Placeholder 2">
-            <a:extLst>
-              <a:ext uri="{FF2B5EF4-FFF2-40B4-BE49-F238E27FC236}">
-                <a16:creationId xmlns:a16="http://schemas.microsoft.com/office/drawing/2014/main" id="{AA85E12E-717F-5476-D8D0-73C90F3AEDF3}"/>
-              </a:ext>
-            </a:extLst>
-          </p:cNvPr>
+            <a:r>
+              <a:rPr lang="en-IN" dirty="0" smtClean="0"/>
+              <a:t>Knowledge Distillation – Schemes</a:t>
+            </a:r>
+            <a:endParaRPr lang="en-IN" dirty="0"/>
+          </a:p>
+        </p:txBody>
+      </p:sp>
+      <p:sp>
+        <p:nvSpPr>
+          <p:cNvPr id="3" name="Content Placeholder 2"/>
           <p:cNvSpPr>
             <a:spLocks noGrp="1"/>
           </p:cNvSpPr>
@@ -3930,30 +4254,69 @@
           <a:lstStyle/>
           <a:p>
             <a:r>
-              <a:rPr lang="en-IN" dirty="0"/>
-              <a:t>Adversarial Distillation</a:t>
-            </a:r>
-          </a:p>
-          <a:p>
-            <a:r>
-              <a:rPr lang="en-IN" dirty="0"/>
-              <a:t>Multi-Teacher Distillation</a:t>
-            </a:r>
-          </a:p>
-          <a:p>
-            <a:r>
-              <a:rPr lang="en-IN" dirty="0"/>
-              <a:t>Cross-modal Distillation</a:t>
-            </a:r>
+              <a:rPr lang="en-IN" dirty="0" smtClean="0"/>
+              <a:t>Offline distillation</a:t>
+            </a:r>
+          </a:p>
+          <a:p>
+            <a:pPr lvl="1"/>
+            <a:r>
+              <a:rPr lang="en-IN" dirty="0" smtClean="0"/>
+              <a:t>Teacher – Pre-trained</a:t>
+            </a:r>
+          </a:p>
+          <a:p>
+            <a:pPr lvl="1"/>
+            <a:r>
+              <a:rPr lang="en-IN" dirty="0" smtClean="0"/>
+              <a:t>Student </a:t>
+            </a:r>
+            <a:r>
+              <a:rPr lang="en-IN" dirty="0" smtClean="0"/>
+              <a:t>– Trained</a:t>
+            </a:r>
+            <a:endParaRPr lang="en-IN" dirty="0" smtClean="0"/>
+          </a:p>
+          <a:p>
+            <a:r>
+              <a:rPr lang="en-IN" dirty="0" smtClean="0"/>
+              <a:t>Online distillation</a:t>
+            </a:r>
+          </a:p>
+          <a:p>
+            <a:pPr lvl="1"/>
+            <a:r>
+              <a:rPr lang="en-IN" dirty="0" smtClean="0"/>
+              <a:t>Teacher </a:t>
+            </a:r>
+            <a:r>
+              <a:rPr lang="en-IN" dirty="0" smtClean="0"/>
+              <a:t>– Trained</a:t>
+            </a:r>
+            <a:endParaRPr lang="en-IN" dirty="0" smtClean="0"/>
+          </a:p>
+          <a:p>
+            <a:pPr lvl="1"/>
+            <a:r>
+              <a:rPr lang="en-IN" dirty="0" smtClean="0"/>
+              <a:t>Student </a:t>
+            </a:r>
+            <a:r>
+              <a:rPr lang="en-IN" dirty="0" smtClean="0"/>
+              <a:t>– Trained</a:t>
+            </a:r>
+            <a:endParaRPr lang="en-IN" dirty="0" smtClean="0"/>
+          </a:p>
+          <a:p>
+            <a:r>
+              <a:rPr lang="en-IN" dirty="0" smtClean="0"/>
+              <a:t>Self distillation</a:t>
+            </a:r>
+            <a:endParaRPr lang="en-IN" dirty="0"/>
           </a:p>
         </p:txBody>
       </p:sp>
     </p:spTree>
-    <p:extLst>
-      <p:ext uri="{BB962C8B-B14F-4D97-AF65-F5344CB8AC3E}">
-        <p14:creationId xmlns:p14="http://schemas.microsoft.com/office/powerpoint/2010/main" val="1423970000"/>
-      </p:ext>
-    </p:extLst>
   </p:cSld>
   <p:clrMapOvr>
     <a:masterClrMapping/>
@@ -3980,13 +4343,7 @@
       </p:grpSpPr>
       <p:sp>
         <p:nvSpPr>
-          <p:cNvPr id="2" name="Title 1">
-            <a:extLst>
-              <a:ext uri="{FF2B5EF4-FFF2-40B4-BE49-F238E27FC236}">
-                <a16:creationId xmlns:a16="http://schemas.microsoft.com/office/drawing/2014/main" id="{C3158373-896C-5377-CDAF-BEA76F5EFCE2}"/>
-              </a:ext>
-            </a:extLst>
-          </p:cNvPr>
+          <p:cNvPr id="2" name="Title 1"/>
           <p:cNvSpPr>
             <a:spLocks noGrp="1"/>
           </p:cNvSpPr>
@@ -3999,90 +4356,108 @@
           <a:bodyPr/>
           <a:lstStyle/>
           <a:p>
-            <a:pPr algn="ctr"/>
-            <a:r>
-              <a:rPr lang="en-US" dirty="0"/>
+            <a:r>
+              <a:rPr lang="en-IN" dirty="0"/>
               <a:t>Topics</a:t>
             </a:r>
+          </a:p>
+        </p:txBody>
+      </p:sp>
+      <p:sp>
+        <p:nvSpPr>
+          <p:cNvPr id="3" name="Content Placeholder 2"/>
+          <p:cNvSpPr>
+            <a:spLocks noGrp="1"/>
+          </p:cNvSpPr>
+          <p:nvPr>
+            <p:ph idx="1"/>
+          </p:nvPr>
+        </p:nvSpPr>
+        <p:spPr/>
+        <p:txBody>
+          <a:bodyPr>
+            <a:normAutofit lnSpcReduction="10000"/>
+          </a:bodyPr>
+          <a:lstStyle/>
+          <a:p>
+            <a:r>
+              <a:rPr lang="en-IN" dirty="0" smtClean="0"/>
+              <a:t>Knowledge Distillation – What ?</a:t>
+            </a:r>
+          </a:p>
+          <a:p>
+            <a:r>
+              <a:rPr lang="en-IN" dirty="0" smtClean="0"/>
+              <a:t>Knowledge Distillation – Why ?</a:t>
+            </a:r>
+          </a:p>
+          <a:p>
+            <a:r>
+              <a:rPr lang="en-IN" dirty="0" smtClean="0"/>
+              <a:t>Knowledge Distillation – How ?</a:t>
+            </a:r>
+          </a:p>
+          <a:p>
+            <a:r>
+              <a:rPr lang="en-IN" dirty="0" smtClean="0"/>
+              <a:t>Knowledge Distillation </a:t>
+            </a:r>
+            <a:r>
+              <a:rPr lang="en-IN" dirty="0" smtClean="0"/>
+              <a:t>Types</a:t>
+            </a:r>
+            <a:endParaRPr lang="en-IN" dirty="0" smtClean="0"/>
+          </a:p>
+          <a:p>
+            <a:r>
+              <a:rPr lang="en-IN" dirty="0" smtClean="0"/>
+              <a:t>Knowledge Distillation </a:t>
+            </a:r>
+            <a:r>
+              <a:rPr lang="en-IN" dirty="0" smtClean="0"/>
+              <a:t>Schemes</a:t>
+            </a:r>
+            <a:endParaRPr lang="en-IN" dirty="0" smtClean="0"/>
+          </a:p>
+          <a:p>
+            <a:r>
+              <a:rPr lang="en-IN" dirty="0" smtClean="0"/>
+              <a:t>Knowledge Distillation </a:t>
+            </a:r>
+            <a:r>
+              <a:rPr lang="en-IN" dirty="0" smtClean="0"/>
+              <a:t>Algorithms </a:t>
+            </a:r>
+            <a:endParaRPr lang="en-IN" dirty="0" smtClean="0"/>
+          </a:p>
+          <a:p>
+            <a:r>
+              <a:rPr lang="en-IN" dirty="0" smtClean="0"/>
+              <a:t>Knowledge Distillation – Applications</a:t>
+            </a:r>
+            <a:endParaRPr lang="en-IN" dirty="0" smtClean="0"/>
+          </a:p>
+          <a:p>
+            <a:r>
+              <a:rPr lang="en-IN" dirty="0" smtClean="0"/>
+              <a:t>Conclusions</a:t>
+            </a:r>
             <a:endParaRPr lang="en-IN" dirty="0"/>
           </a:p>
         </p:txBody>
       </p:sp>
-      <p:sp>
-        <p:nvSpPr>
-          <p:cNvPr id="3" name="Content Placeholder 2">
-            <a:extLst>
-              <a:ext uri="{FF2B5EF4-FFF2-40B4-BE49-F238E27FC236}">
-                <a16:creationId xmlns:a16="http://schemas.microsoft.com/office/drawing/2014/main" id="{03331634-9F3E-2272-A76A-C5BE6DCCEB25}"/>
-              </a:ext>
-            </a:extLst>
-          </p:cNvPr>
-          <p:cNvSpPr>
-            <a:spLocks noGrp="1"/>
-          </p:cNvSpPr>
-          <p:nvPr>
-            <p:ph idx="1"/>
-          </p:nvPr>
-        </p:nvSpPr>
-        <p:spPr/>
-        <p:txBody>
-          <a:bodyPr/>
-          <a:lstStyle/>
-          <a:p>
-            <a:r>
-              <a:rPr lang="en-IN" dirty="0"/>
-              <a:t>Knowledge Distillation</a:t>
-            </a:r>
-          </a:p>
-          <a:p>
-            <a:r>
-              <a:rPr lang="en-IN" dirty="0"/>
-              <a:t>Process</a:t>
-            </a:r>
-          </a:p>
-          <a:p>
-            <a:r>
-              <a:rPr lang="en-US" dirty="0"/>
-              <a:t>Training</a:t>
-            </a:r>
-          </a:p>
-          <a:p>
-            <a:r>
-              <a:rPr lang="en-US" dirty="0"/>
-              <a:t>Algorithms</a:t>
-            </a:r>
-          </a:p>
-          <a:p>
-            <a:r>
-              <a:rPr lang="en-US" dirty="0"/>
-              <a:t>Applications</a:t>
-            </a:r>
-          </a:p>
-          <a:p>
-            <a:r>
-              <a:rPr lang="en-US" dirty="0"/>
-              <a:t>Conclusions</a:t>
-            </a:r>
-            <a:endParaRPr lang="en-IN" dirty="0"/>
-          </a:p>
-          <a:p>
-            <a:endParaRPr lang="en-IN" dirty="0"/>
-          </a:p>
-          <a:p>
-            <a:endParaRPr lang="en-IN" dirty="0"/>
-          </a:p>
-        </p:txBody>
-      </p:sp>
     </p:spTree>
-    <p:extLst>
-      <p:ext uri="{BB962C8B-B14F-4D97-AF65-F5344CB8AC3E}">
-        <p14:creationId xmlns:p14="http://schemas.microsoft.com/office/powerpoint/2010/main" val="1020801246"/>
-      </p:ext>
-    </p:extLst>
   </p:cSld>
   <p:clrMapOvr>
     <a:masterClrMapping/>
   </p:clrMapOvr>
+  <p:timing>
+    <p:tnLst>
+      <p:par>
+        <p:cTn id="1" dur="indefinite" restart="never" nodeType="tmRoot"/>
+      </p:par>
+    </p:tnLst>
+  </p:timing>
 </p:sld>
 </file>
 
@@ -4105,13 +4480,7 @@
       </p:grpSpPr>
       <p:sp>
         <p:nvSpPr>
-          <p:cNvPr id="2" name="Title 1">
-            <a:extLst>
-              <a:ext uri="{FF2B5EF4-FFF2-40B4-BE49-F238E27FC236}">
-                <a16:creationId xmlns:a16="http://schemas.microsoft.com/office/drawing/2014/main" id="{49307CA3-D7F1-C65A-D158-B0049203C65E}"/>
-              </a:ext>
-            </a:extLst>
-          </p:cNvPr>
+          <p:cNvPr id="2" name="Title 1"/>
           <p:cNvSpPr>
             <a:spLocks noGrp="1"/>
           </p:cNvSpPr>
@@ -4124,46 +4493,39 @@
           <a:bodyPr/>
           <a:lstStyle/>
           <a:p>
-            <a:pPr algn="ctr"/>
-            <a:r>
-              <a:rPr lang="en-US" dirty="0"/>
-              <a:t>Applications</a:t>
+            <a:r>
+              <a:rPr lang="en-IN" dirty="0" smtClean="0"/>
+              <a:t>Knowledge Distillation – Schemes</a:t>
             </a:r>
             <a:endParaRPr lang="en-IN" dirty="0"/>
           </a:p>
         </p:txBody>
       </p:sp>
-      <p:sp>
-        <p:nvSpPr>
-          <p:cNvPr id="3" name="Content Placeholder 2">
-            <a:extLst>
-              <a:ext uri="{FF2B5EF4-FFF2-40B4-BE49-F238E27FC236}">
-                <a16:creationId xmlns:a16="http://schemas.microsoft.com/office/drawing/2014/main" id="{370418D3-FFCC-9690-B262-C1FBDD1D7650}"/>
-              </a:ext>
-            </a:extLst>
-          </p:cNvPr>
-          <p:cNvSpPr>
-            <a:spLocks noGrp="1"/>
-          </p:cNvSpPr>
-          <p:nvPr>
-            <p:ph idx="1"/>
-          </p:nvPr>
-        </p:nvSpPr>
-        <p:spPr/>
-        <p:txBody>
-          <a:bodyPr/>
-          <a:lstStyle/>
-          <a:p>
-            <a:endParaRPr lang="en-IN"/>
-          </a:p>
-        </p:txBody>
-      </p:sp>
+      <p:pic>
+        <p:nvPicPr>
+          <p:cNvPr id="5" name="Picture 4" descr="KnowledgeDistillationSchemes.png"/>
+          <p:cNvPicPr>
+            <a:picLocks noChangeAspect="1"/>
+          </p:cNvPicPr>
+          <p:nvPr/>
+        </p:nvPicPr>
+        <p:blipFill>
+          <a:blip r:embed="rId2"/>
+          <a:stretch>
+            <a:fillRect/>
+          </a:stretch>
+        </p:blipFill>
+        <p:spPr>
+          <a:xfrm>
+            <a:off x="2333625" y="1857364"/>
+            <a:ext cx="4476750" cy="4095750"/>
+          </a:xfrm>
+          <a:prstGeom prst="rect">
+            <a:avLst/>
+          </a:prstGeom>
+        </p:spPr>
+      </p:pic>
     </p:spTree>
-    <p:extLst>
-      <p:ext uri="{BB962C8B-B14F-4D97-AF65-F5344CB8AC3E}">
-        <p14:creationId xmlns:p14="http://schemas.microsoft.com/office/powerpoint/2010/main" val="3012294191"/>
-      </p:ext>
-    </p:extLst>
   </p:cSld>
   <p:clrMapOvr>
     <a:masterClrMapping/>
@@ -4190,13 +4552,7 @@
       </p:grpSpPr>
       <p:sp>
         <p:nvSpPr>
-          <p:cNvPr id="2" name="Title 1">
-            <a:extLst>
-              <a:ext uri="{FF2B5EF4-FFF2-40B4-BE49-F238E27FC236}">
-                <a16:creationId xmlns:a16="http://schemas.microsoft.com/office/drawing/2014/main" id="{B440959B-5257-9D91-3B61-5C46F1F96D6B}"/>
-              </a:ext>
-            </a:extLst>
-          </p:cNvPr>
+          <p:cNvPr id="2" name="Title 1"/>
           <p:cNvSpPr>
             <a:spLocks noGrp="1"/>
           </p:cNvSpPr>
@@ -4209,10 +4565,9 @@
           <a:bodyPr/>
           <a:lstStyle/>
           <a:p>
-            <a:pPr algn="ctr"/>
-            <a:r>
-              <a:rPr lang="en-US" dirty="0"/>
-              <a:t>Conclusions</a:t>
+            <a:r>
+              <a:rPr lang="en-IN" dirty="0" smtClean="0"/>
+              <a:t>Offline Distillation</a:t>
             </a:r>
             <a:endParaRPr lang="en-IN" dirty="0"/>
           </a:p>
@@ -4220,13 +4575,7 @@
       </p:sp>
       <p:sp>
         <p:nvSpPr>
-          <p:cNvPr id="3" name="Content Placeholder 2">
-            <a:extLst>
-              <a:ext uri="{FF2B5EF4-FFF2-40B4-BE49-F238E27FC236}">
-                <a16:creationId xmlns:a16="http://schemas.microsoft.com/office/drawing/2014/main" id="{83AE5D9F-CE13-09AA-2234-6FF43C2EBB41}"/>
-              </a:ext>
-            </a:extLst>
-          </p:cNvPr>
+          <p:cNvPr id="3" name="Content Placeholder 2"/>
           <p:cNvSpPr>
             <a:spLocks noGrp="1"/>
           </p:cNvSpPr>
@@ -4236,19 +4585,96 @@
         </p:nvSpPr>
         <p:spPr/>
         <p:txBody>
-          <a:bodyPr/>
-          <a:lstStyle/>
-          <a:p>
-            <a:endParaRPr lang="en-IN"/>
+          <a:bodyPr>
+            <a:normAutofit/>
+          </a:bodyPr>
+          <a:lstStyle/>
+          <a:p>
+            <a:r>
+              <a:rPr lang="en-IN" dirty="0" smtClean="0"/>
+              <a:t>Established </a:t>
+            </a:r>
+            <a:r>
+              <a:rPr lang="en-IN" dirty="0" smtClean="0"/>
+              <a:t>technique</a:t>
+            </a:r>
+            <a:endParaRPr lang="en-IN" dirty="0" smtClean="0"/>
+          </a:p>
+          <a:p>
+            <a:r>
+              <a:rPr lang="en-IN" dirty="0" smtClean="0"/>
+              <a:t>Easy </a:t>
+            </a:r>
+            <a:r>
+              <a:rPr lang="en-IN" dirty="0" smtClean="0"/>
+              <a:t>to implement</a:t>
+            </a:r>
+            <a:endParaRPr lang="en-IN" dirty="0" smtClean="0"/>
+          </a:p>
+          <a:p>
+            <a:r>
+              <a:rPr lang="en-IN" dirty="0" smtClean="0"/>
+              <a:t>Train </a:t>
+            </a:r>
+            <a:r>
+              <a:rPr lang="en-IN" dirty="0" smtClean="0"/>
+              <a:t>teacher model on training dataset</a:t>
+            </a:r>
+            <a:endParaRPr lang="en-IN" dirty="0" smtClean="0"/>
+          </a:p>
+          <a:p>
+            <a:r>
+              <a:rPr lang="en-IN" dirty="0" smtClean="0"/>
+              <a:t>Available </a:t>
+            </a:r>
+            <a:r>
+              <a:rPr lang="en-IN" dirty="0" smtClean="0"/>
+              <a:t>pre-trained </a:t>
+            </a:r>
+            <a:r>
+              <a:rPr lang="en-IN" dirty="0" smtClean="0"/>
+              <a:t>teacher </a:t>
+            </a:r>
+            <a:r>
+              <a:rPr lang="en-IN" dirty="0" smtClean="0"/>
+              <a:t>models</a:t>
+            </a:r>
+          </a:p>
+          <a:p>
+            <a:r>
+              <a:rPr lang="en-IN" dirty="0" smtClean="0"/>
+              <a:t>Teacher model knowledge </a:t>
+            </a:r>
+          </a:p>
+          <a:p>
+            <a:pPr lvl="1"/>
+            <a:r>
+              <a:rPr lang="en-IN" dirty="0" smtClean="0"/>
+              <a:t>Knowledge Distillation</a:t>
+            </a:r>
+          </a:p>
+          <a:p>
+            <a:pPr lvl="1"/>
+            <a:r>
+              <a:rPr lang="en-IN" dirty="0" smtClean="0"/>
+              <a:t>Update student model</a:t>
+            </a:r>
+            <a:endParaRPr lang="en-IN" dirty="0" smtClean="0"/>
+          </a:p>
+          <a:p>
+            <a:pPr lvl="1"/>
+            <a:r>
+              <a:rPr lang="en-IN" dirty="0" smtClean="0"/>
+              <a:t>Freeze teacher model</a:t>
+            </a:r>
+          </a:p>
+          <a:p>
+            <a:pPr lvl="1"/>
+            <a:endParaRPr lang="en-IN" dirty="0"/>
           </a:p>
         </p:txBody>
       </p:sp>
     </p:spTree>
-    <p:extLst>
-      <p:ext uri="{BB962C8B-B14F-4D97-AF65-F5344CB8AC3E}">
-        <p14:creationId xmlns:p14="http://schemas.microsoft.com/office/powerpoint/2010/main" val="3691160634"/>
-      </p:ext>
-    </p:extLst>
   </p:cSld>
   <p:clrMapOvr>
     <a:masterClrMapping/>
@@ -4261,13 +4687,7 @@
   <p:cSld>
     <p:spTree>
       <p:nvGrpSpPr>
-        <p:cNvPr id="1" name="">
-          <a:extLst>
-            <a:ext uri="{FF2B5EF4-FFF2-40B4-BE49-F238E27FC236}">
-              <a16:creationId xmlns:a16="http://schemas.microsoft.com/office/drawing/2014/main" id="{1C8AEA77-34B6-2B92-3032-E7DC917A66A5}"/>
-            </a:ext>
-          </a:extLst>
-        </p:cNvPr>
+        <p:cNvPr id="1" name=""/>
         <p:cNvGrpSpPr/>
         <p:nvPr/>
       </p:nvGrpSpPr>
@@ -4281,73 +4701,596 @@
       </p:grpSpPr>
       <p:sp>
         <p:nvSpPr>
-          <p:cNvPr id="2" name="Title 1">
-            <a:extLst>
-              <a:ext uri="{FF2B5EF4-FFF2-40B4-BE49-F238E27FC236}">
-                <a16:creationId xmlns:a16="http://schemas.microsoft.com/office/drawing/2014/main" id="{CD98F5DA-863D-D365-0F24-39A0C31B06D7}"/>
-              </a:ext>
-            </a:extLst>
-          </p:cNvPr>
-          <p:cNvSpPr>
-            <a:spLocks noGrp="1"/>
-          </p:cNvSpPr>
-          <p:nvPr>
-            <p:ph type="ctrTitle"/>
-          </p:nvPr>
-        </p:nvSpPr>
-        <p:spPr/>
-        <p:txBody>
-          <a:bodyPr/>
-          <a:lstStyle/>
-          <a:p>
-            <a:r>
-              <a:rPr lang="en-IN" dirty="0"/>
-              <a:t>Questions?</a:t>
-            </a:r>
-          </a:p>
-        </p:txBody>
-      </p:sp>
-      <p:sp>
-        <p:nvSpPr>
-          <p:cNvPr id="3" name="Subtitle 2">
-            <a:extLst>
-              <a:ext uri="{FF2B5EF4-FFF2-40B4-BE49-F238E27FC236}">
-                <a16:creationId xmlns:a16="http://schemas.microsoft.com/office/drawing/2014/main" id="{24AD7672-D577-74F5-F08E-C14B57789DE5}"/>
-              </a:ext>
-            </a:extLst>
-          </p:cNvPr>
-          <p:cNvSpPr>
-            <a:spLocks noGrp="1"/>
-          </p:cNvSpPr>
-          <p:nvPr>
-            <p:ph type="subTitle" idx="1"/>
-          </p:nvPr>
-        </p:nvSpPr>
-        <p:spPr/>
-        <p:txBody>
-          <a:bodyPr/>
-          <a:lstStyle/>
-          <a:p>
-            <a:r>
-              <a:rPr lang="en-US" dirty="0"/>
-              <a:t>Thank you</a:t>
-            </a:r>
-          </a:p>
-          <a:p>
+          <p:cNvPr id="2" name="Title 1"/>
+          <p:cNvSpPr>
+            <a:spLocks noGrp="1"/>
+          </p:cNvSpPr>
+          <p:nvPr>
+            <p:ph type="title"/>
+          </p:nvPr>
+        </p:nvSpPr>
+        <p:spPr/>
+        <p:txBody>
+          <a:bodyPr/>
+          <a:lstStyle/>
+          <a:p>
+            <a:r>
+              <a:rPr lang="en-IN" dirty="0" smtClean="0"/>
+              <a:t>Online Distillation</a:t>
+            </a:r>
             <a:endParaRPr lang="en-IN" dirty="0"/>
           </a:p>
         </p:txBody>
       </p:sp>
+      <p:sp>
+        <p:nvSpPr>
+          <p:cNvPr id="3" name="Content Placeholder 2"/>
+          <p:cNvSpPr>
+            <a:spLocks noGrp="1"/>
+          </p:cNvSpPr>
+          <p:nvPr>
+            <p:ph idx="1"/>
+          </p:nvPr>
+        </p:nvSpPr>
+        <p:spPr/>
+        <p:txBody>
+          <a:bodyPr>
+            <a:normAutofit fontScale="92500" lnSpcReduction="10000"/>
+          </a:bodyPr>
+          <a:lstStyle/>
+          <a:p>
+            <a:r>
+              <a:rPr lang="en-IN" dirty="0" smtClean="0"/>
+              <a:t>Highly efficient method – Parallel computing</a:t>
+            </a:r>
+          </a:p>
+          <a:p>
+            <a:r>
+              <a:rPr lang="en-IN" dirty="0" smtClean="0"/>
+              <a:t>Pre-trained teacher model </a:t>
+            </a:r>
+          </a:p>
+          <a:p>
+            <a:pPr lvl="1"/>
+            <a:r>
+              <a:rPr lang="en-IN" dirty="0" smtClean="0"/>
+              <a:t>Not available</a:t>
+            </a:r>
+          </a:p>
+          <a:p>
+            <a:pPr lvl="1"/>
+            <a:r>
+              <a:rPr lang="en-IN" dirty="0" smtClean="0"/>
+              <a:t>Specific </a:t>
+            </a:r>
+            <a:r>
+              <a:rPr lang="en-IN" dirty="0" smtClean="0"/>
+              <a:t>use case</a:t>
+            </a:r>
+            <a:endParaRPr lang="en-IN" dirty="0" smtClean="0"/>
+          </a:p>
+          <a:p>
+            <a:r>
+              <a:rPr lang="en-IN" dirty="0" smtClean="0"/>
+              <a:t>Solution – Online distillation</a:t>
+            </a:r>
+          </a:p>
+          <a:p>
+            <a:r>
+              <a:rPr lang="en-IN" dirty="0" smtClean="0"/>
+              <a:t>End–to–end  training process</a:t>
+            </a:r>
+          </a:p>
+          <a:p>
+            <a:r>
+              <a:rPr lang="en-IN" dirty="0" smtClean="0"/>
+              <a:t>Update </a:t>
+            </a:r>
+            <a:r>
+              <a:rPr lang="en-IN" dirty="0" smtClean="0"/>
+              <a:t>simultaneously </a:t>
+            </a:r>
+            <a:endParaRPr lang="en-IN" dirty="0" smtClean="0"/>
+          </a:p>
+          <a:p>
+            <a:pPr lvl="1"/>
+            <a:r>
+              <a:rPr lang="en-IN" dirty="0" smtClean="0"/>
+              <a:t>Teacher model</a:t>
+            </a:r>
+          </a:p>
+          <a:p>
+            <a:pPr lvl="1"/>
+            <a:r>
+              <a:rPr lang="en-IN" dirty="0" smtClean="0"/>
+              <a:t>Student model</a:t>
+            </a:r>
+          </a:p>
+        </p:txBody>
+      </p:sp>
     </p:spTree>
-    <p:extLst>
-      <p:ext uri="{BB962C8B-B14F-4D97-AF65-F5344CB8AC3E}">
-        <p14:creationId xmlns:p14="http://schemas.microsoft.com/office/powerpoint/2010/main" val="2420884258"/>
-      </p:ext>
-    </p:extLst>
   </p:cSld>
   <p:clrMapOvr>
     <a:masterClrMapping/>
   </p:clrMapOvr>
+</p:sld>
+</file>
+
+<file path=ppt/slides/slide23.xml><?xml version="1.0" encoding="utf-8"?>
+<p:sld xmlns:a="http://schemas.openxmlformats.org/drawingml/2006/main" xmlns:r="http://schemas.openxmlformats.org/officeDocument/2006/relationships" xmlns:p="http://schemas.openxmlformats.org/presentationml/2006/main">
+  <p:cSld>
+    <p:spTree>
+      <p:nvGrpSpPr>
+        <p:cNvPr id="1" name=""/>
+        <p:cNvGrpSpPr/>
+        <p:nvPr/>
+      </p:nvGrpSpPr>
+      <p:grpSpPr>
+        <a:xfrm>
+          <a:off x="0" y="0"/>
+          <a:ext cx="0" cy="0"/>
+          <a:chOff x="0" y="0"/>
+          <a:chExt cx="0" cy="0"/>
+        </a:xfrm>
+      </p:grpSpPr>
+      <p:sp>
+        <p:nvSpPr>
+          <p:cNvPr id="2" name="Title 1"/>
+          <p:cNvSpPr>
+            <a:spLocks noGrp="1"/>
+          </p:cNvSpPr>
+          <p:nvPr>
+            <p:ph type="title"/>
+          </p:nvPr>
+        </p:nvSpPr>
+        <p:spPr/>
+        <p:txBody>
+          <a:bodyPr/>
+          <a:lstStyle/>
+          <a:p>
+            <a:r>
+              <a:rPr lang="en-IN" dirty="0" smtClean="0"/>
+              <a:t>Self Distillation</a:t>
+            </a:r>
+            <a:endParaRPr lang="en-IN" dirty="0"/>
+          </a:p>
+        </p:txBody>
+      </p:sp>
+      <p:sp>
+        <p:nvSpPr>
+          <p:cNvPr id="3" name="Content Placeholder 2"/>
+          <p:cNvSpPr>
+            <a:spLocks noGrp="1"/>
+          </p:cNvSpPr>
+          <p:nvPr>
+            <p:ph idx="1"/>
+          </p:nvPr>
+        </p:nvSpPr>
+        <p:spPr/>
+        <p:txBody>
+          <a:bodyPr/>
+          <a:lstStyle/>
+          <a:p>
+            <a:r>
+              <a:rPr lang="en-IN" dirty="0" smtClean="0"/>
+              <a:t>One network</a:t>
+            </a:r>
+          </a:p>
+          <a:p>
+            <a:pPr lvl="1"/>
+            <a:r>
+              <a:rPr lang="en-IN" dirty="0" smtClean="0"/>
+              <a:t>Teacher model</a:t>
+            </a:r>
+          </a:p>
+          <a:p>
+            <a:pPr lvl="1"/>
+            <a:r>
+              <a:rPr lang="en-IN" dirty="0" smtClean="0"/>
+              <a:t>Student model</a:t>
+            </a:r>
+          </a:p>
+          <a:p>
+            <a:r>
+              <a:rPr lang="en-IN" dirty="0" smtClean="0"/>
+              <a:t>Knowledge </a:t>
+            </a:r>
+            <a:r>
+              <a:rPr lang="en-IN" dirty="0" smtClean="0"/>
+              <a:t>transfer </a:t>
+            </a:r>
+            <a:r>
+              <a:rPr lang="en-IN" dirty="0" smtClean="0"/>
+              <a:t>from </a:t>
+            </a:r>
+          </a:p>
+          <a:p>
+            <a:pPr lvl="1"/>
+            <a:r>
+              <a:rPr lang="en-IN" dirty="0" smtClean="0"/>
+              <a:t>Deeper </a:t>
+            </a:r>
+            <a:r>
+              <a:rPr lang="en-IN" dirty="0" smtClean="0"/>
+              <a:t>layers </a:t>
+            </a:r>
+            <a:r>
+              <a:rPr lang="en-IN" dirty="0" smtClean="0"/>
+              <a:t>to shallow </a:t>
+            </a:r>
+            <a:r>
+              <a:rPr lang="en-IN" dirty="0" smtClean="0"/>
+              <a:t>layers</a:t>
+            </a:r>
+            <a:endParaRPr lang="en-IN" dirty="0"/>
+          </a:p>
+        </p:txBody>
+      </p:sp>
+    </p:spTree>
+  </p:cSld>
+  <p:clrMapOvr>
+    <a:masterClrMapping/>
+  </p:clrMapOvr>
+</p:sld>
+</file>
+
+<file path=ppt/slides/slide24.xml><?xml version="1.0" encoding="utf-8"?>
+<p:sld xmlns:a="http://schemas.openxmlformats.org/drawingml/2006/main" xmlns:r="http://schemas.openxmlformats.org/officeDocument/2006/relationships" xmlns:p="http://schemas.openxmlformats.org/presentationml/2006/main">
+  <p:cSld>
+    <p:spTree>
+      <p:nvGrpSpPr>
+        <p:cNvPr id="1" name=""/>
+        <p:cNvGrpSpPr/>
+        <p:nvPr/>
+      </p:nvGrpSpPr>
+      <p:grpSpPr>
+        <a:xfrm>
+          <a:off x="0" y="0"/>
+          <a:ext cx="0" cy="0"/>
+          <a:chOff x="0" y="0"/>
+          <a:chExt cx="0" cy="0"/>
+        </a:xfrm>
+      </p:grpSpPr>
+      <p:sp>
+        <p:nvSpPr>
+          <p:cNvPr id="2" name="Title 1"/>
+          <p:cNvSpPr>
+            <a:spLocks noGrp="1"/>
+          </p:cNvSpPr>
+          <p:nvPr>
+            <p:ph type="title"/>
+          </p:nvPr>
+        </p:nvSpPr>
+        <p:spPr/>
+        <p:txBody>
+          <a:bodyPr>
+            <a:normAutofit fontScale="90000"/>
+          </a:bodyPr>
+          <a:lstStyle/>
+          <a:p>
+            <a:r>
+              <a:rPr lang="en-IN" dirty="0" smtClean="0"/>
+              <a:t>Knowledge Distillation – Algorithms </a:t>
+            </a:r>
+            <a:endParaRPr lang="en-IN" dirty="0"/>
+          </a:p>
+        </p:txBody>
+      </p:sp>
+      <p:sp>
+        <p:nvSpPr>
+          <p:cNvPr id="3" name="Content Placeholder 2"/>
+          <p:cNvSpPr>
+            <a:spLocks noGrp="1"/>
+          </p:cNvSpPr>
+          <p:nvPr>
+            <p:ph idx="1"/>
+          </p:nvPr>
+        </p:nvSpPr>
+        <p:spPr/>
+        <p:txBody>
+          <a:bodyPr/>
+          <a:lstStyle/>
+          <a:p>
+            <a:r>
+              <a:rPr lang="en-IN" dirty="0" smtClean="0"/>
+              <a:t>Adversarial Distillation</a:t>
+            </a:r>
+          </a:p>
+          <a:p>
+            <a:r>
+              <a:rPr lang="en-IN" dirty="0" smtClean="0"/>
+              <a:t>Multi-Teacher Distillation</a:t>
+            </a:r>
+          </a:p>
+          <a:p>
+            <a:r>
+              <a:rPr lang="en-IN" dirty="0" smtClean="0"/>
+              <a:t>Cross-modal Distillation</a:t>
+            </a:r>
+            <a:endParaRPr lang="en-IN" dirty="0"/>
+          </a:p>
+        </p:txBody>
+      </p:sp>
+    </p:spTree>
+  </p:cSld>
+  <p:clrMapOvr>
+    <a:masterClrMapping/>
+  </p:clrMapOvr>
+</p:sld>
+</file>
+
+<file path=ppt/slides/slide25.xml><?xml version="1.0" encoding="utf-8"?>
+<p:sld xmlns:a="http://schemas.openxmlformats.org/drawingml/2006/main" xmlns:r="http://schemas.openxmlformats.org/officeDocument/2006/relationships" xmlns:p="http://schemas.openxmlformats.org/presentationml/2006/main">
+  <p:cSld>
+    <p:spTree>
+      <p:nvGrpSpPr>
+        <p:cNvPr id="1" name=""/>
+        <p:cNvGrpSpPr/>
+        <p:nvPr/>
+      </p:nvGrpSpPr>
+      <p:grpSpPr>
+        <a:xfrm>
+          <a:off x="0" y="0"/>
+          <a:ext cx="0" cy="0"/>
+          <a:chOff x="0" y="0"/>
+          <a:chExt cx="0" cy="0"/>
+        </a:xfrm>
+      </p:grpSpPr>
+      <p:sp>
+        <p:nvSpPr>
+          <p:cNvPr id="2" name="Title 1"/>
+          <p:cNvSpPr>
+            <a:spLocks noGrp="1"/>
+          </p:cNvSpPr>
+          <p:nvPr>
+            <p:ph type="title"/>
+          </p:nvPr>
+        </p:nvSpPr>
+        <p:spPr/>
+        <p:txBody>
+          <a:bodyPr/>
+          <a:lstStyle/>
+          <a:p>
+            <a:r>
+              <a:rPr lang="en-IN" dirty="0" smtClean="0"/>
+              <a:t>Applications</a:t>
+            </a:r>
+            <a:endParaRPr lang="en-IN" dirty="0"/>
+          </a:p>
+        </p:txBody>
+      </p:sp>
+      <p:sp>
+        <p:nvSpPr>
+          <p:cNvPr id="3" name="Content Placeholder 2"/>
+          <p:cNvSpPr>
+            <a:spLocks noGrp="1"/>
+          </p:cNvSpPr>
+          <p:nvPr>
+            <p:ph idx="1"/>
+          </p:nvPr>
+        </p:nvSpPr>
+        <p:spPr/>
+        <p:txBody>
+          <a:bodyPr/>
+          <a:lstStyle/>
+          <a:p>
+            <a:r>
+              <a:rPr lang="en-IN" dirty="0" smtClean="0"/>
+              <a:t>Natural Language Processing </a:t>
+            </a:r>
+          </a:p>
+          <a:p>
+            <a:r>
+              <a:rPr lang="en-IN" dirty="0" smtClean="0"/>
+              <a:t>Speech Recognition</a:t>
+            </a:r>
+          </a:p>
+          <a:p>
+            <a:r>
+              <a:rPr lang="en-IN" dirty="0" smtClean="0"/>
+              <a:t>Image Recognition </a:t>
+            </a:r>
+          </a:p>
+          <a:p>
+            <a:r>
+              <a:rPr lang="en-IN" dirty="0" smtClean="0"/>
+              <a:t>Object Detection</a:t>
+            </a:r>
+          </a:p>
+          <a:p>
+            <a:r>
+              <a:rPr lang="en-IN" dirty="0" smtClean="0"/>
+              <a:t>Large Language Models</a:t>
+            </a:r>
+            <a:endParaRPr lang="en-IN" dirty="0"/>
+          </a:p>
+        </p:txBody>
+      </p:sp>
+    </p:spTree>
+  </p:cSld>
+  <p:clrMapOvr>
+    <a:masterClrMapping/>
+  </p:clrMapOvr>
+</p:sld>
+</file>
+
+<file path=ppt/slides/slide26.xml><?xml version="1.0" encoding="utf-8"?>
+<p:sld xmlns:a="http://schemas.openxmlformats.org/drawingml/2006/main" xmlns:r="http://schemas.openxmlformats.org/officeDocument/2006/relationships" xmlns:p="http://schemas.openxmlformats.org/presentationml/2006/main">
+  <p:cSld>
+    <p:spTree>
+      <p:nvGrpSpPr>
+        <p:cNvPr id="1" name=""/>
+        <p:cNvGrpSpPr/>
+        <p:nvPr/>
+      </p:nvGrpSpPr>
+      <p:grpSpPr>
+        <a:xfrm>
+          <a:off x="0" y="0"/>
+          <a:ext cx="0" cy="0"/>
+          <a:chOff x="0" y="0"/>
+          <a:chExt cx="0" cy="0"/>
+        </a:xfrm>
+      </p:grpSpPr>
+      <p:sp>
+        <p:nvSpPr>
+          <p:cNvPr id="2" name="Title 1"/>
+          <p:cNvSpPr>
+            <a:spLocks noGrp="1"/>
+          </p:cNvSpPr>
+          <p:nvPr>
+            <p:ph type="title"/>
+          </p:nvPr>
+        </p:nvSpPr>
+        <p:spPr/>
+        <p:txBody>
+          <a:bodyPr/>
+          <a:lstStyle/>
+          <a:p>
+            <a:r>
+              <a:rPr lang="en-IN" dirty="0" smtClean="0"/>
+              <a:t>Conclusions</a:t>
+            </a:r>
+            <a:endParaRPr lang="en-IN" dirty="0"/>
+          </a:p>
+        </p:txBody>
+      </p:sp>
+      <p:sp>
+        <p:nvSpPr>
+          <p:cNvPr id="3" name="Content Placeholder 2"/>
+          <p:cNvSpPr>
+            <a:spLocks noGrp="1"/>
+          </p:cNvSpPr>
+          <p:nvPr>
+            <p:ph idx="1"/>
+          </p:nvPr>
+        </p:nvSpPr>
+        <p:spPr/>
+        <p:txBody>
+          <a:bodyPr/>
+          <a:lstStyle/>
+          <a:p>
+            <a:r>
+              <a:rPr lang="en-IN" dirty="0" smtClean="0"/>
+              <a:t>Large pre-trained teacher model</a:t>
+            </a:r>
+          </a:p>
+          <a:p>
+            <a:r>
+              <a:rPr lang="en-IN" dirty="0" smtClean="0"/>
+              <a:t>Ensemble of teacher models </a:t>
+            </a:r>
+          </a:p>
+          <a:p>
+            <a:r>
+              <a:rPr lang="en-IN" dirty="0" smtClean="0"/>
+              <a:t>Smaller student model</a:t>
+            </a:r>
+          </a:p>
+          <a:p>
+            <a:r>
+              <a:rPr lang="en-IN" dirty="0" smtClean="0"/>
+              <a:t>Distillation loss</a:t>
+            </a:r>
+          </a:p>
+          <a:p>
+            <a:r>
+              <a:rPr lang="en-IN" dirty="0" smtClean="0"/>
+              <a:t>Model compression</a:t>
+            </a:r>
+          </a:p>
+          <a:p>
+            <a:r>
+              <a:rPr lang="en-IN" dirty="0" smtClean="0"/>
+              <a:t>Emulate thought process</a:t>
+            </a:r>
+            <a:endParaRPr lang="en-IN" dirty="0" smtClean="0"/>
+          </a:p>
+          <a:p>
+            <a:endParaRPr lang="en-IN" dirty="0"/>
+          </a:p>
+        </p:txBody>
+      </p:sp>
+    </p:spTree>
+  </p:cSld>
+  <p:clrMapOvr>
+    <a:masterClrMapping/>
+  </p:clrMapOvr>
+</p:sld>
+</file>
+
+<file path=ppt/slides/slide27.xml><?xml version="1.0" encoding="utf-8"?>
+<p:sld xmlns:a="http://schemas.openxmlformats.org/drawingml/2006/main" xmlns:r="http://schemas.openxmlformats.org/officeDocument/2006/relationships" xmlns:p="http://schemas.openxmlformats.org/presentationml/2006/main">
+  <p:cSld>
+    <p:spTree>
+      <p:nvGrpSpPr>
+        <p:cNvPr id="1" name=""/>
+        <p:cNvGrpSpPr/>
+        <p:nvPr/>
+      </p:nvGrpSpPr>
+      <p:grpSpPr>
+        <a:xfrm>
+          <a:off x="0" y="0"/>
+          <a:ext cx="0" cy="0"/>
+          <a:chOff x="0" y="0"/>
+          <a:chExt cx="0" cy="0"/>
+        </a:xfrm>
+      </p:grpSpPr>
+      <p:sp>
+        <p:nvSpPr>
+          <p:cNvPr id="2" name="Title 1"/>
+          <p:cNvSpPr>
+            <a:spLocks noGrp="1"/>
+          </p:cNvSpPr>
+          <p:nvPr>
+            <p:ph type="ctrTitle"/>
+          </p:nvPr>
+        </p:nvSpPr>
+        <p:spPr/>
+        <p:txBody>
+          <a:bodyPr/>
+          <a:lstStyle/>
+          <a:p>
+            <a:r>
+              <a:rPr lang="en-US" dirty="0"/>
+              <a:t>Questions?</a:t>
+            </a:r>
+          </a:p>
+        </p:txBody>
+      </p:sp>
+      <p:sp>
+        <p:nvSpPr>
+          <p:cNvPr id="3" name="Subtitle 2"/>
+          <p:cNvSpPr>
+            <a:spLocks noGrp="1"/>
+          </p:cNvSpPr>
+          <p:nvPr>
+            <p:ph type="subTitle" idx="1"/>
+          </p:nvPr>
+        </p:nvSpPr>
+        <p:spPr/>
+        <p:txBody>
+          <a:bodyPr/>
+          <a:lstStyle/>
+          <a:p>
+            <a:r>
+              <a:rPr lang="en-US" dirty="0"/>
+              <a:t>Thank you</a:t>
+            </a:r>
+          </a:p>
+        </p:txBody>
+      </p:sp>
+    </p:spTree>
+  </p:cSld>
+  <p:clrMapOvr>
+    <a:masterClrMapping/>
+  </p:clrMapOvr>
+  <p:timing>
+    <p:tnLst>
+      <p:par>
+        <p:cTn id="1" dur="indefinite" restart="never" nodeType="tmRoot"/>
+      </p:par>
+    </p:tnLst>
+  </p:timing>
 </p:sld>
 </file>
 
@@ -4370,13 +5313,7 @@
       </p:grpSpPr>
       <p:sp>
         <p:nvSpPr>
-          <p:cNvPr id="2" name="Title 1">
-            <a:extLst>
-              <a:ext uri="{FF2B5EF4-FFF2-40B4-BE49-F238E27FC236}">
-                <a16:creationId xmlns:a16="http://schemas.microsoft.com/office/drawing/2014/main" id="{6C39F5E1-01E7-B881-000D-A2B60A0DACBE}"/>
-              </a:ext>
-            </a:extLst>
-          </p:cNvPr>
+          <p:cNvPr id="2" name="Title 1"/>
           <p:cNvSpPr>
             <a:spLocks noGrp="1"/>
           </p:cNvSpPr>
@@ -4389,23 +5326,17 @@
           <a:bodyPr/>
           <a:lstStyle/>
           <a:p>
-            <a:pPr algn="ctr"/>
-            <a:r>
-              <a:rPr lang="en-IN" dirty="0"/>
-              <a:t>Knowledge Distillation</a:t>
-            </a:r>
-          </a:p>
-        </p:txBody>
-      </p:sp>
-      <p:sp>
-        <p:nvSpPr>
-          <p:cNvPr id="3" name="Content Placeholder 2">
-            <a:extLst>
-              <a:ext uri="{FF2B5EF4-FFF2-40B4-BE49-F238E27FC236}">
-                <a16:creationId xmlns:a16="http://schemas.microsoft.com/office/drawing/2014/main" id="{DE589BE7-3B0A-8A3B-6BDB-30D4B151B188}"/>
-              </a:ext>
-            </a:extLst>
-          </p:cNvPr>
+            <a:r>
+              <a:rPr lang="en-US" dirty="0" smtClean="0"/>
+              <a:t>Knowledge Distillation – What ?</a:t>
+            </a:r>
+            <a:endParaRPr lang="en-IN" dirty="0"/>
+          </a:p>
+        </p:txBody>
+      </p:sp>
+      <p:sp>
+        <p:nvSpPr>
+          <p:cNvPr id="3" name="Content Placeholder 2"/>
           <p:cNvSpPr>
             <a:spLocks noGrp="1"/>
           </p:cNvSpPr>
@@ -4415,70 +5346,105 @@
         </p:nvSpPr>
         <p:spPr/>
         <p:txBody>
-          <a:bodyPr/>
-          <a:lstStyle/>
-          <a:p>
-            <a:r>
-              <a:rPr lang="en-US" dirty="0"/>
-              <a:t>Knowledge transfer </a:t>
-            </a:r>
-          </a:p>
-          <a:p>
-            <a:r>
-              <a:rPr lang="en-US" dirty="0"/>
-              <a:t>Large model or set of models</a:t>
-            </a:r>
-          </a:p>
-          <a:p>
-            <a:r>
-              <a:rPr lang="en-US" dirty="0"/>
+          <a:bodyPr>
+            <a:normAutofit/>
+          </a:bodyPr>
+          <a:lstStyle/>
+          <a:p>
+            <a:r>
+              <a:rPr lang="en-IN" dirty="0" smtClean="0">
+                <a:solidFill>
+                  <a:srgbClr val="00B050"/>
+                </a:solidFill>
+              </a:rPr>
+              <a:t>Knowledge transfer</a:t>
+            </a:r>
+          </a:p>
+          <a:p>
+            <a:r>
+              <a:rPr lang="en-IN" dirty="0" smtClean="0"/>
+              <a:t>Large pre-trained model or </a:t>
+            </a:r>
+            <a:r>
+              <a:rPr lang="en-IN" dirty="0" smtClean="0"/>
+              <a:t>set </a:t>
+            </a:r>
+            <a:r>
+              <a:rPr lang="en-IN" dirty="0" smtClean="0"/>
+              <a:t>of models</a:t>
+            </a:r>
+          </a:p>
+          <a:p>
+            <a:r>
+              <a:rPr lang="en-IN" dirty="0" smtClean="0">
+                <a:solidFill>
+                  <a:srgbClr val="00B050"/>
+                </a:solidFill>
+              </a:rPr>
+              <a:t>Teacher model</a:t>
+            </a:r>
+            <a:r>
+              <a:rPr lang="en-IN" dirty="0" smtClean="0"/>
+              <a:t> or </a:t>
+            </a:r>
+            <a:r>
+              <a:rPr lang="en-IN" dirty="0" smtClean="0">
+                <a:solidFill>
+                  <a:srgbClr val="00B050"/>
+                </a:solidFill>
+              </a:rPr>
+              <a:t>ensemble </a:t>
+            </a:r>
+            <a:r>
+              <a:rPr lang="en-IN" dirty="0" smtClean="0">
+                <a:solidFill>
+                  <a:srgbClr val="00B050"/>
+                </a:solidFill>
+              </a:rPr>
+              <a:t>of models</a:t>
+            </a:r>
+            <a:endParaRPr lang="en-IN" dirty="0" smtClean="0">
+              <a:solidFill>
+                <a:srgbClr val="00B050"/>
+              </a:solidFill>
+            </a:endParaRPr>
+          </a:p>
+          <a:p>
+            <a:r>
+              <a:rPr lang="en-IN" dirty="0" smtClean="0"/>
               <a:t>Single smaller model</a:t>
             </a:r>
           </a:p>
           <a:p>
             <a:r>
-              <a:rPr lang="en-US" dirty="0"/>
-              <a:t>Edge AI deployment</a:t>
-            </a:r>
-          </a:p>
-          <a:p>
-            <a:pPr lvl="1"/>
-            <a:r>
-              <a:rPr lang="en-US" dirty="0"/>
-              <a:t>Limited memory </a:t>
-            </a:r>
-          </a:p>
-          <a:p>
-            <a:pPr lvl="1"/>
-            <a:r>
-              <a:rPr lang="en-US" dirty="0"/>
-              <a:t>Limited computational capacity</a:t>
-            </a:r>
-          </a:p>
-          <a:p>
-            <a:r>
-              <a:rPr lang="en-US" dirty="0"/>
+              <a:rPr lang="en-IN" dirty="0" smtClean="0">
+                <a:solidFill>
+                  <a:srgbClr val="00B050"/>
+                </a:solidFill>
+              </a:rPr>
+              <a:t>Student model</a:t>
+            </a:r>
+          </a:p>
+          <a:p>
+            <a:r>
+              <a:rPr lang="en-IN" dirty="0" smtClean="0"/>
               <a:t>Model compression</a:t>
             </a:r>
           </a:p>
-          <a:p>
-            <a:endParaRPr lang="en-US" dirty="0"/>
-          </a:p>
-          <a:p>
-            <a:endParaRPr lang="en-IN" dirty="0"/>
-          </a:p>
         </p:txBody>
       </p:sp>
     </p:spTree>
-    <p:extLst>
-      <p:ext uri="{BB962C8B-B14F-4D97-AF65-F5344CB8AC3E}">
-        <p14:creationId xmlns:p14="http://schemas.microsoft.com/office/powerpoint/2010/main" val="2137293043"/>
-      </p:ext>
-    </p:extLst>
   </p:cSld>
   <p:clrMapOvr>
     <a:masterClrMapping/>
   </p:clrMapOvr>
+  <p:timing>
+    <p:tnLst>
+      <p:par>
+        <p:cTn id="1" dur="indefinite" restart="never" nodeType="tmRoot"/>
+      </p:par>
+    </p:tnLst>
+  </p:timing>
 </p:sld>
 </file>
 
@@ -4487,13 +5453,7 @@
   <p:cSld>
     <p:spTree>
       <p:nvGrpSpPr>
-        <p:cNvPr id="1" name="">
-          <a:extLst>
-            <a:ext uri="{FF2B5EF4-FFF2-40B4-BE49-F238E27FC236}">
-              <a16:creationId xmlns:a16="http://schemas.microsoft.com/office/drawing/2014/main" id="{5B4448C5-6997-FDAA-99C8-33115CAAEDA2}"/>
-            </a:ext>
-          </a:extLst>
-        </p:cNvPr>
+        <p:cNvPr id="1" name=""/>
         <p:cNvGrpSpPr/>
         <p:nvPr/>
       </p:nvGrpSpPr>
@@ -4507,13 +5467,7 @@
       </p:grpSpPr>
       <p:sp>
         <p:nvSpPr>
-          <p:cNvPr id="2" name="Title 1">
-            <a:extLst>
-              <a:ext uri="{FF2B5EF4-FFF2-40B4-BE49-F238E27FC236}">
-                <a16:creationId xmlns:a16="http://schemas.microsoft.com/office/drawing/2014/main" id="{CD1C9C3E-C8CB-1B05-F744-F9A05B3B3125}"/>
-              </a:ext>
-            </a:extLst>
-          </p:cNvPr>
+          <p:cNvPr id="2" name="Title 1"/>
           <p:cNvSpPr>
             <a:spLocks noGrp="1"/>
           </p:cNvSpPr>
@@ -4526,23 +5480,17 @@
           <a:bodyPr/>
           <a:lstStyle/>
           <a:p>
-            <a:pPr algn="ctr"/>
-            <a:r>
-              <a:rPr lang="en-IN" dirty="0"/>
-              <a:t>Knowledge Distillation</a:t>
-            </a:r>
-          </a:p>
-        </p:txBody>
-      </p:sp>
-      <p:sp>
-        <p:nvSpPr>
-          <p:cNvPr id="3" name="Content Placeholder 2">
-            <a:extLst>
-              <a:ext uri="{FF2B5EF4-FFF2-40B4-BE49-F238E27FC236}">
-                <a16:creationId xmlns:a16="http://schemas.microsoft.com/office/drawing/2014/main" id="{6DB6B392-A810-76BE-F88F-65A01F11DE84}"/>
-              </a:ext>
-            </a:extLst>
-          </p:cNvPr>
+            <a:r>
+              <a:rPr lang="en-IN" dirty="0" smtClean="0"/>
+              <a:t>Knowledge Distillation – What ?</a:t>
+            </a:r>
+            <a:endParaRPr lang="en-IN" dirty="0"/>
+          </a:p>
+        </p:txBody>
+      </p:sp>
+      <p:sp>
+        <p:nvSpPr>
+          <p:cNvPr id="3" name="Content Placeholder 2"/>
           <p:cNvSpPr>
             <a:spLocks noGrp="1"/>
           </p:cNvSpPr>
@@ -4552,47 +5500,97 @@
         </p:nvSpPr>
         <p:spPr/>
         <p:txBody>
-          <a:bodyPr/>
-          <a:lstStyle/>
-          <a:p>
-            <a:r>
-              <a:rPr lang="en-US" dirty="0"/>
-              <a:t>A small student model learns to mimic </a:t>
-            </a:r>
-          </a:p>
-          <a:p>
-            <a:r>
-              <a:rPr lang="en-US" dirty="0"/>
-              <a:t>A large teacher model </a:t>
-            </a:r>
-          </a:p>
-          <a:p>
-            <a:r>
-              <a:rPr lang="en-US" dirty="0"/>
-              <a:t>Leverage the knowledge of the teacher model </a:t>
-            </a:r>
-          </a:p>
-          <a:p>
-            <a:r>
-              <a:rPr lang="en-US" dirty="0"/>
+          <a:bodyPr>
+            <a:normAutofit/>
+          </a:bodyPr>
+          <a:lstStyle/>
+          <a:p>
+            <a:r>
+              <a:rPr lang="en-IN" dirty="0" smtClean="0">
+                <a:solidFill>
+                  <a:srgbClr val="00B050"/>
+                </a:solidFill>
+              </a:rPr>
+              <a:t>Small student </a:t>
+            </a:r>
+            <a:r>
+              <a:rPr lang="en-IN" dirty="0" smtClean="0">
+                <a:solidFill>
+                  <a:srgbClr val="00B050"/>
+                </a:solidFill>
+              </a:rPr>
+              <a:t>model</a:t>
+            </a:r>
+            <a:r>
+              <a:rPr lang="en-IN" dirty="0" smtClean="0"/>
+              <a:t> </a:t>
+            </a:r>
+          </a:p>
+          <a:p>
+            <a:r>
+              <a:rPr lang="en-IN" dirty="0" smtClean="0"/>
+              <a:t>Learn to emulate </a:t>
+            </a:r>
+          </a:p>
+          <a:p>
+            <a:r>
+              <a:rPr lang="en-IN" dirty="0" smtClean="0">
+                <a:solidFill>
+                  <a:srgbClr val="00B050"/>
+                </a:solidFill>
+              </a:rPr>
+              <a:t>Large teacher model</a:t>
+            </a:r>
+          </a:p>
+          <a:p>
+            <a:r>
+              <a:rPr lang="en-IN" dirty="0" smtClean="0"/>
+              <a:t>Leverage teacher knowledge </a:t>
+            </a:r>
+          </a:p>
+          <a:p>
+            <a:r>
+              <a:rPr lang="en-IN" dirty="0" smtClean="0">
+                <a:solidFill>
+                  <a:srgbClr val="00B050"/>
+                </a:solidFill>
+              </a:rPr>
+              <a:t>Emulate</a:t>
+            </a:r>
+            <a:r>
+              <a:rPr lang="en-IN" dirty="0" smtClean="0"/>
+              <a:t> </a:t>
+            </a:r>
+            <a:r>
+              <a:rPr lang="en-IN" dirty="0" smtClean="0">
+                <a:solidFill>
+                  <a:srgbClr val="00B050"/>
+                </a:solidFill>
+              </a:rPr>
+              <a:t>thought process</a:t>
+            </a:r>
+          </a:p>
+          <a:p>
+            <a:r>
+              <a:rPr lang="en-IN" dirty="0" smtClean="0"/>
               <a:t>Obtain similar or higher accuracy</a:t>
             </a:r>
-          </a:p>
-          <a:p>
             <a:endParaRPr lang="en-IN" dirty="0"/>
           </a:p>
         </p:txBody>
       </p:sp>
     </p:spTree>
-    <p:extLst>
-      <p:ext uri="{BB962C8B-B14F-4D97-AF65-F5344CB8AC3E}">
-        <p14:creationId xmlns:p14="http://schemas.microsoft.com/office/powerpoint/2010/main" val="2218562517"/>
-      </p:ext>
-    </p:extLst>
   </p:cSld>
   <p:clrMapOvr>
     <a:masterClrMapping/>
   </p:clrMapOvr>
+  <p:timing>
+    <p:tnLst>
+      <p:par>
+        <p:cTn id="1" dur="indefinite" restart="never" nodeType="tmRoot"/>
+      </p:par>
+    </p:tnLst>
+  </p:timing>
 </p:sld>
 </file>
 
@@ -4615,39 +5613,163 @@
       </p:grpSpPr>
       <p:sp>
         <p:nvSpPr>
-          <p:cNvPr id="2" name="Title 1">
+          <p:cNvPr id="2" name="Title 1"/>
+          <p:cNvSpPr>
+            <a:spLocks noGrp="1"/>
+          </p:cNvSpPr>
+          <p:nvPr>
+            <p:ph type="title"/>
+          </p:nvPr>
+        </p:nvSpPr>
+        <p:spPr/>
+        <p:txBody>
+          <a:bodyPr/>
+          <a:lstStyle/>
+          <a:p>
+            <a:r>
+              <a:rPr lang="en-US" dirty="0" smtClean="0"/>
+              <a:t>Knowledge Distillation – Why ?</a:t>
+            </a:r>
+            <a:endParaRPr lang="en-IN" dirty="0"/>
+          </a:p>
+        </p:txBody>
+      </p:sp>
+      <p:sp>
+        <p:nvSpPr>
+          <p:cNvPr id="3" name="Content Placeholder 2"/>
+          <p:cNvSpPr>
+            <a:spLocks noGrp="1"/>
+          </p:cNvSpPr>
+          <p:nvPr>
+            <p:ph idx="1"/>
+          </p:nvPr>
+        </p:nvSpPr>
+        <p:spPr/>
+        <p:txBody>
+          <a:bodyPr>
+            <a:normAutofit/>
+          </a:bodyPr>
+          <a:lstStyle/>
+          <a:p>
+            <a:r>
+              <a:rPr lang="en-IN" dirty="0" smtClean="0"/>
+              <a:t>Smaller models</a:t>
+            </a:r>
+          </a:p>
+          <a:p>
+            <a:pPr lvl="1"/>
+            <a:r>
+              <a:rPr lang="en-IN" dirty="0" smtClean="0"/>
+              <a:t>Faster – Low latency</a:t>
+            </a:r>
+          </a:p>
+          <a:p>
+            <a:pPr lvl="1"/>
+            <a:r>
+              <a:rPr lang="en-IN" dirty="0" smtClean="0"/>
+              <a:t>Less computationally expensive</a:t>
+            </a:r>
+          </a:p>
+          <a:p>
+            <a:pPr lvl="1"/>
+            <a:r>
+              <a:rPr lang="en-IN" dirty="0" smtClean="0"/>
+              <a:t>Real time deployment</a:t>
+            </a:r>
+          </a:p>
+          <a:p>
+            <a:pPr lvl="1"/>
+            <a:r>
+              <a:rPr lang="en-IN" dirty="0" smtClean="0"/>
+              <a:t>Edge AI deployment</a:t>
+            </a:r>
+          </a:p>
+          <a:p>
+            <a:r>
+              <a:rPr lang="en-IN" dirty="0" smtClean="0"/>
+              <a:t>Edge AI</a:t>
+            </a:r>
+          </a:p>
+          <a:p>
+            <a:pPr lvl="1"/>
+            <a:r>
+              <a:rPr lang="en-IN" dirty="0" smtClean="0"/>
+              <a:t>Limited memory</a:t>
+            </a:r>
+          </a:p>
+          <a:p>
+            <a:pPr lvl="1"/>
+            <a:r>
+              <a:rPr lang="en-IN" dirty="0" smtClean="0"/>
+              <a:t>Limited computational capacity</a:t>
+            </a:r>
+          </a:p>
+          <a:p>
+            <a:endParaRPr lang="en-IN" dirty="0" smtClean="0"/>
+          </a:p>
+        </p:txBody>
+      </p:sp>
+    </p:spTree>
+  </p:cSld>
+  <p:clrMapOvr>
+    <a:masterClrMapping/>
+  </p:clrMapOvr>
+  <p:timing>
+    <p:tnLst>
+      <p:par>
+        <p:cTn id="1" dur="indefinite" restart="never" nodeType="tmRoot"/>
+      </p:par>
+    </p:tnLst>
+  </p:timing>
+</p:sld>
+</file>
+
+<file path=ppt/slides/slide6.xml><?xml version="1.0" encoding="utf-8"?>
+<p:sld xmlns:a="http://schemas.openxmlformats.org/drawingml/2006/main" xmlns:r="http://schemas.openxmlformats.org/officeDocument/2006/relationships" xmlns:p="http://schemas.openxmlformats.org/presentationml/2006/main">
+  <p:cSld>
+    <p:spTree>
+      <p:nvGrpSpPr>
+        <p:cNvPr id="1" name=""/>
+        <p:cNvGrpSpPr/>
+        <p:nvPr/>
+      </p:nvGrpSpPr>
+      <p:grpSpPr>
+        <a:xfrm>
+          <a:off x="0" y="0"/>
+          <a:ext cx="0" cy="0"/>
+          <a:chOff x="0" y="0"/>
+          <a:chExt cx="0" cy="0"/>
+        </a:xfrm>
+      </p:grpSpPr>
+      <p:sp>
+        <p:nvSpPr>
+          <p:cNvPr id="2" name="Title 1"/>
+          <p:cNvSpPr>
+            <a:spLocks noGrp="1"/>
+          </p:cNvSpPr>
+          <p:nvPr>
+            <p:ph type="title"/>
+          </p:nvPr>
+        </p:nvSpPr>
+        <p:spPr/>
+        <p:txBody>
+          <a:bodyPr/>
+          <a:lstStyle/>
+          <a:p>
+            <a:r>
+              <a:rPr lang="en-IN" dirty="0" smtClean="0"/>
+              <a:t>Knowledge Distillation – How ?</a:t>
+            </a:r>
+            <a:endParaRPr lang="en-IN" dirty="0"/>
+          </a:p>
+        </p:txBody>
+      </p:sp>
+      <p:pic>
+        <p:nvPicPr>
+          <p:cNvPr id="4" name="Picture 3">
             <a:extLst>
               <a:ext uri="{FF2B5EF4-FFF2-40B4-BE49-F238E27FC236}">
-                <a16:creationId xmlns:a16="http://schemas.microsoft.com/office/drawing/2014/main" id="{111FA1AA-E339-5A51-764E-4566E5AAE9E9}"/>
-              </a:ext>
-            </a:extLst>
-          </p:cNvPr>
-          <p:cNvSpPr>
-            <a:spLocks noGrp="1"/>
-          </p:cNvSpPr>
-          <p:nvPr>
-            <p:ph type="title"/>
-          </p:nvPr>
-        </p:nvSpPr>
-        <p:spPr/>
-        <p:txBody>
-          <a:bodyPr/>
-          <a:lstStyle/>
-          <a:p>
-            <a:pPr algn="ctr"/>
-            <a:r>
-              <a:rPr lang="en-IN" dirty="0"/>
-              <a:t>Knowledge Distillation Process</a:t>
-            </a:r>
-          </a:p>
-        </p:txBody>
-      </p:sp>
-      <p:pic>
-        <p:nvPicPr>
-          <p:cNvPr id="5" name="Picture 4">
-            <a:extLst>
-              <a:ext uri="{FF2B5EF4-FFF2-40B4-BE49-F238E27FC236}">
-                <a16:creationId xmlns:a16="http://schemas.microsoft.com/office/drawing/2014/main" id="{C0FA23D2-7DB2-9CE4-E522-400E283648AF}"/>
+                <a16:creationId xmlns="" xmlns:a16="http://schemas.microsoft.com/office/drawing/2014/main" id="{C0FA23D2-7DB2-9CE4-E522-400E283648AF}"/>
               </a:ext>
             </a:extLst>
           </p:cNvPr>
@@ -4660,7 +5782,7 @@
           <a:blip r:embed="rId2">
             <a:extLst>
               <a:ext uri="{28A0092B-C50C-407E-A947-70E740481C1C}">
-                <a14:useLocalDpi xmlns:a14="http://schemas.microsoft.com/office/drawing/2010/main" val="0"/>
+                <a14:useLocalDpi xmlns="" xmlns:a14="http://schemas.microsoft.com/office/drawing/2010/main" val="0"/>
               </a:ext>
             </a:extLst>
           </a:blip>
@@ -4678,108 +5800,70 @@
           </a:prstGeom>
         </p:spPr>
       </p:pic>
+      <p:sp>
+        <p:nvSpPr>
+          <p:cNvPr id="5" name="Text Box 10"/>
+          <p:cNvSpPr txBox="1">
+            <a:spLocks noChangeArrowheads="1"/>
+          </p:cNvSpPr>
+          <p:nvPr/>
+        </p:nvSpPr>
+        <p:spPr bwMode="auto">
+          <a:xfrm rot="10800000" flipV="1">
+            <a:off x="0" y="6519446"/>
+            <a:ext cx="1828800" cy="338554"/>
+          </a:xfrm>
+          <a:prstGeom prst="rect">
+            <a:avLst/>
+          </a:prstGeom>
+          <a:noFill/>
+          <a:ln w="9525">
+            <a:noFill/>
+            <a:miter lim="800000"/>
+            <a:headEnd/>
+            <a:tailEnd/>
+          </a:ln>
+          <a:effectLst/>
+        </p:spPr>
+        <p:txBody>
+          <a:bodyPr wrap="square">
+            <a:spAutoFit/>
+          </a:bodyPr>
+          <a:lstStyle/>
+          <a:p>
+            <a:pPr>
+              <a:spcBef>
+                <a:spcPct val="50000"/>
+              </a:spcBef>
+            </a:pPr>
+            <a:r>
+              <a:rPr lang="en-US" sz="1600" b="1" dirty="0">
+                <a:solidFill>
+                  <a:srgbClr val="FF0000"/>
+                </a:solidFill>
+              </a:rPr>
+              <a:t>Image </a:t>
+            </a:r>
+            <a:r>
+              <a:rPr lang="en-US" sz="1600" b="1" dirty="0" err="1">
+                <a:solidFill>
+                  <a:srgbClr val="FF0000"/>
+                </a:solidFill>
+              </a:rPr>
+              <a:t>ack</a:t>
+            </a:r>
+            <a:r>
+              <a:rPr lang="en-US" sz="1600" b="1" dirty="0">
+                <a:solidFill>
+                  <a:srgbClr val="FF0000"/>
+                </a:solidFill>
+              </a:rPr>
+              <a:t> – Google</a:t>
+            </a:r>
+          </a:p>
+        </p:txBody>
+      </p:sp>
     </p:spTree>
-    <p:extLst>
-      <p:ext uri="{BB962C8B-B14F-4D97-AF65-F5344CB8AC3E}">
-        <p14:creationId xmlns:p14="http://schemas.microsoft.com/office/powerpoint/2010/main" val="742502634"/>
-      </p:ext>
-    </p:extLst>
-  </p:cSld>
-  <p:clrMapOvr>
-    <a:masterClrMapping/>
-  </p:clrMapOvr>
-</p:sld>
-</file>
-
-<file path=ppt/slides/slide6.xml><?xml version="1.0" encoding="utf-8"?>
-<p:sld xmlns:a="http://schemas.openxmlformats.org/drawingml/2006/main" xmlns:r="http://schemas.openxmlformats.org/officeDocument/2006/relationships" xmlns:p="http://schemas.openxmlformats.org/presentationml/2006/main">
-  <p:cSld>
-    <p:spTree>
-      <p:nvGrpSpPr>
-        <p:cNvPr id="1" name="">
-          <a:extLst>
-            <a:ext uri="{FF2B5EF4-FFF2-40B4-BE49-F238E27FC236}">
-              <a16:creationId xmlns:a16="http://schemas.microsoft.com/office/drawing/2014/main" id="{8B5FD8C1-F511-9780-328A-C3D7D085C8C8}"/>
-            </a:ext>
-          </a:extLst>
-        </p:cNvPr>
-        <p:cNvGrpSpPr/>
-        <p:nvPr/>
-      </p:nvGrpSpPr>
-      <p:grpSpPr>
-        <a:xfrm>
-          <a:off x="0" y="0"/>
-          <a:ext cx="0" cy="0"/>
-          <a:chOff x="0" y="0"/>
-          <a:chExt cx="0" cy="0"/>
-        </a:xfrm>
-      </p:grpSpPr>
-      <p:sp>
-        <p:nvSpPr>
-          <p:cNvPr id="2" name="Title 1">
-            <a:extLst>
-              <a:ext uri="{FF2B5EF4-FFF2-40B4-BE49-F238E27FC236}">
-                <a16:creationId xmlns:a16="http://schemas.microsoft.com/office/drawing/2014/main" id="{726FDD25-D38D-A207-A680-BDFEDD74607F}"/>
-              </a:ext>
-            </a:extLst>
-          </p:cNvPr>
-          <p:cNvSpPr>
-            <a:spLocks noGrp="1"/>
-          </p:cNvSpPr>
-          <p:nvPr>
-            <p:ph type="title"/>
-          </p:nvPr>
-        </p:nvSpPr>
-        <p:spPr/>
-        <p:txBody>
-          <a:bodyPr/>
-          <a:lstStyle/>
-          <a:p>
-            <a:pPr algn="ctr"/>
-            <a:r>
-              <a:rPr lang="en-IN" dirty="0"/>
-              <a:t>Knowledge Distillation Process</a:t>
-            </a:r>
-          </a:p>
-        </p:txBody>
-      </p:sp>
-      <p:sp>
-        <p:nvSpPr>
-          <p:cNvPr id="3" name="Content Placeholder 2">
-            <a:extLst>
-              <a:ext uri="{FF2B5EF4-FFF2-40B4-BE49-F238E27FC236}">
-                <a16:creationId xmlns:a16="http://schemas.microsoft.com/office/drawing/2014/main" id="{79001645-A088-4EF0-D175-9C96E2A21FB2}"/>
-              </a:ext>
-            </a:extLst>
-          </p:cNvPr>
-          <p:cNvSpPr>
-            <a:spLocks noGrp="1"/>
-          </p:cNvSpPr>
-          <p:nvPr>
-            <p:ph idx="1"/>
-          </p:nvPr>
-        </p:nvSpPr>
-        <p:spPr/>
-        <p:txBody>
-          <a:bodyPr/>
-          <a:lstStyle/>
-          <a:p>
-            <a:r>
-              <a:rPr lang="en-IN" dirty="0"/>
-              <a:t>Knowledge </a:t>
-            </a:r>
-          </a:p>
-          <a:p>
-            <a:endParaRPr lang="en-IN" dirty="0"/>
-          </a:p>
-        </p:txBody>
-      </p:sp>
-    </p:spTree>
-    <p:extLst>
-      <p:ext uri="{BB962C8B-B14F-4D97-AF65-F5344CB8AC3E}">
-        <p14:creationId xmlns:p14="http://schemas.microsoft.com/office/powerpoint/2010/main" val="3927940818"/>
-      </p:ext>
-    </p:extLst>
   </p:cSld>
   <p:clrMapOvr>
     <a:masterClrMapping/>
@@ -4806,13 +5890,7 @@
       </p:grpSpPr>
       <p:sp>
         <p:nvSpPr>
-          <p:cNvPr id="2" name="Title 1">
-            <a:extLst>
-              <a:ext uri="{FF2B5EF4-FFF2-40B4-BE49-F238E27FC236}">
-                <a16:creationId xmlns:a16="http://schemas.microsoft.com/office/drawing/2014/main" id="{BD808606-8C45-5055-19F0-4F494751BB8A}"/>
-              </a:ext>
-            </a:extLst>
-          </p:cNvPr>
+          <p:cNvPr id="2" name="Title 1"/>
           <p:cNvSpPr>
             <a:spLocks noGrp="1"/>
           </p:cNvSpPr>
@@ -4825,23 +5903,17 @@
           <a:bodyPr/>
           <a:lstStyle/>
           <a:p>
-            <a:pPr algn="ctr"/>
-            <a:r>
-              <a:rPr lang="en-IN" dirty="0"/>
-              <a:t>Knowledge</a:t>
-            </a:r>
-          </a:p>
-        </p:txBody>
-      </p:sp>
-      <p:sp>
-        <p:nvSpPr>
-          <p:cNvPr id="3" name="Content Placeholder 2">
-            <a:extLst>
-              <a:ext uri="{FF2B5EF4-FFF2-40B4-BE49-F238E27FC236}">
-                <a16:creationId xmlns:a16="http://schemas.microsoft.com/office/drawing/2014/main" id="{DBF18395-FD3F-BA18-E411-A8C45B60A9F7}"/>
-              </a:ext>
-            </a:extLst>
-          </p:cNvPr>
+            <a:r>
+              <a:rPr lang="en-IN" dirty="0" smtClean="0"/>
+              <a:t>Knowledge Distillation – How ?</a:t>
+            </a:r>
+            <a:endParaRPr lang="en-IN" dirty="0"/>
+          </a:p>
+        </p:txBody>
+      </p:sp>
+      <p:sp>
+        <p:nvSpPr>
+          <p:cNvPr id="3" name="Content Placeholder 2"/>
           <p:cNvSpPr>
             <a:spLocks noGrp="1"/>
           </p:cNvSpPr>
@@ -4855,31 +5927,58 @@
           <a:lstStyle/>
           <a:p>
             <a:r>
-              <a:rPr lang="en-US" dirty="0"/>
-              <a:t>Response based knowledge</a:t>
-            </a:r>
-          </a:p>
-          <a:p>
-            <a:r>
-              <a:rPr lang="en-US" dirty="0"/>
-              <a:t>Feature based knowledge</a:t>
-            </a:r>
-          </a:p>
-          <a:p>
-            <a:r>
-              <a:rPr lang="en-US" dirty="0"/>
-              <a:t>Relation based knowledge</a:t>
-            </a:r>
-            <a:endParaRPr lang="en-IN" dirty="0"/>
+              <a:rPr lang="en-IN" dirty="0" smtClean="0"/>
+              <a:t>Artificial neural networks</a:t>
+            </a:r>
+          </a:p>
+          <a:p>
+            <a:pPr lvl="1"/>
+            <a:r>
+              <a:rPr lang="en-IN" dirty="0" smtClean="0"/>
+              <a:t>Universal approximation</a:t>
+            </a:r>
+          </a:p>
+          <a:p>
+            <a:r>
+              <a:rPr lang="en-IN" dirty="0" smtClean="0"/>
+              <a:t>Model </a:t>
+            </a:r>
+            <a:r>
+              <a:rPr lang="en-IN" dirty="0" smtClean="0"/>
+              <a:t>knowledge</a:t>
+            </a:r>
+            <a:endParaRPr lang="en-IN" dirty="0" smtClean="0"/>
+          </a:p>
+          <a:p>
+            <a:pPr lvl="1"/>
+            <a:r>
+              <a:rPr lang="en-IN" dirty="0" smtClean="0"/>
+              <a:t>Learned input to output </a:t>
+            </a:r>
+            <a:r>
+              <a:rPr lang="en-IN" dirty="0" smtClean="0"/>
+              <a:t>mapping</a:t>
+            </a:r>
+          </a:p>
+          <a:p>
+            <a:pPr lvl="1"/>
+            <a:r>
+              <a:rPr lang="en-IN" dirty="0" smtClean="0">
+                <a:solidFill>
+                  <a:srgbClr val="00B050"/>
+                </a:solidFill>
+              </a:rPr>
+              <a:t>Emulate thought process</a:t>
+            </a:r>
+            <a:endParaRPr lang="en-IN" dirty="0">
+              <a:solidFill>
+                <a:srgbClr val="00B050"/>
+              </a:solidFill>
+            </a:endParaRPr>
           </a:p>
         </p:txBody>
       </p:sp>
     </p:spTree>
-    <p:extLst>
-      <p:ext uri="{BB962C8B-B14F-4D97-AF65-F5344CB8AC3E}">
-        <p14:creationId xmlns:p14="http://schemas.microsoft.com/office/powerpoint/2010/main" val="1266520286"/>
-      </p:ext>
-    </p:extLst>
   </p:cSld>
   <p:clrMapOvr>
     <a:masterClrMapping/>
@@ -4892,13 +5991,7 @@
   <p:cSld>
     <p:spTree>
       <p:nvGrpSpPr>
-        <p:cNvPr id="1" name="">
-          <a:extLst>
-            <a:ext uri="{FF2B5EF4-FFF2-40B4-BE49-F238E27FC236}">
-              <a16:creationId xmlns:a16="http://schemas.microsoft.com/office/drawing/2014/main" id="{7115C6B0-1580-8B3B-B007-865A0001ACB3}"/>
-            </a:ext>
-          </a:extLst>
-        </p:cNvPr>
+        <p:cNvPr id="1" name=""/>
         <p:cNvGrpSpPr/>
         <p:nvPr/>
       </p:nvGrpSpPr>
@@ -4912,13 +6005,7 @@
       </p:grpSpPr>
       <p:sp>
         <p:nvSpPr>
-          <p:cNvPr id="2" name="Title 1">
-            <a:extLst>
-              <a:ext uri="{FF2B5EF4-FFF2-40B4-BE49-F238E27FC236}">
-                <a16:creationId xmlns:a16="http://schemas.microsoft.com/office/drawing/2014/main" id="{1B322C7E-F769-EB2C-D8D0-66A3716DF2E6}"/>
-              </a:ext>
-            </a:extLst>
-          </p:cNvPr>
+          <p:cNvPr id="2" name="Title 1"/>
           <p:cNvSpPr>
             <a:spLocks noGrp="1"/>
           </p:cNvSpPr>
@@ -4931,56 +6018,74 @@
           <a:bodyPr/>
           <a:lstStyle/>
           <a:p>
-            <a:pPr algn="ctr"/>
-            <a:r>
-              <a:rPr lang="en-IN" dirty="0"/>
-              <a:t>Knowledge</a:t>
-            </a:r>
-          </a:p>
-        </p:txBody>
-      </p:sp>
-      <p:pic>
-        <p:nvPicPr>
-          <p:cNvPr id="7" name="Picture 6">
-            <a:extLst>
-              <a:ext uri="{FF2B5EF4-FFF2-40B4-BE49-F238E27FC236}">
-                <a16:creationId xmlns:a16="http://schemas.microsoft.com/office/drawing/2014/main" id="{1E02C501-6AC6-9987-EEB6-656E67CEC2F8}"/>
-              </a:ext>
-            </a:extLst>
-          </p:cNvPr>
-          <p:cNvPicPr>
-            <a:picLocks noChangeAspect="1"/>
-          </p:cNvPicPr>
-          <p:nvPr/>
-        </p:nvPicPr>
-        <p:blipFill>
-          <a:blip r:embed="rId2">
-            <a:extLst>
-              <a:ext uri="{28A0092B-C50C-407E-A947-70E740481C1C}">
-                <a14:useLocalDpi xmlns:a14="http://schemas.microsoft.com/office/drawing/2010/main" val="0"/>
-              </a:ext>
-            </a:extLst>
-          </a:blip>
-          <a:stretch>
-            <a:fillRect/>
-          </a:stretch>
-        </p:blipFill>
-        <p:spPr>
-          <a:xfrm>
-            <a:off x="891820" y="1686249"/>
-            <a:ext cx="7466747" cy="4897831"/>
-          </a:xfrm>
-          <a:prstGeom prst="rect">
-            <a:avLst/>
-          </a:prstGeom>
-        </p:spPr>
-      </p:pic>
+            <a:r>
+              <a:rPr lang="en-IN" dirty="0" smtClean="0"/>
+              <a:t>Knowledge Distillation – How ?</a:t>
+            </a:r>
+            <a:endParaRPr lang="en-IN" dirty="0"/>
+          </a:p>
+        </p:txBody>
+      </p:sp>
+      <p:sp>
+        <p:nvSpPr>
+          <p:cNvPr id="3" name="Content Placeholder 2"/>
+          <p:cNvSpPr>
+            <a:spLocks noGrp="1"/>
+          </p:cNvSpPr>
+          <p:nvPr>
+            <p:ph idx="1"/>
+          </p:nvPr>
+        </p:nvSpPr>
+        <p:spPr/>
+        <p:txBody>
+          <a:bodyPr/>
+          <a:lstStyle/>
+          <a:p>
+            <a:r>
+              <a:rPr lang="en-IN" dirty="0" smtClean="0"/>
+              <a:t>Hard targets</a:t>
+            </a:r>
+          </a:p>
+          <a:p>
+            <a:pPr lvl="1"/>
+            <a:r>
+              <a:rPr lang="en-IN" dirty="0" smtClean="0"/>
+              <a:t>Final predictions</a:t>
+            </a:r>
+          </a:p>
+          <a:p>
+            <a:r>
+              <a:rPr lang="en-IN" dirty="0" smtClean="0"/>
+              <a:t>Soft targets</a:t>
+            </a:r>
+          </a:p>
+          <a:p>
+            <a:pPr lvl="1"/>
+            <a:r>
+              <a:rPr lang="en-IN" dirty="0" smtClean="0"/>
+              <a:t>Intermediate predictions</a:t>
+            </a:r>
+          </a:p>
+          <a:p>
+            <a:pPr lvl="1"/>
+            <a:r>
+              <a:rPr lang="en-IN" dirty="0" smtClean="0"/>
+              <a:t>Individual class wise predictions</a:t>
+            </a:r>
+          </a:p>
+          <a:p>
+            <a:pPr lvl="1"/>
+            <a:r>
+              <a:rPr lang="en-IN" dirty="0" smtClean="0"/>
+              <a:t>Valuable insight – Generalization</a:t>
+            </a:r>
+          </a:p>
+          <a:p>
+            <a:endParaRPr lang="en-IN" dirty="0"/>
+          </a:p>
+        </p:txBody>
+      </p:sp>
     </p:spTree>
-    <p:extLst>
-      <p:ext uri="{BB962C8B-B14F-4D97-AF65-F5344CB8AC3E}">
-        <p14:creationId xmlns:p14="http://schemas.microsoft.com/office/powerpoint/2010/main" val="3562357184"/>
-      </p:ext>
-    </p:extLst>
   </p:cSld>
   <p:clrMapOvr>
     <a:masterClrMapping/>
@@ -5007,13 +6112,7 @@
       </p:grpSpPr>
       <p:sp>
         <p:nvSpPr>
-          <p:cNvPr id="2" name="Title 1">
-            <a:extLst>
-              <a:ext uri="{FF2B5EF4-FFF2-40B4-BE49-F238E27FC236}">
-                <a16:creationId xmlns:a16="http://schemas.microsoft.com/office/drawing/2014/main" id="{99413878-B608-D61A-9B50-8C9C883F96F3}"/>
-              </a:ext>
-            </a:extLst>
-          </p:cNvPr>
+          <p:cNvPr id="2" name="Title 1"/>
           <p:cNvSpPr>
             <a:spLocks noGrp="1"/>
           </p:cNvSpPr>
@@ -5026,21 +6125,113 @@
           <a:bodyPr/>
           <a:lstStyle/>
           <a:p>
-            <a:pPr algn="ctr"/>
-            <a:r>
-              <a:rPr lang="en-US" dirty="0"/>
-              <a:t>Response Based Knowledge</a:t>
+            <a:r>
+              <a:rPr lang="en-IN" dirty="0" smtClean="0"/>
+              <a:t>Knowledge Distillation – How ?</a:t>
             </a:r>
             <a:endParaRPr lang="en-IN" dirty="0"/>
           </a:p>
         </p:txBody>
       </p:sp>
+      <p:sp>
+        <p:nvSpPr>
+          <p:cNvPr id="3" name="Content Placeholder 2"/>
+          <p:cNvSpPr>
+            <a:spLocks noGrp="1"/>
+          </p:cNvSpPr>
+          <p:nvPr>
+            <p:ph idx="1"/>
+          </p:nvPr>
+        </p:nvSpPr>
+        <p:spPr/>
+        <p:txBody>
+          <a:bodyPr/>
+          <a:lstStyle/>
+          <a:p>
+            <a:r>
+              <a:rPr lang="en-IN" dirty="0" smtClean="0"/>
+              <a:t>Standard Loss</a:t>
+            </a:r>
+          </a:p>
+          <a:p>
+            <a:pPr lvl="1"/>
+            <a:r>
+              <a:rPr lang="en-IN" dirty="0" smtClean="0">
+                <a:solidFill>
+                  <a:srgbClr val="00B050"/>
+                </a:solidFill>
+              </a:rPr>
+              <a:t>Hard Loss</a:t>
+            </a:r>
+          </a:p>
+          <a:p>
+            <a:pPr lvl="1"/>
+            <a:r>
+              <a:rPr lang="en-IN" dirty="0" smtClean="0"/>
+              <a:t>Ground truth predictions</a:t>
+            </a:r>
+          </a:p>
+          <a:p>
+            <a:pPr lvl="1"/>
+            <a:r>
+              <a:rPr lang="en-IN" dirty="0" smtClean="0"/>
+              <a:t>Student model predictions</a:t>
+            </a:r>
+          </a:p>
+          <a:p>
+            <a:r>
+              <a:rPr lang="en-IN" dirty="0" smtClean="0"/>
+              <a:t>Distillation Loss</a:t>
+            </a:r>
+          </a:p>
+          <a:p>
+            <a:pPr lvl="1"/>
+            <a:r>
+              <a:rPr lang="en-IN" dirty="0" smtClean="0">
+                <a:solidFill>
+                  <a:srgbClr val="00B050"/>
+                </a:solidFill>
+              </a:rPr>
+              <a:t>Soft </a:t>
+            </a:r>
+            <a:r>
+              <a:rPr lang="en-IN" dirty="0" smtClean="0">
+                <a:solidFill>
+                  <a:srgbClr val="00B050"/>
+                </a:solidFill>
+              </a:rPr>
+              <a:t>Loss</a:t>
+            </a:r>
+            <a:endParaRPr lang="en-IN" dirty="0" smtClean="0">
+              <a:solidFill>
+                <a:srgbClr val="00B050"/>
+              </a:solidFill>
+            </a:endParaRPr>
+          </a:p>
+          <a:p>
+            <a:pPr lvl="1"/>
+            <a:r>
+              <a:rPr lang="en-IN" dirty="0" smtClean="0"/>
+              <a:t>Teacher model predictions</a:t>
+            </a:r>
+          </a:p>
+          <a:p>
+            <a:pPr lvl="1"/>
+            <a:r>
+              <a:rPr lang="en-IN" dirty="0" smtClean="0"/>
+              <a:t>Student model predictions</a:t>
+            </a:r>
+          </a:p>
+          <a:p>
+            <a:pPr lvl="1"/>
+            <a:endParaRPr lang="en-IN" dirty="0" smtClean="0"/>
+          </a:p>
+          <a:p>
+            <a:endParaRPr lang="en-IN" dirty="0"/>
+          </a:p>
+        </p:txBody>
+      </p:sp>
     </p:spTree>
-    <p:extLst>
-      <p:ext uri="{BB962C8B-B14F-4D97-AF65-F5344CB8AC3E}">
-        <p14:creationId xmlns:p14="http://schemas.microsoft.com/office/powerpoint/2010/main" val="2760578558"/>
-      </p:ext>
-    </p:extLst>
   </p:cSld>
   <p:clrMapOvr>
     <a:masterClrMapping/>
@@ -5051,7 +6242,7 @@
 <file path=ppt/theme/theme1.xml><?xml version="1.0" encoding="utf-8"?>
 <a:theme xmlns:a="http://schemas.openxmlformats.org/drawingml/2006/main" name="Office Theme">
   <a:themeElements>
-    <a:clrScheme name="Office Theme">
+    <a:clrScheme name="Office">
       <a:dk1>
         <a:sysClr val="windowText" lastClr="000000"/>
       </a:dk1>
@@ -5059,44 +6250,44 @@
         <a:sysClr val="window" lastClr="FFFFFF"/>
       </a:lt1>
       <a:dk2>
-        <a:srgbClr val="44546A"/>
+        <a:srgbClr val="1F497D"/>
       </a:dk2>
       <a:lt2>
-        <a:srgbClr val="E7E6E6"/>
+        <a:srgbClr val="EEECE1"/>
       </a:lt2>
       <a:accent1>
-        <a:srgbClr val="4472C4"/>
+        <a:srgbClr val="4F81BD"/>
       </a:accent1>
       <a:accent2>
-        <a:srgbClr val="ED7D31"/>
+        <a:srgbClr val="C0504D"/>
       </a:accent2>
       <a:accent3>
-        <a:srgbClr val="A5A5A5"/>
+        <a:srgbClr val="9BBB59"/>
       </a:accent3>
       <a:accent4>
-        <a:srgbClr val="FFC000"/>
+        <a:srgbClr val="8064A2"/>
       </a:accent4>
       <a:accent5>
-        <a:srgbClr val="5B9BD5"/>
+        <a:srgbClr val="4BACC6"/>
       </a:accent5>
       <a:accent6>
-        <a:srgbClr val="70AD47"/>
+        <a:srgbClr val="F79646"/>
       </a:accent6>
       <a:hlink>
-        <a:srgbClr val="0563C1"/>
+        <a:srgbClr val="0000FF"/>
       </a:hlink>
       <a:folHlink>
-        <a:srgbClr val="954F72"/>
+        <a:srgbClr val="800080"/>
       </a:folHlink>
     </a:clrScheme>
-    <a:fontScheme name="Office Theme">
+    <a:fontScheme name="Office">
       <a:majorFont>
-        <a:latin typeface="Calibri Light" panose="020F0302020204030204"/>
+        <a:latin typeface="Calibri"/>
         <a:ea typeface=""/>
         <a:cs typeface=""/>
-        <a:font script="Jpan" typeface="游ゴシック Light"/>
+        <a:font script="Jpan" typeface="ＭＳ Ｐゴシック"/>
         <a:font script="Hang" typeface="맑은 고딕"/>
-        <a:font script="Hans" typeface="等线 Light"/>
+        <a:font script="Hans" typeface="宋体"/>
         <a:font script="Hant" typeface="新細明體"/>
         <a:font script="Arab" typeface="Times New Roman"/>
         <a:font script="Hebr" typeface="Times New Roman"/>
@@ -5123,15 +6314,14 @@
         <a:font script="Mong" typeface="Mongolian Baiti"/>
         <a:font script="Viet" typeface="Times New Roman"/>
         <a:font script="Uigh" typeface="Microsoft Uighur"/>
-        <a:font script="Geor" typeface="Sylfaen"/>
       </a:majorFont>
       <a:minorFont>
-        <a:latin typeface="Calibri" panose="020F0502020204030204"/>
+        <a:latin typeface="Calibri"/>
         <a:ea typeface=""/>
         <a:cs typeface=""/>
-        <a:font script="Jpan" typeface="游ゴシック"/>
+        <a:font script="Jpan" typeface="ＭＳ Ｐゴシック"/>
         <a:font script="Hang" typeface="맑은 고딕"/>
-        <a:font script="Hans" typeface="等线"/>
+        <a:font script="Hans" typeface="宋体"/>
         <a:font script="Hant" typeface="新細明體"/>
         <a:font script="Arab" typeface="Arial"/>
         <a:font script="Hebr" typeface="Arial"/>
@@ -5158,10 +6348,9 @@
         <a:font script="Mong" typeface="Mongolian Baiti"/>
         <a:font script="Viet" typeface="Arial"/>
         <a:font script="Uigh" typeface="Microsoft Uighur"/>
-        <a:font script="Geor" typeface="Sylfaen"/>
       </a:minorFont>
     </a:fontScheme>
-    <a:fmtScheme name="Office Theme">
+    <a:fmtScheme name="Office">
       <a:fillStyleLst>
         <a:solidFill>
           <a:schemeClr val="phClr"/>
@@ -5170,141 +6359,165 @@
           <a:gsLst>
             <a:gs pos="0">
               <a:schemeClr val="phClr">
-                <a:lumMod val="110000"/>
-                <a:satMod val="105000"/>
-                <a:tint val="67000"/>
+                <a:tint val="50000"/>
+                <a:satMod val="300000"/>
               </a:schemeClr>
             </a:gs>
-            <a:gs pos="50000">
+            <a:gs pos="35000">
               <a:schemeClr val="phClr">
-                <a:lumMod val="105000"/>
-                <a:satMod val="103000"/>
-                <a:tint val="73000"/>
+                <a:tint val="37000"/>
+                <a:satMod val="300000"/>
               </a:schemeClr>
             </a:gs>
             <a:gs pos="100000">
               <a:schemeClr val="phClr">
-                <a:lumMod val="105000"/>
-                <a:satMod val="109000"/>
-                <a:tint val="81000"/>
+                <a:tint val="15000"/>
+                <a:satMod val="350000"/>
               </a:schemeClr>
             </a:gs>
           </a:gsLst>
-          <a:lin ang="5400000" scaled="0"/>
+          <a:lin ang="16200000" scaled="1"/>
         </a:gradFill>
         <a:gradFill rotWithShape="1">
           <a:gsLst>
             <a:gs pos="0">
               <a:schemeClr val="phClr">
-                <a:satMod val="103000"/>
-                <a:lumMod val="102000"/>
-                <a:tint val="94000"/>
+                <a:shade val="51000"/>
+                <a:satMod val="130000"/>
               </a:schemeClr>
             </a:gs>
-            <a:gs pos="50000">
+            <a:gs pos="80000">
               <a:schemeClr val="phClr">
-                <a:satMod val="110000"/>
-                <a:lumMod val="100000"/>
-                <a:shade val="100000"/>
+                <a:shade val="93000"/>
+                <a:satMod val="130000"/>
               </a:schemeClr>
             </a:gs>
             <a:gs pos="100000">
               <a:schemeClr val="phClr">
-                <a:lumMod val="99000"/>
-                <a:satMod val="120000"/>
-                <a:shade val="78000"/>
+                <a:shade val="94000"/>
+                <a:satMod val="135000"/>
               </a:schemeClr>
             </a:gs>
           </a:gsLst>
-          <a:lin ang="5400000" scaled="0"/>
+          <a:lin ang="16200000" scaled="0"/>
         </a:gradFill>
       </a:fillStyleLst>
       <a:lnStyleLst>
-        <a:ln w="6350" cap="flat" cmpd="sng" algn="ctr">
+        <a:ln w="9525" cap="flat" cmpd="sng" algn="ctr">
+          <a:solidFill>
+            <a:schemeClr val="phClr">
+              <a:shade val="95000"/>
+              <a:satMod val="105000"/>
+            </a:schemeClr>
+          </a:solidFill>
+          <a:prstDash val="solid"/>
+        </a:ln>
+        <a:ln w="25400" cap="flat" cmpd="sng" algn="ctr">
           <a:solidFill>
             <a:schemeClr val="phClr"/>
           </a:solidFill>
           <a:prstDash val="solid"/>
-          <a:miter lim="800000"/>
         </a:ln>
-        <a:ln w="12700" cap="flat" cmpd="sng" algn="ctr">
+        <a:ln w="38100" cap="flat" cmpd="sng" algn="ctr">
           <a:solidFill>
             <a:schemeClr val="phClr"/>
           </a:solidFill>
           <a:prstDash val="solid"/>
-          <a:miter lim="800000"/>
-        </a:ln>
-        <a:ln w="19050" cap="flat" cmpd="sng" algn="ctr">
-          <a:solidFill>
-            <a:schemeClr val="phClr"/>
-          </a:solidFill>
-          <a:prstDash val="solid"/>
-          <a:miter lim="800000"/>
         </a:ln>
       </a:lnStyleLst>
       <a:effectStyleLst>
         <a:effectStyle>
-          <a:effectLst/>
-        </a:effectStyle>
-        <a:effectStyle>
-          <a:effectLst/>
+          <a:effectLst>
+            <a:outerShdw blurRad="40000" dist="20000" dir="5400000" rotWithShape="0">
+              <a:srgbClr val="000000">
+                <a:alpha val="38000"/>
+              </a:srgbClr>
+            </a:outerShdw>
+          </a:effectLst>
         </a:effectStyle>
         <a:effectStyle>
           <a:effectLst>
-            <a:outerShdw blurRad="57150" dist="19050" dir="5400000" algn="ctr" rotWithShape="0">
+            <a:outerShdw blurRad="40000" dist="23000" dir="5400000" rotWithShape="0">
               <a:srgbClr val="000000">
-                <a:alpha val="63000"/>
+                <a:alpha val="35000"/>
               </a:srgbClr>
             </a:outerShdw>
           </a:effectLst>
+        </a:effectStyle>
+        <a:effectStyle>
+          <a:effectLst>
+            <a:outerShdw blurRad="40000" dist="23000" dir="5400000" rotWithShape="0">
+              <a:srgbClr val="000000">
+                <a:alpha val="35000"/>
+              </a:srgbClr>
+            </a:outerShdw>
+          </a:effectLst>
+          <a:scene3d>
+            <a:camera prst="orthographicFront">
+              <a:rot lat="0" lon="0" rev="0"/>
+            </a:camera>
+            <a:lightRig rig="threePt" dir="t">
+              <a:rot lat="0" lon="0" rev="1200000"/>
+            </a:lightRig>
+          </a:scene3d>
+          <a:sp3d>
+            <a:bevelT w="63500" h="25400"/>
+          </a:sp3d>
         </a:effectStyle>
       </a:effectStyleLst>
       <a:bgFillStyleLst>
         <a:solidFill>
           <a:schemeClr val="phClr"/>
         </a:solidFill>
-        <a:solidFill>
-          <a:schemeClr val="phClr">
-            <a:tint val="95000"/>
-            <a:satMod val="170000"/>
-          </a:schemeClr>
-        </a:solidFill>
         <a:gradFill rotWithShape="1">
           <a:gsLst>
             <a:gs pos="0">
               <a:schemeClr val="phClr">
-                <a:tint val="93000"/>
-                <a:satMod val="150000"/>
-                <a:shade val="98000"/>
-                <a:lumMod val="102000"/>
+                <a:tint val="40000"/>
+                <a:satMod val="350000"/>
               </a:schemeClr>
             </a:gs>
-            <a:gs pos="50000">
+            <a:gs pos="40000">
               <a:schemeClr val="phClr">
-                <a:tint val="98000"/>
-                <a:satMod val="130000"/>
-                <a:shade val="90000"/>
-                <a:lumMod val="103000"/>
+                <a:tint val="45000"/>
+                <a:shade val="99000"/>
+                <a:satMod val="350000"/>
               </a:schemeClr>
             </a:gs>
             <a:gs pos="100000">
               <a:schemeClr val="phClr">
-                <a:shade val="63000"/>
-                <a:satMod val="120000"/>
+                <a:shade val="20000"/>
+                <a:satMod val="255000"/>
               </a:schemeClr>
             </a:gs>
           </a:gsLst>
-          <a:lin ang="5400000" scaled="0"/>
+          <a:path path="circle">
+            <a:fillToRect l="50000" t="-80000" r="50000" b="180000"/>
+          </a:path>
+        </a:gradFill>
+        <a:gradFill rotWithShape="1">
+          <a:gsLst>
+            <a:gs pos="0">
+              <a:schemeClr val="phClr">
+                <a:tint val="80000"/>
+                <a:satMod val="300000"/>
+              </a:schemeClr>
+            </a:gs>
+            <a:gs pos="100000">
+              <a:schemeClr val="phClr">
+                <a:shade val="30000"/>
+                <a:satMod val="200000"/>
+              </a:schemeClr>
+            </a:gs>
+          </a:gsLst>
+          <a:path path="circle">
+            <a:fillToRect l="50000" t="50000" r="50000" b="50000"/>
+          </a:path>
         </a:gradFill>
       </a:bgFillStyleLst>
     </a:fmtScheme>
   </a:themeElements>
   <a:objectDefaults/>
   <a:extraClrSchemeLst/>
-  <a:extLst>
-    <a:ext uri="{05A4C25C-085E-4340-85A3-A5531E510DB2}">
-      <thm15:themeFamily xmlns:thm15="http://schemas.microsoft.com/office/thememl/2012/main" name="Office 2013 - 2022 Theme" id="{62F939B6-93AF-4DB8-9C6B-D6C7DFDC589F}" vid="{4A3C46E8-61CC-4603-A589-7422A47A8E4A}"/>
-    </a:ext>
-  </a:extLst>
 </a:theme>
 </file>
--- a/Presentations/KnowledgeDistillation.pptx
+++ b/Presentations/KnowledgeDistillation.pptx
@@ -132,7 +132,7 @@
   </p:defaultTextStyle>
   <p:extLst>
     <p:ext uri="{EFAFB233-063F-42B5-8137-9DF3F51BA10A}">
-      <p15:sldGuideLst xmlns="" xmlns:p15="http://schemas.microsoft.com/office/powerpoint/2012/main">
+      <p15:sldGuideLst xmlns:p15="http://schemas.microsoft.com/office/powerpoint/2012/main" xmlns="">
         <p15:guide id="1" orient="horz" pos="2160">
           <p15:clr>
             <a:srgbClr val="A4A3A4"/>
@@ -3225,17 +3225,12 @@
               <a:rPr lang="en-IN" dirty="0" smtClean="0"/>
               <a:t>Training example </a:t>
             </a:r>
-            <a:endParaRPr lang="en-IN" dirty="0" smtClean="0"/>
           </a:p>
           <a:p>
             <a:pPr lvl="1"/>
             <a:r>
               <a:rPr lang="en-IN" dirty="0" smtClean="0"/>
-              <a:t>Multiple </a:t>
-            </a:r>
-            <a:r>
-              <a:rPr lang="en-IN" dirty="0" smtClean="0"/>
-              <a:t>soft targets </a:t>
+              <a:t>Multiple soft targets </a:t>
             </a:r>
           </a:p>
           <a:p>
@@ -3243,17 +3238,12 @@
               <a:rPr lang="en-IN" dirty="0" smtClean="0"/>
               <a:t>Distillation loss </a:t>
             </a:r>
-            <a:endParaRPr lang="en-IN" dirty="0" smtClean="0"/>
           </a:p>
           <a:p>
             <a:pPr lvl="1"/>
             <a:r>
               <a:rPr lang="en-IN" dirty="0" smtClean="0"/>
-              <a:t>Difference </a:t>
-            </a:r>
-            <a:r>
-              <a:rPr lang="en-IN" dirty="0" smtClean="0"/>
-              <a:t>between</a:t>
+              <a:t>Difference between</a:t>
             </a:r>
           </a:p>
           <a:p>
@@ -3434,7 +3424,7 @@
           <p:cNvPr id="4" name="Picture 3">
             <a:extLst>
               <a:ext uri="{FF2B5EF4-FFF2-40B4-BE49-F238E27FC236}">
-                <a16:creationId xmlns="" xmlns:a16="http://schemas.microsoft.com/office/drawing/2014/main" id="{1E02C501-6AC6-9987-EEB6-656E67CEC2F8}"/>
+                <a16:creationId xmlns:a16="http://schemas.microsoft.com/office/drawing/2014/main" xmlns="" id="{1E02C501-6AC6-9987-EEB6-656E67CEC2F8}"/>
               </a:ext>
             </a:extLst>
           </p:cNvPr>
@@ -3447,7 +3437,7 @@
           <a:blip r:embed="rId2">
             <a:extLst>
               <a:ext uri="{28A0092B-C50C-407E-A947-70E740481C1C}">
-                <a14:useLocalDpi xmlns="" xmlns:a14="http://schemas.microsoft.com/office/drawing/2010/main" val="0"/>
+                <a14:useLocalDpi xmlns:a14="http://schemas.microsoft.com/office/drawing/2010/main" xmlns="" val="0"/>
               </a:ext>
             </a:extLst>
           </a:blip>
@@ -3625,17 +3615,12 @@
               <a:rPr lang="en-IN" dirty="0" smtClean="0"/>
               <a:t>Solution </a:t>
             </a:r>
-            <a:endParaRPr lang="en-IN" dirty="0" smtClean="0"/>
           </a:p>
           <a:p>
             <a:pPr lvl="2"/>
             <a:r>
               <a:rPr lang="en-IN" dirty="0" smtClean="0"/>
-              <a:t>Use </a:t>
-            </a:r>
-            <a:r>
-              <a:rPr lang="en-IN" dirty="0" smtClean="0"/>
-              <a:t>high temperature value</a:t>
+              <a:t>Use high temperature value</a:t>
             </a:r>
           </a:p>
           <a:p>
@@ -3708,11 +3693,7 @@
           <a:p>
             <a:r>
               <a:rPr lang="en-IN" dirty="0" smtClean="0"/>
-              <a:t>Response Based Knowledge </a:t>
-            </a:r>
-            <a:r>
-              <a:rPr lang="en-IN" dirty="0" smtClean="0"/>
-              <a:t>Distillation</a:t>
+              <a:t>Response Based Knowledge Distillation</a:t>
             </a:r>
             <a:endParaRPr lang="en-IN" dirty="0"/>
           </a:p>
@@ -3786,11 +3767,7 @@
           <a:p>
             <a:r>
               <a:rPr lang="en-IN" dirty="0" smtClean="0"/>
-              <a:t>Feature Based Knowledge </a:t>
-            </a:r>
-            <a:r>
-              <a:rPr lang="en-IN" dirty="0" smtClean="0"/>
-              <a:t>Distillation</a:t>
+              <a:t>Feature Based Knowledge Distillation</a:t>
             </a:r>
             <a:endParaRPr lang="en-IN" dirty="0"/>
           </a:p>
@@ -3813,15 +3790,7 @@
           <a:p>
             <a:r>
               <a:rPr lang="en-IN" dirty="0" smtClean="0"/>
-              <a:t>Intermediate layers </a:t>
-            </a:r>
-            <a:r>
-              <a:rPr lang="en-IN" dirty="0" smtClean="0"/>
-              <a:t>– Patterns of </a:t>
-            </a:r>
-            <a:r>
-              <a:rPr lang="en-IN" dirty="0" smtClean="0"/>
-              <a:t>input data</a:t>
+              <a:t>Intermediate layers – Patterns of input data</a:t>
             </a:r>
           </a:p>
           <a:p>
@@ -3833,33 +3802,13 @@
           <a:p>
             <a:r>
               <a:rPr lang="en-IN" dirty="0" smtClean="0"/>
-              <a:t>Discriminate </a:t>
-            </a:r>
-            <a:r>
-              <a:rPr lang="en-IN" dirty="0" smtClean="0"/>
-              <a:t>specific features</a:t>
-            </a:r>
-          </a:p>
-          <a:p>
-            <a:r>
-              <a:rPr lang="en-IN" dirty="0" smtClean="0"/>
-              <a:t>Capture </a:t>
-            </a:r>
-            <a:r>
-              <a:rPr lang="en-IN" dirty="0" smtClean="0"/>
-              <a:t>knowledge </a:t>
-            </a:r>
-            <a:r>
-              <a:rPr lang="en-IN" dirty="0" smtClean="0"/>
-              <a:t>– </a:t>
-            </a:r>
-            <a:r>
-              <a:rPr lang="en-IN" dirty="0" smtClean="0"/>
-              <a:t>Intermediate </a:t>
-            </a:r>
-            <a:r>
-              <a:rPr lang="en-IN" dirty="0" smtClean="0"/>
-              <a:t>layers</a:t>
+              <a:t>Discriminate specific features</a:t>
+            </a:r>
+          </a:p>
+          <a:p>
+            <a:r>
+              <a:rPr lang="en-IN" dirty="0" smtClean="0"/>
+              <a:t>Capture knowledge – Intermediate layers</a:t>
             </a:r>
           </a:p>
           <a:p>
@@ -3867,30 +3816,17 @@
               <a:rPr lang="en-IN" dirty="0" smtClean="0"/>
               <a:t>Teacher model – Student model</a:t>
             </a:r>
-            <a:endParaRPr lang="en-IN" dirty="0" smtClean="0"/>
-          </a:p>
-          <a:p>
-            <a:r>
-              <a:rPr lang="en-IN" dirty="0" smtClean="0"/>
-              <a:t>Learn feature </a:t>
-            </a:r>
-            <a:r>
-              <a:rPr lang="en-IN" dirty="0" smtClean="0"/>
-              <a:t>activations</a:t>
-            </a:r>
-          </a:p>
-          <a:p>
-            <a:r>
-              <a:rPr lang="en-IN" dirty="0" smtClean="0"/>
-              <a:t>Minimize difference </a:t>
-            </a:r>
-            <a:r>
-              <a:rPr lang="en-IN" dirty="0" smtClean="0"/>
-              <a:t>– Feature  </a:t>
-            </a:r>
-            <a:r>
-              <a:rPr lang="en-IN" dirty="0" smtClean="0"/>
-              <a:t>activations</a:t>
+          </a:p>
+          <a:p>
+            <a:r>
+              <a:rPr lang="en-IN" dirty="0" smtClean="0"/>
+              <a:t>Learn feature activations</a:t>
+            </a:r>
+          </a:p>
+          <a:p>
+            <a:r>
+              <a:rPr lang="en-IN" dirty="0" smtClean="0"/>
+              <a:t>Minimize difference – Feature  activations</a:t>
             </a:r>
             <a:endParaRPr lang="en-IN" dirty="0"/>
           </a:p>
@@ -4014,11 +3950,7 @@
           <a:p>
             <a:r>
               <a:rPr lang="en-IN" dirty="0" smtClean="0"/>
-              <a:t>Relation Based Knowledge </a:t>
-            </a:r>
-            <a:r>
-              <a:rPr lang="en-IN" dirty="0" smtClean="0"/>
-              <a:t>Distillation</a:t>
+              <a:t>Relation Based Knowledge Distillation</a:t>
             </a:r>
             <a:endParaRPr lang="en-IN" dirty="0"/>
           </a:p>
@@ -4041,35 +3973,21 @@
           <a:p>
             <a:r>
               <a:rPr lang="en-IN" dirty="0" smtClean="0"/>
-              <a:t>Relationships </a:t>
-            </a:r>
-            <a:r>
-              <a:rPr lang="en-IN" dirty="0" smtClean="0"/>
-              <a:t>between </a:t>
-            </a:r>
-            <a:endParaRPr lang="en-IN" dirty="0" smtClean="0"/>
+              <a:t>Relationships between </a:t>
+            </a:r>
           </a:p>
           <a:p>
             <a:pPr lvl="1"/>
             <a:r>
               <a:rPr lang="en-IN" dirty="0" smtClean="0"/>
-              <a:t>Different </a:t>
-            </a:r>
-            <a:r>
-              <a:rPr lang="en-IN" dirty="0" smtClean="0"/>
-              <a:t>layers </a:t>
-            </a:r>
-            <a:endParaRPr lang="en-IN" dirty="0" smtClean="0"/>
+              <a:t>Different layers </a:t>
+            </a:r>
           </a:p>
           <a:p>
             <a:pPr lvl="1"/>
             <a:r>
               <a:rPr lang="en-IN" dirty="0" smtClean="0"/>
-              <a:t>Feature </a:t>
-            </a:r>
-            <a:r>
-              <a:rPr lang="en-IN" dirty="0" smtClean="0"/>
-              <a:t>maps</a:t>
+              <a:t>Feature maps</a:t>
             </a:r>
           </a:p>
           <a:p>
@@ -4269,13 +4187,8 @@
             <a:pPr lvl="1"/>
             <a:r>
               <a:rPr lang="en-IN" dirty="0" smtClean="0"/>
-              <a:t>Student </a:t>
-            </a:r>
-            <a:r>
-              <a:rPr lang="en-IN" dirty="0" smtClean="0"/>
-              <a:t>– Trained</a:t>
-            </a:r>
-            <a:endParaRPr lang="en-IN" dirty="0" smtClean="0"/>
+              <a:t>Student – Trained</a:t>
+            </a:r>
           </a:p>
           <a:p>
             <a:r>
@@ -4287,25 +4200,15 @@
             <a:pPr lvl="1"/>
             <a:r>
               <a:rPr lang="en-IN" dirty="0" smtClean="0"/>
-              <a:t>Teacher </a:t>
-            </a:r>
-            <a:r>
-              <a:rPr lang="en-IN" dirty="0" smtClean="0"/>
-              <a:t>– Trained</a:t>
-            </a:r>
-            <a:endParaRPr lang="en-IN" dirty="0" smtClean="0"/>
+              <a:t>Teacher – Trained</a:t>
+            </a:r>
           </a:p>
           <a:p>
             <a:pPr lvl="1"/>
             <a:r>
               <a:rPr lang="en-IN" dirty="0" smtClean="0"/>
-              <a:t>Student </a:t>
-            </a:r>
-            <a:r>
-              <a:rPr lang="en-IN" dirty="0" smtClean="0"/>
-              <a:t>– Trained</a:t>
-            </a:r>
-            <a:endParaRPr lang="en-IN" dirty="0" smtClean="0"/>
+              <a:t>Student – Trained</a:t>
+            </a:r>
           </a:p>
           <a:p>
             <a:r>
@@ -4400,42 +4303,26 @@
           <a:p>
             <a:r>
               <a:rPr lang="en-IN" dirty="0" smtClean="0"/>
-              <a:t>Knowledge Distillation </a:t>
-            </a:r>
-            <a:r>
-              <a:rPr lang="en-IN" dirty="0" smtClean="0"/>
-              <a:t>Types</a:t>
-            </a:r>
-            <a:endParaRPr lang="en-IN" dirty="0" smtClean="0"/>
-          </a:p>
-          <a:p>
-            <a:r>
-              <a:rPr lang="en-IN" dirty="0" smtClean="0"/>
-              <a:t>Knowledge Distillation </a:t>
-            </a:r>
-            <a:r>
-              <a:rPr lang="en-IN" dirty="0" smtClean="0"/>
-              <a:t>Schemes</a:t>
-            </a:r>
-            <a:endParaRPr lang="en-IN" dirty="0" smtClean="0"/>
-          </a:p>
-          <a:p>
-            <a:r>
-              <a:rPr lang="en-IN" dirty="0" smtClean="0"/>
-              <a:t>Knowledge Distillation </a:t>
-            </a:r>
-            <a:r>
-              <a:rPr lang="en-IN" dirty="0" smtClean="0"/>
-              <a:t>Algorithms </a:t>
-            </a:r>
-            <a:endParaRPr lang="en-IN" dirty="0" smtClean="0"/>
+              <a:t>Knowledge Distillation Types</a:t>
+            </a:r>
+          </a:p>
+          <a:p>
+            <a:r>
+              <a:rPr lang="en-IN" dirty="0" smtClean="0"/>
+              <a:t>Knowledge Distillation Schemes</a:t>
+            </a:r>
+          </a:p>
+          <a:p>
+            <a:r>
+              <a:rPr lang="en-IN" dirty="0" smtClean="0"/>
+              <a:t>Knowledge Distillation Algorithms </a:t>
+            </a:r>
           </a:p>
           <a:p>
             <a:r>
               <a:rPr lang="en-IN" dirty="0" smtClean="0"/>
               <a:t>Knowledge Distillation – Applications</a:t>
             </a:r>
-            <a:endParaRPr lang="en-IN" dirty="0" smtClean="0"/>
           </a:p>
           <a:p>
             <a:r>
@@ -4592,52 +4479,25 @@
           <a:p>
             <a:r>
               <a:rPr lang="en-IN" dirty="0" smtClean="0"/>
-              <a:t>Established </a:t>
-            </a:r>
-            <a:r>
-              <a:rPr lang="en-IN" dirty="0" smtClean="0"/>
-              <a:t>technique</a:t>
-            </a:r>
-            <a:endParaRPr lang="en-IN" dirty="0" smtClean="0"/>
-          </a:p>
-          <a:p>
-            <a:r>
-              <a:rPr lang="en-IN" dirty="0" smtClean="0"/>
-              <a:t>Easy </a:t>
-            </a:r>
-            <a:r>
-              <a:rPr lang="en-IN" dirty="0" smtClean="0"/>
-              <a:t>to implement</a:t>
-            </a:r>
-            <a:endParaRPr lang="en-IN" dirty="0" smtClean="0"/>
-          </a:p>
-          <a:p>
-            <a:r>
-              <a:rPr lang="en-IN" dirty="0" smtClean="0"/>
-              <a:t>Train </a:t>
-            </a:r>
-            <a:r>
-              <a:rPr lang="en-IN" dirty="0" smtClean="0"/>
-              <a:t>teacher model on training dataset</a:t>
-            </a:r>
-            <a:endParaRPr lang="en-IN" dirty="0" smtClean="0"/>
-          </a:p>
-          <a:p>
-            <a:r>
-              <a:rPr lang="en-IN" dirty="0" smtClean="0"/>
-              <a:t>Available </a:t>
-            </a:r>
-            <a:r>
-              <a:rPr lang="en-IN" dirty="0" smtClean="0"/>
-              <a:t>pre-trained </a:t>
-            </a:r>
-            <a:r>
-              <a:rPr lang="en-IN" dirty="0" smtClean="0"/>
-              <a:t>teacher </a:t>
-            </a:r>
-            <a:r>
-              <a:rPr lang="en-IN" dirty="0" smtClean="0"/>
-              <a:t>models</a:t>
+              <a:t>Established technique</a:t>
+            </a:r>
+          </a:p>
+          <a:p>
+            <a:r>
+              <a:rPr lang="en-IN" dirty="0" smtClean="0"/>
+              <a:t>Easy to implement</a:t>
+            </a:r>
+          </a:p>
+          <a:p>
+            <a:r>
+              <a:rPr lang="en-IN" dirty="0" smtClean="0"/>
+              <a:t>Train teacher model on training dataset</a:t>
+            </a:r>
+          </a:p>
+          <a:p>
+            <a:r>
+              <a:rPr lang="en-IN" dirty="0" smtClean="0"/>
+              <a:t>Available pre-trained teacher models</a:t>
             </a:r>
           </a:p>
           <a:p>
@@ -4659,7 +4519,6 @@
               <a:rPr lang="en-IN" dirty="0" smtClean="0"/>
               <a:t>Update student model</a:t>
             </a:r>
-            <a:endParaRPr lang="en-IN" dirty="0" smtClean="0"/>
           </a:p>
           <a:p>
             <a:pPr lvl="1"/>
@@ -4761,13 +4620,8 @@
             <a:pPr lvl="1"/>
             <a:r>
               <a:rPr lang="en-IN" dirty="0" smtClean="0"/>
-              <a:t>Specific </a:t>
-            </a:r>
-            <a:r>
-              <a:rPr lang="en-IN" dirty="0" smtClean="0"/>
-              <a:t>use case</a:t>
-            </a:r>
-            <a:endParaRPr lang="en-IN" dirty="0" smtClean="0"/>
+              <a:t>Specific use case</a:t>
+            </a:r>
           </a:p>
           <a:p>
             <a:r>
@@ -4784,13 +4638,8 @@
           <a:p>
             <a:r>
               <a:rPr lang="en-IN" dirty="0" smtClean="0"/>
-              <a:t>Update </a:t>
-            </a:r>
-            <a:r>
-              <a:rPr lang="en-IN" dirty="0" smtClean="0"/>
-              <a:t>simultaneously </a:t>
-            </a:r>
-            <a:endParaRPr lang="en-IN" dirty="0" smtClean="0"/>
+              <a:t>Update simultaneously </a:t>
+            </a:r>
           </a:p>
           <a:p>
             <a:pPr lvl="1"/>
@@ -4893,34 +4742,34 @@
           <a:p>
             <a:r>
               <a:rPr lang="en-IN" dirty="0" smtClean="0"/>
-              <a:t>Knowledge </a:t>
-            </a:r>
-            <a:r>
-              <a:rPr lang="en-IN" dirty="0" smtClean="0"/>
-              <a:t>transfer </a:t>
-            </a:r>
-            <a:r>
-              <a:rPr lang="en-IN" dirty="0" smtClean="0"/>
-              <a:t>from </a:t>
+              <a:t>Knowledge transfer from </a:t>
             </a:r>
           </a:p>
           <a:p>
             <a:pPr lvl="1"/>
             <a:r>
               <a:rPr lang="en-IN" dirty="0" smtClean="0"/>
-              <a:t>Deeper </a:t>
-            </a:r>
-            <a:r>
-              <a:rPr lang="en-IN" dirty="0" smtClean="0"/>
-              <a:t>layers </a:t>
-            </a:r>
-            <a:r>
-              <a:rPr lang="en-IN" dirty="0" smtClean="0"/>
-              <a:t>to shallow </a:t>
+              <a:t>Deeper layers to shallow </a:t>
             </a:r>
             <a:r>
               <a:rPr lang="en-IN" dirty="0" smtClean="0"/>
               <a:t>layers</a:t>
+            </a:r>
+          </a:p>
+          <a:p>
+            <a:r>
+              <a:rPr lang="en-IN" dirty="0" smtClean="0"/>
+              <a:t>epoch (t-1) – Teacher model – Soft targets</a:t>
+            </a:r>
+          </a:p>
+          <a:p>
+            <a:r>
+              <a:rPr lang="en-IN" dirty="0" smtClean="0"/>
+              <a:t>epoch (t) – Student </a:t>
+            </a:r>
+            <a:r>
+              <a:rPr lang="en-IN" smtClean="0"/>
+              <a:t>model – Distillation loss</a:t>
             </a:r>
             <a:endParaRPr lang="en-IN" dirty="0"/>
           </a:p>
@@ -5203,7 +5052,6 @@
               <a:rPr lang="en-IN" dirty="0" smtClean="0"/>
               <a:t>Emulate thought process</a:t>
             </a:r>
-            <a:endParaRPr lang="en-IN" dirty="0" smtClean="0"/>
           </a:p>
           <a:p>
             <a:endParaRPr lang="en-IN" dirty="0"/>
@@ -5363,15 +5211,7 @@
           <a:p>
             <a:r>
               <a:rPr lang="en-IN" dirty="0" smtClean="0"/>
-              <a:t>Large pre-trained model or </a:t>
-            </a:r>
-            <a:r>
-              <a:rPr lang="en-IN" dirty="0" smtClean="0"/>
-              <a:t>set </a:t>
-            </a:r>
-            <a:r>
-              <a:rPr lang="en-IN" dirty="0" smtClean="0"/>
-              <a:t>of models</a:t>
+              <a:t>Large pre-trained model or set of models</a:t>
             </a:r>
           </a:p>
           <a:p>
@@ -5393,21 +5233,8 @@
                   <a:srgbClr val="00B050"/>
                 </a:solidFill>
               </a:rPr>
-              <a:t>ensemble </a:t>
-            </a:r>
-            <a:r>
-              <a:rPr lang="en-IN" dirty="0" smtClean="0">
-                <a:solidFill>
-                  <a:srgbClr val="00B050"/>
-                </a:solidFill>
-              </a:rPr>
-              <a:t>of models</a:t>
-            </a:r>
-            <a:endParaRPr lang="en-IN" dirty="0" smtClean="0">
-              <a:solidFill>
-                <a:srgbClr val="00B050"/>
-              </a:solidFill>
-            </a:endParaRPr>
+              <a:t>ensemble of models</a:t>
+            </a:r>
           </a:p>
           <a:p>
             <a:r>
@@ -5511,15 +5338,7 @@
                   <a:srgbClr val="00B050"/>
                 </a:solidFill>
               </a:rPr>
-              <a:t>Small student </a:t>
-            </a:r>
-            <a:r>
-              <a:rPr lang="en-IN" dirty="0" smtClean="0">
-                <a:solidFill>
-                  <a:srgbClr val="00B050"/>
-                </a:solidFill>
-              </a:rPr>
-              <a:t>model</a:t>
+              <a:t>Small student model</a:t>
             </a:r>
             <a:r>
               <a:rPr lang="en-IN" dirty="0" smtClean="0"/>
@@ -5769,7 +5588,7 @@
           <p:cNvPr id="4" name="Picture 3">
             <a:extLst>
               <a:ext uri="{FF2B5EF4-FFF2-40B4-BE49-F238E27FC236}">
-                <a16:creationId xmlns="" xmlns:a16="http://schemas.microsoft.com/office/drawing/2014/main" id="{C0FA23D2-7DB2-9CE4-E522-400E283648AF}"/>
+                <a16:creationId xmlns:a16="http://schemas.microsoft.com/office/drawing/2014/main" xmlns="" id="{C0FA23D2-7DB2-9CE4-E522-400E283648AF}"/>
               </a:ext>
             </a:extLst>
           </p:cNvPr>
@@ -5782,7 +5601,7 @@
           <a:blip r:embed="rId2">
             <a:extLst>
               <a:ext uri="{28A0092B-C50C-407E-A947-70E740481C1C}">
-                <a14:useLocalDpi xmlns="" xmlns:a14="http://schemas.microsoft.com/office/drawing/2010/main" val="0"/>
+                <a14:useLocalDpi xmlns:a14="http://schemas.microsoft.com/office/drawing/2010/main" xmlns="" val="0"/>
               </a:ext>
             </a:extLst>
           </a:blip>
@@ -5941,23 +5760,14 @@
           <a:p>
             <a:r>
               <a:rPr lang="en-IN" dirty="0" smtClean="0"/>
-              <a:t>Model </a:t>
-            </a:r>
-            <a:r>
-              <a:rPr lang="en-IN" dirty="0" smtClean="0"/>
-              <a:t>knowledge</a:t>
-            </a:r>
-            <a:endParaRPr lang="en-IN" dirty="0" smtClean="0"/>
+              <a:t>Model knowledge</a:t>
+            </a:r>
           </a:p>
           <a:p>
             <a:pPr lvl="1"/>
             <a:r>
               <a:rPr lang="en-IN" dirty="0" smtClean="0"/>
-              <a:t>Learned input to output </a:t>
-            </a:r>
-            <a:r>
-              <a:rPr lang="en-IN" dirty="0" smtClean="0"/>
-              <a:t>mapping</a:t>
+              <a:t>Learned input to output mapping</a:t>
             </a:r>
           </a:p>
           <a:p>
@@ -6192,21 +6002,8 @@
                   <a:srgbClr val="00B050"/>
                 </a:solidFill>
               </a:rPr>
-              <a:t>Soft </a:t>
-            </a:r>
-            <a:r>
-              <a:rPr lang="en-IN" dirty="0" smtClean="0">
-                <a:solidFill>
-                  <a:srgbClr val="00B050"/>
-                </a:solidFill>
-              </a:rPr>
-              <a:t>Loss</a:t>
-            </a:r>
-            <a:endParaRPr lang="en-IN" dirty="0" smtClean="0">
-              <a:solidFill>
-                <a:srgbClr val="00B050"/>
-              </a:solidFill>
-            </a:endParaRPr>
+              <a:t>Soft Loss</a:t>
+            </a:r>
           </a:p>
           <a:p>
             <a:pPr lvl="1"/>
